--- a/Play take 2.pptx
+++ b/Play take 2.pptx
@@ -5,7 +5,7 @@
     <p:sldMasterId id="2147483648" r:id="rId1"/>
   </p:sldMasterIdLst>
   <p:notesMasterIdLst>
-    <p:notesMasterId r:id="rId10"/>
+    <p:notesMasterId r:id="rId13"/>
   </p:notesMasterIdLst>
   <p:sldIdLst>
     <p:sldId id="258" r:id="rId2"/>
@@ -16,6 +16,9 @@
     <p:sldId id="262" r:id="rId7"/>
     <p:sldId id="263" r:id="rId8"/>
     <p:sldId id="264" r:id="rId9"/>
+    <p:sldId id="265" r:id="rId10"/>
+    <p:sldId id="266" r:id="rId11"/>
+    <p:sldId id="267" r:id="rId12"/>
   </p:sldIdLst>
   <p:sldSz cx="9144000" cy="6858000" type="screen4x3"/>
   <p:notesSz cx="6858000" cy="9144000"/>
@@ -575,6 +578,685 @@
 </p:notes>
 </file>
 
+<file path=ppt/notesSlides/notesSlide10.xml><?xml version="1.0" encoding="utf-8"?>
+<p:notes xmlns:a="http://schemas.openxmlformats.org/drawingml/2006/main" xmlns:r="http://schemas.openxmlformats.org/officeDocument/2006/relationships" xmlns:p="http://schemas.openxmlformats.org/presentationml/2006/main">
+  <p:cSld>
+    <p:spTree>
+      <p:nvGrpSpPr>
+        <p:cNvPr id="1" name=""/>
+        <p:cNvGrpSpPr/>
+        <p:nvPr/>
+      </p:nvGrpSpPr>
+      <p:grpSpPr>
+        <a:xfrm>
+          <a:off x="0" y="0"/>
+          <a:ext cx="0" cy="0"/>
+          <a:chOff x="0" y="0"/>
+          <a:chExt cx="0" cy="0"/>
+        </a:xfrm>
+      </p:grpSpPr>
+      <p:sp>
+        <p:nvSpPr>
+          <p:cNvPr id="2" name="Symbol zastępczy obrazu slajdu 1"/>
+          <p:cNvSpPr>
+            <a:spLocks noGrp="1" noRot="1" noChangeAspect="1"/>
+          </p:cNvSpPr>
+          <p:nvPr>
+            <p:ph type="sldImg"/>
+          </p:nvPr>
+        </p:nvSpPr>
+        <p:spPr/>
+      </p:sp>
+      <p:sp>
+        <p:nvSpPr>
+          <p:cNvPr id="3" name="Symbol zastępczy notatek 2"/>
+          <p:cNvSpPr>
+            <a:spLocks noGrp="1"/>
+          </p:cNvSpPr>
+          <p:nvPr>
+            <p:ph type="body" idx="1"/>
+          </p:nvPr>
+        </p:nvSpPr>
+        <p:spPr/>
+        <p:txBody>
+          <a:bodyPr/>
+          <a:lstStyle/>
+          <a:p>
+            <a:r>
+              <a:rPr lang="en-IE" b="1" dirty="0" smtClean="0"/>
+              <a:t>app</a:t>
+            </a:r>
+            <a:r>
+              <a:rPr lang="en-IE" dirty="0" smtClean="0"/>
+              <a:t> folder</a:t>
+            </a:r>
+          </a:p>
+          <a:p>
+            <a:r>
+              <a:rPr lang="en-IE" dirty="0" smtClean="0"/>
+              <a:t>	-</a:t>
+            </a:r>
+            <a:r>
+              <a:rPr lang="en-IE" baseline="0" dirty="0" smtClean="0"/>
+              <a:t> primary location to store the application source code</a:t>
+            </a:r>
+          </a:p>
+          <a:p>
+            <a:r>
+              <a:rPr lang="en-IE" baseline="0" dirty="0" smtClean="0"/>
+              <a:t>	- </a:t>
+            </a:r>
+            <a:r>
+              <a:rPr lang="en-IE" sz="1200" kern="1200" baseline="0" dirty="0" smtClean="0">
+                <a:solidFill>
+                  <a:schemeClr val="tx1"/>
+                </a:solidFill>
+                <a:effectLst/>
+                <a:latin typeface="+mn-lt"/>
+                <a:ea typeface="+mn-ea"/>
+                <a:cs typeface="+mn-cs"/>
+              </a:rPr>
+              <a:t>it contains </a:t>
+            </a:r>
+            <a:r>
+              <a:rPr lang="en-IE" sz="1200" kern="1200" dirty="0" smtClean="0">
+                <a:solidFill>
+                  <a:schemeClr val="tx1"/>
+                </a:solidFill>
+                <a:effectLst/>
+                <a:latin typeface="+mn-lt"/>
+                <a:ea typeface="+mn-ea"/>
+                <a:cs typeface="+mn-cs"/>
+              </a:rPr>
+              <a:t>controllers, views, and model code</a:t>
+            </a:r>
+          </a:p>
+          <a:p>
+            <a:r>
+              <a:rPr lang="en-IE" sz="1200" kern="1200" dirty="0" smtClean="0">
+                <a:solidFill>
+                  <a:schemeClr val="tx1"/>
+                </a:solidFill>
+                <a:effectLst/>
+                <a:latin typeface="+mn-lt"/>
+                <a:ea typeface="+mn-ea"/>
+                <a:cs typeface="+mn-cs"/>
+              </a:rPr>
+              <a:t>	-</a:t>
+            </a:r>
+            <a:r>
+              <a:rPr lang="en-IE" sz="1200" kern="1200" baseline="0" dirty="0" smtClean="0">
+                <a:solidFill>
+                  <a:schemeClr val="tx1"/>
+                </a:solidFill>
+                <a:effectLst/>
+                <a:latin typeface="+mn-lt"/>
+                <a:ea typeface="+mn-ea"/>
+                <a:cs typeface="+mn-cs"/>
+              </a:rPr>
+              <a:t> it is convention and u can break out of this convention but it may need some configuration changes</a:t>
+            </a:r>
+          </a:p>
+          <a:p>
+            <a:r>
+              <a:rPr lang="en-IE" sz="1200" b="1" kern="1200" baseline="0" dirty="0" err="1" smtClean="0">
+                <a:solidFill>
+                  <a:schemeClr val="tx1"/>
+                </a:solidFill>
+                <a:effectLst/>
+                <a:latin typeface="+mn-lt"/>
+                <a:ea typeface="+mn-ea"/>
+                <a:cs typeface="+mn-cs"/>
+              </a:rPr>
+              <a:t>conf</a:t>
+            </a:r>
+            <a:r>
+              <a:rPr lang="en-IE" sz="1200" b="1" kern="1200" baseline="0" dirty="0" smtClean="0">
+                <a:solidFill>
+                  <a:schemeClr val="tx1"/>
+                </a:solidFill>
+                <a:effectLst/>
+                <a:latin typeface="+mn-lt"/>
+                <a:ea typeface="+mn-ea"/>
+                <a:cs typeface="+mn-cs"/>
+              </a:rPr>
+              <a:t> </a:t>
+            </a:r>
+            <a:r>
+              <a:rPr lang="en-IE" sz="1200" kern="1200" baseline="0" dirty="0" smtClean="0">
+                <a:solidFill>
+                  <a:schemeClr val="tx1"/>
+                </a:solidFill>
+                <a:effectLst/>
+                <a:latin typeface="+mn-lt"/>
+                <a:ea typeface="+mn-ea"/>
+                <a:cs typeface="+mn-cs"/>
+              </a:rPr>
+              <a:t>folder</a:t>
+            </a:r>
+          </a:p>
+          <a:p>
+            <a:r>
+              <a:rPr lang="en-IE" sz="1200" kern="1200" baseline="0" dirty="0" smtClean="0">
+                <a:solidFill>
+                  <a:schemeClr val="tx1"/>
+                </a:solidFill>
+                <a:effectLst/>
+                <a:latin typeface="+mn-lt"/>
+                <a:ea typeface="+mn-ea"/>
+                <a:cs typeface="+mn-cs"/>
+              </a:rPr>
+              <a:t>	- </a:t>
+            </a:r>
+            <a:r>
+              <a:rPr lang="en-IE" sz="1200" u="none" strike="noStrike" kern="1200" dirty="0" smtClean="0">
+                <a:solidFill>
+                  <a:schemeClr val="tx1"/>
+                </a:solidFill>
+                <a:effectLst/>
+                <a:latin typeface="+mn-lt"/>
+                <a:ea typeface="+mn-ea"/>
+                <a:cs typeface="+mn-cs"/>
+              </a:rPr>
+              <a:t>holds non-source files that relate to the configuration of the application</a:t>
+            </a:r>
+          </a:p>
+          <a:p>
+            <a:r>
+              <a:rPr lang="en-IE" sz="1200" u="none" strike="noStrike" kern="1200" dirty="0" smtClean="0">
+                <a:solidFill>
+                  <a:schemeClr val="tx1"/>
+                </a:solidFill>
+                <a:effectLst/>
+                <a:latin typeface="+mn-lt"/>
+                <a:ea typeface="+mn-ea"/>
+                <a:cs typeface="+mn-cs"/>
+              </a:rPr>
+              <a:t>	-</a:t>
+            </a:r>
+            <a:r>
+              <a:rPr lang="en-IE" sz="1200" u="none" strike="noStrike" kern="1200" baseline="0" dirty="0" smtClean="0">
+                <a:solidFill>
+                  <a:schemeClr val="tx1"/>
+                </a:solidFill>
+                <a:effectLst/>
+                <a:latin typeface="+mn-lt"/>
+                <a:ea typeface="+mn-ea"/>
+                <a:cs typeface="+mn-cs"/>
+              </a:rPr>
+              <a:t> t</a:t>
+            </a:r>
+            <a:r>
+              <a:rPr lang="en-IE" sz="1200" u="none" strike="noStrike" kern="1200" dirty="0" smtClean="0">
+                <a:solidFill>
+                  <a:schemeClr val="tx1"/>
+                </a:solidFill>
+                <a:effectLst/>
+                <a:latin typeface="+mn-lt"/>
+                <a:ea typeface="+mn-ea"/>
+                <a:cs typeface="+mn-cs"/>
+              </a:rPr>
+              <a:t>his includes </a:t>
+            </a:r>
+            <a:r>
+              <a:rPr lang="en-IE" sz="1200" u="none" strike="noStrike" kern="1200" dirty="0" err="1" smtClean="0">
+                <a:solidFill>
+                  <a:schemeClr val="tx1"/>
+                </a:solidFill>
+                <a:effectLst/>
+                <a:latin typeface="+mn-lt"/>
+                <a:ea typeface="+mn-ea"/>
+                <a:cs typeface="+mn-cs"/>
+              </a:rPr>
+              <a:t>application.conf</a:t>
+            </a:r>
+            <a:r>
+              <a:rPr lang="en-IE" sz="1200" u="none" strike="noStrike" kern="1200" dirty="0" smtClean="0">
+                <a:solidFill>
+                  <a:schemeClr val="tx1"/>
+                </a:solidFill>
+                <a:effectLst/>
+                <a:latin typeface="+mn-lt"/>
+                <a:ea typeface="+mn-ea"/>
+                <a:cs typeface="+mn-cs"/>
+              </a:rPr>
+              <a:t> file, the default and primary source for configuration data in the application</a:t>
+            </a:r>
+          </a:p>
+          <a:p>
+            <a:r>
+              <a:rPr lang="en-IE" sz="1200" u="none" strike="noStrike" kern="1200" dirty="0" smtClean="0">
+                <a:solidFill>
+                  <a:schemeClr val="tx1"/>
+                </a:solidFill>
+                <a:effectLst/>
+                <a:latin typeface="+mn-lt"/>
+                <a:ea typeface="+mn-ea"/>
+                <a:cs typeface="+mn-cs"/>
+              </a:rPr>
+              <a:t>	- also contains routes file, which is the central definition of all routes or endpoints of the application and their respected parameters</a:t>
+            </a:r>
+          </a:p>
+          <a:p>
+            <a:r>
+              <a:rPr lang="en-IE" sz="1200" b="1" u="none" strike="noStrike" kern="1200" dirty="0" smtClean="0">
+                <a:solidFill>
+                  <a:schemeClr val="tx1"/>
+                </a:solidFill>
+                <a:effectLst/>
+                <a:latin typeface="+mn-lt"/>
+                <a:ea typeface="+mn-ea"/>
+                <a:cs typeface="+mn-cs"/>
+              </a:rPr>
+              <a:t>project</a:t>
+            </a:r>
+            <a:r>
+              <a:rPr lang="en-IE" sz="1200" u="none" strike="noStrike" kern="1200" baseline="0" dirty="0" smtClean="0">
+                <a:solidFill>
+                  <a:schemeClr val="tx1"/>
+                </a:solidFill>
+                <a:effectLst/>
+                <a:latin typeface="+mn-lt"/>
+                <a:ea typeface="+mn-ea"/>
+                <a:cs typeface="+mn-cs"/>
+              </a:rPr>
+              <a:t> folder</a:t>
+            </a:r>
+          </a:p>
+          <a:p>
+            <a:r>
+              <a:rPr lang="en-IE" sz="1200" u="none" strike="noStrike" kern="1200" baseline="0" dirty="0" smtClean="0">
+                <a:solidFill>
+                  <a:schemeClr val="tx1"/>
+                </a:solidFill>
+                <a:effectLst/>
+                <a:latin typeface="+mn-lt"/>
+                <a:ea typeface="+mn-ea"/>
+                <a:cs typeface="+mn-cs"/>
+              </a:rPr>
+              <a:t>	- </a:t>
+            </a:r>
+            <a:r>
+              <a:rPr lang="en-IE" sz="1200" u="none" strike="noStrike" kern="1200" dirty="0" smtClean="0">
+                <a:solidFill>
+                  <a:schemeClr val="tx1"/>
+                </a:solidFill>
+                <a:effectLst/>
+                <a:latin typeface="+mn-lt"/>
+                <a:ea typeface="+mn-ea"/>
+                <a:cs typeface="+mn-cs"/>
+              </a:rPr>
+              <a:t>contains files that are used to define the project and configuration necessary to build and run the application</a:t>
+            </a:r>
+          </a:p>
+          <a:p>
+            <a:r>
+              <a:rPr lang="en-IE" sz="1200" u="none" strike="noStrike" kern="1200" dirty="0" smtClean="0">
+                <a:solidFill>
+                  <a:schemeClr val="tx1"/>
+                </a:solidFill>
+                <a:effectLst/>
+                <a:latin typeface="+mn-lt"/>
+                <a:ea typeface="+mn-ea"/>
+                <a:cs typeface="+mn-cs"/>
+              </a:rPr>
+              <a:t>	-</a:t>
+            </a:r>
+            <a:r>
+              <a:rPr lang="en-IE" sz="1200" u="none" strike="noStrike" kern="1200" baseline="0" dirty="0" smtClean="0">
+                <a:solidFill>
+                  <a:schemeClr val="tx1"/>
+                </a:solidFill>
+                <a:effectLst/>
+                <a:latin typeface="+mn-lt"/>
+                <a:ea typeface="+mn-ea"/>
+                <a:cs typeface="+mn-cs"/>
+              </a:rPr>
+              <a:t> </a:t>
+            </a:r>
+            <a:r>
+              <a:rPr lang="en-IE" sz="1200" u="none" strike="noStrike" kern="1200" dirty="0" smtClean="0">
+                <a:solidFill>
+                  <a:schemeClr val="tx1"/>
+                </a:solidFill>
+                <a:effectLst/>
+                <a:latin typeface="+mn-lt"/>
+                <a:ea typeface="+mn-ea"/>
+                <a:cs typeface="+mn-cs"/>
+              </a:rPr>
+              <a:t>the build file is actually a Scala file,</a:t>
+            </a:r>
+            <a:r>
+              <a:rPr lang="en-IE" sz="1200" u="none" strike="noStrike" kern="1200" baseline="0" dirty="0" smtClean="0">
+                <a:solidFill>
+                  <a:schemeClr val="tx1"/>
+                </a:solidFill>
+                <a:effectLst/>
+                <a:latin typeface="+mn-lt"/>
+                <a:ea typeface="+mn-ea"/>
+                <a:cs typeface="+mn-cs"/>
+              </a:rPr>
+              <a:t> cos </a:t>
+            </a:r>
+            <a:r>
+              <a:rPr lang="en-IE" sz="1200" u="none" strike="noStrike" kern="1200" dirty="0" smtClean="0">
+                <a:solidFill>
+                  <a:schemeClr val="tx1"/>
+                </a:solidFill>
+                <a:effectLst/>
+                <a:latin typeface="+mn-lt"/>
+                <a:ea typeface="+mn-ea"/>
+                <a:cs typeface="+mn-cs"/>
+              </a:rPr>
+              <a:t>the underlying build system is SBT; the Simple Build Tool, which uses Scala and a Scala-like DSL for 	build definitions</a:t>
+            </a:r>
+          </a:p>
+          <a:p>
+            <a:r>
+              <a:rPr lang="en-IE" sz="1200" b="1" u="none" strike="noStrike" kern="1200" dirty="0" smtClean="0">
+                <a:solidFill>
+                  <a:schemeClr val="tx1"/>
+                </a:solidFill>
+                <a:effectLst/>
+                <a:latin typeface="+mn-lt"/>
+                <a:ea typeface="+mn-ea"/>
+                <a:cs typeface="+mn-cs"/>
+              </a:rPr>
+              <a:t>public</a:t>
+            </a:r>
+            <a:r>
+              <a:rPr lang="en-IE" sz="1200" u="none" strike="noStrike" kern="1200" dirty="0" smtClean="0">
+                <a:solidFill>
+                  <a:schemeClr val="tx1"/>
+                </a:solidFill>
+                <a:effectLst/>
+                <a:latin typeface="+mn-lt"/>
+                <a:ea typeface="+mn-ea"/>
+                <a:cs typeface="+mn-cs"/>
+              </a:rPr>
+              <a:t> folder</a:t>
+            </a:r>
+          </a:p>
+          <a:p>
+            <a:r>
+              <a:rPr lang="en-IE" sz="1200" u="none" strike="noStrike" kern="1200" dirty="0" smtClean="0">
+                <a:solidFill>
+                  <a:schemeClr val="tx1"/>
+                </a:solidFill>
+                <a:effectLst/>
+                <a:latin typeface="+mn-lt"/>
+                <a:ea typeface="+mn-ea"/>
+                <a:cs typeface="+mn-cs"/>
+              </a:rPr>
+              <a:t>	- holds all the static assets that your application will want to serve, such as images, </a:t>
+            </a:r>
+            <a:r>
+              <a:rPr lang="en-IE" sz="1200" u="none" strike="noStrike" kern="1200" dirty="0" err="1" smtClean="0">
+                <a:solidFill>
+                  <a:schemeClr val="tx1"/>
+                </a:solidFill>
+                <a:effectLst/>
+                <a:latin typeface="+mn-lt"/>
+                <a:ea typeface="+mn-ea"/>
+                <a:cs typeface="+mn-cs"/>
+              </a:rPr>
+              <a:t>javascripts</a:t>
+            </a:r>
+            <a:r>
+              <a:rPr lang="en-IE" sz="1200" u="none" strike="noStrike" kern="1200" dirty="0" smtClean="0">
+                <a:solidFill>
+                  <a:schemeClr val="tx1"/>
+                </a:solidFill>
+                <a:effectLst/>
+                <a:latin typeface="+mn-lt"/>
+                <a:ea typeface="+mn-ea"/>
+                <a:cs typeface="+mn-cs"/>
+              </a:rPr>
+              <a:t>, and CSS</a:t>
+            </a:r>
+          </a:p>
+          <a:p>
+            <a:r>
+              <a:rPr lang="en-IE" sz="1200" b="1" u="none" strike="noStrike" kern="1200" dirty="0" smtClean="0">
+                <a:solidFill>
+                  <a:schemeClr val="tx1"/>
+                </a:solidFill>
+                <a:effectLst/>
+                <a:latin typeface="+mn-lt"/>
+                <a:ea typeface="+mn-ea"/>
+                <a:cs typeface="+mn-cs"/>
+              </a:rPr>
+              <a:t>test</a:t>
+            </a:r>
+            <a:r>
+              <a:rPr lang="en-IE" sz="1200" u="none" strike="noStrike" kern="1200" dirty="0" smtClean="0">
+                <a:solidFill>
+                  <a:schemeClr val="tx1"/>
+                </a:solidFill>
+                <a:effectLst/>
+                <a:latin typeface="+mn-lt"/>
+                <a:ea typeface="+mn-ea"/>
+                <a:cs typeface="+mn-cs"/>
+              </a:rPr>
+              <a:t> folder</a:t>
+            </a:r>
+          </a:p>
+          <a:p>
+            <a:pPr marL="0" marR="0" indent="0" algn="l" defTabSz="914400" rtl="0" eaLnBrk="1" fontAlgn="auto" latinLnBrk="0" hangingPunct="1">
+              <a:lnSpc>
+                <a:spcPct val="100000"/>
+              </a:lnSpc>
+              <a:spcBef>
+                <a:spcPts val="0"/>
+              </a:spcBef>
+              <a:spcAft>
+                <a:spcPts val="0"/>
+              </a:spcAft>
+              <a:buClrTx/>
+              <a:buSzTx/>
+              <a:buFontTx/>
+              <a:buNone/>
+              <a:tabLst/>
+              <a:defRPr/>
+            </a:pPr>
+            <a:r>
+              <a:rPr lang="en-IE" sz="1200" u="none" strike="noStrike" kern="1200" dirty="0" smtClean="0">
+                <a:solidFill>
+                  <a:schemeClr val="tx1"/>
+                </a:solidFill>
+                <a:effectLst/>
+                <a:latin typeface="+mn-lt"/>
+                <a:ea typeface="+mn-ea"/>
+                <a:cs typeface="+mn-cs"/>
+              </a:rPr>
+              <a:t>	- default place to create any tests</a:t>
+            </a:r>
+          </a:p>
+          <a:p>
+            <a:pPr marL="0" marR="0" indent="0" algn="l" defTabSz="914400" rtl="0" eaLnBrk="1" fontAlgn="auto" latinLnBrk="0" hangingPunct="1">
+              <a:lnSpc>
+                <a:spcPct val="100000"/>
+              </a:lnSpc>
+              <a:spcBef>
+                <a:spcPts val="0"/>
+              </a:spcBef>
+              <a:spcAft>
+                <a:spcPts val="0"/>
+              </a:spcAft>
+              <a:buClrTx/>
+              <a:buSzTx/>
+              <a:buFontTx/>
+              <a:buNone/>
+              <a:tabLst/>
+              <a:defRPr/>
+            </a:pPr>
+            <a:r>
+              <a:rPr lang="en-IE" sz="1200" u="none" strike="noStrike" kern="1200" dirty="0" smtClean="0">
+                <a:solidFill>
+                  <a:schemeClr val="tx1"/>
+                </a:solidFill>
+                <a:effectLst/>
+                <a:latin typeface="+mn-lt"/>
+                <a:ea typeface="+mn-ea"/>
+                <a:cs typeface="+mn-cs"/>
+              </a:rPr>
+              <a:t>	- can be </a:t>
+            </a:r>
+            <a:r>
+              <a:rPr lang="en-IE" sz="1200" u="none" strike="noStrike" kern="1200" dirty="0" err="1" smtClean="0">
+                <a:solidFill>
+                  <a:schemeClr val="tx1"/>
+                </a:solidFill>
+                <a:effectLst/>
+                <a:latin typeface="+mn-lt"/>
+                <a:ea typeface="+mn-ea"/>
+                <a:cs typeface="+mn-cs"/>
+              </a:rPr>
+              <a:t>Ats</a:t>
+            </a:r>
+            <a:r>
+              <a:rPr lang="en-IE" sz="1200" u="none" strike="noStrike" kern="1200" dirty="0" smtClean="0">
+                <a:solidFill>
+                  <a:schemeClr val="tx1"/>
+                </a:solidFill>
+                <a:effectLst/>
+                <a:latin typeface="+mn-lt"/>
+                <a:ea typeface="+mn-ea"/>
+                <a:cs typeface="+mn-cs"/>
+              </a:rPr>
+              <a:t>,</a:t>
+            </a:r>
+            <a:r>
+              <a:rPr lang="en-IE" sz="1200" u="none" strike="noStrike" kern="1200" baseline="0" dirty="0" smtClean="0">
+                <a:solidFill>
+                  <a:schemeClr val="tx1"/>
+                </a:solidFill>
+                <a:effectLst/>
+                <a:latin typeface="+mn-lt"/>
+                <a:ea typeface="+mn-ea"/>
+                <a:cs typeface="+mn-cs"/>
+              </a:rPr>
+              <a:t> UTs…</a:t>
+            </a:r>
+            <a:r>
+              <a:rPr lang="en-IE" sz="1200" u="none" strike="noStrike" kern="1200" dirty="0" smtClean="0">
+                <a:solidFill>
+                  <a:schemeClr val="tx1"/>
+                </a:solidFill>
+                <a:effectLst/>
+                <a:latin typeface="+mn-lt"/>
+                <a:ea typeface="+mn-ea"/>
+                <a:cs typeface="+mn-cs"/>
+              </a:rPr>
+              <a:t> </a:t>
+            </a:r>
+          </a:p>
+          <a:p>
+            <a:pPr marL="0" marR="0" indent="0" algn="l" defTabSz="914400" rtl="0" eaLnBrk="1" fontAlgn="auto" latinLnBrk="0" hangingPunct="1">
+              <a:lnSpc>
+                <a:spcPct val="100000"/>
+              </a:lnSpc>
+              <a:spcBef>
+                <a:spcPts val="0"/>
+              </a:spcBef>
+              <a:spcAft>
+                <a:spcPts val="0"/>
+              </a:spcAft>
+              <a:buClrTx/>
+              <a:buSzTx/>
+              <a:buFontTx/>
+              <a:buNone/>
+              <a:tabLst/>
+              <a:defRPr/>
+            </a:pPr>
+            <a:r>
+              <a:rPr lang="en-IE" sz="1200" u="none" strike="noStrike" kern="1200" dirty="0" smtClean="0">
+                <a:solidFill>
+                  <a:schemeClr val="tx1"/>
+                </a:solidFill>
+                <a:effectLst/>
+                <a:latin typeface="+mn-lt"/>
+                <a:ea typeface="+mn-ea"/>
+                <a:cs typeface="+mn-cs"/>
+              </a:rPr>
+              <a:t>	-</a:t>
+            </a:r>
+            <a:r>
+              <a:rPr lang="en-IE" sz="1200" u="none" strike="noStrike" kern="1200" baseline="0" dirty="0" smtClean="0">
+                <a:solidFill>
+                  <a:schemeClr val="tx1"/>
+                </a:solidFill>
+                <a:effectLst/>
+                <a:latin typeface="+mn-lt"/>
+                <a:ea typeface="+mn-ea"/>
+                <a:cs typeface="+mn-cs"/>
+              </a:rPr>
+              <a:t> </a:t>
+            </a:r>
+            <a:r>
+              <a:rPr lang="en-IE" sz="1200" u="none" strike="noStrike" kern="1200" dirty="0" smtClean="0">
+                <a:solidFill>
+                  <a:schemeClr val="tx1"/>
+                </a:solidFill>
+                <a:effectLst/>
+                <a:latin typeface="+mn-lt"/>
+                <a:ea typeface="+mn-ea"/>
+                <a:cs typeface="+mn-cs"/>
+              </a:rPr>
+              <a:t>can include any test-specific resources you may need </a:t>
+            </a:r>
+            <a:r>
+              <a:rPr lang="en-IE" sz="1200" u="none" strike="noStrike" kern="1200" smtClean="0">
+                <a:solidFill>
+                  <a:schemeClr val="tx1"/>
+                </a:solidFill>
+                <a:effectLst/>
+                <a:latin typeface="+mn-lt"/>
+                <a:ea typeface="+mn-ea"/>
+                <a:cs typeface="+mn-cs"/>
+              </a:rPr>
+              <a:t>as well</a:t>
+            </a:r>
+            <a:endParaRPr lang="pl-PL" dirty="0"/>
+          </a:p>
+        </p:txBody>
+      </p:sp>
+      <p:sp>
+        <p:nvSpPr>
+          <p:cNvPr id="4" name="Symbol zastępczy numeru slajdu 3"/>
+          <p:cNvSpPr>
+            <a:spLocks noGrp="1"/>
+          </p:cNvSpPr>
+          <p:nvPr>
+            <p:ph type="sldNum" sz="quarter" idx="10"/>
+          </p:nvPr>
+        </p:nvSpPr>
+        <p:spPr/>
+        <p:txBody>
+          <a:bodyPr/>
+          <a:lstStyle/>
+          <a:p>
+            <a:fld id="{E636E017-2961-4FC6-B7B9-AC52108EDB4A}" type="slidenum">
+              <a:rPr lang="pl-PL" smtClean="0"/>
+              <a:t>10</a:t>
+            </a:fld>
+            <a:endParaRPr lang="pl-PL"/>
+          </a:p>
+        </p:txBody>
+      </p:sp>
+    </p:spTree>
+    <p:extLst>
+      <p:ext uri="{BB962C8B-B14F-4D97-AF65-F5344CB8AC3E}">
+        <p14:creationId xmlns:p14="http://schemas.microsoft.com/office/powerpoint/2010/main" val="369486991"/>
+      </p:ext>
+    </p:extLst>
+  </p:cSld>
+  <p:clrMapOvr>
+    <a:masterClrMapping/>
+  </p:clrMapOvr>
+</p:notes>
+</file>
+
 <file path=ppt/notesSlides/notesSlide2.xml><?xml version="1.0" encoding="utf-8"?>
 <p:notes xmlns:a="http://schemas.openxmlformats.org/drawingml/2006/main" xmlns:r="http://schemas.openxmlformats.org/officeDocument/2006/relationships" xmlns:p="http://schemas.openxmlformats.org/presentationml/2006/main">
   <p:cSld>
@@ -2775,6 +3457,344 @@
     <p:extLst>
       <p:ext uri="{BB962C8B-B14F-4D97-AF65-F5344CB8AC3E}">
         <p14:creationId xmlns:p14="http://schemas.microsoft.com/office/powerpoint/2010/main" val="3958329140"/>
+      </p:ext>
+    </p:extLst>
+  </p:cSld>
+  <p:clrMapOvr>
+    <a:masterClrMapping/>
+  </p:clrMapOvr>
+</p:notes>
+</file>
+
+<file path=ppt/notesSlides/notesSlide8.xml><?xml version="1.0" encoding="utf-8"?>
+<p:notes xmlns:a="http://schemas.openxmlformats.org/drawingml/2006/main" xmlns:r="http://schemas.openxmlformats.org/officeDocument/2006/relationships" xmlns:p="http://schemas.openxmlformats.org/presentationml/2006/main">
+  <p:cSld>
+    <p:spTree>
+      <p:nvGrpSpPr>
+        <p:cNvPr id="1" name=""/>
+        <p:cNvGrpSpPr/>
+        <p:nvPr/>
+      </p:nvGrpSpPr>
+      <p:grpSpPr>
+        <a:xfrm>
+          <a:off x="0" y="0"/>
+          <a:ext cx="0" cy="0"/>
+          <a:chOff x="0" y="0"/>
+          <a:chExt cx="0" cy="0"/>
+        </a:xfrm>
+      </p:grpSpPr>
+      <p:sp>
+        <p:nvSpPr>
+          <p:cNvPr id="2" name="Symbol zastępczy obrazu slajdu 1"/>
+          <p:cNvSpPr>
+            <a:spLocks noGrp="1" noRot="1" noChangeAspect="1"/>
+          </p:cNvSpPr>
+          <p:nvPr>
+            <p:ph type="sldImg"/>
+          </p:nvPr>
+        </p:nvSpPr>
+        <p:spPr/>
+      </p:sp>
+      <p:sp>
+        <p:nvSpPr>
+          <p:cNvPr id="3" name="Symbol zastępczy notatek 2"/>
+          <p:cNvSpPr>
+            <a:spLocks noGrp="1"/>
+          </p:cNvSpPr>
+          <p:nvPr>
+            <p:ph type="body" idx="1"/>
+          </p:nvPr>
+        </p:nvSpPr>
+        <p:spPr/>
+        <p:txBody>
+          <a:bodyPr/>
+          <a:lstStyle/>
+          <a:p>
+            <a:pPr marL="171450" indent="-171450">
+              <a:buFontTx/>
+              <a:buChar char="-"/>
+            </a:pPr>
+            <a:r>
+              <a:rPr lang="en-IE" baseline="0" dirty="0" smtClean="0"/>
+              <a:t>command: </a:t>
+            </a:r>
+            <a:r>
+              <a:rPr lang="en-IE" b="1" dirty="0" smtClean="0"/>
+              <a:t>play</a:t>
+            </a:r>
+            <a:r>
+              <a:rPr lang="en-IE" b="1" baseline="0" dirty="0" smtClean="0"/>
+              <a:t> new</a:t>
+            </a:r>
+            <a:r>
+              <a:rPr lang="en-IE" baseline="0" dirty="0" smtClean="0"/>
+              <a:t> </a:t>
+            </a:r>
+            <a:r>
+              <a:rPr lang="en-IE" baseline="0" dirty="0" err="1" smtClean="0"/>
+              <a:t>SwimClubManager</a:t>
+            </a:r>
+            <a:r>
+              <a:rPr lang="en-IE" baseline="0" dirty="0" smtClean="0"/>
+              <a:t> </a:t>
+            </a:r>
+            <a:r>
+              <a:rPr lang="en-IE" baseline="0" dirty="0" smtClean="0">
+                <a:sym typeface="Wingdings" panose="05000000000000000000" pitchFamily="2" charset="2"/>
+              </a:rPr>
+              <a:t> creates new app</a:t>
+            </a:r>
+          </a:p>
+          <a:p>
+            <a:pPr marL="171450" indent="-171450">
+              <a:buFontTx/>
+              <a:buChar char="-"/>
+            </a:pPr>
+            <a:r>
+              <a:rPr lang="en-IE" baseline="0" dirty="0" smtClean="0">
+                <a:sym typeface="Wingdings" panose="05000000000000000000" pitchFamily="2" charset="2"/>
+              </a:rPr>
+              <a:t>Choose template:</a:t>
+            </a:r>
+          </a:p>
+          <a:p>
+            <a:pPr marL="0" indent="0">
+              <a:buFontTx/>
+              <a:buNone/>
+            </a:pPr>
+            <a:r>
+              <a:rPr lang="en-IE" baseline="0" dirty="0" smtClean="0">
+                <a:sym typeface="Wingdings" panose="05000000000000000000" pitchFamily="2" charset="2"/>
+              </a:rPr>
+              <a:t>	1 – Scala</a:t>
+            </a:r>
+          </a:p>
+          <a:p>
+            <a:pPr marL="0" indent="0">
+              <a:buFontTx/>
+              <a:buNone/>
+            </a:pPr>
+            <a:r>
+              <a:rPr lang="en-IE" baseline="0" dirty="0" smtClean="0">
+                <a:sym typeface="Wingdings" panose="05000000000000000000" pitchFamily="2" charset="2"/>
+              </a:rPr>
+              <a:t>	2 – </a:t>
+            </a:r>
+            <a:r>
+              <a:rPr lang="en-IE" b="1" baseline="0" dirty="0" smtClean="0">
+                <a:sym typeface="Wingdings" panose="05000000000000000000" pitchFamily="2" charset="2"/>
+              </a:rPr>
+              <a:t>Java</a:t>
+            </a:r>
+          </a:p>
+          <a:p>
+            <a:pPr marL="171450" indent="-171450">
+              <a:buFontTx/>
+              <a:buChar char="-"/>
+            </a:pPr>
+            <a:endParaRPr lang="pl-PL" dirty="0"/>
+          </a:p>
+        </p:txBody>
+      </p:sp>
+      <p:sp>
+        <p:nvSpPr>
+          <p:cNvPr id="4" name="Symbol zastępczy numeru slajdu 3"/>
+          <p:cNvSpPr>
+            <a:spLocks noGrp="1"/>
+          </p:cNvSpPr>
+          <p:nvPr>
+            <p:ph type="sldNum" sz="quarter" idx="10"/>
+          </p:nvPr>
+        </p:nvSpPr>
+        <p:spPr/>
+        <p:txBody>
+          <a:bodyPr/>
+          <a:lstStyle/>
+          <a:p>
+            <a:fld id="{E636E017-2961-4FC6-B7B9-AC52108EDB4A}" type="slidenum">
+              <a:rPr lang="pl-PL" smtClean="0"/>
+              <a:t>8</a:t>
+            </a:fld>
+            <a:endParaRPr lang="pl-PL"/>
+          </a:p>
+        </p:txBody>
+      </p:sp>
+    </p:spTree>
+    <p:extLst>
+      <p:ext uri="{BB962C8B-B14F-4D97-AF65-F5344CB8AC3E}">
+        <p14:creationId xmlns:p14="http://schemas.microsoft.com/office/powerpoint/2010/main" val="2226555687"/>
+      </p:ext>
+    </p:extLst>
+  </p:cSld>
+  <p:clrMapOvr>
+    <a:masterClrMapping/>
+  </p:clrMapOvr>
+</p:notes>
+</file>
+
+<file path=ppt/notesSlides/notesSlide9.xml><?xml version="1.0" encoding="utf-8"?>
+<p:notes xmlns:a="http://schemas.openxmlformats.org/drawingml/2006/main" xmlns:r="http://schemas.openxmlformats.org/officeDocument/2006/relationships" xmlns:p="http://schemas.openxmlformats.org/presentationml/2006/main">
+  <p:cSld>
+    <p:spTree>
+      <p:nvGrpSpPr>
+        <p:cNvPr id="1" name=""/>
+        <p:cNvGrpSpPr/>
+        <p:nvPr/>
+      </p:nvGrpSpPr>
+      <p:grpSpPr>
+        <a:xfrm>
+          <a:off x="0" y="0"/>
+          <a:ext cx="0" cy="0"/>
+          <a:chOff x="0" y="0"/>
+          <a:chExt cx="0" cy="0"/>
+        </a:xfrm>
+      </p:grpSpPr>
+      <p:sp>
+        <p:nvSpPr>
+          <p:cNvPr id="2" name="Symbol zastępczy obrazu slajdu 1"/>
+          <p:cNvSpPr>
+            <a:spLocks noGrp="1" noRot="1" noChangeAspect="1"/>
+          </p:cNvSpPr>
+          <p:nvPr>
+            <p:ph type="sldImg"/>
+          </p:nvPr>
+        </p:nvSpPr>
+        <p:spPr/>
+      </p:sp>
+      <p:sp>
+        <p:nvSpPr>
+          <p:cNvPr id="3" name="Symbol zastępczy notatek 2"/>
+          <p:cNvSpPr>
+            <a:spLocks noGrp="1"/>
+          </p:cNvSpPr>
+          <p:nvPr>
+            <p:ph type="body" idx="1"/>
+          </p:nvPr>
+        </p:nvSpPr>
+        <p:spPr/>
+        <p:txBody>
+          <a:bodyPr/>
+          <a:lstStyle/>
+          <a:p>
+            <a:r>
+              <a:rPr lang="en-IE" b="1" dirty="0" smtClean="0"/>
+              <a:t>Hot deployment </a:t>
+            </a:r>
+            <a:r>
+              <a:rPr lang="en-IE" dirty="0" smtClean="0">
+                <a:sym typeface="Wingdings" panose="05000000000000000000" pitchFamily="2" charset="2"/>
+              </a:rPr>
+              <a:t> you refresh the page in your web browser and changes are applied,</a:t>
+            </a:r>
+            <a:r>
+              <a:rPr lang="en-IE" baseline="0" dirty="0" smtClean="0">
+                <a:sym typeface="Wingdings" panose="05000000000000000000" pitchFamily="2" charset="2"/>
+              </a:rPr>
+              <a:t> you don’t have to stop the run of the application and compile it again every time you make a change</a:t>
+            </a:r>
+          </a:p>
+          <a:p>
+            <a:r>
+              <a:rPr lang="en-IE" b="1" baseline="0" dirty="0" smtClean="0">
+                <a:sym typeface="Wingdings" panose="05000000000000000000" pitchFamily="2" charset="2"/>
+              </a:rPr>
+              <a:t>play compile</a:t>
+            </a:r>
+            <a:r>
+              <a:rPr lang="en-IE" baseline="0" dirty="0" smtClean="0">
+                <a:sym typeface="Wingdings" panose="05000000000000000000" pitchFamily="2" charset="2"/>
+              </a:rPr>
+              <a:t> command allows to just compile the code.</a:t>
+            </a:r>
+          </a:p>
+          <a:p>
+            <a:r>
+              <a:rPr lang="en-IE" b="1" baseline="0" dirty="0" smtClean="0">
+                <a:sym typeface="Wingdings" panose="05000000000000000000" pitchFamily="2" charset="2"/>
+              </a:rPr>
+              <a:t>play test </a:t>
+            </a:r>
+            <a:r>
+              <a:rPr lang="en-IE" baseline="0" dirty="0" smtClean="0">
+                <a:sym typeface="Wingdings" panose="05000000000000000000" pitchFamily="2" charset="2"/>
+              </a:rPr>
+              <a:t>will test your application  the template comes with 2 tests – a unit test and an integration test</a:t>
+            </a:r>
+          </a:p>
+          <a:p>
+            <a:pPr marL="0" marR="0" indent="0" algn="l" defTabSz="914400" rtl="0" eaLnBrk="1" fontAlgn="auto" latinLnBrk="0" hangingPunct="1">
+              <a:lnSpc>
+                <a:spcPct val="100000"/>
+              </a:lnSpc>
+              <a:spcBef>
+                <a:spcPts val="0"/>
+              </a:spcBef>
+              <a:spcAft>
+                <a:spcPts val="0"/>
+              </a:spcAft>
+              <a:buClrTx/>
+              <a:buSzTx/>
+              <a:buFontTx/>
+              <a:buNone/>
+              <a:tabLst/>
+              <a:defRPr/>
+            </a:pPr>
+            <a:r>
+              <a:rPr lang="en-IE" b="1" baseline="0" dirty="0" smtClean="0">
+                <a:sym typeface="Wingdings" panose="05000000000000000000" pitchFamily="2" charset="2"/>
+              </a:rPr>
+              <a:t>play eclipse/idea </a:t>
+            </a:r>
+            <a:r>
+              <a:rPr lang="en-IE" baseline="0" dirty="0" smtClean="0">
+                <a:sym typeface="Wingdings" panose="05000000000000000000" pitchFamily="2" charset="2"/>
+              </a:rPr>
+              <a:t> </a:t>
+            </a:r>
+            <a:r>
+              <a:rPr lang="en-IE" dirty="0" smtClean="0"/>
+              <a:t>Created the necessary files to open, run and</a:t>
+            </a:r>
+            <a:r>
+              <a:rPr lang="en-IE" baseline="0" dirty="0" smtClean="0"/>
+              <a:t> edit a Play application</a:t>
+            </a:r>
+            <a:endParaRPr lang="pl-PL" dirty="0" smtClean="0"/>
+          </a:p>
+          <a:p>
+            <a:endParaRPr lang="en-IE" dirty="0" smtClean="0">
+              <a:sym typeface="Wingdings" panose="05000000000000000000" pitchFamily="2" charset="2"/>
+            </a:endParaRPr>
+          </a:p>
+        </p:txBody>
+      </p:sp>
+      <p:sp>
+        <p:nvSpPr>
+          <p:cNvPr id="4" name="Symbol zastępczy numeru slajdu 3"/>
+          <p:cNvSpPr>
+            <a:spLocks noGrp="1"/>
+          </p:cNvSpPr>
+          <p:nvPr>
+            <p:ph type="sldNum" sz="quarter" idx="10"/>
+          </p:nvPr>
+        </p:nvSpPr>
+        <p:spPr/>
+        <p:txBody>
+          <a:bodyPr/>
+          <a:lstStyle/>
+          <a:p>
+            <a:fld id="{E636E017-2961-4FC6-B7B9-AC52108EDB4A}" type="slidenum">
+              <a:rPr lang="pl-PL" smtClean="0"/>
+              <a:t>9</a:t>
+            </a:fld>
+            <a:endParaRPr lang="pl-PL"/>
+          </a:p>
+        </p:txBody>
+      </p:sp>
+    </p:spTree>
+    <p:extLst>
+      <p:ext uri="{BB962C8B-B14F-4D97-AF65-F5344CB8AC3E}">
+        <p14:creationId xmlns:p14="http://schemas.microsoft.com/office/powerpoint/2010/main" val="825205102"/>
       </p:ext>
     </p:extLst>
   </p:cSld>
@@ -5826,6 +6846,30 @@
               <a:rPr lang="pl-PL" dirty="0" err="1" smtClean="0"/>
               <a:t>History</a:t>
             </a:r>
+            <a:endParaRPr lang="en-IE" dirty="0" smtClean="0"/>
+          </a:p>
+          <a:p>
+            <a:r>
+              <a:rPr lang="en-IE" dirty="0" smtClean="0"/>
+              <a:t>Philosophy</a:t>
+            </a:r>
+          </a:p>
+          <a:p>
+            <a:r>
+              <a:rPr lang="en-IE" dirty="0" smtClean="0"/>
+              <a:t>Technologies</a:t>
+            </a:r>
+          </a:p>
+          <a:p>
+            <a:r>
+              <a:rPr lang="en-IE" dirty="0" smtClean="0"/>
+              <a:t>Who is using it?</a:t>
+            </a:r>
+          </a:p>
+          <a:p>
+            <a:endParaRPr lang="en-IE" dirty="0" smtClean="0"/>
+          </a:p>
+          <a:p>
             <a:endParaRPr lang="pl-PL" dirty="0" smtClean="0"/>
           </a:p>
           <a:p>
@@ -5958,6 +7002,510 @@
       </p:par>
     </p:tnLst>
   </p:timing>
+</p:sld>
+</file>
+
+<file path=ppt/slides/slide10.xml><?xml version="1.0" encoding="utf-8"?>
+<p:sld xmlns:a="http://schemas.openxmlformats.org/drawingml/2006/main" xmlns:r="http://schemas.openxmlformats.org/officeDocument/2006/relationships" xmlns:p="http://schemas.openxmlformats.org/presentationml/2006/main">
+  <p:cSld>
+    <p:spTree>
+      <p:nvGrpSpPr>
+        <p:cNvPr id="1" name=""/>
+        <p:cNvGrpSpPr/>
+        <p:nvPr/>
+      </p:nvGrpSpPr>
+      <p:grpSpPr>
+        <a:xfrm>
+          <a:off x="0" y="0"/>
+          <a:ext cx="0" cy="0"/>
+          <a:chOff x="0" y="0"/>
+          <a:chExt cx="0" cy="0"/>
+        </a:xfrm>
+      </p:grpSpPr>
+      <p:sp>
+        <p:nvSpPr>
+          <p:cNvPr id="2" name="Tytuł 1"/>
+          <p:cNvSpPr>
+            <a:spLocks noGrp="1"/>
+          </p:cNvSpPr>
+          <p:nvPr>
+            <p:ph type="title"/>
+          </p:nvPr>
+        </p:nvSpPr>
+        <p:spPr/>
+        <p:txBody>
+          <a:bodyPr>
+            <a:normAutofit/>
+          </a:bodyPr>
+          <a:lstStyle/>
+          <a:p>
+            <a:r>
+              <a:rPr lang="en-IE" dirty="0" smtClean="0"/>
+              <a:t>		Project structure</a:t>
+            </a:r>
+            <a:endParaRPr lang="pl-PL" dirty="0"/>
+          </a:p>
+        </p:txBody>
+      </p:sp>
+      <p:sp>
+        <p:nvSpPr>
+          <p:cNvPr id="3" name="Symbol zastępczy zawartości 2"/>
+          <p:cNvSpPr>
+            <a:spLocks noGrp="1"/>
+          </p:cNvSpPr>
+          <p:nvPr>
+            <p:ph idx="1"/>
+          </p:nvPr>
+        </p:nvSpPr>
+        <p:spPr>
+          <a:xfrm>
+            <a:off x="539552" y="1619318"/>
+            <a:ext cx="8229600" cy="4525963"/>
+          </a:xfrm>
+        </p:spPr>
+        <p:txBody>
+          <a:bodyPr>
+            <a:normAutofit fontScale="92500" lnSpcReduction="10000"/>
+          </a:bodyPr>
+          <a:lstStyle/>
+          <a:p>
+            <a:pPr>
+              <a:buFontTx/>
+              <a:buChar char="-"/>
+            </a:pPr>
+            <a:r>
+              <a:rPr lang="en-IE" b="1" dirty="0" smtClean="0"/>
+              <a:t>app</a:t>
+            </a:r>
+          </a:p>
+          <a:p>
+            <a:pPr lvl="1">
+              <a:buFontTx/>
+              <a:buChar char="-"/>
+            </a:pPr>
+            <a:r>
+              <a:rPr lang="en-IE" dirty="0"/>
+              <a:t>c</a:t>
+            </a:r>
+            <a:r>
+              <a:rPr lang="en-IE" dirty="0" smtClean="0"/>
+              <a:t>ontrollers</a:t>
+            </a:r>
+          </a:p>
+          <a:p>
+            <a:pPr lvl="1">
+              <a:buFontTx/>
+              <a:buChar char="-"/>
+            </a:pPr>
+            <a:r>
+              <a:rPr lang="en-IE" dirty="0" smtClean="0"/>
+              <a:t>views</a:t>
+            </a:r>
+          </a:p>
+          <a:p>
+            <a:pPr>
+              <a:buFontTx/>
+              <a:buChar char="-"/>
+            </a:pPr>
+            <a:r>
+              <a:rPr lang="en-IE" b="1" dirty="0" err="1" smtClean="0"/>
+              <a:t>conf</a:t>
+            </a:r>
+            <a:endParaRPr lang="en-IE" b="1" dirty="0" smtClean="0"/>
+          </a:p>
+          <a:p>
+            <a:pPr lvl="1">
+              <a:buFontTx/>
+              <a:buChar char="-"/>
+            </a:pPr>
+            <a:r>
+              <a:rPr lang="en-IE" dirty="0" err="1"/>
+              <a:t>application.conf</a:t>
+            </a:r>
+            <a:endParaRPr lang="en-IE" dirty="0"/>
+          </a:p>
+          <a:p>
+            <a:pPr lvl="1">
+              <a:buFontTx/>
+              <a:buChar char="-"/>
+            </a:pPr>
+            <a:r>
+              <a:rPr lang="en-IE" dirty="0"/>
+              <a:t>routes</a:t>
+            </a:r>
+          </a:p>
+          <a:p>
+            <a:pPr>
+              <a:buFontTx/>
+              <a:buChar char="-"/>
+            </a:pPr>
+            <a:r>
+              <a:rPr lang="en-IE" b="1" dirty="0"/>
+              <a:t>p</a:t>
+            </a:r>
+            <a:r>
+              <a:rPr lang="en-IE" b="1" dirty="0" smtClean="0"/>
+              <a:t>roject</a:t>
+            </a:r>
+          </a:p>
+          <a:p>
+            <a:pPr>
+              <a:buFontTx/>
+              <a:buChar char="-"/>
+            </a:pPr>
+            <a:r>
+              <a:rPr lang="en-IE" b="1" dirty="0" smtClean="0"/>
+              <a:t>public</a:t>
+            </a:r>
+          </a:p>
+          <a:p>
+            <a:pPr>
+              <a:buFontTx/>
+              <a:buChar char="-"/>
+            </a:pPr>
+            <a:r>
+              <a:rPr lang="en-IE" b="1" dirty="0" smtClean="0"/>
+              <a:t>test</a:t>
+            </a:r>
+          </a:p>
+          <a:p>
+            <a:pPr lvl="1">
+              <a:buFontTx/>
+              <a:buChar char="-"/>
+            </a:pPr>
+            <a:endParaRPr lang="en-IE" dirty="0" smtClean="0"/>
+          </a:p>
+          <a:p>
+            <a:pPr>
+              <a:buFontTx/>
+              <a:buChar char="-"/>
+            </a:pPr>
+            <a:endParaRPr lang="en-IE" dirty="0" smtClean="0"/>
+          </a:p>
+          <a:p>
+            <a:pPr>
+              <a:buFontTx/>
+              <a:buChar char="-"/>
+            </a:pPr>
+            <a:endParaRPr lang="en-IE" dirty="0" smtClean="0"/>
+          </a:p>
+          <a:p>
+            <a:pPr marL="0" indent="0">
+              <a:buNone/>
+            </a:pPr>
+            <a:endParaRPr lang="en-IE" dirty="0"/>
+          </a:p>
+          <a:p>
+            <a:pPr marL="0" indent="0">
+              <a:buNone/>
+            </a:pPr>
+            <a:endParaRPr lang="pl-PL" dirty="0"/>
+          </a:p>
+        </p:txBody>
+      </p:sp>
+      <p:pic>
+        <p:nvPicPr>
+          <p:cNvPr id="4" name="Picture 2"/>
+          <p:cNvPicPr>
+            <a:picLocks noChangeAspect="1" noChangeArrowheads="1"/>
+          </p:cNvPicPr>
+          <p:nvPr/>
+        </p:nvPicPr>
+        <p:blipFill>
+          <a:blip r:embed="rId3" cstate="print">
+            <a:extLst>
+              <a:ext uri="{28A0092B-C50C-407E-A947-70E740481C1C}">
+                <a14:useLocalDpi xmlns:a14="http://schemas.microsoft.com/office/drawing/2010/main" val="0"/>
+              </a:ext>
+            </a:extLst>
+          </a:blip>
+          <a:srcRect/>
+          <a:stretch>
+            <a:fillRect/>
+          </a:stretch>
+        </p:blipFill>
+        <p:spPr bwMode="auto">
+          <a:xfrm>
+            <a:off x="755576" y="532862"/>
+            <a:ext cx="2016224" cy="688262"/>
+          </a:xfrm>
+          <a:prstGeom prst="rect">
+            <a:avLst/>
+          </a:prstGeom>
+          <a:noFill/>
+          <a:ln>
+            <a:noFill/>
+          </a:ln>
+          <a:extLst>
+            <a:ext uri="{909E8E84-426E-40DD-AFC4-6F175D3DCCD1}">
+              <a14:hiddenFill xmlns:a14="http://schemas.microsoft.com/office/drawing/2010/main">
+                <a:solidFill>
+                  <a:schemeClr val="accent1"/>
+                </a:solidFill>
+              </a14:hiddenFill>
+            </a:ext>
+            <a:ext uri="{91240B29-F687-4F45-9708-019B960494DF}">
+              <a14:hiddenLine xmlns:a14="http://schemas.microsoft.com/office/drawing/2010/main" w="9525">
+                <a:solidFill>
+                  <a:schemeClr val="tx1"/>
+                </a:solidFill>
+                <a:miter lim="800000"/>
+                <a:headEnd/>
+                <a:tailEnd/>
+              </a14:hiddenLine>
+            </a:ext>
+          </a:extLst>
+        </p:spPr>
+      </p:pic>
+      <p:pic>
+        <p:nvPicPr>
+          <p:cNvPr id="3078" name="Picture 6"/>
+          <p:cNvPicPr>
+            <a:picLocks noChangeAspect="1" noChangeArrowheads="1"/>
+          </p:cNvPicPr>
+          <p:nvPr/>
+        </p:nvPicPr>
+        <p:blipFill>
+          <a:blip r:embed="rId4">
+            <a:extLst>
+              <a:ext uri="{28A0092B-C50C-407E-A947-70E740481C1C}">
+                <a14:useLocalDpi xmlns:a14="http://schemas.microsoft.com/office/drawing/2010/main" val="0"/>
+              </a:ext>
+            </a:extLst>
+          </a:blip>
+          <a:srcRect/>
+          <a:stretch>
+            <a:fillRect/>
+          </a:stretch>
+        </p:blipFill>
+        <p:spPr bwMode="auto">
+          <a:xfrm>
+            <a:off x="5220072" y="1391369"/>
+            <a:ext cx="3267075" cy="5133975"/>
+          </a:xfrm>
+          <a:prstGeom prst="rect">
+            <a:avLst/>
+          </a:prstGeom>
+          <a:noFill/>
+          <a:ln>
+            <a:noFill/>
+          </a:ln>
+          <a:extLst>
+            <a:ext uri="{909E8E84-426E-40DD-AFC4-6F175D3DCCD1}">
+              <a14:hiddenFill xmlns:a14="http://schemas.microsoft.com/office/drawing/2010/main">
+                <a:solidFill>
+                  <a:schemeClr val="accent1"/>
+                </a:solidFill>
+              </a14:hiddenFill>
+            </a:ext>
+            <a:ext uri="{91240B29-F687-4F45-9708-019B960494DF}">
+              <a14:hiddenLine xmlns:a14="http://schemas.microsoft.com/office/drawing/2010/main" w="9525">
+                <a:solidFill>
+                  <a:schemeClr val="tx1"/>
+                </a:solidFill>
+                <a:miter lim="800000"/>
+                <a:headEnd/>
+                <a:tailEnd/>
+              </a14:hiddenLine>
+            </a:ext>
+          </a:extLst>
+        </p:spPr>
+      </p:pic>
+    </p:spTree>
+    <p:extLst>
+      <p:ext uri="{BB962C8B-B14F-4D97-AF65-F5344CB8AC3E}">
+        <p14:creationId xmlns:p14="http://schemas.microsoft.com/office/powerpoint/2010/main" val="781172312"/>
+      </p:ext>
+    </p:extLst>
+  </p:cSld>
+  <p:clrMapOvr>
+    <a:masterClrMapping/>
+  </p:clrMapOvr>
+  <p:timing>
+    <p:tnLst>
+      <p:par>
+        <p:cTn id="1" dur="indefinite" restart="never" nodeType="tmRoot"/>
+      </p:par>
+    </p:tnLst>
+  </p:timing>
+</p:sld>
+</file>
+
+<file path=ppt/slides/slide11.xml><?xml version="1.0" encoding="utf-8"?>
+<p:sld xmlns:a="http://schemas.openxmlformats.org/drawingml/2006/main" xmlns:r="http://schemas.openxmlformats.org/officeDocument/2006/relationships" xmlns:p="http://schemas.openxmlformats.org/presentationml/2006/main">
+  <p:cSld>
+    <p:spTree>
+      <p:nvGrpSpPr>
+        <p:cNvPr id="1" name=""/>
+        <p:cNvGrpSpPr/>
+        <p:nvPr/>
+      </p:nvGrpSpPr>
+      <p:grpSpPr>
+        <a:xfrm>
+          <a:off x="0" y="0"/>
+          <a:ext cx="0" cy="0"/>
+          <a:chOff x="0" y="0"/>
+          <a:chExt cx="0" cy="0"/>
+        </a:xfrm>
+      </p:grpSpPr>
+      <p:sp>
+        <p:nvSpPr>
+          <p:cNvPr id="2" name="Tytuł 1"/>
+          <p:cNvSpPr>
+            <a:spLocks noGrp="1"/>
+          </p:cNvSpPr>
+          <p:nvPr>
+            <p:ph type="title"/>
+          </p:nvPr>
+        </p:nvSpPr>
+        <p:spPr/>
+        <p:txBody>
+          <a:bodyPr/>
+          <a:lstStyle/>
+          <a:p>
+            <a:endParaRPr lang="pl-PL"/>
+          </a:p>
+        </p:txBody>
+      </p:sp>
+      <p:sp>
+        <p:nvSpPr>
+          <p:cNvPr id="3" name="Symbol zastępczy zawartości 2"/>
+          <p:cNvSpPr>
+            <a:spLocks noGrp="1"/>
+          </p:cNvSpPr>
+          <p:nvPr>
+            <p:ph idx="1"/>
+          </p:nvPr>
+        </p:nvSpPr>
+        <p:spPr/>
+        <p:txBody>
+          <a:bodyPr/>
+          <a:lstStyle/>
+          <a:p>
+            <a:r>
+              <a:rPr lang="en-IE" dirty="0" smtClean="0"/>
+              <a:t>Based on </a:t>
+            </a:r>
+            <a:r>
+              <a:rPr lang="en-IE" dirty="0" err="1" smtClean="0"/>
+              <a:t>Pluralsight</a:t>
+            </a:r>
+            <a:r>
+              <a:rPr lang="en-IE" dirty="0" smtClean="0"/>
+              <a:t> course by James Hughes</a:t>
+            </a:r>
+          </a:p>
+          <a:p>
+            <a:r>
+              <a:rPr lang="en-IE" dirty="0" smtClean="0"/>
+              <a:t>Other sources:</a:t>
+            </a:r>
+          </a:p>
+          <a:p>
+            <a:pPr marL="0" indent="0">
+              <a:buNone/>
+            </a:pPr>
+            <a:r>
+              <a:rPr lang="en-IE" dirty="0" smtClean="0"/>
+              <a:t>	</a:t>
+            </a:r>
+            <a:r>
+              <a:rPr lang="en-IE" dirty="0" err="1" smtClean="0"/>
+              <a:t>stackoverflow</a:t>
+            </a:r>
+            <a:endParaRPr lang="en-IE" dirty="0" smtClean="0"/>
+          </a:p>
+          <a:p>
+            <a:pPr marL="0" indent="0">
+              <a:buNone/>
+            </a:pPr>
+            <a:endParaRPr lang="en-IE" dirty="0" smtClean="0"/>
+          </a:p>
+          <a:p>
+            <a:pPr marL="0" indent="0">
+              <a:buNone/>
+            </a:pPr>
+            <a:r>
+              <a:rPr lang="en-IE" dirty="0" smtClean="0"/>
+              <a:t>Coming soon…</a:t>
+            </a:r>
+          </a:p>
+          <a:p>
+            <a:pPr marL="0" indent="0">
+              <a:buNone/>
+            </a:pPr>
+            <a:r>
+              <a:rPr lang="en-IE" dirty="0" smtClean="0"/>
+              <a:t>	How to write high quality code (Python)?</a:t>
+            </a:r>
+            <a:endParaRPr lang="pl-PL" dirty="0"/>
+          </a:p>
+        </p:txBody>
+      </p:sp>
+      <p:pic>
+        <p:nvPicPr>
+          <p:cNvPr id="4" name="Picture 2"/>
+          <p:cNvPicPr>
+            <a:picLocks noChangeAspect="1" noChangeArrowheads="1"/>
+          </p:cNvPicPr>
+          <p:nvPr/>
+        </p:nvPicPr>
+        <p:blipFill>
+          <a:blip r:embed="rId2" cstate="print">
+            <a:extLst>
+              <a:ext uri="{28A0092B-C50C-407E-A947-70E740481C1C}">
+                <a14:useLocalDpi xmlns:a14="http://schemas.microsoft.com/office/drawing/2010/main" val="0"/>
+              </a:ext>
+            </a:extLst>
+          </a:blip>
+          <a:srcRect/>
+          <a:stretch>
+            <a:fillRect/>
+          </a:stretch>
+        </p:blipFill>
+        <p:spPr bwMode="auto">
+          <a:xfrm>
+            <a:off x="755576" y="532862"/>
+            <a:ext cx="2016224" cy="688262"/>
+          </a:xfrm>
+          <a:prstGeom prst="rect">
+            <a:avLst/>
+          </a:prstGeom>
+          <a:noFill/>
+          <a:ln>
+            <a:noFill/>
+          </a:ln>
+          <a:extLst>
+            <a:ext uri="{909E8E84-426E-40DD-AFC4-6F175D3DCCD1}">
+              <a14:hiddenFill xmlns:a14="http://schemas.microsoft.com/office/drawing/2010/main">
+                <a:solidFill>
+                  <a:schemeClr val="accent1"/>
+                </a:solidFill>
+              </a14:hiddenFill>
+            </a:ext>
+            <a:ext uri="{91240B29-F687-4F45-9708-019B960494DF}">
+              <a14:hiddenLine xmlns:a14="http://schemas.microsoft.com/office/drawing/2010/main" w="9525">
+                <a:solidFill>
+                  <a:schemeClr val="tx1"/>
+                </a:solidFill>
+                <a:miter lim="800000"/>
+                <a:headEnd/>
+                <a:tailEnd/>
+              </a14:hiddenLine>
+            </a:ext>
+          </a:extLst>
+        </p:spPr>
+      </p:pic>
+    </p:spTree>
+    <p:extLst>
+      <p:ext uri="{BB962C8B-B14F-4D97-AF65-F5344CB8AC3E}">
+        <p14:creationId xmlns:p14="http://schemas.microsoft.com/office/powerpoint/2010/main" val="2371215833"/>
+      </p:ext>
+    </p:extLst>
+  </p:cSld>
+  <p:clrMapOvr>
+    <a:masterClrMapping/>
+  </p:clrMapOvr>
 </p:sld>
 </file>
 
@@ -7220,11 +8768,7 @@
           <a:p>
             <a:r>
               <a:rPr lang="en-IE" dirty="0" smtClean="0"/>
-              <a:t>	Who is using </a:t>
-            </a:r>
-            <a:r>
-              <a:rPr lang="en-IE" dirty="0" smtClean="0"/>
-              <a:t>it?</a:t>
+              <a:t>	Who is using it?</a:t>
             </a:r>
             <a:endParaRPr lang="pl-PL" dirty="0"/>
           </a:p>
@@ -7566,6 +9110,13 @@
   <p:clrMapOvr>
     <a:masterClrMapping/>
   </p:clrMapOvr>
+  <p:timing>
+    <p:tnLst>
+      <p:par>
+        <p:cTn id="1" dur="indefinite" restart="never" nodeType="tmRoot"/>
+      </p:par>
+    </p:tnLst>
+  </p:timing>
 </p:sld>
 </file>
 
@@ -7598,14 +9149,17 @@
         </p:nvSpPr>
         <p:spPr/>
         <p:txBody>
-          <a:bodyPr/>
+          <a:bodyPr>
+            <a:normAutofit/>
+          </a:bodyPr>
           <a:lstStyle/>
           <a:p>
-            <a:r>
-              <a:rPr lang="en-IE" dirty="0" smtClean="0"/>
-              <a:t>First app</a:t>
-            </a:r>
-            <a:endParaRPr lang="pl-PL" dirty="0"/>
+            <a:pPr algn="r"/>
+            <a:r>
+              <a:rPr lang="en-IE" sz="4000" dirty="0" smtClean="0"/>
+              <a:t>Before new app is created</a:t>
+            </a:r>
+            <a:endParaRPr lang="pl-PL" sz="4000" dirty="0"/>
           </a:p>
         </p:txBody>
       </p:sp>
@@ -7664,12 +9218,23 @@
             </a:r>
             <a:r>
               <a:rPr lang="en-IE" dirty="0" smtClean="0"/>
-              <a:t>ink to e</a:t>
+              <a:t>ink to external </a:t>
             </a:r>
             <a:r>
               <a:rPr lang="en-IE" dirty="0" smtClean="0"/>
-              <a:t>xternal websites</a:t>
-            </a:r>
+              <a:t>websites</a:t>
+            </a:r>
+          </a:p>
+          <a:p>
+            <a:r>
+              <a:rPr lang="en-IE" dirty="0"/>
+              <a:t>a</a:t>
+            </a:r>
+            <a:r>
+              <a:rPr lang="en-IE" dirty="0" smtClean="0"/>
+              <a:t>dd play to path</a:t>
+            </a:r>
+            <a:endParaRPr lang="en-IE" dirty="0" smtClean="0"/>
           </a:p>
           <a:p>
             <a:endParaRPr lang="pl-PL" dirty="0"/>
@@ -7861,7 +9426,7 @@
         </p:blipFill>
         <p:spPr bwMode="auto">
           <a:xfrm>
-            <a:off x="5444621" y="4740674"/>
+            <a:off x="5322261" y="4485602"/>
             <a:ext cx="2105025" cy="590550"/>
           </a:xfrm>
           <a:prstGeom prst="rect">
@@ -7902,6 +9467,13 @@
   <p:clrMapOvr>
     <a:masterClrMapping/>
   </p:clrMapOvr>
+  <p:timing>
+    <p:tnLst>
+      <p:par>
+        <p:cTn id="1" dur="indefinite" restart="never" nodeType="tmRoot"/>
+      </p:par>
+    </p:tnLst>
+  </p:timing>
 </p:sld>
 </file>
 
@@ -7937,26 +9509,11 @@
           <a:bodyPr/>
           <a:lstStyle/>
           <a:p>
-            <a:endParaRPr lang="pl-PL"/>
-          </a:p>
-        </p:txBody>
-      </p:sp>
-      <p:sp>
-        <p:nvSpPr>
-          <p:cNvPr id="3" name="Symbol zastępczy zawartości 2"/>
-          <p:cNvSpPr>
-            <a:spLocks noGrp="1"/>
-          </p:cNvSpPr>
-          <p:nvPr>
-            <p:ph idx="1"/>
-          </p:nvPr>
-        </p:nvSpPr>
-        <p:spPr/>
-        <p:txBody>
-          <a:bodyPr/>
-          <a:lstStyle/>
-          <a:p>
-            <a:endParaRPr lang="pl-PL"/>
+            <a:r>
+              <a:rPr lang="en-IE" dirty="0" smtClean="0"/>
+              <a:t>		Create new app</a:t>
+            </a:r>
+            <a:endParaRPr lang="pl-PL" dirty="0"/>
           </a:p>
         </p:txBody>
       </p:sp>
@@ -7969,7 +9526,7 @@
           <p:nvPr/>
         </p:nvPicPr>
         <p:blipFill>
-          <a:blip r:embed="rId2" cstate="print">
+          <a:blip r:embed="rId3" cstate="print">
             <a:extLst>
               <a:ext uri="{28A0092B-C50C-407E-A947-70E740481C1C}">
                 <a14:useLocalDpi xmlns:a14="http://schemas.microsoft.com/office/drawing/2010/main" val="0"/>
@@ -8014,6 +9571,62 @@
           </a:extLst>
         </p:spPr>
       </p:pic>
+      <p:pic>
+        <p:nvPicPr>
+          <p:cNvPr id="1026" name="Picture 2"/>
+          <p:cNvPicPr>
+            <a:picLocks noGrp="1" noChangeAspect="1" noChangeArrowheads="1"/>
+          </p:cNvPicPr>
+          <p:nvPr>
+            <p:ph idx="1"/>
+          </p:nvPr>
+        </p:nvPicPr>
+        <p:blipFill>
+          <a:blip r:embed="rId4">
+            <a:extLst>
+              <a:ext uri="{28A0092B-C50C-407E-A947-70E740481C1C}">
+                <a14:useLocalDpi xmlns:a14="http://schemas.microsoft.com/office/drawing/2010/main" val="0"/>
+              </a:ext>
+            </a:extLst>
+          </a:blip>
+          <a:srcRect/>
+          <a:stretch>
+            <a:fillRect/>
+          </a:stretch>
+        </p:blipFill>
+        <p:spPr bwMode="auto">
+          <a:xfrm>
+            <a:off x="611560" y="1700808"/>
+            <a:ext cx="7653089" cy="4413631"/>
+          </a:xfrm>
+          <a:prstGeom prst="rect">
+            <a:avLst/>
+          </a:prstGeom>
+          <a:noFill/>
+          <a:ln>
+            <a:noFill/>
+          </a:ln>
+          <a:extLst>
+            <a:ext uri="{909E8E84-426E-40DD-AFC4-6F175D3DCCD1}">
+              <a14:hiddenFill xmlns:a14="http://schemas.microsoft.com/office/drawing/2010/main">
+                <a:solidFill>
+                  <a:schemeClr val="accent1"/>
+                </a:solidFill>
+              </a14:hiddenFill>
+            </a:ext>
+            <a:ext uri="{91240B29-F687-4F45-9708-019B960494DF}">
+              <a14:hiddenLine xmlns:a14="http://schemas.microsoft.com/office/drawing/2010/main" w="9525">
+                <a:solidFill>
+                  <a:schemeClr val="tx1"/>
+                </a:solidFill>
+                <a:miter lim="800000"/>
+                <a:headEnd/>
+                <a:tailEnd/>
+              </a14:hiddenLine>
+            </a:ext>
+          </a:extLst>
+        </p:spPr>
+      </p:pic>
     </p:spTree>
     <p:extLst>
       <p:ext uri="{BB962C8B-B14F-4D97-AF65-F5344CB8AC3E}">
@@ -8024,6 +9637,503 @@
   <p:clrMapOvr>
     <a:masterClrMapping/>
   </p:clrMapOvr>
+  <p:timing>
+    <p:tnLst>
+      <p:par>
+        <p:cTn id="1" dur="indefinite" restart="never" nodeType="tmRoot"/>
+      </p:par>
+    </p:tnLst>
+  </p:timing>
+</p:sld>
+</file>
+
+<file path=ppt/slides/slide9.xml><?xml version="1.0" encoding="utf-8"?>
+<p:sld xmlns:a="http://schemas.openxmlformats.org/drawingml/2006/main" xmlns:r="http://schemas.openxmlformats.org/officeDocument/2006/relationships" xmlns:p="http://schemas.openxmlformats.org/presentationml/2006/main">
+  <p:cSld>
+    <p:spTree>
+      <p:nvGrpSpPr>
+        <p:cNvPr id="1" name=""/>
+        <p:cNvGrpSpPr/>
+        <p:nvPr/>
+      </p:nvGrpSpPr>
+      <p:grpSpPr>
+        <a:xfrm>
+          <a:off x="0" y="0"/>
+          <a:ext cx="0" cy="0"/>
+          <a:chOff x="0" y="0"/>
+          <a:chExt cx="0" cy="0"/>
+        </a:xfrm>
+      </p:grpSpPr>
+      <p:sp>
+        <p:nvSpPr>
+          <p:cNvPr id="2" name="Tytuł 1"/>
+          <p:cNvSpPr>
+            <a:spLocks noGrp="1"/>
+          </p:cNvSpPr>
+          <p:nvPr>
+            <p:ph type="title"/>
+          </p:nvPr>
+        </p:nvSpPr>
+        <p:spPr/>
+        <p:txBody>
+          <a:bodyPr/>
+          <a:lstStyle/>
+          <a:p>
+            <a:endParaRPr lang="pl-PL" dirty="0"/>
+          </a:p>
+        </p:txBody>
+      </p:sp>
+      <p:sp>
+        <p:nvSpPr>
+          <p:cNvPr id="3" name="Symbol zastępczy zawartości 2"/>
+          <p:cNvSpPr>
+            <a:spLocks noGrp="1"/>
+          </p:cNvSpPr>
+          <p:nvPr>
+            <p:ph idx="1"/>
+          </p:nvPr>
+        </p:nvSpPr>
+        <p:spPr/>
+        <p:txBody>
+          <a:bodyPr>
+            <a:normAutofit fontScale="92500" lnSpcReduction="20000"/>
+          </a:bodyPr>
+          <a:lstStyle/>
+          <a:p>
+            <a:r>
+              <a:rPr lang="en-IE" dirty="0" smtClean="0"/>
+              <a:t>compiles </a:t>
+            </a:r>
+            <a:r>
+              <a:rPr lang="en-IE" b="1" dirty="0" smtClean="0"/>
+              <a:t>and</a:t>
+            </a:r>
+            <a:r>
+              <a:rPr lang="en-IE" dirty="0" smtClean="0"/>
+              <a:t> builds the application</a:t>
+            </a:r>
+          </a:p>
+          <a:p>
+            <a:r>
+              <a:rPr lang="en-IE" dirty="0" smtClean="0"/>
+              <a:t>by default on port 9000</a:t>
+            </a:r>
+          </a:p>
+          <a:p>
+            <a:endParaRPr lang="en-IE" dirty="0"/>
+          </a:p>
+          <a:p>
+            <a:endParaRPr lang="en-IE" dirty="0" smtClean="0"/>
+          </a:p>
+          <a:p>
+            <a:r>
+              <a:rPr lang="en-IE" dirty="0" smtClean="0"/>
+              <a:t>Play! supports </a:t>
+            </a:r>
+            <a:r>
+              <a:rPr lang="en-IE" dirty="0" smtClean="0">
+                <a:solidFill>
+                  <a:srgbClr val="FF0000"/>
+                </a:solidFill>
+              </a:rPr>
+              <a:t>hot</a:t>
+            </a:r>
+            <a:r>
+              <a:rPr lang="en-IE" dirty="0" smtClean="0"/>
+              <a:t> deployment</a:t>
+            </a:r>
+            <a:endParaRPr lang="en-IE" dirty="0"/>
+          </a:p>
+          <a:p>
+            <a:r>
+              <a:rPr lang="en-IE" dirty="0"/>
+              <a:t>p</a:t>
+            </a:r>
+            <a:r>
+              <a:rPr lang="en-IE" dirty="0" smtClean="0"/>
+              <a:t>lay compile, play test</a:t>
+            </a:r>
+          </a:p>
+          <a:p>
+            <a:r>
+              <a:rPr lang="en-IE" dirty="0" smtClean="0"/>
+              <a:t>IDE </a:t>
+            </a:r>
+            <a:r>
+              <a:rPr lang="en-IE" dirty="0"/>
+              <a:t>support - commands:</a:t>
+            </a:r>
+          </a:p>
+          <a:p>
+            <a:pPr marL="0" indent="0">
+              <a:buNone/>
+            </a:pPr>
+            <a:r>
+              <a:rPr lang="en-IE" dirty="0"/>
+              <a:t>		- play eclipse</a:t>
+            </a:r>
+          </a:p>
+          <a:p>
+            <a:pPr marL="0" indent="0">
+              <a:buNone/>
+            </a:pPr>
+            <a:r>
+              <a:rPr lang="en-IE" dirty="0"/>
+              <a:t>		- play idea</a:t>
+            </a:r>
+          </a:p>
+          <a:p>
+            <a:endParaRPr lang="en-IE" dirty="0" smtClean="0"/>
+          </a:p>
+          <a:p>
+            <a:endParaRPr lang="en-IE" dirty="0" smtClean="0"/>
+          </a:p>
+          <a:p>
+            <a:endParaRPr lang="pl-PL" dirty="0"/>
+          </a:p>
+        </p:txBody>
+      </p:sp>
+      <p:pic>
+        <p:nvPicPr>
+          <p:cNvPr id="4" name="Picture 2"/>
+          <p:cNvPicPr>
+            <a:picLocks noChangeAspect="1" noChangeArrowheads="1"/>
+          </p:cNvPicPr>
+          <p:nvPr/>
+        </p:nvPicPr>
+        <p:blipFill>
+          <a:blip r:embed="rId3" cstate="print">
+            <a:extLst>
+              <a:ext uri="{28A0092B-C50C-407E-A947-70E740481C1C}">
+                <a14:useLocalDpi xmlns:a14="http://schemas.microsoft.com/office/drawing/2010/main" val="0"/>
+              </a:ext>
+            </a:extLst>
+          </a:blip>
+          <a:srcRect/>
+          <a:stretch>
+            <a:fillRect/>
+          </a:stretch>
+        </p:blipFill>
+        <p:spPr bwMode="auto">
+          <a:xfrm>
+            <a:off x="755576" y="532862"/>
+            <a:ext cx="2016224" cy="688262"/>
+          </a:xfrm>
+          <a:prstGeom prst="rect">
+            <a:avLst/>
+          </a:prstGeom>
+          <a:noFill/>
+          <a:ln>
+            <a:noFill/>
+          </a:ln>
+          <a:extLst>
+            <a:ext uri="{909E8E84-426E-40DD-AFC4-6F175D3DCCD1}">
+              <a14:hiddenFill xmlns:a14="http://schemas.microsoft.com/office/drawing/2010/main">
+                <a:solidFill>
+                  <a:schemeClr val="accent1"/>
+                </a:solidFill>
+              </a14:hiddenFill>
+            </a:ext>
+            <a:ext uri="{91240B29-F687-4F45-9708-019B960494DF}">
+              <a14:hiddenLine xmlns:a14="http://schemas.microsoft.com/office/drawing/2010/main" w="9525">
+                <a:solidFill>
+                  <a:schemeClr val="tx1"/>
+                </a:solidFill>
+                <a:miter lim="800000"/>
+                <a:headEnd/>
+                <a:tailEnd/>
+              </a14:hiddenLine>
+            </a:ext>
+          </a:extLst>
+        </p:spPr>
+      </p:pic>
+      <p:pic>
+        <p:nvPicPr>
+          <p:cNvPr id="2050" name="Picture 2"/>
+          <p:cNvPicPr>
+            <a:picLocks noChangeAspect="1" noChangeArrowheads="1"/>
+          </p:cNvPicPr>
+          <p:nvPr/>
+        </p:nvPicPr>
+        <p:blipFill>
+          <a:blip r:embed="rId4">
+            <a:extLst>
+              <a:ext uri="{28A0092B-C50C-407E-A947-70E740481C1C}">
+                <a14:useLocalDpi xmlns:a14="http://schemas.microsoft.com/office/drawing/2010/main" val="0"/>
+              </a:ext>
+            </a:extLst>
+          </a:blip>
+          <a:srcRect/>
+          <a:stretch>
+            <a:fillRect/>
+          </a:stretch>
+        </p:blipFill>
+        <p:spPr bwMode="auto">
+          <a:xfrm>
+            <a:off x="4788024" y="401395"/>
+            <a:ext cx="1855177" cy="819729"/>
+          </a:xfrm>
+          <a:prstGeom prst="rect">
+            <a:avLst/>
+          </a:prstGeom>
+          <a:noFill/>
+          <a:ln>
+            <a:noFill/>
+          </a:ln>
+          <a:extLst>
+            <a:ext uri="{909E8E84-426E-40DD-AFC4-6F175D3DCCD1}">
+              <a14:hiddenFill xmlns:a14="http://schemas.microsoft.com/office/drawing/2010/main">
+                <a:solidFill>
+                  <a:schemeClr val="accent1"/>
+                </a:solidFill>
+              </a14:hiddenFill>
+            </a:ext>
+            <a:ext uri="{91240B29-F687-4F45-9708-019B960494DF}">
+              <a14:hiddenLine xmlns:a14="http://schemas.microsoft.com/office/drawing/2010/main" w="9525">
+                <a:solidFill>
+                  <a:schemeClr val="tx1"/>
+                </a:solidFill>
+                <a:miter lim="800000"/>
+                <a:headEnd/>
+                <a:tailEnd/>
+              </a14:hiddenLine>
+            </a:ext>
+          </a:extLst>
+        </p:spPr>
+      </p:pic>
+      <p:pic>
+        <p:nvPicPr>
+          <p:cNvPr id="2051" name="Picture 3"/>
+          <p:cNvPicPr>
+            <a:picLocks noChangeAspect="1" noChangeArrowheads="1"/>
+          </p:cNvPicPr>
+          <p:nvPr/>
+        </p:nvPicPr>
+        <p:blipFill>
+          <a:blip r:embed="rId5">
+            <a:extLst>
+              <a:ext uri="{28A0092B-C50C-407E-A947-70E740481C1C}">
+                <a14:useLocalDpi xmlns:a14="http://schemas.microsoft.com/office/drawing/2010/main" val="0"/>
+              </a:ext>
+            </a:extLst>
+          </a:blip>
+          <a:srcRect/>
+          <a:stretch>
+            <a:fillRect/>
+          </a:stretch>
+        </p:blipFill>
+        <p:spPr bwMode="auto">
+          <a:xfrm>
+            <a:off x="970316" y="2561027"/>
+            <a:ext cx="7551257" cy="551762"/>
+          </a:xfrm>
+          <a:prstGeom prst="rect">
+            <a:avLst/>
+          </a:prstGeom>
+          <a:noFill/>
+          <a:ln>
+            <a:noFill/>
+          </a:ln>
+          <a:extLst>
+            <a:ext uri="{909E8E84-426E-40DD-AFC4-6F175D3DCCD1}">
+              <a14:hiddenFill xmlns:a14="http://schemas.microsoft.com/office/drawing/2010/main">
+                <a:solidFill>
+                  <a:schemeClr val="accent1"/>
+                </a:solidFill>
+              </a14:hiddenFill>
+            </a:ext>
+            <a:ext uri="{91240B29-F687-4F45-9708-019B960494DF}">
+              <a14:hiddenLine xmlns:a14="http://schemas.microsoft.com/office/drawing/2010/main" w="9525">
+                <a:solidFill>
+                  <a:schemeClr val="tx1"/>
+                </a:solidFill>
+                <a:miter lim="800000"/>
+                <a:headEnd/>
+                <a:tailEnd/>
+              </a14:hiddenLine>
+            </a:ext>
+          </a:extLst>
+        </p:spPr>
+      </p:pic>
+      <p:pic>
+        <p:nvPicPr>
+          <p:cNvPr id="2052" name="Picture 4"/>
+          <p:cNvPicPr>
+            <a:picLocks noChangeAspect="1" noChangeArrowheads="1"/>
+          </p:cNvPicPr>
+          <p:nvPr/>
+        </p:nvPicPr>
+        <p:blipFill>
+          <a:blip r:embed="rId6" cstate="print">
+            <a:extLst>
+              <a:ext uri="{28A0092B-C50C-407E-A947-70E740481C1C}">
+                <a14:useLocalDpi xmlns:a14="http://schemas.microsoft.com/office/drawing/2010/main" val="0"/>
+              </a:ext>
+            </a:extLst>
+          </a:blip>
+          <a:srcRect/>
+          <a:stretch>
+            <a:fillRect/>
+          </a:stretch>
+        </p:blipFill>
+        <p:spPr bwMode="auto">
+          <a:xfrm>
+            <a:off x="6643201" y="3284984"/>
+            <a:ext cx="1096068" cy="1512168"/>
+          </a:xfrm>
+          <a:prstGeom prst="rect">
+            <a:avLst/>
+          </a:prstGeom>
+          <a:noFill/>
+          <a:ln>
+            <a:noFill/>
+          </a:ln>
+          <a:extLst>
+            <a:ext uri="{909E8E84-426E-40DD-AFC4-6F175D3DCCD1}">
+              <a14:hiddenFill xmlns:a14="http://schemas.microsoft.com/office/drawing/2010/main">
+                <a:solidFill>
+                  <a:schemeClr val="accent1"/>
+                </a:solidFill>
+              </a14:hiddenFill>
+            </a:ext>
+            <a:ext uri="{91240B29-F687-4F45-9708-019B960494DF}">
+              <a14:hiddenLine xmlns:a14="http://schemas.microsoft.com/office/drawing/2010/main" w="9525">
+                <a:solidFill>
+                  <a:schemeClr val="tx1"/>
+                </a:solidFill>
+                <a:miter lim="800000"/>
+                <a:headEnd/>
+                <a:tailEnd/>
+              </a14:hiddenLine>
+            </a:ext>
+          </a:extLst>
+        </p:spPr>
+      </p:pic>
+      <p:pic>
+        <p:nvPicPr>
+          <p:cNvPr id="8" name="Picture 2"/>
+          <p:cNvPicPr>
+            <a:picLocks noChangeAspect="1" noChangeArrowheads="1"/>
+          </p:cNvPicPr>
+          <p:nvPr/>
+        </p:nvPicPr>
+        <p:blipFill>
+          <a:blip r:embed="rId7">
+            <a:extLst>
+              <a:ext uri="{28A0092B-C50C-407E-A947-70E740481C1C}">
+                <a14:useLocalDpi xmlns:a14="http://schemas.microsoft.com/office/drawing/2010/main" val="0"/>
+              </a:ext>
+            </a:extLst>
+          </a:blip>
+          <a:srcRect/>
+          <a:stretch>
+            <a:fillRect/>
+          </a:stretch>
+        </p:blipFill>
+        <p:spPr bwMode="auto">
+          <a:xfrm>
+            <a:off x="4798928" y="4903397"/>
+            <a:ext cx="2011478" cy="574041"/>
+          </a:xfrm>
+          <a:prstGeom prst="rect">
+            <a:avLst/>
+          </a:prstGeom>
+          <a:noFill/>
+          <a:ln>
+            <a:noFill/>
+          </a:ln>
+          <a:extLst>
+            <a:ext uri="{909E8E84-426E-40DD-AFC4-6F175D3DCCD1}">
+              <a14:hiddenFill xmlns:a14="http://schemas.microsoft.com/office/drawing/2010/main">
+                <a:solidFill>
+                  <a:schemeClr val="accent1"/>
+                </a:solidFill>
+              </a14:hiddenFill>
+            </a:ext>
+            <a:ext uri="{91240B29-F687-4F45-9708-019B960494DF}">
+              <a14:hiddenLine xmlns:a14="http://schemas.microsoft.com/office/drawing/2010/main" w="9525">
+                <a:solidFill>
+                  <a:schemeClr val="tx1"/>
+                </a:solidFill>
+                <a:miter lim="800000"/>
+                <a:headEnd/>
+                <a:tailEnd/>
+              </a14:hiddenLine>
+            </a:ext>
+          </a:extLst>
+        </p:spPr>
+      </p:pic>
+      <p:pic>
+        <p:nvPicPr>
+          <p:cNvPr id="9" name="Picture 3"/>
+          <p:cNvPicPr>
+            <a:picLocks noChangeAspect="1" noChangeArrowheads="1"/>
+          </p:cNvPicPr>
+          <p:nvPr/>
+        </p:nvPicPr>
+        <p:blipFill>
+          <a:blip r:embed="rId8" cstate="print">
+            <a:extLst>
+              <a:ext uri="{28A0092B-C50C-407E-A947-70E740481C1C}">
+                <a14:useLocalDpi xmlns:a14="http://schemas.microsoft.com/office/drawing/2010/main" val="0"/>
+              </a:ext>
+            </a:extLst>
+          </a:blip>
+          <a:srcRect/>
+          <a:stretch>
+            <a:fillRect/>
+          </a:stretch>
+        </p:blipFill>
+        <p:spPr bwMode="auto">
+          <a:xfrm>
+            <a:off x="4274273" y="5661248"/>
+            <a:ext cx="943341" cy="936104"/>
+          </a:xfrm>
+          <a:prstGeom prst="rect">
+            <a:avLst/>
+          </a:prstGeom>
+          <a:noFill/>
+          <a:ln>
+            <a:noFill/>
+          </a:ln>
+          <a:extLst>
+            <a:ext uri="{909E8E84-426E-40DD-AFC4-6F175D3DCCD1}">
+              <a14:hiddenFill xmlns:a14="http://schemas.microsoft.com/office/drawing/2010/main">
+                <a:solidFill>
+                  <a:schemeClr val="accent1"/>
+                </a:solidFill>
+              </a14:hiddenFill>
+            </a:ext>
+            <a:ext uri="{91240B29-F687-4F45-9708-019B960494DF}">
+              <a14:hiddenLine xmlns:a14="http://schemas.microsoft.com/office/drawing/2010/main" w="9525">
+                <a:solidFill>
+                  <a:schemeClr val="tx1"/>
+                </a:solidFill>
+                <a:miter lim="800000"/>
+                <a:headEnd/>
+                <a:tailEnd/>
+              </a14:hiddenLine>
+            </a:ext>
+          </a:extLst>
+        </p:spPr>
+      </p:pic>
+    </p:spTree>
+    <p:extLst>
+      <p:ext uri="{BB962C8B-B14F-4D97-AF65-F5344CB8AC3E}">
+        <p14:creationId xmlns:p14="http://schemas.microsoft.com/office/powerpoint/2010/main" val="2074943417"/>
+      </p:ext>
+    </p:extLst>
+  </p:cSld>
+  <p:clrMapOvr>
+    <a:masterClrMapping/>
+  </p:clrMapOvr>
+  <p:timing>
+    <p:tnLst>
+      <p:par>
+        <p:cTn id="1" dur="indefinite" restart="never" nodeType="tmRoot"/>
+      </p:par>
+    </p:tnLst>
+  </p:timing>
 </p:sld>
 </file>
 

--- a/Play take 2.pptx
+++ b/Play take 2.pptx
@@ -5,7 +5,7 @@
     <p:sldMasterId id="2147483648" r:id="rId1"/>
   </p:sldMasterIdLst>
   <p:notesMasterIdLst>
-    <p:notesMasterId r:id="rId13"/>
+    <p:notesMasterId r:id="rId17"/>
   </p:notesMasterIdLst>
   <p:sldIdLst>
     <p:sldId id="258" r:id="rId2"/>
@@ -18,7 +18,11 @@
     <p:sldId id="264" r:id="rId9"/>
     <p:sldId id="265" r:id="rId10"/>
     <p:sldId id="266" r:id="rId11"/>
-    <p:sldId id="267" r:id="rId12"/>
+    <p:sldId id="268" r:id="rId12"/>
+    <p:sldId id="269" r:id="rId13"/>
+    <p:sldId id="270" r:id="rId14"/>
+    <p:sldId id="271" r:id="rId15"/>
+    <p:sldId id="267" r:id="rId16"/>
   </p:sldIdLst>
   <p:sldSz cx="9144000" cy="6858000" type="screen4x3"/>
   <p:notesSz cx="6858000" cy="9144000"/>
@@ -202,7 +206,7 @@
           <a:p>
             <a:fld id="{4DD84B93-BD63-4F1D-A16A-8A65EEF98381}" type="datetimeFigureOut">
               <a:rPr lang="pl-PL" smtClean="0"/>
-              <a:t>2014-11-15</a:t>
+              <a:t>2014-11-16</a:t>
             </a:fld>
             <a:endParaRPr lang="pl-PL"/>
           </a:p>
@@ -1203,19 +1207,7 @@
                 <a:ea typeface="+mn-ea"/>
                 <a:cs typeface="+mn-cs"/>
               </a:rPr>
-              <a:t>can include any test-specific resources you may need </a:t>
-            </a:r>
-            <a:r>
-              <a:rPr lang="en-IE" sz="1200" u="none" strike="noStrike" kern="1200" smtClean="0">
-                <a:solidFill>
-                  <a:schemeClr val="tx1"/>
-                </a:solidFill>
-                <a:effectLst/>
-                <a:latin typeface="+mn-lt"/>
-                <a:ea typeface="+mn-ea"/>
-                <a:cs typeface="+mn-cs"/>
-              </a:rPr>
-              <a:t>as well</a:t>
+              <a:t>can include any test-specific resources you may need as well</a:t>
             </a:r>
             <a:endParaRPr lang="pl-PL" dirty="0"/>
           </a:p>
@@ -1248,6 +1240,1222 @@
     <p:extLst>
       <p:ext uri="{BB962C8B-B14F-4D97-AF65-F5344CB8AC3E}">
         <p14:creationId xmlns:p14="http://schemas.microsoft.com/office/powerpoint/2010/main" val="369486991"/>
+      </p:ext>
+    </p:extLst>
+  </p:cSld>
+  <p:clrMapOvr>
+    <a:masterClrMapping/>
+  </p:clrMapOvr>
+</p:notes>
+</file>
+
+<file path=ppt/notesSlides/notesSlide11.xml><?xml version="1.0" encoding="utf-8"?>
+<p:notes xmlns:a="http://schemas.openxmlformats.org/drawingml/2006/main" xmlns:r="http://schemas.openxmlformats.org/officeDocument/2006/relationships" xmlns:p="http://schemas.openxmlformats.org/presentationml/2006/main">
+  <p:cSld>
+    <p:spTree>
+      <p:nvGrpSpPr>
+        <p:cNvPr id="1" name=""/>
+        <p:cNvGrpSpPr/>
+        <p:nvPr/>
+      </p:nvGrpSpPr>
+      <p:grpSpPr>
+        <a:xfrm>
+          <a:off x="0" y="0"/>
+          <a:ext cx="0" cy="0"/>
+          <a:chOff x="0" y="0"/>
+          <a:chExt cx="0" cy="0"/>
+        </a:xfrm>
+      </p:grpSpPr>
+      <p:sp>
+        <p:nvSpPr>
+          <p:cNvPr id="2" name="Symbol zastępczy obrazu slajdu 1"/>
+          <p:cNvSpPr>
+            <a:spLocks noGrp="1" noRot="1" noChangeAspect="1"/>
+          </p:cNvSpPr>
+          <p:nvPr>
+            <p:ph type="sldImg"/>
+          </p:nvPr>
+        </p:nvSpPr>
+        <p:spPr/>
+      </p:sp>
+      <p:sp>
+        <p:nvSpPr>
+          <p:cNvPr id="3" name="Symbol zastępczy notatek 2"/>
+          <p:cNvSpPr>
+            <a:spLocks noGrp="1"/>
+          </p:cNvSpPr>
+          <p:nvPr>
+            <p:ph type="body" idx="1"/>
+          </p:nvPr>
+        </p:nvSpPr>
+        <p:spPr/>
+        <p:txBody>
+          <a:bodyPr/>
+          <a:lstStyle/>
+          <a:p>
+            <a:r>
+              <a:rPr lang="en-IE" sz="1200" b="1" kern="1200" dirty="0" smtClean="0">
+                <a:solidFill>
+                  <a:schemeClr val="tx1"/>
+                </a:solidFill>
+                <a:effectLst/>
+                <a:latin typeface="+mn-lt"/>
+                <a:ea typeface="+mn-ea"/>
+                <a:cs typeface="+mn-cs"/>
+              </a:rPr>
+              <a:t>router</a:t>
+            </a:r>
+          </a:p>
+          <a:p>
+            <a:r>
+              <a:rPr lang="en-IE" sz="1200" kern="1200" dirty="0" smtClean="0">
+                <a:solidFill>
+                  <a:schemeClr val="tx1"/>
+                </a:solidFill>
+                <a:effectLst/>
+                <a:latin typeface="+mn-lt"/>
+                <a:ea typeface="+mn-ea"/>
+                <a:cs typeface="+mn-cs"/>
+              </a:rPr>
+              <a:t>	- inspects</a:t>
+            </a:r>
+            <a:r>
+              <a:rPr lang="en-IE" sz="1200" kern="1200" baseline="0" dirty="0" smtClean="0">
+                <a:solidFill>
+                  <a:schemeClr val="tx1"/>
+                </a:solidFill>
+                <a:effectLst/>
+                <a:latin typeface="+mn-lt"/>
+                <a:ea typeface="+mn-ea"/>
+                <a:cs typeface="+mn-cs"/>
+              </a:rPr>
+              <a:t> </a:t>
+            </a:r>
+            <a:r>
+              <a:rPr lang="en-US" sz="1200" kern="1200" baseline="0" dirty="0" smtClean="0">
+                <a:solidFill>
+                  <a:schemeClr val="tx1"/>
+                </a:solidFill>
+                <a:effectLst/>
+                <a:latin typeface="+mn-lt"/>
+                <a:ea typeface="+mn-ea"/>
+                <a:cs typeface="+mn-cs"/>
+              </a:rPr>
+              <a:t>various aspects of the incoming HTTP requests</a:t>
+            </a:r>
+          </a:p>
+          <a:p>
+            <a:r>
+              <a:rPr lang="en-US" sz="1200" u="none" kern="1200" baseline="0" dirty="0" smtClean="0">
+                <a:solidFill>
+                  <a:schemeClr val="tx1"/>
+                </a:solidFill>
+                <a:effectLst/>
+                <a:latin typeface="+mn-lt"/>
+                <a:ea typeface="+mn-ea"/>
+                <a:cs typeface="+mn-cs"/>
+              </a:rPr>
+              <a:t>	- routes he requests to a specific action of a specific controller</a:t>
+            </a:r>
+          </a:p>
+          <a:p>
+            <a:r>
+              <a:rPr lang="en-US" sz="1200" u="none" kern="1200" baseline="0" dirty="0" smtClean="0">
+                <a:solidFill>
+                  <a:schemeClr val="tx1"/>
+                </a:solidFill>
+                <a:effectLst/>
+                <a:latin typeface="+mn-lt"/>
+                <a:ea typeface="+mn-ea"/>
+                <a:cs typeface="+mn-cs"/>
+              </a:rPr>
+              <a:t>	- router is like a single responsibility principle in programming, the alternative to a router would be a huge if statement that would have a 	branch for every possible acceptable route</a:t>
+            </a:r>
+          </a:p>
+          <a:p>
+            <a:r>
+              <a:rPr lang="en-IE" sz="1200" u="none" kern="1200" dirty="0" smtClean="0">
+                <a:solidFill>
+                  <a:schemeClr val="tx1"/>
+                </a:solidFill>
+                <a:effectLst/>
+                <a:latin typeface="+mn-lt"/>
+                <a:ea typeface="+mn-ea"/>
+                <a:cs typeface="+mn-cs"/>
+              </a:rPr>
+              <a:t> </a:t>
+            </a:r>
+          </a:p>
+          <a:p>
+            <a:r>
+              <a:rPr lang="en-US" sz="1200" u="none" kern="1200" dirty="0" smtClean="0">
+                <a:solidFill>
+                  <a:schemeClr val="tx1"/>
+                </a:solidFill>
+                <a:effectLst/>
+                <a:latin typeface="+mn-lt"/>
+                <a:ea typeface="+mn-ea"/>
+                <a:cs typeface="+mn-cs"/>
+              </a:rPr>
+              <a:t>the router translates incoming HTTP requests into a specific controller action</a:t>
+            </a:r>
+          </a:p>
+          <a:p>
+            <a:r>
+              <a:rPr lang="en-US" sz="1200" b="1" u="none" kern="1200" dirty="0" smtClean="0">
+                <a:solidFill>
+                  <a:schemeClr val="tx1"/>
+                </a:solidFill>
+                <a:effectLst/>
+                <a:latin typeface="+mn-lt"/>
+                <a:ea typeface="+mn-ea"/>
+                <a:cs typeface="+mn-cs"/>
+              </a:rPr>
+              <a:t>how?</a:t>
+            </a:r>
+          </a:p>
+          <a:p>
+            <a:r>
+              <a:rPr lang="en-US" u="none" dirty="0" smtClean="0"/>
+              <a:t>It looks at the HTTP </a:t>
+            </a:r>
+            <a:r>
+              <a:rPr lang="en-US" b="1" u="none" dirty="0" smtClean="0"/>
+              <a:t>method</a:t>
+            </a:r>
+            <a:r>
+              <a:rPr lang="en-US" u="none" dirty="0" smtClean="0"/>
+              <a:t> (verb) and the request </a:t>
+            </a:r>
+            <a:r>
+              <a:rPr lang="en-US" b="1" u="none" dirty="0" smtClean="0"/>
+              <a:t>path</a:t>
+            </a:r>
+            <a:r>
+              <a:rPr lang="en-US" u="none" dirty="0" smtClean="0"/>
+              <a:t>.</a:t>
+            </a:r>
+          </a:p>
+          <a:p>
+            <a:endParaRPr lang="en-US" u="none" dirty="0" smtClean="0"/>
+          </a:p>
+          <a:p>
+            <a:r>
+              <a:rPr lang="en-US" u="none" dirty="0" smtClean="0"/>
+              <a:t>Method is the </a:t>
+            </a:r>
+            <a:r>
+              <a:rPr lang="en-US" b="1" u="none" dirty="0" smtClean="0"/>
+              <a:t>intent</a:t>
+            </a:r>
+            <a:r>
+              <a:rPr lang="en-US" u="none" dirty="0" smtClean="0"/>
+              <a:t> of the request:</a:t>
+            </a:r>
+          </a:p>
+          <a:p>
+            <a:r>
+              <a:rPr lang="en-US" u="none" dirty="0" smtClean="0"/>
+              <a:t>	GET</a:t>
+            </a:r>
+            <a:r>
+              <a:rPr lang="en-US" u="none" baseline="0" dirty="0" smtClean="0"/>
+              <a:t> – retrieve data</a:t>
+            </a:r>
+          </a:p>
+          <a:p>
+            <a:r>
+              <a:rPr lang="en-US" u="none" baseline="0" dirty="0" smtClean="0"/>
+              <a:t>	POST – create data</a:t>
+            </a:r>
+          </a:p>
+          <a:p>
+            <a:r>
+              <a:rPr lang="en-US" u="none" baseline="0" dirty="0" smtClean="0"/>
+              <a:t>	PUT  - update</a:t>
+            </a:r>
+            <a:r>
+              <a:rPr lang="en-IE" u="none" baseline="0" dirty="0" smtClean="0"/>
+              <a:t> data</a:t>
+            </a:r>
+          </a:p>
+          <a:p>
+            <a:r>
+              <a:rPr lang="en-IE" u="none" baseline="0" dirty="0" smtClean="0"/>
+              <a:t>	DELETE – delete data</a:t>
+            </a:r>
+          </a:p>
+          <a:p>
+            <a:r>
+              <a:rPr lang="en-IE" u="none" baseline="0" dirty="0" smtClean="0"/>
+              <a:t>so… they represent basic CRUD operations in your application. Of course, you can use other HTTP methods…</a:t>
+            </a:r>
+          </a:p>
+          <a:p>
+            <a:endParaRPr lang="en-IE" u="none" baseline="0" dirty="0" smtClean="0"/>
+          </a:p>
+          <a:p>
+            <a:r>
+              <a:rPr lang="en-IE" u="none" baseline="0" dirty="0" smtClean="0"/>
+              <a:t>Path consists of 2 parts:</a:t>
+            </a:r>
+          </a:p>
+          <a:p>
+            <a:r>
+              <a:rPr lang="en-IE" u="none" baseline="0" dirty="0" smtClean="0"/>
+              <a:t>	- </a:t>
+            </a:r>
+            <a:r>
+              <a:rPr lang="en-US" u="none" baseline="0" dirty="0" smtClean="0"/>
+              <a:t>the first part is responsible for making sure your request gets to your server and web application through the internet, which would be 	www.myapplication.com</a:t>
+            </a:r>
+          </a:p>
+          <a:p>
+            <a:r>
+              <a:rPr lang="en-US" u="none" baseline="0" dirty="0" smtClean="0"/>
+              <a:t>	- the second part is used by your web application to determine what action to get executed, which would be /customer/1/order/2</a:t>
+            </a:r>
+          </a:p>
+          <a:p>
+            <a:endParaRPr lang="en-IE" u="none" baseline="0" dirty="0" smtClean="0"/>
+          </a:p>
+          <a:p>
+            <a:endParaRPr lang="en-US" u="none" baseline="0" dirty="0" smtClean="0"/>
+          </a:p>
+        </p:txBody>
+      </p:sp>
+      <p:sp>
+        <p:nvSpPr>
+          <p:cNvPr id="4" name="Symbol zastępczy numeru slajdu 3"/>
+          <p:cNvSpPr>
+            <a:spLocks noGrp="1"/>
+          </p:cNvSpPr>
+          <p:nvPr>
+            <p:ph type="sldNum" sz="quarter" idx="10"/>
+          </p:nvPr>
+        </p:nvSpPr>
+        <p:spPr/>
+        <p:txBody>
+          <a:bodyPr/>
+          <a:lstStyle/>
+          <a:p>
+            <a:fld id="{E636E017-2961-4FC6-B7B9-AC52108EDB4A}" type="slidenum">
+              <a:rPr lang="pl-PL" smtClean="0"/>
+              <a:t>11</a:t>
+            </a:fld>
+            <a:endParaRPr lang="pl-PL"/>
+          </a:p>
+        </p:txBody>
+      </p:sp>
+    </p:spTree>
+    <p:extLst>
+      <p:ext uri="{BB962C8B-B14F-4D97-AF65-F5344CB8AC3E}">
+        <p14:creationId xmlns:p14="http://schemas.microsoft.com/office/powerpoint/2010/main" val="3297851152"/>
+      </p:ext>
+    </p:extLst>
+  </p:cSld>
+  <p:clrMapOvr>
+    <a:masterClrMapping/>
+  </p:clrMapOvr>
+</p:notes>
+</file>
+
+<file path=ppt/notesSlides/notesSlide12.xml><?xml version="1.0" encoding="utf-8"?>
+<p:notes xmlns:a="http://schemas.openxmlformats.org/drawingml/2006/main" xmlns:r="http://schemas.openxmlformats.org/officeDocument/2006/relationships" xmlns:p="http://schemas.openxmlformats.org/presentationml/2006/main">
+  <p:cSld>
+    <p:spTree>
+      <p:nvGrpSpPr>
+        <p:cNvPr id="1" name=""/>
+        <p:cNvGrpSpPr/>
+        <p:nvPr/>
+      </p:nvGrpSpPr>
+      <p:grpSpPr>
+        <a:xfrm>
+          <a:off x="0" y="0"/>
+          <a:ext cx="0" cy="0"/>
+          <a:chOff x="0" y="0"/>
+          <a:chExt cx="0" cy="0"/>
+        </a:xfrm>
+      </p:grpSpPr>
+      <p:sp>
+        <p:nvSpPr>
+          <p:cNvPr id="2" name="Symbol zastępczy obrazu slajdu 1"/>
+          <p:cNvSpPr>
+            <a:spLocks noGrp="1" noRot="1" noChangeAspect="1"/>
+          </p:cNvSpPr>
+          <p:nvPr>
+            <p:ph type="sldImg"/>
+          </p:nvPr>
+        </p:nvSpPr>
+        <p:spPr/>
+      </p:sp>
+      <p:sp>
+        <p:nvSpPr>
+          <p:cNvPr id="3" name="Symbol zastępczy notatek 2"/>
+          <p:cNvSpPr>
+            <a:spLocks noGrp="1"/>
+          </p:cNvSpPr>
+          <p:nvPr>
+            <p:ph type="body" idx="1"/>
+          </p:nvPr>
+        </p:nvSpPr>
+        <p:spPr/>
+        <p:txBody>
+          <a:bodyPr/>
+          <a:lstStyle/>
+          <a:p>
+            <a:r>
+              <a:rPr lang="en-US" sz="1200" u="none" kern="1200" dirty="0" smtClean="0">
+                <a:solidFill>
+                  <a:schemeClr val="tx1"/>
+                </a:solidFill>
+                <a:effectLst/>
+                <a:latin typeface="+mn-lt"/>
+                <a:ea typeface="+mn-ea"/>
+                <a:cs typeface="+mn-cs"/>
+              </a:rPr>
+              <a:t>Routes in Play! are declared using a </a:t>
+            </a:r>
+            <a:r>
+              <a:rPr lang="en-US" sz="1200" b="1" u="none" kern="1200" dirty="0" smtClean="0">
+                <a:solidFill>
+                  <a:schemeClr val="tx1"/>
+                </a:solidFill>
+                <a:effectLst/>
+                <a:latin typeface="+mn-lt"/>
+                <a:ea typeface="+mn-ea"/>
+                <a:cs typeface="+mn-cs"/>
+              </a:rPr>
+              <a:t>DSL</a:t>
+            </a:r>
+            <a:endParaRPr lang="en-US" sz="1200" b="0" u="none" kern="1200" dirty="0" smtClean="0">
+              <a:solidFill>
+                <a:schemeClr val="tx1"/>
+              </a:solidFill>
+              <a:effectLst/>
+              <a:latin typeface="+mn-lt"/>
+              <a:ea typeface="+mn-ea"/>
+              <a:cs typeface="+mn-cs"/>
+            </a:endParaRPr>
+          </a:p>
+          <a:p>
+            <a:r>
+              <a:rPr lang="en-US" sz="1200" b="0" u="none" kern="1200" dirty="0" smtClean="0">
+                <a:solidFill>
+                  <a:schemeClr val="tx1"/>
+                </a:solidFill>
+                <a:effectLst/>
+                <a:latin typeface="+mn-lt"/>
+                <a:ea typeface="+mn-ea"/>
+                <a:cs typeface="+mn-cs"/>
+              </a:rPr>
+              <a:t>A basic route declaration is composed of </a:t>
+            </a:r>
+            <a:r>
+              <a:rPr lang="en-US" sz="1200" b="0" u="none" kern="1200" dirty="0" smtClean="0">
+                <a:solidFill>
+                  <a:schemeClr val="tx1"/>
+                </a:solidFill>
+                <a:effectLst/>
+                <a:latin typeface="+mn-lt"/>
+                <a:ea typeface="+mn-ea"/>
+                <a:cs typeface="+mn-cs"/>
+              </a:rPr>
+              <a:t>3 main </a:t>
+            </a:r>
+            <a:r>
+              <a:rPr lang="en-US" sz="1200" b="0" u="none" kern="1200" dirty="0" smtClean="0">
+                <a:solidFill>
+                  <a:schemeClr val="tx1"/>
+                </a:solidFill>
+                <a:effectLst/>
+                <a:latin typeface="+mn-lt"/>
+                <a:ea typeface="+mn-ea"/>
+                <a:cs typeface="+mn-cs"/>
+              </a:rPr>
+              <a:t>parts:</a:t>
+            </a:r>
+          </a:p>
+          <a:p>
+            <a:r>
+              <a:rPr lang="en-US" sz="1200" b="0" u="none" kern="1200" dirty="0" smtClean="0">
+                <a:solidFill>
+                  <a:schemeClr val="tx1"/>
+                </a:solidFill>
+                <a:effectLst/>
+                <a:latin typeface="+mn-lt"/>
+                <a:ea typeface="+mn-ea"/>
+                <a:cs typeface="+mn-cs"/>
+              </a:rPr>
+              <a:t>	-</a:t>
+            </a:r>
+            <a:r>
+              <a:rPr lang="en-US" sz="1200" b="0" u="none" kern="1200" baseline="0" dirty="0" smtClean="0">
+                <a:solidFill>
+                  <a:schemeClr val="tx1"/>
+                </a:solidFill>
+                <a:effectLst/>
+                <a:latin typeface="+mn-lt"/>
+                <a:ea typeface="+mn-ea"/>
+                <a:cs typeface="+mn-cs"/>
+              </a:rPr>
+              <a:t> </a:t>
+            </a:r>
+            <a:r>
+              <a:rPr lang="en-US" sz="1200" b="0" u="none" kern="1200" dirty="0" smtClean="0">
+                <a:solidFill>
+                  <a:schemeClr val="tx1"/>
+                </a:solidFill>
+                <a:effectLst/>
+                <a:latin typeface="+mn-lt"/>
+                <a:ea typeface="+mn-ea"/>
+                <a:cs typeface="+mn-cs"/>
+              </a:rPr>
+              <a:t>the HTTP Verb or Method</a:t>
+            </a:r>
+          </a:p>
+          <a:p>
+            <a:r>
+              <a:rPr lang="en-US" sz="1200" b="0" u="none" kern="1200" dirty="0" smtClean="0">
+                <a:solidFill>
+                  <a:schemeClr val="tx1"/>
+                </a:solidFill>
+                <a:effectLst/>
+                <a:latin typeface="+mn-lt"/>
+                <a:ea typeface="+mn-ea"/>
+                <a:cs typeface="+mn-cs"/>
+              </a:rPr>
+              <a:t>	- the Path or URI pattern</a:t>
+            </a:r>
+          </a:p>
+          <a:p>
+            <a:r>
+              <a:rPr lang="en-US" sz="1200" b="0" u="none" kern="1200" dirty="0" smtClean="0">
+                <a:solidFill>
+                  <a:schemeClr val="tx1"/>
+                </a:solidFill>
+                <a:effectLst/>
+                <a:latin typeface="+mn-lt"/>
+                <a:ea typeface="+mn-ea"/>
+                <a:cs typeface="+mn-cs"/>
+              </a:rPr>
+              <a:t>	- the Call to the Action itself</a:t>
+            </a:r>
+          </a:p>
+          <a:p>
+            <a:r>
+              <a:rPr lang="en-US" sz="1200" b="0" u="none" kern="1200" dirty="0" smtClean="0">
+                <a:solidFill>
+                  <a:schemeClr val="tx1"/>
+                </a:solidFill>
+                <a:effectLst/>
+                <a:latin typeface="+mn-lt"/>
+                <a:ea typeface="+mn-ea"/>
+                <a:cs typeface="+mn-cs"/>
+              </a:rPr>
+              <a:t>The path is called a </a:t>
+            </a:r>
+            <a:r>
+              <a:rPr lang="en-US" sz="1200" b="1" u="none" kern="1200" dirty="0" smtClean="0">
+                <a:solidFill>
+                  <a:schemeClr val="tx1"/>
+                </a:solidFill>
+                <a:effectLst/>
+                <a:latin typeface="+mn-lt"/>
+                <a:ea typeface="+mn-ea"/>
+                <a:cs typeface="+mn-cs"/>
+              </a:rPr>
+              <a:t>URI pattern </a:t>
+            </a:r>
+            <a:r>
+              <a:rPr lang="en-US" sz="1200" b="0" u="none" kern="1200" dirty="0" smtClean="0">
+                <a:solidFill>
+                  <a:schemeClr val="tx1"/>
+                </a:solidFill>
+                <a:effectLst/>
+                <a:latin typeface="+mn-lt"/>
+                <a:ea typeface="+mn-ea"/>
+                <a:cs typeface="+mn-cs"/>
+              </a:rPr>
+              <a:t>as</a:t>
+            </a:r>
+            <a:r>
+              <a:rPr lang="en-US" sz="1200" b="0" u="none" kern="1200" baseline="0" dirty="0" smtClean="0">
+                <a:solidFill>
+                  <a:schemeClr val="tx1"/>
+                </a:solidFill>
+                <a:effectLst/>
+                <a:latin typeface="+mn-lt"/>
+                <a:ea typeface="+mn-ea"/>
+                <a:cs typeface="+mn-cs"/>
+              </a:rPr>
+              <a:t> it can catch more than just one path:</a:t>
+            </a:r>
+          </a:p>
+          <a:p>
+            <a:r>
+              <a:rPr lang="en-US" sz="1200" b="0" u="none" kern="1200" baseline="0" dirty="0" smtClean="0">
+                <a:solidFill>
+                  <a:schemeClr val="tx1"/>
+                </a:solidFill>
+                <a:effectLst/>
+                <a:latin typeface="+mn-lt"/>
+                <a:ea typeface="+mn-ea"/>
+                <a:cs typeface="+mn-cs"/>
+              </a:rPr>
+              <a:t>	- static route, i.e. /customers will point to that specific route</a:t>
+            </a:r>
+          </a:p>
+          <a:p>
+            <a:r>
+              <a:rPr lang="en-US" sz="1200" b="0" u="none" kern="1200" baseline="0" dirty="0" smtClean="0">
+                <a:solidFill>
+                  <a:schemeClr val="tx1"/>
+                </a:solidFill>
+                <a:effectLst/>
+                <a:latin typeface="+mn-lt"/>
+                <a:ea typeface="+mn-ea"/>
+                <a:cs typeface="+mn-cs"/>
+              </a:rPr>
+              <a:t>	- dynamic route, i.e. /customers/:id/order/:</a:t>
+            </a:r>
+            <a:r>
+              <a:rPr lang="en-US" sz="1200" b="0" u="none" kern="1200" baseline="0" dirty="0" err="1" smtClean="0">
+                <a:solidFill>
+                  <a:schemeClr val="tx1"/>
+                </a:solidFill>
+                <a:effectLst/>
+                <a:latin typeface="+mn-lt"/>
+                <a:ea typeface="+mn-ea"/>
+                <a:cs typeface="+mn-cs"/>
+              </a:rPr>
+              <a:t>orderId</a:t>
+            </a:r>
+            <a:r>
+              <a:rPr lang="en-US" sz="1200" b="0" u="none" kern="1200" baseline="0" dirty="0" smtClean="0">
+                <a:solidFill>
+                  <a:schemeClr val="tx1"/>
+                </a:solidFill>
+                <a:effectLst/>
+                <a:latin typeface="+mn-lt"/>
+                <a:ea typeface="+mn-ea"/>
+                <a:cs typeface="+mn-cs"/>
+              </a:rPr>
+              <a:t> will point to a different route depending on the id and </a:t>
+            </a:r>
+            <a:r>
+              <a:rPr lang="en-US" sz="1200" b="0" u="none" kern="1200" baseline="0" dirty="0" err="1" smtClean="0">
+                <a:solidFill>
+                  <a:schemeClr val="tx1"/>
+                </a:solidFill>
+                <a:effectLst/>
+                <a:latin typeface="+mn-lt"/>
+                <a:ea typeface="+mn-ea"/>
+                <a:cs typeface="+mn-cs"/>
+              </a:rPr>
+              <a:t>orderId</a:t>
+            </a:r>
+            <a:endParaRPr lang="en-US" sz="1200" b="0" u="none" kern="1200" baseline="0" dirty="0" smtClean="0">
+              <a:solidFill>
+                <a:schemeClr val="tx1"/>
+              </a:solidFill>
+              <a:effectLst/>
+              <a:latin typeface="+mn-lt"/>
+              <a:ea typeface="+mn-ea"/>
+              <a:cs typeface="+mn-cs"/>
+            </a:endParaRPr>
+          </a:p>
+          <a:p>
+            <a:r>
+              <a:rPr lang="en-US" sz="1200" b="0" u="none" kern="1200" baseline="0" dirty="0" smtClean="0">
+                <a:solidFill>
+                  <a:schemeClr val="tx1"/>
+                </a:solidFill>
+                <a:effectLst/>
+                <a:latin typeface="+mn-lt"/>
+                <a:ea typeface="+mn-ea"/>
+                <a:cs typeface="+mn-cs"/>
+              </a:rPr>
+              <a:t>You wouldn’t define a separate route for each customer /customer/view/1, /customer/view/2 etc…</a:t>
+            </a:r>
+          </a:p>
+          <a:p>
+            <a:r>
+              <a:rPr lang="en-US" sz="1200" b="0" u="none" kern="1200" baseline="0" dirty="0" smtClean="0">
+                <a:solidFill>
+                  <a:schemeClr val="tx1"/>
+                </a:solidFill>
+                <a:effectLst/>
+                <a:latin typeface="+mn-lt"/>
+                <a:ea typeface="+mn-ea"/>
+                <a:cs typeface="+mn-cs"/>
+              </a:rPr>
+              <a:t>So that’s why you would use </a:t>
+            </a:r>
+            <a:r>
+              <a:rPr lang="en-US" sz="1200" b="1" u="none" kern="1200" baseline="0" dirty="0" smtClean="0">
+                <a:solidFill>
+                  <a:schemeClr val="tx1"/>
+                </a:solidFill>
+                <a:effectLst/>
+                <a:latin typeface="+mn-lt"/>
+                <a:ea typeface="+mn-ea"/>
+                <a:cs typeface="+mn-cs"/>
+              </a:rPr>
+              <a:t>token</a:t>
+            </a:r>
+            <a:r>
+              <a:rPr lang="en-US" sz="1200" b="0" u="none" kern="1200" baseline="0" dirty="0" smtClean="0">
+                <a:solidFill>
+                  <a:schemeClr val="tx1"/>
+                </a:solidFill>
+                <a:effectLst/>
+                <a:latin typeface="+mn-lt"/>
+                <a:ea typeface="+mn-ea"/>
+                <a:cs typeface="+mn-cs"/>
+              </a:rPr>
+              <a:t>s.</a:t>
+            </a:r>
+          </a:p>
+          <a:p>
+            <a:r>
+              <a:rPr lang="en-US" sz="1200" b="0" u="none" kern="1200" baseline="0" dirty="0" smtClean="0">
+                <a:solidFill>
+                  <a:schemeClr val="tx1"/>
+                </a:solidFill>
+                <a:effectLst/>
+                <a:latin typeface="+mn-lt"/>
+                <a:ea typeface="+mn-ea"/>
+                <a:cs typeface="+mn-cs"/>
+              </a:rPr>
+              <a:t>There </a:t>
+            </a:r>
+            <a:r>
+              <a:rPr lang="en-US" sz="1200" b="0" u="none" kern="1200" baseline="0" dirty="0" smtClean="0">
+                <a:solidFill>
+                  <a:schemeClr val="tx1"/>
+                </a:solidFill>
+                <a:effectLst/>
+                <a:latin typeface="+mn-lt"/>
+                <a:ea typeface="+mn-ea"/>
+                <a:cs typeface="+mn-cs"/>
+                <a:sym typeface="Wingdings" panose="05000000000000000000" pitchFamily="2" charset="2"/>
+              </a:rPr>
+              <a:t>are other ways of extracting data from a URI path:</a:t>
+            </a:r>
+          </a:p>
+          <a:p>
+            <a:r>
+              <a:rPr lang="en-US" sz="1200" b="0" u="none" kern="1200" baseline="0" dirty="0" smtClean="0">
+                <a:solidFill>
+                  <a:schemeClr val="tx1"/>
+                </a:solidFill>
+                <a:effectLst/>
+                <a:latin typeface="+mn-lt"/>
+                <a:ea typeface="+mn-ea"/>
+                <a:cs typeface="+mn-cs"/>
+                <a:sym typeface="Wingdings" panose="05000000000000000000" pitchFamily="2" charset="2"/>
+              </a:rPr>
+              <a:t>	- </a:t>
+            </a:r>
+            <a:r>
+              <a:rPr lang="en-US" sz="1200" b="1" u="none" kern="1200" baseline="0" dirty="0" err="1" smtClean="0">
+                <a:solidFill>
+                  <a:schemeClr val="tx1"/>
+                </a:solidFill>
+                <a:effectLst/>
+                <a:latin typeface="+mn-lt"/>
+                <a:ea typeface="+mn-ea"/>
+                <a:cs typeface="+mn-cs"/>
+                <a:sym typeface="Wingdings" panose="05000000000000000000" pitchFamily="2" charset="2"/>
+              </a:rPr>
+              <a:t>clobbing</a:t>
+            </a:r>
+            <a:r>
+              <a:rPr lang="en-US" sz="1200" b="0" u="none" kern="1200" baseline="0" dirty="0" smtClean="0">
+                <a:solidFill>
+                  <a:schemeClr val="tx1"/>
+                </a:solidFill>
+                <a:effectLst/>
+                <a:latin typeface="+mn-lt"/>
+                <a:ea typeface="+mn-ea"/>
+                <a:cs typeface="+mn-cs"/>
+                <a:sym typeface="Wingdings" panose="05000000000000000000" pitchFamily="2" charset="2"/>
+              </a:rPr>
+              <a:t> – neither static, nor dynamic fits</a:t>
+            </a:r>
+          </a:p>
+          <a:p>
+            <a:r>
+              <a:rPr lang="en-US" sz="1200" b="0" u="none" kern="1200" baseline="0" dirty="0" smtClean="0">
+                <a:solidFill>
+                  <a:schemeClr val="tx1"/>
+                </a:solidFill>
+                <a:effectLst/>
+                <a:latin typeface="+mn-lt"/>
+                <a:ea typeface="+mn-ea"/>
+                <a:cs typeface="+mn-cs"/>
+                <a:sym typeface="Wingdings" panose="05000000000000000000" pitchFamily="2" charset="2"/>
+              </a:rPr>
+              <a:t>	- </a:t>
+            </a:r>
+            <a:r>
+              <a:rPr lang="en-US" sz="1200" b="1" u="none" kern="1200" baseline="0" dirty="0" smtClean="0">
+                <a:solidFill>
+                  <a:schemeClr val="tx1"/>
+                </a:solidFill>
+                <a:effectLst/>
+                <a:latin typeface="+mn-lt"/>
+                <a:ea typeface="+mn-ea"/>
+                <a:cs typeface="+mn-cs"/>
+                <a:sym typeface="Wingdings" panose="05000000000000000000" pitchFamily="2" charset="2"/>
+              </a:rPr>
+              <a:t>regular expressions</a:t>
+            </a:r>
+            <a:r>
+              <a:rPr lang="en-US" sz="1200" b="0" u="none" kern="1200" baseline="0" dirty="0" smtClean="0">
+                <a:solidFill>
+                  <a:schemeClr val="tx1"/>
+                </a:solidFill>
+                <a:effectLst/>
+                <a:latin typeface="+mn-lt"/>
+                <a:ea typeface="+mn-ea"/>
+                <a:cs typeface="+mn-cs"/>
+                <a:sym typeface="Wingdings" panose="05000000000000000000" pitchFamily="2" charset="2"/>
+              </a:rPr>
+              <a:t> – id can only be numeric so if u pass a non-numeric value, u will get a 404 Not Found response, instead of an error 	(nicer error handling), but downside is – if we change our code then the path has to be changed too.</a:t>
+            </a:r>
+          </a:p>
+          <a:p>
+            <a:endParaRPr lang="en-US" sz="1200" b="0" u="none" kern="1200" dirty="0" smtClean="0">
+              <a:solidFill>
+                <a:schemeClr val="tx1"/>
+              </a:solidFill>
+              <a:effectLst/>
+              <a:latin typeface="+mn-lt"/>
+              <a:ea typeface="+mn-ea"/>
+              <a:cs typeface="+mn-cs"/>
+            </a:endParaRPr>
+          </a:p>
+          <a:p>
+            <a:endParaRPr lang="pl-PL" dirty="0" smtClean="0"/>
+          </a:p>
+          <a:p>
+            <a:endParaRPr lang="en-US" sz="1200" b="0" u="none" kern="1200" baseline="0" dirty="0" smtClean="0">
+              <a:solidFill>
+                <a:schemeClr val="tx1"/>
+              </a:solidFill>
+              <a:effectLst/>
+              <a:latin typeface="+mn-lt"/>
+              <a:ea typeface="+mn-ea"/>
+              <a:cs typeface="+mn-cs"/>
+            </a:endParaRPr>
+          </a:p>
+        </p:txBody>
+      </p:sp>
+      <p:sp>
+        <p:nvSpPr>
+          <p:cNvPr id="4" name="Symbol zastępczy numeru slajdu 3"/>
+          <p:cNvSpPr>
+            <a:spLocks noGrp="1"/>
+          </p:cNvSpPr>
+          <p:nvPr>
+            <p:ph type="sldNum" sz="quarter" idx="10"/>
+          </p:nvPr>
+        </p:nvSpPr>
+        <p:spPr/>
+        <p:txBody>
+          <a:bodyPr/>
+          <a:lstStyle/>
+          <a:p>
+            <a:fld id="{E636E017-2961-4FC6-B7B9-AC52108EDB4A}" type="slidenum">
+              <a:rPr lang="pl-PL" smtClean="0"/>
+              <a:t>12</a:t>
+            </a:fld>
+            <a:endParaRPr lang="pl-PL"/>
+          </a:p>
+        </p:txBody>
+      </p:sp>
+    </p:spTree>
+    <p:extLst>
+      <p:ext uri="{BB962C8B-B14F-4D97-AF65-F5344CB8AC3E}">
+        <p14:creationId xmlns:p14="http://schemas.microsoft.com/office/powerpoint/2010/main" val="4040977490"/>
+      </p:ext>
+    </p:extLst>
+  </p:cSld>
+  <p:clrMapOvr>
+    <a:masterClrMapping/>
+  </p:clrMapOvr>
+</p:notes>
+</file>
+
+<file path=ppt/notesSlides/notesSlide13.xml><?xml version="1.0" encoding="utf-8"?>
+<p:notes xmlns:a="http://schemas.openxmlformats.org/drawingml/2006/main" xmlns:r="http://schemas.openxmlformats.org/officeDocument/2006/relationships" xmlns:p="http://schemas.openxmlformats.org/presentationml/2006/main">
+  <p:cSld>
+    <p:spTree>
+      <p:nvGrpSpPr>
+        <p:cNvPr id="1" name=""/>
+        <p:cNvGrpSpPr/>
+        <p:nvPr/>
+      </p:nvGrpSpPr>
+      <p:grpSpPr>
+        <a:xfrm>
+          <a:off x="0" y="0"/>
+          <a:ext cx="0" cy="0"/>
+          <a:chOff x="0" y="0"/>
+          <a:chExt cx="0" cy="0"/>
+        </a:xfrm>
+      </p:grpSpPr>
+      <p:sp>
+        <p:nvSpPr>
+          <p:cNvPr id="2" name="Symbol zastępczy obrazu slajdu 1"/>
+          <p:cNvSpPr>
+            <a:spLocks noGrp="1" noRot="1" noChangeAspect="1"/>
+          </p:cNvSpPr>
+          <p:nvPr>
+            <p:ph type="sldImg"/>
+          </p:nvPr>
+        </p:nvSpPr>
+        <p:spPr/>
+      </p:sp>
+      <p:sp>
+        <p:nvSpPr>
+          <p:cNvPr id="3" name="Symbol zastępczy notatek 2"/>
+          <p:cNvSpPr>
+            <a:spLocks noGrp="1"/>
+          </p:cNvSpPr>
+          <p:nvPr>
+            <p:ph type="body" idx="1"/>
+          </p:nvPr>
+        </p:nvSpPr>
+        <p:spPr/>
+        <p:txBody>
+          <a:bodyPr/>
+          <a:lstStyle/>
+          <a:p>
+            <a:r>
+              <a:rPr lang="en-US" dirty="0" smtClean="0"/>
+              <a:t>In Play!, Actions are defined as </a:t>
+            </a:r>
+            <a:r>
+              <a:rPr lang="en-US" b="1" dirty="0" smtClean="0"/>
+              <a:t>static</a:t>
+            </a:r>
+            <a:r>
+              <a:rPr lang="en-US" dirty="0" smtClean="0"/>
+              <a:t> methods on controller classes.</a:t>
+            </a:r>
+          </a:p>
+          <a:p>
+            <a:endParaRPr lang="en-US" dirty="0" smtClean="0"/>
+          </a:p>
+          <a:p>
+            <a:r>
+              <a:rPr lang="en-US" dirty="0" smtClean="0"/>
+              <a:t>A few routes that demonstrate the various aspects of </a:t>
+            </a:r>
+            <a:r>
+              <a:rPr lang="en-US" dirty="0" err="1" smtClean="0"/>
+              <a:t>Play!'s</a:t>
+            </a:r>
+            <a:r>
+              <a:rPr lang="en-US" dirty="0" smtClean="0"/>
+              <a:t> routing capability.</a:t>
+            </a:r>
+          </a:p>
+          <a:p>
+            <a:r>
+              <a:rPr lang="en-US" dirty="0" smtClean="0"/>
+              <a:t>A basic controller with a number of actions that match up to these routes.</a:t>
+            </a:r>
+          </a:p>
+          <a:p>
+            <a:endParaRPr lang="en-US" dirty="0" smtClean="0"/>
+          </a:p>
+          <a:p>
+            <a:r>
+              <a:rPr lang="en-US" dirty="0" smtClean="0"/>
+              <a:t>Run</a:t>
+            </a:r>
+            <a:r>
+              <a:rPr lang="en-US" baseline="0" dirty="0" smtClean="0"/>
+              <a:t> the application</a:t>
+            </a:r>
+            <a:endParaRPr lang="en-US" dirty="0" smtClean="0"/>
+          </a:p>
+          <a:p>
+            <a:endParaRPr lang="en-IE" dirty="0" smtClean="0"/>
+          </a:p>
+          <a:p>
+            <a:r>
+              <a:rPr lang="en-IE" dirty="0" smtClean="0"/>
+              <a:t>Error</a:t>
+            </a:r>
+            <a:r>
+              <a:rPr lang="en-IE" baseline="0" dirty="0" smtClean="0"/>
+              <a:t> – why? POST has no corresponding action </a:t>
+            </a:r>
+            <a:r>
+              <a:rPr lang="en-IE" baseline="0" dirty="0" smtClean="0">
+                <a:sym typeface="Wingdings" panose="05000000000000000000" pitchFamily="2" charset="2"/>
+              </a:rPr>
+              <a:t> comment it out  run again</a:t>
+            </a:r>
+          </a:p>
+          <a:p>
+            <a:endParaRPr lang="en-IE" baseline="0" dirty="0" smtClean="0">
+              <a:sym typeface="Wingdings" panose="05000000000000000000" pitchFamily="2" charset="2"/>
+            </a:endParaRPr>
+          </a:p>
+          <a:p>
+            <a:r>
+              <a:rPr lang="en-IE" baseline="0" dirty="0" smtClean="0">
+                <a:sym typeface="Wingdings" panose="05000000000000000000" pitchFamily="2" charset="2"/>
+              </a:rPr>
+              <a:t>Type in all possible combinations of routes</a:t>
+            </a:r>
+          </a:p>
+          <a:p>
+            <a:endParaRPr lang="en-IE" baseline="0" dirty="0" smtClean="0">
+              <a:sym typeface="Wingdings" panose="05000000000000000000" pitchFamily="2" charset="2"/>
+            </a:endParaRPr>
+          </a:p>
+          <a:p>
+            <a:r>
+              <a:rPr lang="en-IE" baseline="0" dirty="0" smtClean="0">
+                <a:sym typeface="Wingdings" panose="05000000000000000000" pitchFamily="2" charset="2"/>
+              </a:rPr>
+              <a:t>Type in incorrect route and u will get an “action not found” error which in </a:t>
+            </a:r>
+            <a:r>
+              <a:rPr lang="en-US" baseline="0" dirty="0" smtClean="0">
+                <a:sym typeface="Wingdings" panose="05000000000000000000" pitchFamily="2" charset="2"/>
+              </a:rPr>
+              <a:t>Development mode actually lists all of the defined routes. </a:t>
+            </a:r>
+            <a:endParaRPr lang="en-IE" baseline="0" dirty="0" smtClean="0">
+              <a:sym typeface="Wingdings" panose="05000000000000000000" pitchFamily="2" charset="2"/>
+            </a:endParaRPr>
+          </a:p>
+          <a:p>
+            <a:r>
+              <a:rPr lang="en-IE" baseline="0" dirty="0" smtClean="0">
+                <a:sym typeface="Wingdings" panose="05000000000000000000" pitchFamily="2" charset="2"/>
+              </a:rPr>
+              <a:t>Type in /swimmers/9 and u will get a </a:t>
+            </a:r>
+            <a:r>
+              <a:rPr lang="en-IE" b="1" baseline="0" dirty="0" smtClean="0">
+                <a:sym typeface="Wingdings" panose="05000000000000000000" pitchFamily="2" charset="2"/>
+              </a:rPr>
+              <a:t>bad request</a:t>
+            </a:r>
+          </a:p>
+          <a:p>
+            <a:r>
+              <a:rPr lang="en-IE" b="0" baseline="0" dirty="0" smtClean="0">
+                <a:sym typeface="Wingdings" panose="05000000000000000000" pitchFamily="2" charset="2"/>
+              </a:rPr>
+              <a:t>Type in /swimmers/</a:t>
+            </a:r>
+            <a:r>
+              <a:rPr lang="en-IE" b="0" baseline="0" dirty="0" err="1" smtClean="0">
+                <a:sym typeface="Wingdings" panose="05000000000000000000" pitchFamily="2" charset="2"/>
+              </a:rPr>
+              <a:t>clobExample</a:t>
+            </a:r>
+            <a:r>
+              <a:rPr lang="en-IE" b="0" baseline="0" dirty="0" smtClean="0">
+                <a:sym typeface="Wingdings" panose="05000000000000000000" pitchFamily="2" charset="2"/>
+              </a:rPr>
+              <a:t>/</a:t>
+            </a:r>
+            <a:r>
+              <a:rPr lang="en-IE" b="0" baseline="0" dirty="0" err="1" smtClean="0">
+                <a:sym typeface="Wingdings" panose="05000000000000000000" pitchFamily="2" charset="2"/>
+              </a:rPr>
+              <a:t>bala</a:t>
+            </a:r>
+            <a:r>
+              <a:rPr lang="en-IE" b="0" baseline="0" dirty="0" smtClean="0">
+                <a:sym typeface="Wingdings" panose="05000000000000000000" pitchFamily="2" charset="2"/>
+              </a:rPr>
+              <a:t>****</a:t>
+            </a:r>
+            <a:r>
+              <a:rPr lang="en-IE" b="0" baseline="0" dirty="0" err="1" smtClean="0">
+                <a:sym typeface="Wingdings" panose="05000000000000000000" pitchFamily="2" charset="2"/>
+              </a:rPr>
+              <a:t>jsjddk</a:t>
+            </a:r>
+            <a:r>
+              <a:rPr lang="en-IE" b="0" baseline="0" dirty="0" smtClean="0">
+                <a:sym typeface="Wingdings" panose="05000000000000000000" pitchFamily="2" charset="2"/>
+              </a:rPr>
+              <a:t>////// and it will be all displayed exactly like that</a:t>
+            </a:r>
+            <a:endParaRPr lang="pl-PL" b="0" dirty="0"/>
+          </a:p>
+        </p:txBody>
+      </p:sp>
+      <p:sp>
+        <p:nvSpPr>
+          <p:cNvPr id="4" name="Symbol zastępczy numeru slajdu 3"/>
+          <p:cNvSpPr>
+            <a:spLocks noGrp="1"/>
+          </p:cNvSpPr>
+          <p:nvPr>
+            <p:ph type="sldNum" sz="quarter" idx="10"/>
+          </p:nvPr>
+        </p:nvSpPr>
+        <p:spPr/>
+        <p:txBody>
+          <a:bodyPr/>
+          <a:lstStyle/>
+          <a:p>
+            <a:fld id="{E636E017-2961-4FC6-B7B9-AC52108EDB4A}" type="slidenum">
+              <a:rPr lang="pl-PL" smtClean="0"/>
+              <a:t>13</a:t>
+            </a:fld>
+            <a:endParaRPr lang="pl-PL"/>
+          </a:p>
+        </p:txBody>
+      </p:sp>
+    </p:spTree>
+    <p:extLst>
+      <p:ext uri="{BB962C8B-B14F-4D97-AF65-F5344CB8AC3E}">
+        <p14:creationId xmlns:p14="http://schemas.microsoft.com/office/powerpoint/2010/main" val="3162805237"/>
+      </p:ext>
+    </p:extLst>
+  </p:cSld>
+  <p:clrMapOvr>
+    <a:masterClrMapping/>
+  </p:clrMapOvr>
+</p:notes>
+</file>
+
+<file path=ppt/notesSlides/notesSlide14.xml><?xml version="1.0" encoding="utf-8"?>
+<p:notes xmlns:a="http://schemas.openxmlformats.org/drawingml/2006/main" xmlns:r="http://schemas.openxmlformats.org/officeDocument/2006/relationships" xmlns:p="http://schemas.openxmlformats.org/presentationml/2006/main">
+  <p:cSld>
+    <p:spTree>
+      <p:nvGrpSpPr>
+        <p:cNvPr id="1" name=""/>
+        <p:cNvGrpSpPr/>
+        <p:nvPr/>
+      </p:nvGrpSpPr>
+      <p:grpSpPr>
+        <a:xfrm>
+          <a:off x="0" y="0"/>
+          <a:ext cx="0" cy="0"/>
+          <a:chOff x="0" y="0"/>
+          <a:chExt cx="0" cy="0"/>
+        </a:xfrm>
+      </p:grpSpPr>
+      <p:sp>
+        <p:nvSpPr>
+          <p:cNvPr id="2" name="Symbol zastępczy obrazu slajdu 1"/>
+          <p:cNvSpPr>
+            <a:spLocks noGrp="1" noRot="1" noChangeAspect="1"/>
+          </p:cNvSpPr>
+          <p:nvPr>
+            <p:ph type="sldImg"/>
+          </p:nvPr>
+        </p:nvSpPr>
+        <p:spPr/>
+      </p:sp>
+      <p:sp>
+        <p:nvSpPr>
+          <p:cNvPr id="3" name="Symbol zastępczy notatek 2"/>
+          <p:cNvSpPr>
+            <a:spLocks noGrp="1"/>
+          </p:cNvSpPr>
+          <p:nvPr>
+            <p:ph type="body" idx="1"/>
+          </p:nvPr>
+        </p:nvSpPr>
+        <p:spPr/>
+        <p:txBody>
+          <a:bodyPr/>
+          <a:lstStyle/>
+          <a:p>
+            <a:r>
+              <a:rPr lang="en-US" dirty="0" smtClean="0"/>
+              <a:t>Controllers in Play! provide an environment in which Actions can operate.</a:t>
+            </a:r>
+          </a:p>
+          <a:p>
+            <a:r>
+              <a:rPr lang="en-US" dirty="0" smtClean="0"/>
+              <a:t>In Play! Most of the work related to handling responses is pushed to</a:t>
+            </a:r>
+            <a:r>
+              <a:rPr lang="en-US" baseline="0" dirty="0" smtClean="0"/>
+              <a:t> </a:t>
+            </a:r>
+            <a:r>
+              <a:rPr lang="en-US" b="1" dirty="0" smtClean="0"/>
+              <a:t>Action</a:t>
+            </a:r>
+            <a:r>
+              <a:rPr lang="en-US" dirty="0" smtClean="0"/>
+              <a:t> and </a:t>
+            </a:r>
+            <a:r>
+              <a:rPr lang="en-US" b="1" dirty="0" smtClean="0"/>
+              <a:t>Result</a:t>
+            </a:r>
+            <a:r>
+              <a:rPr lang="en-US" dirty="0" smtClean="0"/>
+              <a:t> classes.</a:t>
+            </a:r>
+          </a:p>
+          <a:p>
+            <a:endParaRPr lang="en-US" dirty="0" smtClean="0"/>
+          </a:p>
+          <a:p>
+            <a:r>
+              <a:rPr lang="en-US" dirty="0" smtClean="0"/>
+              <a:t>The contract for Controller is simply a class that implements </a:t>
+            </a:r>
+            <a:r>
+              <a:rPr lang="en-US" smtClean="0"/>
+              <a:t>the Controller abstract </a:t>
+            </a:r>
+            <a:r>
+              <a:rPr lang="en-US" dirty="0" smtClean="0"/>
+              <a:t>base class.</a:t>
+            </a:r>
+            <a:endParaRPr lang="pl-PL" dirty="0"/>
+          </a:p>
+        </p:txBody>
+      </p:sp>
+      <p:sp>
+        <p:nvSpPr>
+          <p:cNvPr id="4" name="Symbol zastępczy numeru slajdu 3"/>
+          <p:cNvSpPr>
+            <a:spLocks noGrp="1"/>
+          </p:cNvSpPr>
+          <p:nvPr>
+            <p:ph type="sldNum" sz="quarter" idx="10"/>
+          </p:nvPr>
+        </p:nvSpPr>
+        <p:spPr/>
+        <p:txBody>
+          <a:bodyPr/>
+          <a:lstStyle/>
+          <a:p>
+            <a:fld id="{E636E017-2961-4FC6-B7B9-AC52108EDB4A}" type="slidenum">
+              <a:rPr lang="pl-PL" smtClean="0"/>
+              <a:t>14</a:t>
+            </a:fld>
+            <a:endParaRPr lang="pl-PL"/>
+          </a:p>
+        </p:txBody>
+      </p:sp>
+    </p:spTree>
+    <p:extLst>
+      <p:ext uri="{BB962C8B-B14F-4D97-AF65-F5344CB8AC3E}">
+        <p14:creationId xmlns:p14="http://schemas.microsoft.com/office/powerpoint/2010/main" val="3122368235"/>
       </p:ext>
     </p:extLst>
   </p:cSld>
@@ -3690,7 +4898,7 @@
               <a:rPr lang="en-IE" baseline="0" dirty="0" smtClean="0">
                 <a:sym typeface="Wingdings" panose="05000000000000000000" pitchFamily="2" charset="2"/>
               </a:rPr>
-              <a:t> you don’t have to stop the run of the application and compile it again every time you make a change</a:t>
+              <a:t> you don’t have to stop the run of the application and compile it again every time you make a change + descriptive error handling</a:t>
             </a:r>
           </a:p>
           <a:p>
@@ -3985,7 +5193,7 @@
           <a:p>
             <a:fld id="{E2D84398-2CB8-4999-B734-D40856CB42BC}" type="datetimeFigureOut">
               <a:rPr lang="pl-PL" smtClean="0"/>
-              <a:t>2014-11-15</a:t>
+              <a:t>2014-11-16</a:t>
             </a:fld>
             <a:endParaRPr lang="pl-PL"/>
           </a:p>
@@ -4155,7 +5363,7 @@
           <a:p>
             <a:fld id="{E2D84398-2CB8-4999-B734-D40856CB42BC}" type="datetimeFigureOut">
               <a:rPr lang="pl-PL" smtClean="0"/>
-              <a:t>2014-11-15</a:t>
+              <a:t>2014-11-16</a:t>
             </a:fld>
             <a:endParaRPr lang="pl-PL"/>
           </a:p>
@@ -4335,7 +5543,7 @@
           <a:p>
             <a:fld id="{E2D84398-2CB8-4999-B734-D40856CB42BC}" type="datetimeFigureOut">
               <a:rPr lang="pl-PL" smtClean="0"/>
-              <a:t>2014-11-15</a:t>
+              <a:t>2014-11-16</a:t>
             </a:fld>
             <a:endParaRPr lang="pl-PL"/>
           </a:p>
@@ -4505,7 +5713,7 @@
           <a:p>
             <a:fld id="{E2D84398-2CB8-4999-B734-D40856CB42BC}" type="datetimeFigureOut">
               <a:rPr lang="pl-PL" smtClean="0"/>
-              <a:t>2014-11-15</a:t>
+              <a:t>2014-11-16</a:t>
             </a:fld>
             <a:endParaRPr lang="pl-PL"/>
           </a:p>
@@ -4751,7 +5959,7 @@
           <a:p>
             <a:fld id="{E2D84398-2CB8-4999-B734-D40856CB42BC}" type="datetimeFigureOut">
               <a:rPr lang="pl-PL" smtClean="0"/>
-              <a:t>2014-11-15</a:t>
+              <a:t>2014-11-16</a:t>
             </a:fld>
             <a:endParaRPr lang="pl-PL"/>
           </a:p>
@@ -5039,7 +6247,7 @@
           <a:p>
             <a:fld id="{E2D84398-2CB8-4999-B734-D40856CB42BC}" type="datetimeFigureOut">
               <a:rPr lang="pl-PL" smtClean="0"/>
-              <a:t>2014-11-15</a:t>
+              <a:t>2014-11-16</a:t>
             </a:fld>
             <a:endParaRPr lang="pl-PL"/>
           </a:p>
@@ -5461,7 +6669,7 @@
           <a:p>
             <a:fld id="{E2D84398-2CB8-4999-B734-D40856CB42BC}" type="datetimeFigureOut">
               <a:rPr lang="pl-PL" smtClean="0"/>
-              <a:t>2014-11-15</a:t>
+              <a:t>2014-11-16</a:t>
             </a:fld>
             <a:endParaRPr lang="pl-PL"/>
           </a:p>
@@ -5579,7 +6787,7 @@
           <a:p>
             <a:fld id="{E2D84398-2CB8-4999-B734-D40856CB42BC}" type="datetimeFigureOut">
               <a:rPr lang="pl-PL" smtClean="0"/>
-              <a:t>2014-11-15</a:t>
+              <a:t>2014-11-16</a:t>
             </a:fld>
             <a:endParaRPr lang="pl-PL"/>
           </a:p>
@@ -5674,7 +6882,7 @@
           <a:p>
             <a:fld id="{E2D84398-2CB8-4999-B734-D40856CB42BC}" type="datetimeFigureOut">
               <a:rPr lang="pl-PL" smtClean="0"/>
-              <a:t>2014-11-15</a:t>
+              <a:t>2014-11-16</a:t>
             </a:fld>
             <a:endParaRPr lang="pl-PL"/>
           </a:p>
@@ -5951,7 +7159,7 @@
           <a:p>
             <a:fld id="{E2D84398-2CB8-4999-B734-D40856CB42BC}" type="datetimeFigureOut">
               <a:rPr lang="pl-PL" smtClean="0"/>
-              <a:t>2014-11-15</a:t>
+              <a:t>2014-11-16</a:t>
             </a:fld>
             <a:endParaRPr lang="pl-PL"/>
           </a:p>
@@ -6204,7 +7412,7 @@
           <a:p>
             <a:fld id="{E2D84398-2CB8-4999-B734-D40856CB42BC}" type="datetimeFigureOut">
               <a:rPr lang="pl-PL" smtClean="0"/>
-              <a:t>2014-11-15</a:t>
+              <a:t>2014-11-16</a:t>
             </a:fld>
             <a:endParaRPr lang="pl-PL"/>
           </a:p>
@@ -6417,7 +7625,7 @@
           <a:p>
             <a:fld id="{E2D84398-2CB8-4999-B734-D40856CB42BC}" type="datetimeFigureOut">
               <a:rPr lang="pl-PL" smtClean="0"/>
-              <a:t>2014-11-15</a:t>
+              <a:t>2014-11-16</a:t>
             </a:fld>
             <a:endParaRPr lang="pl-PL"/>
           </a:p>
@@ -7363,6 +8571,1304 @@
           <a:bodyPr/>
           <a:lstStyle/>
           <a:p>
+            <a:r>
+              <a:rPr lang="en-IE" dirty="0" smtClean="0"/>
+              <a:t>		Router mechanics</a:t>
+            </a:r>
+            <a:endParaRPr lang="pl-PL" dirty="0"/>
+          </a:p>
+        </p:txBody>
+      </p:sp>
+      <p:sp>
+        <p:nvSpPr>
+          <p:cNvPr id="3" name="Symbol zastępczy zawartości 2"/>
+          <p:cNvSpPr>
+            <a:spLocks noGrp="1"/>
+          </p:cNvSpPr>
+          <p:nvPr>
+            <p:ph idx="1"/>
+          </p:nvPr>
+        </p:nvSpPr>
+        <p:spPr/>
+        <p:txBody>
+          <a:bodyPr/>
+          <a:lstStyle/>
+          <a:p>
+            <a:endParaRPr lang="en-IE" dirty="0" smtClean="0"/>
+          </a:p>
+          <a:p>
+            <a:endParaRPr lang="en-IE" dirty="0"/>
+          </a:p>
+          <a:p>
+            <a:endParaRPr lang="en-IE" dirty="0" smtClean="0"/>
+          </a:p>
+          <a:p>
+            <a:endParaRPr lang="en-IE" dirty="0"/>
+          </a:p>
+          <a:p>
+            <a:endParaRPr lang="en-IE" dirty="0" smtClean="0"/>
+          </a:p>
+          <a:p>
+            <a:r>
+              <a:rPr lang="en-IE" dirty="0" smtClean="0"/>
+              <a:t>GET, POST, PUT, DELETE</a:t>
+            </a:r>
+          </a:p>
+          <a:p>
+            <a:r>
+              <a:rPr lang="en-IE" dirty="0" smtClean="0"/>
+              <a:t>www.myapplication.com/customer/1/order/2</a:t>
+            </a:r>
+          </a:p>
+          <a:p>
+            <a:endParaRPr lang="en-IE" dirty="0" smtClean="0"/>
+          </a:p>
+          <a:p>
+            <a:endParaRPr lang="en-IE" dirty="0"/>
+          </a:p>
+          <a:p>
+            <a:endParaRPr lang="en-IE" dirty="0" smtClean="0"/>
+          </a:p>
+          <a:p>
+            <a:endParaRPr lang="en-IE" dirty="0"/>
+          </a:p>
+          <a:p>
+            <a:endParaRPr lang="en-IE" dirty="0" smtClean="0"/>
+          </a:p>
+        </p:txBody>
+      </p:sp>
+      <p:pic>
+        <p:nvPicPr>
+          <p:cNvPr id="4" name="Picture 2"/>
+          <p:cNvPicPr>
+            <a:picLocks noChangeAspect="1" noChangeArrowheads="1"/>
+          </p:cNvPicPr>
+          <p:nvPr/>
+        </p:nvPicPr>
+        <p:blipFill>
+          <a:blip r:embed="rId3" cstate="print">
+            <a:extLst>
+              <a:ext uri="{28A0092B-C50C-407E-A947-70E740481C1C}">
+                <a14:useLocalDpi xmlns:a14="http://schemas.microsoft.com/office/drawing/2010/main" val="0"/>
+              </a:ext>
+            </a:extLst>
+          </a:blip>
+          <a:srcRect/>
+          <a:stretch>
+            <a:fillRect/>
+          </a:stretch>
+        </p:blipFill>
+        <p:spPr bwMode="auto">
+          <a:xfrm>
+            <a:off x="755576" y="532862"/>
+            <a:ext cx="2016224" cy="688262"/>
+          </a:xfrm>
+          <a:prstGeom prst="rect">
+            <a:avLst/>
+          </a:prstGeom>
+          <a:noFill/>
+          <a:ln>
+            <a:noFill/>
+          </a:ln>
+          <a:extLst>
+            <a:ext uri="{909E8E84-426E-40DD-AFC4-6F175D3DCCD1}">
+              <a14:hiddenFill xmlns:a14="http://schemas.microsoft.com/office/drawing/2010/main">
+                <a:solidFill>
+                  <a:schemeClr val="accent1"/>
+                </a:solidFill>
+              </a14:hiddenFill>
+            </a:ext>
+            <a:ext uri="{91240B29-F687-4F45-9708-019B960494DF}">
+              <a14:hiddenLine xmlns:a14="http://schemas.microsoft.com/office/drawing/2010/main" w="9525">
+                <a:solidFill>
+                  <a:schemeClr val="tx1"/>
+                </a:solidFill>
+                <a:miter lim="800000"/>
+                <a:headEnd/>
+                <a:tailEnd/>
+              </a14:hiddenLine>
+            </a:ext>
+          </a:extLst>
+        </p:spPr>
+      </p:pic>
+      <p:pic>
+        <p:nvPicPr>
+          <p:cNvPr id="1026" name="Picture 2"/>
+          <p:cNvPicPr>
+            <a:picLocks noChangeAspect="1" noChangeArrowheads="1"/>
+          </p:cNvPicPr>
+          <p:nvPr/>
+        </p:nvPicPr>
+        <p:blipFill>
+          <a:blip r:embed="rId4">
+            <a:extLst>
+              <a:ext uri="{28A0092B-C50C-407E-A947-70E740481C1C}">
+                <a14:useLocalDpi xmlns:a14="http://schemas.microsoft.com/office/drawing/2010/main" val="0"/>
+              </a:ext>
+            </a:extLst>
+          </a:blip>
+          <a:srcRect/>
+          <a:stretch>
+            <a:fillRect/>
+          </a:stretch>
+        </p:blipFill>
+        <p:spPr bwMode="auto">
+          <a:xfrm>
+            <a:off x="1240210" y="1642066"/>
+            <a:ext cx="6696744" cy="2614709"/>
+          </a:xfrm>
+          <a:prstGeom prst="rect">
+            <a:avLst/>
+          </a:prstGeom>
+          <a:noFill/>
+          <a:ln>
+            <a:noFill/>
+          </a:ln>
+          <a:extLst>
+            <a:ext uri="{909E8E84-426E-40DD-AFC4-6F175D3DCCD1}">
+              <a14:hiddenFill xmlns:a14="http://schemas.microsoft.com/office/drawing/2010/main">
+                <a:solidFill>
+                  <a:schemeClr val="accent1"/>
+                </a:solidFill>
+              </a14:hiddenFill>
+            </a:ext>
+            <a:ext uri="{91240B29-F687-4F45-9708-019B960494DF}">
+              <a14:hiddenLine xmlns:a14="http://schemas.microsoft.com/office/drawing/2010/main" w="9525">
+                <a:solidFill>
+                  <a:schemeClr val="tx1"/>
+                </a:solidFill>
+                <a:miter lim="800000"/>
+                <a:headEnd/>
+                <a:tailEnd/>
+              </a14:hiddenLine>
+            </a:ext>
+          </a:extLst>
+        </p:spPr>
+      </p:pic>
+    </p:spTree>
+    <p:extLst>
+      <p:ext uri="{BB962C8B-B14F-4D97-AF65-F5344CB8AC3E}">
+        <p14:creationId xmlns:p14="http://schemas.microsoft.com/office/powerpoint/2010/main" val="3510706194"/>
+      </p:ext>
+    </p:extLst>
+  </p:cSld>
+  <p:clrMapOvr>
+    <a:masterClrMapping/>
+  </p:clrMapOvr>
+  <p:timing>
+    <p:tnLst>
+      <p:par>
+        <p:cTn id="1" dur="indefinite" restart="never" nodeType="tmRoot"/>
+      </p:par>
+    </p:tnLst>
+  </p:timing>
+</p:sld>
+</file>
+
+<file path=ppt/slides/slide12.xml><?xml version="1.0" encoding="utf-8"?>
+<p:sld xmlns:a="http://schemas.openxmlformats.org/drawingml/2006/main" xmlns:r="http://schemas.openxmlformats.org/officeDocument/2006/relationships" xmlns:p="http://schemas.openxmlformats.org/presentationml/2006/main">
+  <p:cSld>
+    <p:spTree>
+      <p:nvGrpSpPr>
+        <p:cNvPr id="1" name=""/>
+        <p:cNvGrpSpPr/>
+        <p:nvPr/>
+      </p:nvGrpSpPr>
+      <p:grpSpPr>
+        <a:xfrm>
+          <a:off x="0" y="0"/>
+          <a:ext cx="0" cy="0"/>
+          <a:chOff x="0" y="0"/>
+          <a:chExt cx="0" cy="0"/>
+        </a:xfrm>
+      </p:grpSpPr>
+      <p:sp>
+        <p:nvSpPr>
+          <p:cNvPr id="2" name="Tytuł 1"/>
+          <p:cNvSpPr>
+            <a:spLocks noGrp="1"/>
+          </p:cNvSpPr>
+          <p:nvPr>
+            <p:ph type="title"/>
+          </p:nvPr>
+        </p:nvSpPr>
+        <p:spPr/>
+        <p:txBody>
+          <a:bodyPr/>
+          <a:lstStyle/>
+          <a:p>
+            <a:r>
+              <a:rPr lang="en-IE" dirty="0" smtClean="0"/>
+              <a:t>	Routes in Play!</a:t>
+            </a:r>
+            <a:endParaRPr lang="pl-PL" dirty="0"/>
+          </a:p>
+        </p:txBody>
+      </p:sp>
+      <p:pic>
+        <p:nvPicPr>
+          <p:cNvPr id="4" name="Picture 2"/>
+          <p:cNvPicPr>
+            <a:picLocks noChangeAspect="1" noChangeArrowheads="1"/>
+          </p:cNvPicPr>
+          <p:nvPr/>
+        </p:nvPicPr>
+        <p:blipFill>
+          <a:blip r:embed="rId3" cstate="print">
+            <a:extLst>
+              <a:ext uri="{28A0092B-C50C-407E-A947-70E740481C1C}">
+                <a14:useLocalDpi xmlns:a14="http://schemas.microsoft.com/office/drawing/2010/main" val="0"/>
+              </a:ext>
+            </a:extLst>
+          </a:blip>
+          <a:srcRect/>
+          <a:stretch>
+            <a:fillRect/>
+          </a:stretch>
+        </p:blipFill>
+        <p:spPr bwMode="auto">
+          <a:xfrm>
+            <a:off x="755576" y="532862"/>
+            <a:ext cx="2016224" cy="688262"/>
+          </a:xfrm>
+          <a:prstGeom prst="rect">
+            <a:avLst/>
+          </a:prstGeom>
+          <a:noFill/>
+          <a:ln>
+            <a:noFill/>
+          </a:ln>
+          <a:extLst>
+            <a:ext uri="{909E8E84-426E-40DD-AFC4-6F175D3DCCD1}">
+              <a14:hiddenFill xmlns:a14="http://schemas.microsoft.com/office/drawing/2010/main">
+                <a:solidFill>
+                  <a:schemeClr val="accent1"/>
+                </a:solidFill>
+              </a14:hiddenFill>
+            </a:ext>
+            <a:ext uri="{91240B29-F687-4F45-9708-019B960494DF}">
+              <a14:hiddenLine xmlns:a14="http://schemas.microsoft.com/office/drawing/2010/main" w="9525">
+                <a:solidFill>
+                  <a:schemeClr val="tx1"/>
+                </a:solidFill>
+                <a:miter lim="800000"/>
+                <a:headEnd/>
+                <a:tailEnd/>
+              </a14:hiddenLine>
+            </a:ext>
+          </a:extLst>
+        </p:spPr>
+      </p:pic>
+      <p:sp>
+        <p:nvSpPr>
+          <p:cNvPr id="5" name="Symbol zastępczy zawartości 4"/>
+          <p:cNvSpPr>
+            <a:spLocks noGrp="1"/>
+          </p:cNvSpPr>
+          <p:nvPr>
+            <p:ph idx="1"/>
+          </p:nvPr>
+        </p:nvSpPr>
+        <p:spPr/>
+        <p:txBody>
+          <a:bodyPr>
+            <a:normAutofit/>
+          </a:bodyPr>
+          <a:lstStyle/>
+          <a:p>
+            <a:endParaRPr lang="en-IE" dirty="0" smtClean="0"/>
+          </a:p>
+          <a:p>
+            <a:endParaRPr lang="en-IE" dirty="0" smtClean="0"/>
+          </a:p>
+          <a:p>
+            <a:pPr marL="0" lvl="1" indent="0">
+              <a:buNone/>
+            </a:pPr>
+            <a:r>
+              <a:rPr lang="en-IE" dirty="0" smtClean="0"/>
+              <a:t>“Call the Customers controller list action when a GET request is made to the /customers route”</a:t>
+            </a:r>
+            <a:endParaRPr lang="en-IE" dirty="0" smtClean="0"/>
+          </a:p>
+          <a:p>
+            <a:r>
+              <a:rPr lang="en-IE" dirty="0"/>
+              <a:t>t</a:t>
+            </a:r>
+            <a:r>
+              <a:rPr lang="en-IE" dirty="0" smtClean="0"/>
+              <a:t>oken</a:t>
+            </a:r>
+          </a:p>
+          <a:p>
+            <a:endParaRPr lang="en-IE" dirty="0"/>
+          </a:p>
+          <a:p>
+            <a:r>
+              <a:rPr lang="en-IE" dirty="0" err="1"/>
+              <a:t>c</a:t>
+            </a:r>
+            <a:r>
+              <a:rPr lang="en-IE" dirty="0" err="1" smtClean="0"/>
+              <a:t>lobbing</a:t>
+            </a:r>
+            <a:endParaRPr lang="en-IE" dirty="0" smtClean="0"/>
+          </a:p>
+          <a:p>
+            <a:r>
+              <a:rPr lang="en-IE" dirty="0" smtClean="0"/>
+              <a:t>regular expressions				</a:t>
+            </a:r>
+          </a:p>
+          <a:p>
+            <a:pPr marL="457200" lvl="1" indent="0">
+              <a:buNone/>
+            </a:pPr>
+            <a:endParaRPr lang="en-IE" dirty="0" smtClean="0"/>
+          </a:p>
+          <a:p>
+            <a:pPr marL="457200" lvl="1" indent="0">
+              <a:buNone/>
+            </a:pPr>
+            <a:endParaRPr lang="en-IE" dirty="0"/>
+          </a:p>
+        </p:txBody>
+      </p:sp>
+      <p:pic>
+        <p:nvPicPr>
+          <p:cNvPr id="7" name="Picture 2"/>
+          <p:cNvPicPr>
+            <a:picLocks noChangeAspect="1" noChangeArrowheads="1"/>
+          </p:cNvPicPr>
+          <p:nvPr/>
+        </p:nvPicPr>
+        <p:blipFill>
+          <a:blip r:embed="rId4">
+            <a:extLst>
+              <a:ext uri="{28A0092B-C50C-407E-A947-70E740481C1C}">
+                <a14:useLocalDpi xmlns:a14="http://schemas.microsoft.com/office/drawing/2010/main" val="0"/>
+              </a:ext>
+            </a:extLst>
+          </a:blip>
+          <a:srcRect/>
+          <a:stretch>
+            <a:fillRect/>
+          </a:stretch>
+        </p:blipFill>
+        <p:spPr bwMode="auto">
+          <a:xfrm>
+            <a:off x="1745382" y="1381798"/>
+            <a:ext cx="5040560" cy="1350928"/>
+          </a:xfrm>
+          <a:prstGeom prst="rect">
+            <a:avLst/>
+          </a:prstGeom>
+          <a:noFill/>
+          <a:ln>
+            <a:noFill/>
+          </a:ln>
+          <a:extLst>
+            <a:ext uri="{909E8E84-426E-40DD-AFC4-6F175D3DCCD1}">
+              <a14:hiddenFill xmlns:a14="http://schemas.microsoft.com/office/drawing/2010/main">
+                <a:solidFill>
+                  <a:schemeClr val="accent1"/>
+                </a:solidFill>
+              </a14:hiddenFill>
+            </a:ext>
+            <a:ext uri="{91240B29-F687-4F45-9708-019B960494DF}">
+              <a14:hiddenLine xmlns:a14="http://schemas.microsoft.com/office/drawing/2010/main" w="9525">
+                <a:solidFill>
+                  <a:schemeClr val="tx1"/>
+                </a:solidFill>
+                <a:miter lim="800000"/>
+                <a:headEnd/>
+                <a:tailEnd/>
+              </a14:hiddenLine>
+            </a:ext>
+          </a:extLst>
+        </p:spPr>
+      </p:pic>
+      <p:pic>
+        <p:nvPicPr>
+          <p:cNvPr id="2050" name="Picture 2"/>
+          <p:cNvPicPr>
+            <a:picLocks noChangeAspect="1" noChangeArrowheads="1"/>
+          </p:cNvPicPr>
+          <p:nvPr/>
+        </p:nvPicPr>
+        <p:blipFill>
+          <a:blip r:embed="rId5">
+            <a:extLst>
+              <a:ext uri="{28A0092B-C50C-407E-A947-70E740481C1C}">
+                <a14:useLocalDpi xmlns:a14="http://schemas.microsoft.com/office/drawing/2010/main" val="0"/>
+              </a:ext>
+            </a:extLst>
+          </a:blip>
+          <a:srcRect/>
+          <a:stretch>
+            <a:fillRect/>
+          </a:stretch>
+        </p:blipFill>
+        <p:spPr bwMode="auto">
+          <a:xfrm>
+            <a:off x="3932878" y="3740389"/>
+            <a:ext cx="2093778" cy="881280"/>
+          </a:xfrm>
+          <a:prstGeom prst="rect">
+            <a:avLst/>
+          </a:prstGeom>
+          <a:noFill/>
+          <a:ln>
+            <a:noFill/>
+          </a:ln>
+          <a:extLst>
+            <a:ext uri="{909E8E84-426E-40DD-AFC4-6F175D3DCCD1}">
+              <a14:hiddenFill xmlns:a14="http://schemas.microsoft.com/office/drawing/2010/main">
+                <a:solidFill>
+                  <a:schemeClr val="accent1"/>
+                </a:solidFill>
+              </a14:hiddenFill>
+            </a:ext>
+            <a:ext uri="{91240B29-F687-4F45-9708-019B960494DF}">
+              <a14:hiddenLine xmlns:a14="http://schemas.microsoft.com/office/drawing/2010/main" w="9525">
+                <a:solidFill>
+                  <a:schemeClr val="tx1"/>
+                </a:solidFill>
+                <a:miter lim="800000"/>
+                <a:headEnd/>
+                <a:tailEnd/>
+              </a14:hiddenLine>
+            </a:ext>
+          </a:extLst>
+        </p:spPr>
+      </p:pic>
+      <p:pic>
+        <p:nvPicPr>
+          <p:cNvPr id="2051" name="Picture 3"/>
+          <p:cNvPicPr>
+            <a:picLocks noChangeAspect="1" noChangeArrowheads="1"/>
+          </p:cNvPicPr>
+          <p:nvPr/>
+        </p:nvPicPr>
+        <p:blipFill>
+          <a:blip r:embed="rId6" cstate="print">
+            <a:extLst>
+              <a:ext uri="{28A0092B-C50C-407E-A947-70E740481C1C}">
+                <a14:useLocalDpi xmlns:a14="http://schemas.microsoft.com/office/drawing/2010/main" val="0"/>
+              </a:ext>
+            </a:extLst>
+          </a:blip>
+          <a:srcRect/>
+          <a:stretch>
+            <a:fillRect/>
+          </a:stretch>
+        </p:blipFill>
+        <p:spPr bwMode="auto">
+          <a:xfrm>
+            <a:off x="2123729" y="3809875"/>
+            <a:ext cx="1040318" cy="974763"/>
+          </a:xfrm>
+          <a:prstGeom prst="rect">
+            <a:avLst/>
+          </a:prstGeom>
+          <a:noFill/>
+          <a:ln>
+            <a:noFill/>
+          </a:ln>
+          <a:extLst>
+            <a:ext uri="{909E8E84-426E-40DD-AFC4-6F175D3DCCD1}">
+              <a14:hiddenFill xmlns:a14="http://schemas.microsoft.com/office/drawing/2010/main">
+                <a:solidFill>
+                  <a:schemeClr val="accent1"/>
+                </a:solidFill>
+              </a14:hiddenFill>
+            </a:ext>
+            <a:ext uri="{91240B29-F687-4F45-9708-019B960494DF}">
+              <a14:hiddenLine xmlns:a14="http://schemas.microsoft.com/office/drawing/2010/main" w="9525">
+                <a:solidFill>
+                  <a:schemeClr val="tx1"/>
+                </a:solidFill>
+                <a:miter lim="800000"/>
+                <a:headEnd/>
+                <a:tailEnd/>
+              </a14:hiddenLine>
+            </a:ext>
+          </a:extLst>
+        </p:spPr>
+      </p:pic>
+      <p:pic>
+        <p:nvPicPr>
+          <p:cNvPr id="10" name="Picture 4"/>
+          <p:cNvPicPr>
+            <a:picLocks noChangeAspect="1" noChangeArrowheads="1"/>
+          </p:cNvPicPr>
+          <p:nvPr/>
+        </p:nvPicPr>
+        <p:blipFill>
+          <a:blip r:embed="rId7" cstate="print">
+            <a:extLst>
+              <a:ext uri="{28A0092B-C50C-407E-A947-70E740481C1C}">
+                <a14:useLocalDpi xmlns:a14="http://schemas.microsoft.com/office/drawing/2010/main" val="0"/>
+              </a:ext>
+            </a:extLst>
+          </a:blip>
+          <a:srcRect/>
+          <a:stretch>
+            <a:fillRect/>
+          </a:stretch>
+        </p:blipFill>
+        <p:spPr bwMode="auto">
+          <a:xfrm>
+            <a:off x="3167905" y="4491135"/>
+            <a:ext cx="1279011" cy="921109"/>
+          </a:xfrm>
+          <a:prstGeom prst="rect">
+            <a:avLst/>
+          </a:prstGeom>
+          <a:noFill/>
+          <a:ln>
+            <a:noFill/>
+          </a:ln>
+          <a:extLst>
+            <a:ext uri="{909E8E84-426E-40DD-AFC4-6F175D3DCCD1}">
+              <a14:hiddenFill xmlns:a14="http://schemas.microsoft.com/office/drawing/2010/main">
+                <a:solidFill>
+                  <a:schemeClr val="accent1"/>
+                </a:solidFill>
+              </a14:hiddenFill>
+            </a:ext>
+            <a:ext uri="{91240B29-F687-4F45-9708-019B960494DF}">
+              <a14:hiddenLine xmlns:a14="http://schemas.microsoft.com/office/drawing/2010/main" w="9525">
+                <a:solidFill>
+                  <a:schemeClr val="tx1"/>
+                </a:solidFill>
+                <a:miter lim="800000"/>
+                <a:headEnd/>
+                <a:tailEnd/>
+              </a14:hiddenLine>
+            </a:ext>
+          </a:extLst>
+        </p:spPr>
+      </p:pic>
+      <p:pic>
+        <p:nvPicPr>
+          <p:cNvPr id="11" name="Picture 5"/>
+          <p:cNvPicPr>
+            <a:picLocks noChangeAspect="1" noChangeArrowheads="1"/>
+          </p:cNvPicPr>
+          <p:nvPr/>
+        </p:nvPicPr>
+        <p:blipFill>
+          <a:blip r:embed="rId8">
+            <a:extLst>
+              <a:ext uri="{28A0092B-C50C-407E-A947-70E740481C1C}">
+                <a14:useLocalDpi xmlns:a14="http://schemas.microsoft.com/office/drawing/2010/main" val="0"/>
+              </a:ext>
+            </a:extLst>
+          </a:blip>
+          <a:srcRect/>
+          <a:stretch>
+            <a:fillRect/>
+          </a:stretch>
+        </p:blipFill>
+        <p:spPr bwMode="auto">
+          <a:xfrm>
+            <a:off x="4799752" y="4790610"/>
+            <a:ext cx="1625388" cy="769414"/>
+          </a:xfrm>
+          <a:prstGeom prst="rect">
+            <a:avLst/>
+          </a:prstGeom>
+          <a:noFill/>
+          <a:ln>
+            <a:noFill/>
+          </a:ln>
+          <a:extLst>
+            <a:ext uri="{909E8E84-426E-40DD-AFC4-6F175D3DCCD1}">
+              <a14:hiddenFill xmlns:a14="http://schemas.microsoft.com/office/drawing/2010/main">
+                <a:solidFill>
+                  <a:schemeClr val="accent1"/>
+                </a:solidFill>
+              </a14:hiddenFill>
+            </a:ext>
+            <a:ext uri="{91240B29-F687-4F45-9708-019B960494DF}">
+              <a14:hiddenLine xmlns:a14="http://schemas.microsoft.com/office/drawing/2010/main" w="9525">
+                <a:solidFill>
+                  <a:schemeClr val="tx1"/>
+                </a:solidFill>
+                <a:miter lim="800000"/>
+                <a:headEnd/>
+                <a:tailEnd/>
+              </a14:hiddenLine>
+            </a:ext>
+          </a:extLst>
+        </p:spPr>
+      </p:pic>
+      <p:pic>
+        <p:nvPicPr>
+          <p:cNvPr id="12" name="Picture 6"/>
+          <p:cNvPicPr>
+            <a:picLocks noChangeAspect="1" noChangeArrowheads="1"/>
+          </p:cNvPicPr>
+          <p:nvPr/>
+        </p:nvPicPr>
+        <p:blipFill>
+          <a:blip r:embed="rId9">
+            <a:extLst>
+              <a:ext uri="{28A0092B-C50C-407E-A947-70E740481C1C}">
+                <a14:useLocalDpi xmlns:a14="http://schemas.microsoft.com/office/drawing/2010/main" val="0"/>
+              </a:ext>
+            </a:extLst>
+          </a:blip>
+          <a:srcRect/>
+          <a:stretch>
+            <a:fillRect/>
+          </a:stretch>
+        </p:blipFill>
+        <p:spPr bwMode="auto">
+          <a:xfrm>
+            <a:off x="4446916" y="5949280"/>
+            <a:ext cx="2007492" cy="616408"/>
+          </a:xfrm>
+          <a:prstGeom prst="rect">
+            <a:avLst/>
+          </a:prstGeom>
+          <a:noFill/>
+          <a:ln>
+            <a:noFill/>
+          </a:ln>
+          <a:extLst>
+            <a:ext uri="{909E8E84-426E-40DD-AFC4-6F175D3DCCD1}">
+              <a14:hiddenFill xmlns:a14="http://schemas.microsoft.com/office/drawing/2010/main">
+                <a:solidFill>
+                  <a:schemeClr val="accent1"/>
+                </a:solidFill>
+              </a14:hiddenFill>
+            </a:ext>
+            <a:ext uri="{91240B29-F687-4F45-9708-019B960494DF}">
+              <a14:hiddenLine xmlns:a14="http://schemas.microsoft.com/office/drawing/2010/main" w="9525">
+                <a:solidFill>
+                  <a:schemeClr val="tx1"/>
+                </a:solidFill>
+                <a:miter lim="800000"/>
+                <a:headEnd/>
+                <a:tailEnd/>
+              </a14:hiddenLine>
+            </a:ext>
+          </a:extLst>
+        </p:spPr>
+      </p:pic>
+    </p:spTree>
+    <p:extLst>
+      <p:ext uri="{BB962C8B-B14F-4D97-AF65-F5344CB8AC3E}">
+        <p14:creationId xmlns:p14="http://schemas.microsoft.com/office/powerpoint/2010/main" val="2409068646"/>
+      </p:ext>
+    </p:extLst>
+  </p:cSld>
+  <p:clrMapOvr>
+    <a:masterClrMapping/>
+  </p:clrMapOvr>
+  <p:timing>
+    <p:tnLst>
+      <p:par>
+        <p:cTn id="1" dur="indefinite" restart="never" nodeType="tmRoot"/>
+      </p:par>
+    </p:tnLst>
+  </p:timing>
+</p:sld>
+</file>
+
+<file path=ppt/slides/slide13.xml><?xml version="1.0" encoding="utf-8"?>
+<p:sld xmlns:a="http://schemas.openxmlformats.org/drawingml/2006/main" xmlns:r="http://schemas.openxmlformats.org/officeDocument/2006/relationships" xmlns:p="http://schemas.openxmlformats.org/presentationml/2006/main">
+  <p:cSld>
+    <p:spTree>
+      <p:nvGrpSpPr>
+        <p:cNvPr id="1" name=""/>
+        <p:cNvGrpSpPr/>
+        <p:nvPr/>
+      </p:nvGrpSpPr>
+      <p:grpSpPr>
+        <a:xfrm>
+          <a:off x="0" y="0"/>
+          <a:ext cx="0" cy="0"/>
+          <a:chOff x="0" y="0"/>
+          <a:chExt cx="0" cy="0"/>
+        </a:xfrm>
+      </p:grpSpPr>
+      <p:sp>
+        <p:nvSpPr>
+          <p:cNvPr id="2" name="Tytuł 1"/>
+          <p:cNvSpPr>
+            <a:spLocks noGrp="1"/>
+          </p:cNvSpPr>
+          <p:nvPr>
+            <p:ph type="title"/>
+          </p:nvPr>
+        </p:nvSpPr>
+        <p:spPr/>
+        <p:txBody>
+          <a:bodyPr/>
+          <a:lstStyle/>
+          <a:p>
+            <a:r>
+              <a:rPr lang="en-IE" dirty="0" smtClean="0"/>
+              <a:t>	Routing in action</a:t>
+            </a:r>
+            <a:endParaRPr lang="pl-PL" dirty="0"/>
+          </a:p>
+        </p:txBody>
+      </p:sp>
+      <p:pic>
+        <p:nvPicPr>
+          <p:cNvPr id="4" name="Picture 2"/>
+          <p:cNvPicPr>
+            <a:picLocks noChangeAspect="1" noChangeArrowheads="1"/>
+          </p:cNvPicPr>
+          <p:nvPr/>
+        </p:nvPicPr>
+        <p:blipFill>
+          <a:blip r:embed="rId3" cstate="print">
+            <a:extLst>
+              <a:ext uri="{28A0092B-C50C-407E-A947-70E740481C1C}">
+                <a14:useLocalDpi xmlns:a14="http://schemas.microsoft.com/office/drawing/2010/main" val="0"/>
+              </a:ext>
+            </a:extLst>
+          </a:blip>
+          <a:srcRect/>
+          <a:stretch>
+            <a:fillRect/>
+          </a:stretch>
+        </p:blipFill>
+        <p:spPr bwMode="auto">
+          <a:xfrm>
+            <a:off x="755576" y="532862"/>
+            <a:ext cx="2016224" cy="688262"/>
+          </a:xfrm>
+          <a:prstGeom prst="rect">
+            <a:avLst/>
+          </a:prstGeom>
+          <a:noFill/>
+          <a:ln>
+            <a:noFill/>
+          </a:ln>
+          <a:extLst>
+            <a:ext uri="{909E8E84-426E-40DD-AFC4-6F175D3DCCD1}">
+              <a14:hiddenFill xmlns:a14="http://schemas.microsoft.com/office/drawing/2010/main">
+                <a:solidFill>
+                  <a:schemeClr val="accent1"/>
+                </a:solidFill>
+              </a14:hiddenFill>
+            </a:ext>
+            <a:ext uri="{91240B29-F687-4F45-9708-019B960494DF}">
+              <a14:hiddenLine xmlns:a14="http://schemas.microsoft.com/office/drawing/2010/main" w="9525">
+                <a:solidFill>
+                  <a:schemeClr val="tx1"/>
+                </a:solidFill>
+                <a:miter lim="800000"/>
+                <a:headEnd/>
+                <a:tailEnd/>
+              </a14:hiddenLine>
+            </a:ext>
+          </a:extLst>
+        </p:spPr>
+      </p:pic>
+      <p:sp>
+        <p:nvSpPr>
+          <p:cNvPr id="6" name="Symbol zastępczy zawartości 5"/>
+          <p:cNvSpPr>
+            <a:spLocks noGrp="1"/>
+          </p:cNvSpPr>
+          <p:nvPr>
+            <p:ph idx="1"/>
+          </p:nvPr>
+        </p:nvSpPr>
+        <p:spPr/>
+        <p:txBody>
+          <a:bodyPr/>
+          <a:lstStyle/>
+          <a:p>
+            <a:endParaRPr lang="en-IE" dirty="0" smtClean="0"/>
+          </a:p>
+          <a:p>
+            <a:endParaRPr lang="en-IE" dirty="0"/>
+          </a:p>
+          <a:p>
+            <a:endParaRPr lang="en-IE" dirty="0" smtClean="0"/>
+          </a:p>
+          <a:p>
+            <a:endParaRPr lang="en-IE" dirty="0"/>
+          </a:p>
+          <a:p>
+            <a:endParaRPr lang="en-IE" dirty="0" smtClean="0"/>
+          </a:p>
+          <a:p>
+            <a:endParaRPr lang="en-IE" dirty="0"/>
+          </a:p>
+          <a:p>
+            <a:pPr marL="0" indent="0">
+              <a:buNone/>
+            </a:pPr>
+            <a:endParaRPr lang="pl-PL" dirty="0"/>
+          </a:p>
+        </p:txBody>
+      </p:sp>
+      <p:pic>
+        <p:nvPicPr>
+          <p:cNvPr id="1034" name="Picture 10"/>
+          <p:cNvPicPr>
+            <a:picLocks noChangeAspect="1" noChangeArrowheads="1"/>
+          </p:cNvPicPr>
+          <p:nvPr/>
+        </p:nvPicPr>
+        <p:blipFill>
+          <a:blip r:embed="rId4">
+            <a:extLst>
+              <a:ext uri="{28A0092B-C50C-407E-A947-70E740481C1C}">
+                <a14:useLocalDpi xmlns:a14="http://schemas.microsoft.com/office/drawing/2010/main" val="0"/>
+              </a:ext>
+            </a:extLst>
+          </a:blip>
+          <a:srcRect/>
+          <a:stretch>
+            <a:fillRect/>
+          </a:stretch>
+        </p:blipFill>
+        <p:spPr bwMode="auto">
+          <a:xfrm>
+            <a:off x="1191185" y="1562100"/>
+            <a:ext cx="6438900" cy="1866900"/>
+          </a:xfrm>
+          <a:prstGeom prst="rect">
+            <a:avLst/>
+          </a:prstGeom>
+          <a:noFill/>
+          <a:ln>
+            <a:noFill/>
+          </a:ln>
+          <a:extLst>
+            <a:ext uri="{909E8E84-426E-40DD-AFC4-6F175D3DCCD1}">
+              <a14:hiddenFill xmlns:a14="http://schemas.microsoft.com/office/drawing/2010/main">
+                <a:solidFill>
+                  <a:schemeClr val="accent1"/>
+                </a:solidFill>
+              </a14:hiddenFill>
+            </a:ext>
+            <a:ext uri="{91240B29-F687-4F45-9708-019B960494DF}">
+              <a14:hiddenLine xmlns:a14="http://schemas.microsoft.com/office/drawing/2010/main" w="9525">
+                <a:solidFill>
+                  <a:schemeClr val="tx1"/>
+                </a:solidFill>
+                <a:miter lim="800000"/>
+                <a:headEnd/>
+                <a:tailEnd/>
+              </a14:hiddenLine>
+            </a:ext>
+          </a:extLst>
+        </p:spPr>
+      </p:pic>
+      <p:pic>
+        <p:nvPicPr>
+          <p:cNvPr id="1035" name="Picture 11"/>
+          <p:cNvPicPr>
+            <a:picLocks noChangeAspect="1" noChangeArrowheads="1"/>
+          </p:cNvPicPr>
+          <p:nvPr/>
+        </p:nvPicPr>
+        <p:blipFill>
+          <a:blip r:embed="rId5">
+            <a:extLst>
+              <a:ext uri="{28A0092B-C50C-407E-A947-70E740481C1C}">
+                <a14:useLocalDpi xmlns:a14="http://schemas.microsoft.com/office/drawing/2010/main" val="0"/>
+              </a:ext>
+            </a:extLst>
+          </a:blip>
+          <a:srcRect/>
+          <a:stretch>
+            <a:fillRect/>
+          </a:stretch>
+        </p:blipFill>
+        <p:spPr bwMode="auto">
+          <a:xfrm>
+            <a:off x="755576" y="3566576"/>
+            <a:ext cx="3106720" cy="1532481"/>
+          </a:xfrm>
+          <a:prstGeom prst="rect">
+            <a:avLst/>
+          </a:prstGeom>
+          <a:noFill/>
+          <a:ln>
+            <a:noFill/>
+          </a:ln>
+          <a:extLst>
+            <a:ext uri="{909E8E84-426E-40DD-AFC4-6F175D3DCCD1}">
+              <a14:hiddenFill xmlns:a14="http://schemas.microsoft.com/office/drawing/2010/main">
+                <a:solidFill>
+                  <a:schemeClr val="accent1"/>
+                </a:solidFill>
+              </a14:hiddenFill>
+            </a:ext>
+            <a:ext uri="{91240B29-F687-4F45-9708-019B960494DF}">
+              <a14:hiddenLine xmlns:a14="http://schemas.microsoft.com/office/drawing/2010/main" w="9525">
+                <a:solidFill>
+                  <a:schemeClr val="tx1"/>
+                </a:solidFill>
+                <a:miter lim="800000"/>
+                <a:headEnd/>
+                <a:tailEnd/>
+              </a14:hiddenLine>
+            </a:ext>
+          </a:extLst>
+        </p:spPr>
+      </p:pic>
+      <p:pic>
+        <p:nvPicPr>
+          <p:cNvPr id="1036" name="Picture 12"/>
+          <p:cNvPicPr>
+            <a:picLocks noChangeAspect="1" noChangeArrowheads="1"/>
+          </p:cNvPicPr>
+          <p:nvPr/>
+        </p:nvPicPr>
+        <p:blipFill>
+          <a:blip r:embed="rId6">
+            <a:extLst>
+              <a:ext uri="{28A0092B-C50C-407E-A947-70E740481C1C}">
+                <a14:useLocalDpi xmlns:a14="http://schemas.microsoft.com/office/drawing/2010/main" val="0"/>
+              </a:ext>
+            </a:extLst>
+          </a:blip>
+          <a:srcRect/>
+          <a:stretch>
+            <a:fillRect/>
+          </a:stretch>
+        </p:blipFill>
+        <p:spPr bwMode="auto">
+          <a:xfrm>
+            <a:off x="4162527" y="3504142"/>
+            <a:ext cx="4605338" cy="1657350"/>
+          </a:xfrm>
+          <a:prstGeom prst="rect">
+            <a:avLst/>
+          </a:prstGeom>
+          <a:noFill/>
+          <a:ln>
+            <a:noFill/>
+          </a:ln>
+          <a:extLst>
+            <a:ext uri="{909E8E84-426E-40DD-AFC4-6F175D3DCCD1}">
+              <a14:hiddenFill xmlns:a14="http://schemas.microsoft.com/office/drawing/2010/main">
+                <a:solidFill>
+                  <a:schemeClr val="accent1"/>
+                </a:solidFill>
+              </a14:hiddenFill>
+            </a:ext>
+            <a:ext uri="{91240B29-F687-4F45-9708-019B960494DF}">
+              <a14:hiddenLine xmlns:a14="http://schemas.microsoft.com/office/drawing/2010/main" w="9525">
+                <a:solidFill>
+                  <a:schemeClr val="tx1"/>
+                </a:solidFill>
+                <a:miter lim="800000"/>
+                <a:headEnd/>
+                <a:tailEnd/>
+              </a14:hiddenLine>
+            </a:ext>
+          </a:extLst>
+        </p:spPr>
+      </p:pic>
+      <p:pic>
+        <p:nvPicPr>
+          <p:cNvPr id="1037" name="Picture 13"/>
+          <p:cNvPicPr>
+            <a:picLocks noChangeAspect="1" noChangeArrowheads="1"/>
+          </p:cNvPicPr>
+          <p:nvPr/>
+        </p:nvPicPr>
+        <p:blipFill>
+          <a:blip r:embed="rId7">
+            <a:extLst>
+              <a:ext uri="{28A0092B-C50C-407E-A947-70E740481C1C}">
+                <a14:useLocalDpi xmlns:a14="http://schemas.microsoft.com/office/drawing/2010/main" val="0"/>
+              </a:ext>
+            </a:extLst>
+          </a:blip>
+          <a:srcRect/>
+          <a:stretch>
+            <a:fillRect/>
+          </a:stretch>
+        </p:blipFill>
+        <p:spPr bwMode="auto">
+          <a:xfrm>
+            <a:off x="1531444" y="5504803"/>
+            <a:ext cx="5262165" cy="987799"/>
+          </a:xfrm>
+          <a:prstGeom prst="rect">
+            <a:avLst/>
+          </a:prstGeom>
+          <a:noFill/>
+          <a:ln>
+            <a:noFill/>
+          </a:ln>
+          <a:extLst>
+            <a:ext uri="{909E8E84-426E-40DD-AFC4-6F175D3DCCD1}">
+              <a14:hiddenFill xmlns:a14="http://schemas.microsoft.com/office/drawing/2010/main">
+                <a:solidFill>
+                  <a:schemeClr val="accent1"/>
+                </a:solidFill>
+              </a14:hiddenFill>
+            </a:ext>
+            <a:ext uri="{91240B29-F687-4F45-9708-019B960494DF}">
+              <a14:hiddenLine xmlns:a14="http://schemas.microsoft.com/office/drawing/2010/main" w="9525">
+                <a:solidFill>
+                  <a:schemeClr val="tx1"/>
+                </a:solidFill>
+                <a:miter lim="800000"/>
+                <a:headEnd/>
+                <a:tailEnd/>
+              </a14:hiddenLine>
+            </a:ext>
+          </a:extLst>
+        </p:spPr>
+      </p:pic>
+    </p:spTree>
+    <p:extLst>
+      <p:ext uri="{BB962C8B-B14F-4D97-AF65-F5344CB8AC3E}">
+        <p14:creationId xmlns:p14="http://schemas.microsoft.com/office/powerpoint/2010/main" val="4042658348"/>
+      </p:ext>
+    </p:extLst>
+  </p:cSld>
+  <p:clrMapOvr>
+    <a:masterClrMapping/>
+  </p:clrMapOvr>
+  <p:timing>
+    <p:tnLst>
+      <p:par>
+        <p:cTn id="1" dur="indefinite" restart="never" nodeType="tmRoot"/>
+      </p:par>
+    </p:tnLst>
+  </p:timing>
+</p:sld>
+</file>
+
+<file path=ppt/slides/slide14.xml><?xml version="1.0" encoding="utf-8"?>
+<p:sld xmlns:a="http://schemas.openxmlformats.org/drawingml/2006/main" xmlns:r="http://schemas.openxmlformats.org/officeDocument/2006/relationships" xmlns:p="http://schemas.openxmlformats.org/presentationml/2006/main">
+  <p:cSld>
+    <p:spTree>
+      <p:nvGrpSpPr>
+        <p:cNvPr id="1" name=""/>
+        <p:cNvGrpSpPr/>
+        <p:nvPr/>
+      </p:nvGrpSpPr>
+      <p:grpSpPr>
+        <a:xfrm>
+          <a:off x="0" y="0"/>
+          <a:ext cx="0" cy="0"/>
+          <a:chOff x="0" y="0"/>
+          <a:chExt cx="0" cy="0"/>
+        </a:xfrm>
+      </p:grpSpPr>
+      <p:sp>
+        <p:nvSpPr>
+          <p:cNvPr id="2" name="Tytuł 1"/>
+          <p:cNvSpPr>
+            <a:spLocks noGrp="1"/>
+          </p:cNvSpPr>
+          <p:nvPr>
+            <p:ph type="title"/>
+          </p:nvPr>
+        </p:nvSpPr>
+        <p:spPr/>
+        <p:txBody>
+          <a:bodyPr/>
+          <a:lstStyle/>
+          <a:p>
+            <a:pPr algn="r"/>
+            <a:r>
+              <a:rPr lang="en-IE" dirty="0" smtClean="0"/>
+              <a:t>	Controllers and actions</a:t>
+            </a:r>
+            <a:endParaRPr lang="pl-PL" dirty="0"/>
+          </a:p>
+        </p:txBody>
+      </p:sp>
+      <p:sp>
+        <p:nvSpPr>
+          <p:cNvPr id="3" name="Symbol zastępczy zawartości 2"/>
+          <p:cNvSpPr>
+            <a:spLocks noGrp="1"/>
+          </p:cNvSpPr>
+          <p:nvPr>
+            <p:ph idx="1"/>
+          </p:nvPr>
+        </p:nvSpPr>
+        <p:spPr/>
+        <p:txBody>
+          <a:bodyPr/>
+          <a:lstStyle/>
+          <a:p>
+            <a:endParaRPr lang="pl-PL" dirty="0"/>
+          </a:p>
+        </p:txBody>
+      </p:sp>
+      <p:pic>
+        <p:nvPicPr>
+          <p:cNvPr id="4" name="Picture 2"/>
+          <p:cNvPicPr>
+            <a:picLocks noChangeAspect="1" noChangeArrowheads="1"/>
+          </p:cNvPicPr>
+          <p:nvPr/>
+        </p:nvPicPr>
+        <p:blipFill>
+          <a:blip r:embed="rId3" cstate="print">
+            <a:extLst>
+              <a:ext uri="{28A0092B-C50C-407E-A947-70E740481C1C}">
+                <a14:useLocalDpi xmlns:a14="http://schemas.microsoft.com/office/drawing/2010/main" val="0"/>
+              </a:ext>
+            </a:extLst>
+          </a:blip>
+          <a:srcRect/>
+          <a:stretch>
+            <a:fillRect/>
+          </a:stretch>
+        </p:blipFill>
+        <p:spPr bwMode="auto">
+          <a:xfrm>
+            <a:off x="755576" y="532862"/>
+            <a:ext cx="2016224" cy="688262"/>
+          </a:xfrm>
+          <a:prstGeom prst="rect">
+            <a:avLst/>
+          </a:prstGeom>
+          <a:noFill/>
+          <a:ln>
+            <a:noFill/>
+          </a:ln>
+          <a:extLst>
+            <a:ext uri="{909E8E84-426E-40DD-AFC4-6F175D3DCCD1}">
+              <a14:hiddenFill xmlns:a14="http://schemas.microsoft.com/office/drawing/2010/main">
+                <a:solidFill>
+                  <a:schemeClr val="accent1"/>
+                </a:solidFill>
+              </a14:hiddenFill>
+            </a:ext>
+            <a:ext uri="{91240B29-F687-4F45-9708-019B960494DF}">
+              <a14:hiddenLine xmlns:a14="http://schemas.microsoft.com/office/drawing/2010/main" w="9525">
+                <a:solidFill>
+                  <a:schemeClr val="tx1"/>
+                </a:solidFill>
+                <a:miter lim="800000"/>
+                <a:headEnd/>
+                <a:tailEnd/>
+              </a14:hiddenLine>
+            </a:ext>
+          </a:extLst>
+        </p:spPr>
+      </p:pic>
+      <p:pic>
+        <p:nvPicPr>
+          <p:cNvPr id="3074" name="Picture 2"/>
+          <p:cNvPicPr>
+            <a:picLocks noChangeAspect="1" noChangeArrowheads="1"/>
+          </p:cNvPicPr>
+          <p:nvPr/>
+        </p:nvPicPr>
+        <p:blipFill>
+          <a:blip r:embed="rId4">
+            <a:extLst>
+              <a:ext uri="{28A0092B-C50C-407E-A947-70E740481C1C}">
+                <a14:useLocalDpi xmlns:a14="http://schemas.microsoft.com/office/drawing/2010/main" val="0"/>
+              </a:ext>
+            </a:extLst>
+          </a:blip>
+          <a:srcRect/>
+          <a:stretch>
+            <a:fillRect/>
+          </a:stretch>
+        </p:blipFill>
+        <p:spPr bwMode="auto">
+          <a:xfrm>
+            <a:off x="1475656" y="1988840"/>
+            <a:ext cx="3409950" cy="2343150"/>
+          </a:xfrm>
+          <a:prstGeom prst="rect">
+            <a:avLst/>
+          </a:prstGeom>
+          <a:noFill/>
+          <a:ln>
+            <a:noFill/>
+          </a:ln>
+          <a:extLst>
+            <a:ext uri="{909E8E84-426E-40DD-AFC4-6F175D3DCCD1}">
+              <a14:hiddenFill xmlns:a14="http://schemas.microsoft.com/office/drawing/2010/main">
+                <a:solidFill>
+                  <a:schemeClr val="accent1"/>
+                </a:solidFill>
+              </a14:hiddenFill>
+            </a:ext>
+            <a:ext uri="{91240B29-F687-4F45-9708-019B960494DF}">
+              <a14:hiddenLine xmlns:a14="http://schemas.microsoft.com/office/drawing/2010/main" w="9525">
+                <a:solidFill>
+                  <a:schemeClr val="tx1"/>
+                </a:solidFill>
+                <a:miter lim="800000"/>
+                <a:headEnd/>
+                <a:tailEnd/>
+              </a14:hiddenLine>
+            </a:ext>
+          </a:extLst>
+        </p:spPr>
+      </p:pic>
+    </p:spTree>
+    <p:extLst>
+      <p:ext uri="{BB962C8B-B14F-4D97-AF65-F5344CB8AC3E}">
+        <p14:creationId xmlns:p14="http://schemas.microsoft.com/office/powerpoint/2010/main" val="554749651"/>
+      </p:ext>
+    </p:extLst>
+  </p:cSld>
+  <p:clrMapOvr>
+    <a:masterClrMapping/>
+  </p:clrMapOvr>
+  <p:timing>
+    <p:tnLst>
+      <p:par>
+        <p:cTn id="1" dur="indefinite" restart="never" nodeType="tmRoot"/>
+      </p:par>
+    </p:tnLst>
+  </p:timing>
+</p:sld>
+</file>
+
+<file path=ppt/slides/slide15.xml><?xml version="1.0" encoding="utf-8"?>
+<p:sld xmlns:a="http://schemas.openxmlformats.org/drawingml/2006/main" xmlns:r="http://schemas.openxmlformats.org/officeDocument/2006/relationships" xmlns:p="http://schemas.openxmlformats.org/presentationml/2006/main">
+  <p:cSld>
+    <p:spTree>
+      <p:nvGrpSpPr>
+        <p:cNvPr id="1" name=""/>
+        <p:cNvGrpSpPr/>
+        <p:nvPr/>
+      </p:nvGrpSpPr>
+      <p:grpSpPr>
+        <a:xfrm>
+          <a:off x="0" y="0"/>
+          <a:ext cx="0" cy="0"/>
+          <a:chOff x="0" y="0"/>
+          <a:chExt cx="0" cy="0"/>
+        </a:xfrm>
+      </p:grpSpPr>
+      <p:sp>
+        <p:nvSpPr>
+          <p:cNvPr id="2" name="Tytuł 1"/>
+          <p:cNvSpPr>
+            <a:spLocks noGrp="1"/>
+          </p:cNvSpPr>
+          <p:nvPr>
+            <p:ph type="title"/>
+          </p:nvPr>
+        </p:nvSpPr>
+        <p:spPr/>
+        <p:txBody>
+          <a:bodyPr/>
+          <a:lstStyle/>
+          <a:p>
             <a:endParaRPr lang="pl-PL"/>
           </a:p>
         </p:txBody>
@@ -7506,6 +10012,13 @@
   <p:clrMapOvr>
     <a:masterClrMapping/>
   </p:clrMapOvr>
+  <p:timing>
+    <p:tnLst>
+      <p:par>
+        <p:cTn id="1" dur="indefinite" restart="never" nodeType="tmRoot"/>
+      </p:par>
+    </p:tnLst>
+  </p:timing>
 </p:sld>
 </file>
 
@@ -9218,11 +11731,7 @@
             </a:r>
             <a:r>
               <a:rPr lang="en-IE" dirty="0" smtClean="0"/>
-              <a:t>ink to external </a:t>
-            </a:r>
-            <a:r>
-              <a:rPr lang="en-IE" dirty="0" smtClean="0"/>
-              <a:t>websites</a:t>
+              <a:t>ink to external websites</a:t>
             </a:r>
           </a:p>
           <a:p>
@@ -9234,7 +11743,6 @@
               <a:rPr lang="en-IE" dirty="0" smtClean="0"/>
               <a:t>dd play to path</a:t>
             </a:r>
-            <a:endParaRPr lang="en-IE" dirty="0" smtClean="0"/>
           </a:p>
           <a:p>
             <a:endParaRPr lang="pl-PL" dirty="0"/>

--- a/Play take 2.pptx
+++ b/Play take 2.pptx
@@ -5,7 +5,7 @@
     <p:sldMasterId id="2147483648" r:id="rId1"/>
   </p:sldMasterIdLst>
   <p:notesMasterIdLst>
-    <p:notesMasterId r:id="rId17"/>
+    <p:notesMasterId r:id="rId18"/>
   </p:notesMasterIdLst>
   <p:sldIdLst>
     <p:sldId id="258" r:id="rId2"/>
@@ -22,7 +22,8 @@
     <p:sldId id="269" r:id="rId13"/>
     <p:sldId id="270" r:id="rId14"/>
     <p:sldId id="271" r:id="rId15"/>
-    <p:sldId id="267" r:id="rId16"/>
+    <p:sldId id="272" r:id="rId16"/>
+    <p:sldId id="267" r:id="rId17"/>
   </p:sldIdLst>
   <p:sldSz cx="9144000" cy="6858000" type="screen4x3"/>
   <p:notesSz cx="6858000" cy="9144000"/>
@@ -1649,31 +1650,7 @@
                 <a:ea typeface="+mn-ea"/>
                 <a:cs typeface="+mn-cs"/>
               </a:rPr>
-              <a:t>A basic route declaration is composed of </a:t>
-            </a:r>
-            <a:r>
-              <a:rPr lang="en-US" sz="1200" b="0" u="none" kern="1200" dirty="0" smtClean="0">
-                <a:solidFill>
-                  <a:schemeClr val="tx1"/>
-                </a:solidFill>
-                <a:effectLst/>
-                <a:latin typeface="+mn-lt"/>
-                <a:ea typeface="+mn-ea"/>
-                <a:cs typeface="+mn-cs"/>
-              </a:rPr>
-              <a:t>3 main </a:t>
-            </a:r>
-            <a:r>
-              <a:rPr lang="en-US" sz="1200" b="0" u="none" kern="1200" dirty="0" smtClean="0">
-                <a:solidFill>
-                  <a:schemeClr val="tx1"/>
-                </a:solidFill>
-                <a:effectLst/>
-                <a:latin typeface="+mn-lt"/>
-                <a:ea typeface="+mn-ea"/>
-                <a:cs typeface="+mn-cs"/>
-              </a:rPr>
-              <a:t>parts:</a:t>
+              <a:t>A basic route declaration is composed of 3 main parts:</a:t>
             </a:r>
           </a:p>
           <a:p>
@@ -2415,17 +2392,92 @@
           <a:p>
             <a:r>
               <a:rPr lang="en-US" dirty="0" smtClean="0"/>
-              <a:t>The contract for Controller is simply a class that implements </a:t>
-            </a:r>
-            <a:r>
-              <a:rPr lang="en-US" smtClean="0"/>
-              <a:t>the Controller abstract </a:t>
+              <a:t>The contract for Controller is simply a class that implements the Controller abstract base class</a:t>
             </a:r>
             <a:r>
               <a:rPr lang="en-US" dirty="0" smtClean="0"/>
-              <a:t>base class.</a:t>
-            </a:r>
-            <a:endParaRPr lang="pl-PL" dirty="0"/>
+              <a:t>.</a:t>
+            </a:r>
+          </a:p>
+          <a:p>
+            <a:endParaRPr lang="en-US" dirty="0" smtClean="0"/>
+          </a:p>
+          <a:p>
+            <a:pPr marL="0" marR="0" indent="0" algn="l" defTabSz="914400" rtl="0" eaLnBrk="1" fontAlgn="auto" latinLnBrk="0" hangingPunct="1">
+              <a:lnSpc>
+                <a:spcPct val="100000"/>
+              </a:lnSpc>
+              <a:spcBef>
+                <a:spcPts val="0"/>
+              </a:spcBef>
+              <a:spcAft>
+                <a:spcPts val="0"/>
+              </a:spcAft>
+              <a:buClrTx/>
+              <a:buSzTx/>
+              <a:buFontTx/>
+              <a:buNone/>
+              <a:tabLst/>
+              <a:defRPr/>
+            </a:pPr>
+            <a:r>
+              <a:rPr lang="en-US" dirty="0" smtClean="0"/>
+              <a:t>In Play!, Actions deal with HTTP Requests. Actions are implemented as static methods on the Controller.</a:t>
+            </a:r>
+          </a:p>
+          <a:p>
+            <a:r>
+              <a:rPr lang="en-US" dirty="0" smtClean="0"/>
+              <a:t>They operate on a Request object, a codified abstraction of the actual HTTP Request.</a:t>
+            </a:r>
+          </a:p>
+          <a:p>
+            <a:r>
+              <a:rPr lang="en-US" dirty="0" smtClean="0"/>
+              <a:t>They return a Result object, a codified abstraction of an HTTP Response.</a:t>
+            </a:r>
+          </a:p>
+          <a:p>
+            <a:r>
+              <a:rPr lang="en-US" dirty="0" smtClean="0"/>
+              <a:t>Result object provides an HTTP status and the content of a response.</a:t>
+            </a:r>
+          </a:p>
+          <a:p>
+            <a:r>
+              <a:rPr lang="en-US" dirty="0" smtClean="0"/>
+              <a:t>Controller class provides helpers that make defining these properties (HTTP status code and response content) extremely simple. </a:t>
+            </a:r>
+          </a:p>
+          <a:p>
+            <a:r>
+              <a:rPr lang="en-IE" b="1" dirty="0" smtClean="0"/>
+              <a:t>ok</a:t>
+            </a:r>
+            <a:r>
+              <a:rPr lang="en-IE" dirty="0" smtClean="0"/>
+              <a:t> and </a:t>
+            </a:r>
+            <a:r>
+              <a:rPr lang="en-IE" b="1" dirty="0" err="1" smtClean="0"/>
+              <a:t>badRequest</a:t>
+            </a:r>
+            <a:r>
+              <a:rPr lang="en-IE" dirty="0" smtClean="0"/>
+              <a:t> are examples of these</a:t>
+            </a:r>
+            <a:r>
+              <a:rPr lang="en-IE" baseline="0" dirty="0" smtClean="0"/>
+              <a:t> helper builders, Play! provides around 13 of them, but you can define your own (418, “</a:t>
+            </a:r>
+            <a:r>
+              <a:rPr lang="en-IE" baseline="0" dirty="0" err="1" smtClean="0"/>
+              <a:t>Im</a:t>
+            </a:r>
+            <a:r>
+              <a:rPr lang="en-IE" baseline="0" dirty="0" smtClean="0"/>
+              <a:t> a teapot”);</a:t>
+            </a:r>
           </a:p>
         </p:txBody>
       </p:sp>
@@ -8889,7 +8941,6 @@
               <a:rPr lang="en-IE" dirty="0" smtClean="0"/>
               <a:t>“Call the Customers controller list action when a GET request is made to the /customers route”</a:t>
             </a:r>
-            <a:endParaRPr lang="en-IE" dirty="0" smtClean="0"/>
           </a:p>
           <a:p>
             <a:r>
@@ -9690,25 +9741,6 @@
           </a:p>
         </p:txBody>
       </p:sp>
-      <p:sp>
-        <p:nvSpPr>
-          <p:cNvPr id="3" name="Symbol zastępczy zawartości 2"/>
-          <p:cNvSpPr>
-            <a:spLocks noGrp="1"/>
-          </p:cNvSpPr>
-          <p:nvPr>
-            <p:ph idx="1"/>
-          </p:nvPr>
-        </p:nvSpPr>
-        <p:spPr/>
-        <p:txBody>
-          <a:bodyPr/>
-          <a:lstStyle/>
-          <a:p>
-            <a:endParaRPr lang="pl-PL" dirty="0"/>
-          </a:p>
-        </p:txBody>
-      </p:sp>
       <p:pic>
         <p:nvPicPr>
           <p:cNvPr id="4" name="Picture 2"/>
@@ -9786,8 +9818,172 @@
         </p:blipFill>
         <p:spPr bwMode="auto">
           <a:xfrm>
-            <a:off x="1475656" y="1988840"/>
+            <a:off x="323528" y="1556792"/>
             <a:ext cx="3409950" cy="2343150"/>
+          </a:xfrm>
+          <a:prstGeom prst="rect">
+            <a:avLst/>
+          </a:prstGeom>
+          <a:noFill/>
+          <a:ln>
+            <a:noFill/>
+          </a:ln>
+          <a:extLst>
+            <a:ext uri="{909E8E84-426E-40DD-AFC4-6F175D3DCCD1}">
+              <a14:hiddenFill xmlns:a14="http://schemas.microsoft.com/office/drawing/2010/main">
+                <a:solidFill>
+                  <a:schemeClr val="accent1"/>
+                </a:solidFill>
+              </a14:hiddenFill>
+            </a:ext>
+            <a:ext uri="{91240B29-F687-4F45-9708-019B960494DF}">
+              <a14:hiddenLine xmlns:a14="http://schemas.microsoft.com/office/drawing/2010/main" w="9525">
+                <a:solidFill>
+                  <a:schemeClr val="tx1"/>
+                </a:solidFill>
+                <a:miter lim="800000"/>
+                <a:headEnd/>
+                <a:tailEnd/>
+              </a14:hiddenLine>
+            </a:ext>
+          </a:extLst>
+        </p:spPr>
+      </p:pic>
+      <p:pic>
+        <p:nvPicPr>
+          <p:cNvPr id="1026" name="Picture 2"/>
+          <p:cNvPicPr>
+            <a:picLocks noChangeAspect="1" noChangeArrowheads="1"/>
+          </p:cNvPicPr>
+          <p:nvPr/>
+        </p:nvPicPr>
+        <p:blipFill>
+          <a:blip r:embed="rId5">
+            <a:extLst>
+              <a:ext uri="{28A0092B-C50C-407E-A947-70E740481C1C}">
+                <a14:useLocalDpi xmlns:a14="http://schemas.microsoft.com/office/drawing/2010/main" val="0"/>
+              </a:ext>
+            </a:extLst>
+          </a:blip>
+          <a:srcRect/>
+          <a:stretch>
+            <a:fillRect/>
+          </a:stretch>
+        </p:blipFill>
+        <p:spPr bwMode="auto">
+          <a:xfrm>
+            <a:off x="4211960" y="1720255"/>
+            <a:ext cx="4128764" cy="1008112"/>
+          </a:xfrm>
+          <a:prstGeom prst="rect">
+            <a:avLst/>
+          </a:prstGeom>
+          <a:noFill/>
+          <a:ln>
+            <a:noFill/>
+          </a:ln>
+          <a:extLst>
+            <a:ext uri="{909E8E84-426E-40DD-AFC4-6F175D3DCCD1}">
+              <a14:hiddenFill xmlns:a14="http://schemas.microsoft.com/office/drawing/2010/main">
+                <a:solidFill>
+                  <a:schemeClr val="accent1"/>
+                </a:solidFill>
+              </a14:hiddenFill>
+            </a:ext>
+            <a:ext uri="{91240B29-F687-4F45-9708-019B960494DF}">
+              <a14:hiddenLine xmlns:a14="http://schemas.microsoft.com/office/drawing/2010/main" w="9525">
+                <a:solidFill>
+                  <a:schemeClr val="tx1"/>
+                </a:solidFill>
+                <a:miter lim="800000"/>
+                <a:headEnd/>
+                <a:tailEnd/>
+              </a14:hiddenLine>
+            </a:ext>
+          </a:extLst>
+        </p:spPr>
+      </p:pic>
+      <p:pic>
+        <p:nvPicPr>
+          <p:cNvPr id="1027" name="Picture 3"/>
+          <p:cNvPicPr>
+            <a:picLocks noGrp="1" noChangeAspect="1" noChangeArrowheads="1"/>
+          </p:cNvPicPr>
+          <p:nvPr>
+            <p:ph idx="1"/>
+          </p:nvPr>
+        </p:nvPicPr>
+        <p:blipFill>
+          <a:blip r:embed="rId6">
+            <a:extLst>
+              <a:ext uri="{28A0092B-C50C-407E-A947-70E740481C1C}">
+                <a14:useLocalDpi xmlns:a14="http://schemas.microsoft.com/office/drawing/2010/main" val="0"/>
+              </a:ext>
+            </a:extLst>
+          </a:blip>
+          <a:srcRect/>
+          <a:stretch>
+            <a:fillRect/>
+          </a:stretch>
+        </p:blipFill>
+        <p:spPr bwMode="auto">
+          <a:xfrm>
+            <a:off x="4499992" y="2757240"/>
+            <a:ext cx="3600400" cy="3022154"/>
+          </a:xfrm>
+          <a:prstGeom prst="rect">
+            <a:avLst/>
+          </a:prstGeom>
+          <a:noFill/>
+          <a:ln>
+            <a:noFill/>
+          </a:ln>
+          <a:extLst>
+            <a:ext uri="{909E8E84-426E-40DD-AFC4-6F175D3DCCD1}">
+              <a14:hiddenFill xmlns:a14="http://schemas.microsoft.com/office/drawing/2010/main">
+                <a:solidFill>
+                  <a:schemeClr val="accent1"/>
+                </a:solidFill>
+              </a14:hiddenFill>
+            </a:ext>
+            <a:ext uri="{91240B29-F687-4F45-9708-019B960494DF}">
+              <a14:hiddenLine xmlns:a14="http://schemas.microsoft.com/office/drawing/2010/main" w="9525">
+                <a:solidFill>
+                  <a:schemeClr val="tx1"/>
+                </a:solidFill>
+                <a:miter lim="800000"/>
+                <a:headEnd/>
+                <a:tailEnd/>
+              </a14:hiddenLine>
+            </a:ext>
+          </a:extLst>
+        </p:spPr>
+      </p:pic>
+      <p:pic>
+        <p:nvPicPr>
+          <p:cNvPr id="1028" name="Picture 4"/>
+          <p:cNvPicPr>
+            <a:picLocks noChangeAspect="1" noChangeArrowheads="1"/>
+          </p:cNvPicPr>
+          <p:nvPr/>
+        </p:nvPicPr>
+        <p:blipFill>
+          <a:blip r:embed="rId7">
+            <a:extLst>
+              <a:ext uri="{28A0092B-C50C-407E-A947-70E740481C1C}">
+                <a14:useLocalDpi xmlns:a14="http://schemas.microsoft.com/office/drawing/2010/main" val="0"/>
+              </a:ext>
+            </a:extLst>
+          </a:blip>
+          <a:srcRect/>
+          <a:stretch>
+            <a:fillRect/>
+          </a:stretch>
+        </p:blipFill>
+        <p:spPr bwMode="auto">
+          <a:xfrm>
+            <a:off x="583795" y="4365104"/>
+            <a:ext cx="3714750" cy="1314450"/>
           </a:xfrm>
           <a:prstGeom prst="rect">
             <a:avLst/>
@@ -9838,6 +10034,172 @@
 </file>
 
 <file path=ppt/slides/slide15.xml><?xml version="1.0" encoding="utf-8"?>
+<p:sld xmlns:a="http://schemas.openxmlformats.org/drawingml/2006/main" xmlns:r="http://schemas.openxmlformats.org/officeDocument/2006/relationships" xmlns:p="http://schemas.openxmlformats.org/presentationml/2006/main">
+  <p:cSld>
+    <p:spTree>
+      <p:nvGrpSpPr>
+        <p:cNvPr id="1" name=""/>
+        <p:cNvGrpSpPr/>
+        <p:nvPr/>
+      </p:nvGrpSpPr>
+      <p:grpSpPr>
+        <a:xfrm>
+          <a:off x="0" y="0"/>
+          <a:ext cx="0" cy="0"/>
+          <a:chOff x="0" y="0"/>
+          <a:chExt cx="0" cy="0"/>
+        </a:xfrm>
+      </p:grpSpPr>
+      <p:sp>
+        <p:nvSpPr>
+          <p:cNvPr id="2" name="Tytuł 1"/>
+          <p:cNvSpPr>
+            <a:spLocks noGrp="1"/>
+          </p:cNvSpPr>
+          <p:nvPr>
+            <p:ph type="title"/>
+          </p:nvPr>
+        </p:nvSpPr>
+        <p:spPr/>
+        <p:txBody>
+          <a:bodyPr/>
+          <a:lstStyle/>
+          <a:p>
+            <a:r>
+              <a:rPr lang="en-IE" dirty="0" smtClean="0"/>
+              <a:t>Views</a:t>
+            </a:r>
+            <a:endParaRPr lang="pl-PL" dirty="0"/>
+          </a:p>
+        </p:txBody>
+      </p:sp>
+      <p:sp>
+        <p:nvSpPr>
+          <p:cNvPr id="3" name="Symbol zastępczy zawartości 2"/>
+          <p:cNvSpPr>
+            <a:spLocks noGrp="1"/>
+          </p:cNvSpPr>
+          <p:nvPr>
+            <p:ph idx="1"/>
+          </p:nvPr>
+        </p:nvSpPr>
+        <p:spPr/>
+        <p:txBody>
+          <a:bodyPr/>
+          <a:lstStyle/>
+          <a:p>
+            <a:r>
+              <a:rPr lang="en-IE" dirty="0" smtClean="0"/>
+              <a:t>Views are Scala:</a:t>
+            </a:r>
+          </a:p>
+          <a:p>
+            <a:pPr lvl="1"/>
+            <a:r>
+              <a:rPr lang="en-IE" dirty="0"/>
+              <a:t>type safety</a:t>
+            </a:r>
+          </a:p>
+          <a:p>
+            <a:pPr lvl="1"/>
+            <a:r>
+              <a:rPr lang="en-IE" dirty="0"/>
+              <a:t>compile time syntax checking</a:t>
+            </a:r>
+          </a:p>
+          <a:p>
+            <a:r>
+              <a:rPr lang="en-IE" dirty="0" smtClean="0"/>
+              <a:t>Views have double extension </a:t>
+            </a:r>
+            <a:r>
+              <a:rPr lang="en-IE" smtClean="0"/>
+              <a:t>.scala.html</a:t>
+            </a:r>
+          </a:p>
+          <a:p>
+            <a:endParaRPr lang="en-IE" dirty="0"/>
+          </a:p>
+          <a:p>
+            <a:endParaRPr lang="en-IE" dirty="0" smtClean="0"/>
+          </a:p>
+          <a:p>
+            <a:endParaRPr lang="en-IE" dirty="0" smtClean="0"/>
+          </a:p>
+          <a:p>
+            <a:pPr lvl="1"/>
+            <a:endParaRPr lang="pl-PL" dirty="0"/>
+          </a:p>
+        </p:txBody>
+      </p:sp>
+      <p:pic>
+        <p:nvPicPr>
+          <p:cNvPr id="4" name="Picture 2"/>
+          <p:cNvPicPr>
+            <a:picLocks noChangeAspect="1" noChangeArrowheads="1"/>
+          </p:cNvPicPr>
+          <p:nvPr/>
+        </p:nvPicPr>
+        <p:blipFill>
+          <a:blip r:embed="rId2" cstate="print">
+            <a:extLst>
+              <a:ext uri="{28A0092B-C50C-407E-A947-70E740481C1C}">
+                <a14:useLocalDpi xmlns:a14="http://schemas.microsoft.com/office/drawing/2010/main" val="0"/>
+              </a:ext>
+            </a:extLst>
+          </a:blip>
+          <a:srcRect/>
+          <a:stretch>
+            <a:fillRect/>
+          </a:stretch>
+        </p:blipFill>
+        <p:spPr bwMode="auto">
+          <a:xfrm>
+            <a:off x="755576" y="532862"/>
+            <a:ext cx="2016224" cy="688262"/>
+          </a:xfrm>
+          <a:prstGeom prst="rect">
+            <a:avLst/>
+          </a:prstGeom>
+          <a:noFill/>
+          <a:ln>
+            <a:noFill/>
+          </a:ln>
+          <a:extLst>
+            <a:ext uri="{909E8E84-426E-40DD-AFC4-6F175D3DCCD1}">
+              <a14:hiddenFill xmlns:a14="http://schemas.microsoft.com/office/drawing/2010/main">
+                <a:solidFill>
+                  <a:schemeClr val="accent1"/>
+                </a:solidFill>
+              </a14:hiddenFill>
+            </a:ext>
+            <a:ext uri="{91240B29-F687-4F45-9708-019B960494DF}">
+              <a14:hiddenLine xmlns:a14="http://schemas.microsoft.com/office/drawing/2010/main" w="9525">
+                <a:solidFill>
+                  <a:schemeClr val="tx1"/>
+                </a:solidFill>
+                <a:miter lim="800000"/>
+                <a:headEnd/>
+                <a:tailEnd/>
+              </a14:hiddenLine>
+            </a:ext>
+          </a:extLst>
+        </p:spPr>
+      </p:pic>
+    </p:spTree>
+    <p:extLst>
+      <p:ext uri="{BB962C8B-B14F-4D97-AF65-F5344CB8AC3E}">
+        <p14:creationId xmlns:p14="http://schemas.microsoft.com/office/powerpoint/2010/main" val="1198489343"/>
+      </p:ext>
+    </p:extLst>
+  </p:cSld>
+  <p:clrMapOvr>
+    <a:masterClrMapping/>
+  </p:clrMapOvr>
+</p:sld>
+</file>
+
+<file path=ppt/slides/slide16.xml><?xml version="1.0" encoding="utf-8"?>
 <p:sld xmlns:a="http://schemas.openxmlformats.org/drawingml/2006/main" xmlns:r="http://schemas.openxmlformats.org/officeDocument/2006/relationships" xmlns:p="http://schemas.openxmlformats.org/presentationml/2006/main">
   <p:cSld>
     <p:spTree>

--- a/Play take 2.pptx
+++ b/Play take 2.pptx
@@ -5,7 +5,7 @@
     <p:sldMasterId id="2147483648" r:id="rId1"/>
   </p:sldMasterIdLst>
   <p:notesMasterIdLst>
-    <p:notesMasterId r:id="rId18"/>
+    <p:notesMasterId r:id="rId19"/>
   </p:notesMasterIdLst>
   <p:sldIdLst>
     <p:sldId id="258" r:id="rId2"/>
@@ -23,7 +23,8 @@
     <p:sldId id="270" r:id="rId14"/>
     <p:sldId id="271" r:id="rId15"/>
     <p:sldId id="272" r:id="rId16"/>
-    <p:sldId id="267" r:id="rId17"/>
+    <p:sldId id="273" r:id="rId17"/>
+    <p:sldId id="267" r:id="rId18"/>
   </p:sldIdLst>
   <p:sldSz cx="9144000" cy="6858000" type="screen4x3"/>
   <p:notesSz cx="6858000" cy="9144000"/>
@@ -207,7 +208,7 @@
           <a:p>
             <a:fld id="{4DD84B93-BD63-4F1D-A16A-8A65EEF98381}" type="datetimeFigureOut">
               <a:rPr lang="pl-PL" smtClean="0"/>
-              <a:t>2014-11-16</a:t>
+              <a:t>2014-11-18</a:t>
             </a:fld>
             <a:endParaRPr lang="pl-PL"/>
           </a:p>
@@ -2392,11 +2393,7 @@
           <a:p>
             <a:r>
               <a:rPr lang="en-US" dirty="0" smtClean="0"/>
-              <a:t>The contract for Controller is simply a class that implements the Controller abstract base class</a:t>
-            </a:r>
-            <a:r>
-              <a:rPr lang="en-US" dirty="0" smtClean="0"/>
-              <a:t>.</a:t>
+              <a:t>The contract for Controller is simply a class that implements the Controller abstract base class.</a:t>
             </a:r>
           </a:p>
           <a:p>
@@ -2508,6 +2505,196 @@
     <p:extLst>
       <p:ext uri="{BB962C8B-B14F-4D97-AF65-F5344CB8AC3E}">
         <p14:creationId xmlns:p14="http://schemas.microsoft.com/office/powerpoint/2010/main" val="3122368235"/>
+      </p:ext>
+    </p:extLst>
+  </p:cSld>
+  <p:clrMapOvr>
+    <a:masterClrMapping/>
+  </p:clrMapOvr>
+</p:notes>
+</file>
+
+<file path=ppt/notesSlides/notesSlide15.xml><?xml version="1.0" encoding="utf-8"?>
+<p:notes xmlns:a="http://schemas.openxmlformats.org/drawingml/2006/main" xmlns:r="http://schemas.openxmlformats.org/officeDocument/2006/relationships" xmlns:p="http://schemas.openxmlformats.org/presentationml/2006/main">
+  <p:cSld>
+    <p:spTree>
+      <p:nvGrpSpPr>
+        <p:cNvPr id="1" name=""/>
+        <p:cNvGrpSpPr/>
+        <p:nvPr/>
+      </p:nvGrpSpPr>
+      <p:grpSpPr>
+        <a:xfrm>
+          <a:off x="0" y="0"/>
+          <a:ext cx="0" cy="0"/>
+          <a:chOff x="0" y="0"/>
+          <a:chExt cx="0" cy="0"/>
+        </a:xfrm>
+      </p:grpSpPr>
+      <p:sp>
+        <p:nvSpPr>
+          <p:cNvPr id="2" name="Symbol zastępczy obrazu slajdu 1"/>
+          <p:cNvSpPr>
+            <a:spLocks noGrp="1" noRot="1" noChangeAspect="1"/>
+          </p:cNvSpPr>
+          <p:nvPr>
+            <p:ph type="sldImg"/>
+          </p:nvPr>
+        </p:nvSpPr>
+        <p:spPr/>
+      </p:sp>
+      <p:sp>
+        <p:nvSpPr>
+          <p:cNvPr id="3" name="Symbol zastępczy notatek 2"/>
+          <p:cNvSpPr>
+            <a:spLocks noGrp="1"/>
+          </p:cNvSpPr>
+          <p:nvPr>
+            <p:ph type="body" idx="1"/>
+          </p:nvPr>
+        </p:nvSpPr>
+        <p:spPr/>
+        <p:txBody>
+          <a:bodyPr/>
+          <a:lstStyle/>
+          <a:p>
+            <a:r>
+              <a:rPr lang="en-IE" b="1" dirty="0" smtClean="0"/>
+              <a:t>Type safety </a:t>
+            </a:r>
+            <a:r>
+              <a:rPr lang="en-IE" dirty="0" smtClean="0"/>
+              <a:t>- apparently it is very uncommon in other MVC frameworks?</a:t>
+            </a:r>
+          </a:p>
+          <a:p>
+            <a:endParaRPr lang="en-IE" dirty="0" smtClean="0"/>
+          </a:p>
+          <a:p>
+            <a:r>
+              <a:rPr lang="en-IE" dirty="0" smtClean="0"/>
+              <a:t>The highlighted portion is </a:t>
+            </a:r>
+            <a:r>
+              <a:rPr lang="en-IE" b="1" dirty="0" smtClean="0"/>
+              <a:t>Scala</a:t>
+            </a:r>
+            <a:r>
+              <a:rPr lang="en-IE" dirty="0" smtClean="0"/>
+              <a:t> syntax in views</a:t>
+            </a:r>
+            <a:r>
+              <a:rPr lang="en-IE" baseline="0" dirty="0" smtClean="0"/>
+              <a:t> </a:t>
+            </a:r>
+            <a:r>
+              <a:rPr lang="en-IE" baseline="0" dirty="0" smtClean="0">
+                <a:sym typeface="Wingdings" panose="05000000000000000000" pitchFamily="2" charset="2"/>
+              </a:rPr>
+              <a:t> so u don’t have to know Scala to use Play! 2, but u do... ;)</a:t>
+            </a:r>
+            <a:endParaRPr lang="en-IE" dirty="0" smtClean="0"/>
+          </a:p>
+          <a:p>
+            <a:endParaRPr lang="en-IE" dirty="0" smtClean="0"/>
+          </a:p>
+          <a:p>
+            <a:r>
+              <a:rPr lang="en-IE" dirty="0" smtClean="0"/>
+              <a:t>So what</a:t>
+            </a:r>
+            <a:r>
+              <a:rPr lang="en-IE" baseline="0" dirty="0" smtClean="0"/>
+              <a:t> is that @message symbol? It means u pass a String from a Controller.</a:t>
+            </a:r>
+          </a:p>
+          <a:p>
+            <a:endParaRPr lang="en-IE" baseline="0" dirty="0" smtClean="0"/>
+          </a:p>
+          <a:p>
+            <a:r>
+              <a:rPr lang="en-IE" b="1" dirty="0" smtClean="0"/>
+              <a:t>The @ symbol differentiates</a:t>
+            </a:r>
+            <a:r>
+              <a:rPr lang="en-IE" b="1" baseline="0" dirty="0" smtClean="0"/>
+              <a:t> between HTML and code. </a:t>
+            </a:r>
+            <a:r>
+              <a:rPr lang="en-IE" baseline="0" dirty="0" smtClean="0"/>
+              <a:t>So u indicate code by the @ symbol.</a:t>
+            </a:r>
+          </a:p>
+          <a:p>
+            <a:r>
+              <a:rPr lang="en-IE" baseline="0" dirty="0" smtClean="0"/>
+              <a:t>	- examples:</a:t>
+            </a:r>
+          </a:p>
+          <a:p>
+            <a:r>
+              <a:rPr lang="en-IE" baseline="0" dirty="0" smtClean="0"/>
+              <a:t>		- @message</a:t>
+            </a:r>
+          </a:p>
+          <a:p>
+            <a:r>
+              <a:rPr lang="en-IE" baseline="0" dirty="0" smtClean="0"/>
+              <a:t>		- @names</a:t>
+            </a:r>
+          </a:p>
+          <a:p>
+            <a:r>
+              <a:rPr lang="en-IE" baseline="0" dirty="0" smtClean="0"/>
+              <a:t>		- @if</a:t>
+            </a:r>
+          </a:p>
+          <a:p>
+            <a:r>
+              <a:rPr lang="en-IE" baseline="0" dirty="0" smtClean="0"/>
+              <a:t>There is this concept of partial views and layout where u pass in one view into another, but </a:t>
+            </a:r>
+            <a:r>
+              <a:rPr lang="en-IE" baseline="0" smtClean="0"/>
+              <a:t>I haven’t </a:t>
+            </a:r>
+            <a:r>
+              <a:rPr lang="en-IE" baseline="0" dirty="0" smtClean="0"/>
+              <a:t>looked into it yet…</a:t>
+            </a:r>
+          </a:p>
+          <a:p>
+            <a:endParaRPr lang="pl-PL" dirty="0"/>
+          </a:p>
+        </p:txBody>
+      </p:sp>
+      <p:sp>
+        <p:nvSpPr>
+          <p:cNvPr id="4" name="Symbol zastępczy numeru slajdu 3"/>
+          <p:cNvSpPr>
+            <a:spLocks noGrp="1"/>
+          </p:cNvSpPr>
+          <p:nvPr>
+            <p:ph type="sldNum" sz="quarter" idx="10"/>
+          </p:nvPr>
+        </p:nvSpPr>
+        <p:spPr/>
+        <p:txBody>
+          <a:bodyPr/>
+          <a:lstStyle/>
+          <a:p>
+            <a:fld id="{E636E017-2961-4FC6-B7B9-AC52108EDB4A}" type="slidenum">
+              <a:rPr lang="pl-PL" smtClean="0"/>
+              <a:t>15</a:t>
+            </a:fld>
+            <a:endParaRPr lang="pl-PL"/>
+          </a:p>
+        </p:txBody>
+      </p:sp>
+    </p:spTree>
+    <p:extLst>
+      <p:ext uri="{BB962C8B-B14F-4D97-AF65-F5344CB8AC3E}">
+        <p14:creationId xmlns:p14="http://schemas.microsoft.com/office/powerpoint/2010/main" val="1107689421"/>
       </p:ext>
     </p:extLst>
   </p:cSld>
@@ -5245,7 +5432,7 @@
           <a:p>
             <a:fld id="{E2D84398-2CB8-4999-B734-D40856CB42BC}" type="datetimeFigureOut">
               <a:rPr lang="pl-PL" smtClean="0"/>
-              <a:t>2014-11-16</a:t>
+              <a:t>2014-11-18</a:t>
             </a:fld>
             <a:endParaRPr lang="pl-PL"/>
           </a:p>
@@ -5415,7 +5602,7 @@
           <a:p>
             <a:fld id="{E2D84398-2CB8-4999-B734-D40856CB42BC}" type="datetimeFigureOut">
               <a:rPr lang="pl-PL" smtClean="0"/>
-              <a:t>2014-11-16</a:t>
+              <a:t>2014-11-18</a:t>
             </a:fld>
             <a:endParaRPr lang="pl-PL"/>
           </a:p>
@@ -5595,7 +5782,7 @@
           <a:p>
             <a:fld id="{E2D84398-2CB8-4999-B734-D40856CB42BC}" type="datetimeFigureOut">
               <a:rPr lang="pl-PL" smtClean="0"/>
-              <a:t>2014-11-16</a:t>
+              <a:t>2014-11-18</a:t>
             </a:fld>
             <a:endParaRPr lang="pl-PL"/>
           </a:p>
@@ -5765,7 +5952,7 @@
           <a:p>
             <a:fld id="{E2D84398-2CB8-4999-B734-D40856CB42BC}" type="datetimeFigureOut">
               <a:rPr lang="pl-PL" smtClean="0"/>
-              <a:t>2014-11-16</a:t>
+              <a:t>2014-11-18</a:t>
             </a:fld>
             <a:endParaRPr lang="pl-PL"/>
           </a:p>
@@ -6011,7 +6198,7 @@
           <a:p>
             <a:fld id="{E2D84398-2CB8-4999-B734-D40856CB42BC}" type="datetimeFigureOut">
               <a:rPr lang="pl-PL" smtClean="0"/>
-              <a:t>2014-11-16</a:t>
+              <a:t>2014-11-18</a:t>
             </a:fld>
             <a:endParaRPr lang="pl-PL"/>
           </a:p>
@@ -6299,7 +6486,7 @@
           <a:p>
             <a:fld id="{E2D84398-2CB8-4999-B734-D40856CB42BC}" type="datetimeFigureOut">
               <a:rPr lang="pl-PL" smtClean="0"/>
-              <a:t>2014-11-16</a:t>
+              <a:t>2014-11-18</a:t>
             </a:fld>
             <a:endParaRPr lang="pl-PL"/>
           </a:p>
@@ -6721,7 +6908,7 @@
           <a:p>
             <a:fld id="{E2D84398-2CB8-4999-B734-D40856CB42BC}" type="datetimeFigureOut">
               <a:rPr lang="pl-PL" smtClean="0"/>
-              <a:t>2014-11-16</a:t>
+              <a:t>2014-11-18</a:t>
             </a:fld>
             <a:endParaRPr lang="pl-PL"/>
           </a:p>
@@ -6839,7 +7026,7 @@
           <a:p>
             <a:fld id="{E2D84398-2CB8-4999-B734-D40856CB42BC}" type="datetimeFigureOut">
               <a:rPr lang="pl-PL" smtClean="0"/>
-              <a:t>2014-11-16</a:t>
+              <a:t>2014-11-18</a:t>
             </a:fld>
             <a:endParaRPr lang="pl-PL"/>
           </a:p>
@@ -6934,7 +7121,7 @@
           <a:p>
             <a:fld id="{E2D84398-2CB8-4999-B734-D40856CB42BC}" type="datetimeFigureOut">
               <a:rPr lang="pl-PL" smtClean="0"/>
-              <a:t>2014-11-16</a:t>
+              <a:t>2014-11-18</a:t>
             </a:fld>
             <a:endParaRPr lang="pl-PL"/>
           </a:p>
@@ -7211,7 +7398,7 @@
           <a:p>
             <a:fld id="{E2D84398-2CB8-4999-B734-D40856CB42BC}" type="datetimeFigureOut">
               <a:rPr lang="pl-PL" smtClean="0"/>
-              <a:t>2014-11-16</a:t>
+              <a:t>2014-11-18</a:t>
             </a:fld>
             <a:endParaRPr lang="pl-PL"/>
           </a:p>
@@ -7464,7 +7651,7 @@
           <a:p>
             <a:fld id="{E2D84398-2CB8-4999-B734-D40856CB42BC}" type="datetimeFigureOut">
               <a:rPr lang="pl-PL" smtClean="0"/>
-              <a:t>2014-11-16</a:t>
+              <a:t>2014-11-18</a:t>
             </a:fld>
             <a:endParaRPr lang="pl-PL"/>
           </a:p>
@@ -7677,7 +7864,7 @@
           <a:p>
             <a:fld id="{E2D84398-2CB8-4999-B734-D40856CB42BC}" type="datetimeFigureOut">
               <a:rPr lang="pl-PL" smtClean="0"/>
-              <a:t>2014-11-16</a:t>
+              <a:t>2014-11-18</a:t>
             </a:fld>
             <a:endParaRPr lang="pl-PL"/>
           </a:p>
@@ -10090,8 +10277,28 @@
           <a:p>
             <a:r>
               <a:rPr lang="en-IE" dirty="0" smtClean="0"/>
-              <a:t>Views are Scala:</a:t>
-            </a:r>
+              <a:t>Views are Scala</a:t>
+            </a:r>
+            <a:r>
+              <a:rPr lang="en-IE" dirty="0" smtClean="0"/>
+              <a:t>:</a:t>
+            </a:r>
+          </a:p>
+          <a:p>
+            <a:pPr lvl="1"/>
+            <a:r>
+              <a:rPr lang="en-IE" dirty="0"/>
+              <a:t>y</a:t>
+            </a:r>
+            <a:r>
+              <a:rPr lang="en-IE" dirty="0" smtClean="0"/>
+              <a:t>ou can e</a:t>
+            </a:r>
+            <a:r>
+              <a:rPr lang="en-IE" dirty="0" smtClean="0"/>
+              <a:t>xpress logic in views</a:t>
+            </a:r>
+            <a:endParaRPr lang="en-IE" dirty="0" smtClean="0"/>
           </a:p>
           <a:p>
             <a:pPr lvl="1"/>
@@ -10110,11 +10317,7 @@
           <a:p>
             <a:r>
               <a:rPr lang="en-IE" dirty="0" smtClean="0"/>
-              <a:t>Views have double extension </a:t>
-            </a:r>
-            <a:r>
-              <a:rPr lang="en-IE" smtClean="0"/>
-              <a:t>.scala.html</a:t>
+              <a:t>Views have double extension .scala.html</a:t>
             </a:r>
           </a:p>
           <a:p>
@@ -10141,7 +10344,7 @@
           <p:nvPr/>
         </p:nvPicPr>
         <p:blipFill>
-          <a:blip r:embed="rId2" cstate="print">
+          <a:blip r:embed="rId3" cstate="print">
             <a:extLst>
               <a:ext uri="{28A0092B-C50C-407E-A947-70E740481C1C}">
                 <a14:useLocalDpi xmlns:a14="http://schemas.microsoft.com/office/drawing/2010/main" val="0"/>
@@ -10186,6 +10389,114 @@
           </a:extLst>
         </p:spPr>
       </p:pic>
+      <p:pic>
+        <p:nvPicPr>
+          <p:cNvPr id="1027" name="Picture 3"/>
+          <p:cNvPicPr>
+            <a:picLocks noChangeAspect="1" noChangeArrowheads="1"/>
+          </p:cNvPicPr>
+          <p:nvPr/>
+        </p:nvPicPr>
+        <p:blipFill>
+          <a:blip r:embed="rId4">
+            <a:extLst>
+              <a:ext uri="{28A0092B-C50C-407E-A947-70E740481C1C}">
+                <a14:useLocalDpi xmlns:a14="http://schemas.microsoft.com/office/drawing/2010/main" val="0"/>
+              </a:ext>
+            </a:extLst>
+          </a:blip>
+          <a:srcRect/>
+          <a:stretch>
+            <a:fillRect/>
+          </a:stretch>
+        </p:blipFill>
+        <p:spPr bwMode="auto">
+          <a:xfrm>
+            <a:off x="5868144" y="719684"/>
+            <a:ext cx="2895600" cy="2019300"/>
+          </a:xfrm>
+          <a:prstGeom prst="rect">
+            <a:avLst/>
+          </a:prstGeom>
+          <a:noFill/>
+          <a:ln>
+            <a:noFill/>
+          </a:ln>
+          <a:extLst>
+            <a:ext uri="{909E8E84-426E-40DD-AFC4-6F175D3DCCD1}">
+              <a14:hiddenFill xmlns:a14="http://schemas.microsoft.com/office/drawing/2010/main">
+                <a:solidFill>
+                  <a:schemeClr val="accent1"/>
+                </a:solidFill>
+              </a14:hiddenFill>
+            </a:ext>
+            <a:ext uri="{91240B29-F687-4F45-9708-019B960494DF}">
+              <a14:hiddenLine xmlns:a14="http://schemas.microsoft.com/office/drawing/2010/main" w="9525">
+                <a:solidFill>
+                  <a:schemeClr val="tx1"/>
+                </a:solidFill>
+                <a:miter lim="800000"/>
+                <a:headEnd/>
+                <a:tailEnd/>
+              </a14:hiddenLine>
+            </a:ext>
+          </a:extLst>
+        </p:spPr>
+      </p:pic>
+      <p:pic>
+        <p:nvPicPr>
+          <p:cNvPr id="1029" name="Picture 5"/>
+          <p:cNvPicPr>
+            <a:picLocks noChangeAspect="1" noChangeArrowheads="1"/>
+          </p:cNvPicPr>
+          <p:nvPr/>
+        </p:nvPicPr>
+        <p:blipFill>
+          <a:blip r:embed="rId5">
+            <a:extLst>
+              <a:ext uri="{28A0092B-C50C-407E-A947-70E740481C1C}">
+                <a14:useLocalDpi xmlns:a14="http://schemas.microsoft.com/office/drawing/2010/main" val="0"/>
+              </a:ext>
+            </a:extLst>
+          </a:blip>
+          <a:srcRect/>
+          <a:stretch>
+            <a:fillRect/>
+          </a:stretch>
+        </p:blipFill>
+        <p:spPr bwMode="auto">
+          <a:xfrm>
+            <a:off x="2411760" y="4365104"/>
+            <a:ext cx="3867150" cy="2400300"/>
+          </a:xfrm>
+          <a:prstGeom prst="rect">
+            <a:avLst/>
+          </a:prstGeom>
+          <a:noFill/>
+          <a:ln>
+            <a:noFill/>
+          </a:ln>
+          <a:extLst>
+            <a:ext uri="{909E8E84-426E-40DD-AFC4-6F175D3DCCD1}">
+              <a14:hiddenFill xmlns:a14="http://schemas.microsoft.com/office/drawing/2010/main">
+                <a:solidFill>
+                  <a:schemeClr val="accent1"/>
+                </a:solidFill>
+              </a14:hiddenFill>
+            </a:ext>
+            <a:ext uri="{91240B29-F687-4F45-9708-019B960494DF}">
+              <a14:hiddenLine xmlns:a14="http://schemas.microsoft.com/office/drawing/2010/main" w="9525">
+                <a:solidFill>
+                  <a:schemeClr val="tx1"/>
+                </a:solidFill>
+                <a:miter lim="800000"/>
+                <a:headEnd/>
+                <a:tailEnd/>
+              </a14:hiddenLine>
+            </a:ext>
+          </a:extLst>
+        </p:spPr>
+      </p:pic>
     </p:spTree>
     <p:extLst>
       <p:ext uri="{BB962C8B-B14F-4D97-AF65-F5344CB8AC3E}">
@@ -10196,10 +10507,193 @@
   <p:clrMapOvr>
     <a:masterClrMapping/>
   </p:clrMapOvr>
+  <p:timing>
+    <p:tnLst>
+      <p:par>
+        <p:cTn id="1" dur="indefinite" restart="never" nodeType="tmRoot"/>
+      </p:par>
+    </p:tnLst>
+  </p:timing>
 </p:sld>
 </file>
 
 <file path=ppt/slides/slide16.xml><?xml version="1.0" encoding="utf-8"?>
+<p:sld xmlns:a="http://schemas.openxmlformats.org/drawingml/2006/main" xmlns:r="http://schemas.openxmlformats.org/officeDocument/2006/relationships" xmlns:p="http://schemas.openxmlformats.org/presentationml/2006/main">
+  <p:cSld>
+    <p:spTree>
+      <p:nvGrpSpPr>
+        <p:cNvPr id="1" name=""/>
+        <p:cNvGrpSpPr/>
+        <p:nvPr/>
+      </p:nvGrpSpPr>
+      <p:grpSpPr>
+        <a:xfrm>
+          <a:off x="0" y="0"/>
+          <a:ext cx="0" cy="0"/>
+          <a:chOff x="0" y="0"/>
+          <a:chExt cx="0" cy="0"/>
+        </a:xfrm>
+      </p:grpSpPr>
+      <p:sp>
+        <p:nvSpPr>
+          <p:cNvPr id="2" name="Tytuł 1"/>
+          <p:cNvSpPr>
+            <a:spLocks noGrp="1"/>
+          </p:cNvSpPr>
+          <p:nvPr>
+            <p:ph type="title"/>
+          </p:nvPr>
+        </p:nvSpPr>
+        <p:spPr/>
+        <p:txBody>
+          <a:bodyPr/>
+          <a:lstStyle/>
+          <a:p>
+            <a:endParaRPr lang="pl-PL"/>
+          </a:p>
+        </p:txBody>
+      </p:sp>
+      <p:sp>
+        <p:nvSpPr>
+          <p:cNvPr id="3" name="Symbol zastępczy zawartości 2"/>
+          <p:cNvSpPr>
+            <a:spLocks noGrp="1"/>
+          </p:cNvSpPr>
+          <p:nvPr>
+            <p:ph idx="1"/>
+          </p:nvPr>
+        </p:nvSpPr>
+        <p:spPr/>
+        <p:txBody>
+          <a:bodyPr/>
+          <a:lstStyle/>
+          <a:p>
+            <a:endParaRPr lang="pl-PL"/>
+          </a:p>
+        </p:txBody>
+      </p:sp>
+      <p:pic>
+        <p:nvPicPr>
+          <p:cNvPr id="2050" name="Picture 2"/>
+          <p:cNvPicPr>
+            <a:picLocks noChangeAspect="1" noChangeArrowheads="1"/>
+          </p:cNvPicPr>
+          <p:nvPr/>
+        </p:nvPicPr>
+        <p:blipFill>
+          <a:blip r:embed="rId2">
+            <a:extLst>
+              <a:ext uri="{28A0092B-C50C-407E-A947-70E740481C1C}">
+                <a14:useLocalDpi xmlns:a14="http://schemas.microsoft.com/office/drawing/2010/main" val="0"/>
+              </a:ext>
+            </a:extLst>
+          </a:blip>
+          <a:srcRect/>
+          <a:stretch>
+            <a:fillRect/>
+          </a:stretch>
+        </p:blipFill>
+        <p:spPr bwMode="auto">
+          <a:xfrm>
+            <a:off x="1962150" y="2867025"/>
+            <a:ext cx="5219700" cy="1123950"/>
+          </a:xfrm>
+          <a:prstGeom prst="rect">
+            <a:avLst/>
+          </a:prstGeom>
+          <a:noFill/>
+          <a:ln>
+            <a:noFill/>
+          </a:ln>
+          <a:extLst>
+            <a:ext uri="{909E8E84-426E-40DD-AFC4-6F175D3DCCD1}">
+              <a14:hiddenFill xmlns:a14="http://schemas.microsoft.com/office/drawing/2010/main">
+                <a:solidFill>
+                  <a:schemeClr val="accent1"/>
+                </a:solidFill>
+              </a14:hiddenFill>
+            </a:ext>
+            <a:ext uri="{91240B29-F687-4F45-9708-019B960494DF}">
+              <a14:hiddenLine xmlns:a14="http://schemas.microsoft.com/office/drawing/2010/main" w="9525">
+                <a:solidFill>
+                  <a:schemeClr val="tx1"/>
+                </a:solidFill>
+                <a:miter lim="800000"/>
+                <a:headEnd/>
+                <a:tailEnd/>
+              </a14:hiddenLine>
+            </a:ext>
+          </a:extLst>
+        </p:spPr>
+      </p:pic>
+      <p:pic>
+        <p:nvPicPr>
+          <p:cNvPr id="5" name="Picture 2"/>
+          <p:cNvPicPr>
+            <a:picLocks noChangeAspect="1" noChangeArrowheads="1"/>
+          </p:cNvPicPr>
+          <p:nvPr/>
+        </p:nvPicPr>
+        <p:blipFill>
+          <a:blip r:embed="rId3" cstate="print">
+            <a:extLst>
+              <a:ext uri="{28A0092B-C50C-407E-A947-70E740481C1C}">
+                <a14:useLocalDpi xmlns:a14="http://schemas.microsoft.com/office/drawing/2010/main" val="0"/>
+              </a:ext>
+            </a:extLst>
+          </a:blip>
+          <a:srcRect/>
+          <a:stretch>
+            <a:fillRect/>
+          </a:stretch>
+        </p:blipFill>
+        <p:spPr bwMode="auto">
+          <a:xfrm>
+            <a:off x="755576" y="532862"/>
+            <a:ext cx="2016224" cy="688262"/>
+          </a:xfrm>
+          <a:prstGeom prst="rect">
+            <a:avLst/>
+          </a:prstGeom>
+          <a:noFill/>
+          <a:ln>
+            <a:noFill/>
+          </a:ln>
+          <a:extLst>
+            <a:ext uri="{909E8E84-426E-40DD-AFC4-6F175D3DCCD1}">
+              <a14:hiddenFill xmlns:a14="http://schemas.microsoft.com/office/drawing/2010/main">
+                <a:solidFill>
+                  <a:schemeClr val="accent1"/>
+                </a:solidFill>
+              </a14:hiddenFill>
+            </a:ext>
+            <a:ext uri="{91240B29-F687-4F45-9708-019B960494DF}">
+              <a14:hiddenLine xmlns:a14="http://schemas.microsoft.com/office/drawing/2010/main" w="9525">
+                <a:solidFill>
+                  <a:schemeClr val="tx1"/>
+                </a:solidFill>
+                <a:miter lim="800000"/>
+                <a:headEnd/>
+                <a:tailEnd/>
+              </a14:hiddenLine>
+            </a:ext>
+          </a:extLst>
+        </p:spPr>
+      </p:pic>
+    </p:spTree>
+    <p:extLst>
+      <p:ext uri="{BB962C8B-B14F-4D97-AF65-F5344CB8AC3E}">
+        <p14:creationId xmlns:p14="http://schemas.microsoft.com/office/powerpoint/2010/main" val="1357212011"/>
+      </p:ext>
+    </p:extLst>
+  </p:cSld>
+  <p:clrMapOvr>
+    <a:masterClrMapping/>
+  </p:clrMapOvr>
+</p:sld>
+</file>
+
+<file path=ppt/slides/slide17.xml><?xml version="1.0" encoding="utf-8"?>
 <p:sld xmlns:a="http://schemas.openxmlformats.org/drawingml/2006/main" xmlns:r="http://schemas.openxmlformats.org/officeDocument/2006/relationships" xmlns:p="http://schemas.openxmlformats.org/presentationml/2006/main">
   <p:cSld>
     <p:spTree>

--- a/Play take 2.pptx
+++ b/Play take 2.pptx
@@ -10,20 +10,20 @@
   <p:sldIdLst>
     <p:sldId id="258" r:id="rId2"/>
     <p:sldId id="257" r:id="rId3"/>
-    <p:sldId id="259" r:id="rId4"/>
-    <p:sldId id="260" r:id="rId5"/>
-    <p:sldId id="261" r:id="rId6"/>
-    <p:sldId id="262" r:id="rId7"/>
-    <p:sldId id="263" r:id="rId8"/>
-    <p:sldId id="264" r:id="rId9"/>
-    <p:sldId id="265" r:id="rId10"/>
-    <p:sldId id="266" r:id="rId11"/>
-    <p:sldId id="268" r:id="rId12"/>
-    <p:sldId id="269" r:id="rId13"/>
-    <p:sldId id="270" r:id="rId14"/>
-    <p:sldId id="271" r:id="rId15"/>
-    <p:sldId id="272" r:id="rId16"/>
-    <p:sldId id="273" r:id="rId17"/>
+    <p:sldId id="260" r:id="rId4"/>
+    <p:sldId id="261" r:id="rId5"/>
+    <p:sldId id="262" r:id="rId6"/>
+    <p:sldId id="263" r:id="rId7"/>
+    <p:sldId id="264" r:id="rId8"/>
+    <p:sldId id="265" r:id="rId9"/>
+    <p:sldId id="266" r:id="rId10"/>
+    <p:sldId id="268" r:id="rId11"/>
+    <p:sldId id="269" r:id="rId12"/>
+    <p:sldId id="270" r:id="rId13"/>
+    <p:sldId id="271" r:id="rId14"/>
+    <p:sldId id="272" r:id="rId15"/>
+    <p:sldId id="273" r:id="rId16"/>
+    <p:sldId id="274" r:id="rId17"/>
     <p:sldId id="267" r:id="rId18"/>
   </p:sldIdLst>
   <p:sldSz cx="9144000" cy="6858000" type="screen4x3"/>
@@ -629,31 +629,7 @@
           <a:lstStyle/>
           <a:p>
             <a:r>
-              <a:rPr lang="en-IE" b="1" dirty="0" smtClean="0"/>
-              <a:t>app</a:t>
-            </a:r>
-            <a:r>
-              <a:rPr lang="en-IE" dirty="0" smtClean="0"/>
-              <a:t> folder</a:t>
-            </a:r>
-          </a:p>
-          <a:p>
-            <a:r>
-              <a:rPr lang="en-IE" dirty="0" smtClean="0"/>
-              <a:t>	-</a:t>
-            </a:r>
-            <a:r>
-              <a:rPr lang="en-IE" baseline="0" dirty="0" smtClean="0"/>
-              <a:t> primary location to store the application source code</a:t>
-            </a:r>
-          </a:p>
-          <a:p>
-            <a:r>
-              <a:rPr lang="en-IE" baseline="0" dirty="0" smtClean="0"/>
-              <a:t>	- </a:t>
-            </a:r>
-            <a:r>
-              <a:rPr lang="en-IE" sz="1200" kern="1200" baseline="0" dirty="0" smtClean="0">
+              <a:rPr lang="en-IE" sz="1200" b="1" kern="1200" dirty="0" smtClean="0">
                 <a:solidFill>
                   <a:schemeClr val="tx1"/>
                 </a:solidFill>
@@ -662,8 +638,10 @@
                 <a:ea typeface="+mn-ea"/>
                 <a:cs typeface="+mn-cs"/>
               </a:rPr>
-              <a:t>it contains </a:t>
-            </a:r>
+              <a:t>router</a:t>
+            </a:r>
+          </a:p>
+          <a:p>
             <a:r>
               <a:rPr lang="en-IE" sz="1200" kern="1200" dirty="0" smtClean="0">
                 <a:solidFill>
@@ -674,12 +652,10 @@
                 <a:ea typeface="+mn-ea"/>
                 <a:cs typeface="+mn-cs"/>
               </a:rPr>
-              <a:t>controllers, views, and model code</a:t>
-            </a:r>
-          </a:p>
-          <a:p>
-            <a:r>
-              <a:rPr lang="en-IE" sz="1200" kern="1200" dirty="0" smtClean="0">
+              <a:t>	- inspects</a:t>
+            </a:r>
+            <a:r>
+              <a:rPr lang="en-IE" sz="1200" kern="1200" baseline="0" dirty="0" smtClean="0">
                 <a:solidFill>
                   <a:schemeClr val="tx1"/>
                 </a:solidFill>
@@ -688,10 +664,10 @@
                 <a:ea typeface="+mn-ea"/>
                 <a:cs typeface="+mn-cs"/>
               </a:rPr>
-              <a:t>	-</a:t>
-            </a:r>
-            <a:r>
-              <a:rPr lang="en-IE" sz="1200" kern="1200" baseline="0" dirty="0" smtClean="0">
+              <a:t> </a:t>
+            </a:r>
+            <a:r>
+              <a:rPr lang="en-US" sz="1200" kern="1200" baseline="0" dirty="0" smtClean="0">
                 <a:solidFill>
                   <a:schemeClr val="tx1"/>
                 </a:solidFill>
@@ -700,12 +676,12 @@
                 <a:ea typeface="+mn-ea"/>
                 <a:cs typeface="+mn-cs"/>
               </a:rPr>
-              <a:t> it is convention and u can break out of this convention but it may need some configuration changes</a:t>
-            </a:r>
-          </a:p>
-          <a:p>
-            <a:r>
-              <a:rPr lang="en-IE" sz="1200" b="1" kern="1200" baseline="0" dirty="0" err="1" smtClean="0">
+              <a:t>various aspects of the incoming HTTP requests</a:t>
+            </a:r>
+          </a:p>
+          <a:p>
+            <a:r>
+              <a:rPr lang="en-US" sz="1200" u="none" kern="1200" baseline="0" dirty="0" smtClean="0">
                 <a:solidFill>
                   <a:schemeClr val="tx1"/>
                 </a:solidFill>
@@ -714,10 +690,12 @@
                 <a:ea typeface="+mn-ea"/>
                 <a:cs typeface="+mn-cs"/>
               </a:rPr>
-              <a:t>conf</a:t>
-            </a:r>
-            <a:r>
-              <a:rPr lang="en-IE" sz="1200" b="1" kern="1200" baseline="0" dirty="0" smtClean="0">
+              <a:t>	- routes he requests to a specific action of a specific controller</a:t>
+            </a:r>
+          </a:p>
+          <a:p>
+            <a:r>
+              <a:rPr lang="en-US" sz="1200" u="none" kern="1200" baseline="0" dirty="0" smtClean="0">
                 <a:solidFill>
                   <a:schemeClr val="tx1"/>
                 </a:solidFill>
@@ -726,10 +704,12 @@
                 <a:ea typeface="+mn-ea"/>
                 <a:cs typeface="+mn-cs"/>
               </a:rPr>
-              <a:t> </a:t>
-            </a:r>
-            <a:r>
-              <a:rPr lang="en-IE" sz="1200" kern="1200" baseline="0" dirty="0" smtClean="0">
+              <a:t>	- router is like a single responsibility principle in programming, the alternative to a router would be a huge if statement that would have a 	branch for every possible acceptable route</a:t>
+            </a:r>
+          </a:p>
+          <a:p>
+            <a:r>
+              <a:rPr lang="en-IE" sz="1200" u="none" kern="1200" dirty="0" smtClean="0">
                 <a:solidFill>
                   <a:schemeClr val="tx1"/>
                 </a:solidFill>
@@ -738,12 +718,12 @@
                 <a:ea typeface="+mn-ea"/>
                 <a:cs typeface="+mn-cs"/>
               </a:rPr>
-              <a:t>folder</a:t>
-            </a:r>
-          </a:p>
-          <a:p>
-            <a:r>
-              <a:rPr lang="en-IE" sz="1200" kern="1200" baseline="0" dirty="0" smtClean="0">
+              <a:t> </a:t>
+            </a:r>
+          </a:p>
+          <a:p>
+            <a:r>
+              <a:rPr lang="en-US" sz="1200" u="none" kern="1200" dirty="0" smtClean="0">
                 <a:solidFill>
                   <a:schemeClr val="tx1"/>
                 </a:solidFill>
@@ -752,10 +732,12 @@
                 <a:ea typeface="+mn-ea"/>
                 <a:cs typeface="+mn-cs"/>
               </a:rPr>
-              <a:t>	- </a:t>
-            </a:r>
-            <a:r>
-              <a:rPr lang="en-IE" sz="1200" u="none" strike="noStrike" kern="1200" dirty="0" smtClean="0">
+              <a:t>the router translates incoming HTTP requests into a specific controller action</a:t>
+            </a:r>
+          </a:p>
+          <a:p>
+            <a:r>
+              <a:rPr lang="en-US" sz="1200" b="1" u="none" kern="1200" dirty="0" smtClean="0">
                 <a:solidFill>
                   <a:schemeClr val="tx1"/>
                 </a:solidFill>
@@ -764,454 +746,116 @@
                 <a:ea typeface="+mn-ea"/>
                 <a:cs typeface="+mn-cs"/>
               </a:rPr>
-              <a:t>holds non-source files that relate to the configuration of the application</a:t>
-            </a:r>
-          </a:p>
-          <a:p>
-            <a:r>
-              <a:rPr lang="en-IE" sz="1200" u="none" strike="noStrike" kern="1200" dirty="0" smtClean="0">
-                <a:solidFill>
-                  <a:schemeClr val="tx1"/>
-                </a:solidFill>
-                <a:effectLst/>
-                <a:latin typeface="+mn-lt"/>
-                <a:ea typeface="+mn-ea"/>
-                <a:cs typeface="+mn-cs"/>
-              </a:rPr>
-              <a:t>	-</a:t>
-            </a:r>
-            <a:r>
-              <a:rPr lang="en-IE" sz="1200" u="none" strike="noStrike" kern="1200" baseline="0" dirty="0" smtClean="0">
-                <a:solidFill>
-                  <a:schemeClr val="tx1"/>
-                </a:solidFill>
-                <a:effectLst/>
-                <a:latin typeface="+mn-lt"/>
-                <a:ea typeface="+mn-ea"/>
-                <a:cs typeface="+mn-cs"/>
-              </a:rPr>
-              <a:t> t</a:t>
-            </a:r>
-            <a:r>
-              <a:rPr lang="en-IE" sz="1200" u="none" strike="noStrike" kern="1200" dirty="0" smtClean="0">
-                <a:solidFill>
-                  <a:schemeClr val="tx1"/>
-                </a:solidFill>
-                <a:effectLst/>
-                <a:latin typeface="+mn-lt"/>
-                <a:ea typeface="+mn-ea"/>
-                <a:cs typeface="+mn-cs"/>
-              </a:rPr>
-              <a:t>his includes </a:t>
-            </a:r>
-            <a:r>
-              <a:rPr lang="en-IE" sz="1200" u="none" strike="noStrike" kern="1200" dirty="0" err="1" smtClean="0">
-                <a:solidFill>
-                  <a:schemeClr val="tx1"/>
-                </a:solidFill>
-                <a:effectLst/>
-                <a:latin typeface="+mn-lt"/>
-                <a:ea typeface="+mn-ea"/>
-                <a:cs typeface="+mn-cs"/>
-              </a:rPr>
-              <a:t>application.conf</a:t>
-            </a:r>
-            <a:r>
-              <a:rPr lang="en-IE" sz="1200" u="none" strike="noStrike" kern="1200" dirty="0" smtClean="0">
-                <a:solidFill>
-                  <a:schemeClr val="tx1"/>
-                </a:solidFill>
-                <a:effectLst/>
-                <a:latin typeface="+mn-lt"/>
-                <a:ea typeface="+mn-ea"/>
-                <a:cs typeface="+mn-cs"/>
-              </a:rPr>
-              <a:t> file, the default and primary source for configuration data in the application</a:t>
-            </a:r>
-          </a:p>
-          <a:p>
-            <a:r>
-              <a:rPr lang="en-IE" sz="1200" u="none" strike="noStrike" kern="1200" dirty="0" smtClean="0">
-                <a:solidFill>
-                  <a:schemeClr val="tx1"/>
-                </a:solidFill>
-                <a:effectLst/>
-                <a:latin typeface="+mn-lt"/>
-                <a:ea typeface="+mn-ea"/>
-                <a:cs typeface="+mn-cs"/>
-              </a:rPr>
-              <a:t>	- also contains routes file, which is the central definition of all routes or endpoints of the application and their respected parameters</a:t>
-            </a:r>
-          </a:p>
-          <a:p>
-            <a:r>
-              <a:rPr lang="en-IE" sz="1200" b="1" u="none" strike="noStrike" kern="1200" dirty="0" smtClean="0">
-                <a:solidFill>
-                  <a:schemeClr val="tx1"/>
-                </a:solidFill>
-                <a:effectLst/>
-                <a:latin typeface="+mn-lt"/>
-                <a:ea typeface="+mn-ea"/>
-                <a:cs typeface="+mn-cs"/>
-              </a:rPr>
-              <a:t>project</a:t>
-            </a:r>
-            <a:r>
-              <a:rPr lang="en-IE" sz="1200" u="none" strike="noStrike" kern="1200" baseline="0" dirty="0" smtClean="0">
-                <a:solidFill>
-                  <a:schemeClr val="tx1"/>
-                </a:solidFill>
-                <a:effectLst/>
-                <a:latin typeface="+mn-lt"/>
-                <a:ea typeface="+mn-ea"/>
-                <a:cs typeface="+mn-cs"/>
-              </a:rPr>
-              <a:t> folder</a:t>
-            </a:r>
-          </a:p>
-          <a:p>
-            <a:r>
-              <a:rPr lang="en-IE" sz="1200" u="none" strike="noStrike" kern="1200" baseline="0" dirty="0" smtClean="0">
-                <a:solidFill>
-                  <a:schemeClr val="tx1"/>
-                </a:solidFill>
-                <a:effectLst/>
-                <a:latin typeface="+mn-lt"/>
-                <a:ea typeface="+mn-ea"/>
-                <a:cs typeface="+mn-cs"/>
-              </a:rPr>
+              <a:t>how?</a:t>
+            </a:r>
+          </a:p>
+          <a:p>
+            <a:r>
+              <a:rPr lang="en-US" u="none" dirty="0" smtClean="0"/>
+              <a:t>It looks at the HTTP </a:t>
+            </a:r>
+            <a:r>
+              <a:rPr lang="en-US" b="1" u="none" dirty="0" smtClean="0"/>
+              <a:t>method</a:t>
+            </a:r>
+            <a:r>
+              <a:rPr lang="en-US" u="none" dirty="0" smtClean="0"/>
+              <a:t> (verb) and the request </a:t>
+            </a:r>
+            <a:r>
+              <a:rPr lang="en-US" b="1" u="none" dirty="0" smtClean="0"/>
+              <a:t>path</a:t>
+            </a:r>
+            <a:r>
+              <a:rPr lang="en-US" u="none" dirty="0" smtClean="0"/>
+              <a:t>.</a:t>
+            </a:r>
+          </a:p>
+          <a:p>
+            <a:endParaRPr lang="en-US" u="none" dirty="0" smtClean="0"/>
+          </a:p>
+          <a:p>
+            <a:r>
+              <a:rPr lang="en-US" u="none" dirty="0" smtClean="0"/>
+              <a:t>Method is the </a:t>
+            </a:r>
+            <a:r>
+              <a:rPr lang="en-US" b="1" u="none" dirty="0" smtClean="0"/>
+              <a:t>intent</a:t>
+            </a:r>
+            <a:r>
+              <a:rPr lang="en-US" u="none" dirty="0" smtClean="0"/>
+              <a:t> of the request:</a:t>
+            </a:r>
+          </a:p>
+          <a:p>
+            <a:r>
+              <a:rPr lang="en-US" u="none" dirty="0" smtClean="0"/>
+              <a:t>	GET</a:t>
+            </a:r>
+            <a:r>
+              <a:rPr lang="en-US" u="none" baseline="0" dirty="0" smtClean="0"/>
+              <a:t> – retrieve data</a:t>
+            </a:r>
+          </a:p>
+          <a:p>
+            <a:r>
+              <a:rPr lang="en-US" u="none" baseline="0" dirty="0" smtClean="0"/>
+              <a:t>	POST – create data</a:t>
+            </a:r>
+          </a:p>
+          <a:p>
+            <a:r>
+              <a:rPr lang="en-US" u="none" baseline="0" dirty="0" smtClean="0"/>
+              <a:t>	PUT  - update</a:t>
+            </a:r>
+            <a:r>
+              <a:rPr lang="en-IE" u="none" baseline="0" dirty="0" smtClean="0"/>
+              <a:t> data</a:t>
+            </a:r>
+          </a:p>
+          <a:p>
+            <a:r>
+              <a:rPr lang="en-IE" u="none" baseline="0" dirty="0" smtClean="0"/>
+              <a:t>	DELETE – delete data</a:t>
+            </a:r>
+          </a:p>
+          <a:p>
+            <a:r>
+              <a:rPr lang="en-IE" u="none" baseline="0" dirty="0" smtClean="0"/>
+              <a:t>so… they represent basic CRUD operations in your application. Of course, you can use other HTTP methods…</a:t>
+            </a:r>
+          </a:p>
+          <a:p>
+            <a:endParaRPr lang="en-IE" u="none" baseline="0" dirty="0" smtClean="0"/>
+          </a:p>
+          <a:p>
+            <a:r>
+              <a:rPr lang="en-IE" u="none" baseline="0" dirty="0" smtClean="0"/>
+              <a:t>Path consists of 2 parts:</a:t>
+            </a:r>
+          </a:p>
+          <a:p>
+            <a:r>
+              <a:rPr lang="en-IE" u="none" baseline="0" dirty="0" smtClean="0"/>
               <a:t>	- </a:t>
             </a:r>
             <a:r>
-              <a:rPr lang="en-IE" sz="1200" u="none" strike="noStrike" kern="1200" dirty="0" smtClean="0">
-                <a:solidFill>
-                  <a:schemeClr val="tx1"/>
-                </a:solidFill>
-                <a:effectLst/>
-                <a:latin typeface="+mn-lt"/>
-                <a:ea typeface="+mn-ea"/>
-                <a:cs typeface="+mn-cs"/>
-              </a:rPr>
-              <a:t>contains files that are used to define the project and configuration necessary to build and run the application</a:t>
-            </a:r>
-          </a:p>
-          <a:p>
-            <a:r>
-              <a:rPr lang="en-IE" sz="1200" u="none" strike="noStrike" kern="1200" dirty="0" smtClean="0">
-                <a:solidFill>
-                  <a:schemeClr val="tx1"/>
-                </a:solidFill>
-                <a:effectLst/>
-                <a:latin typeface="+mn-lt"/>
-                <a:ea typeface="+mn-ea"/>
-                <a:cs typeface="+mn-cs"/>
-              </a:rPr>
-              <a:t>	-</a:t>
-            </a:r>
-            <a:r>
-              <a:rPr lang="en-IE" sz="1200" u="none" strike="noStrike" kern="1200" baseline="0" dirty="0" smtClean="0">
-                <a:solidFill>
-                  <a:schemeClr val="tx1"/>
-                </a:solidFill>
-                <a:effectLst/>
-                <a:latin typeface="+mn-lt"/>
-                <a:ea typeface="+mn-ea"/>
-                <a:cs typeface="+mn-cs"/>
-              </a:rPr>
-              <a:t> </a:t>
-            </a:r>
-            <a:r>
-              <a:rPr lang="en-IE" sz="1200" u="none" strike="noStrike" kern="1200" dirty="0" smtClean="0">
-                <a:solidFill>
-                  <a:schemeClr val="tx1"/>
-                </a:solidFill>
-                <a:effectLst/>
-                <a:latin typeface="+mn-lt"/>
-                <a:ea typeface="+mn-ea"/>
-                <a:cs typeface="+mn-cs"/>
-              </a:rPr>
-              <a:t>the build file is actually a Scala file,</a:t>
-            </a:r>
-            <a:r>
-              <a:rPr lang="en-IE" sz="1200" u="none" strike="noStrike" kern="1200" baseline="0" dirty="0" smtClean="0">
-                <a:solidFill>
-                  <a:schemeClr val="tx1"/>
-                </a:solidFill>
-                <a:effectLst/>
-                <a:latin typeface="+mn-lt"/>
-                <a:ea typeface="+mn-ea"/>
-                <a:cs typeface="+mn-cs"/>
-              </a:rPr>
-              <a:t> cos </a:t>
-            </a:r>
-            <a:r>
-              <a:rPr lang="en-IE" sz="1200" u="none" strike="noStrike" kern="1200" dirty="0" smtClean="0">
-                <a:solidFill>
-                  <a:schemeClr val="tx1"/>
-                </a:solidFill>
-                <a:effectLst/>
-                <a:latin typeface="+mn-lt"/>
-                <a:ea typeface="+mn-ea"/>
-                <a:cs typeface="+mn-cs"/>
-              </a:rPr>
-              <a:t>the underlying build system is SBT; the Simple Build Tool, which uses Scala and a Scala-like DSL for 	build definitions</a:t>
-            </a:r>
-          </a:p>
-          <a:p>
-            <a:r>
-              <a:rPr lang="en-IE" sz="1200" b="1" u="none" strike="noStrike" kern="1200" dirty="0" smtClean="0">
-                <a:solidFill>
-                  <a:schemeClr val="tx1"/>
-                </a:solidFill>
-                <a:effectLst/>
-                <a:latin typeface="+mn-lt"/>
-                <a:ea typeface="+mn-ea"/>
-                <a:cs typeface="+mn-cs"/>
-              </a:rPr>
-              <a:t>public</a:t>
-            </a:r>
-            <a:r>
-              <a:rPr lang="en-IE" sz="1200" u="none" strike="noStrike" kern="1200" dirty="0" smtClean="0">
-                <a:solidFill>
-                  <a:schemeClr val="tx1"/>
-                </a:solidFill>
-                <a:effectLst/>
-                <a:latin typeface="+mn-lt"/>
-                <a:ea typeface="+mn-ea"/>
-                <a:cs typeface="+mn-cs"/>
-              </a:rPr>
-              <a:t> folder</a:t>
-            </a:r>
-          </a:p>
-          <a:p>
-            <a:r>
-              <a:rPr lang="en-IE" sz="1200" u="none" strike="noStrike" kern="1200" dirty="0" smtClean="0">
-                <a:solidFill>
-                  <a:schemeClr val="tx1"/>
-                </a:solidFill>
-                <a:effectLst/>
-                <a:latin typeface="+mn-lt"/>
-                <a:ea typeface="+mn-ea"/>
-                <a:cs typeface="+mn-cs"/>
-              </a:rPr>
-              <a:t>	- holds all the static assets that your application will want to serve, such as images, </a:t>
-            </a:r>
-            <a:r>
-              <a:rPr lang="en-IE" sz="1200" u="none" strike="noStrike" kern="1200" dirty="0" err="1" smtClean="0">
-                <a:solidFill>
-                  <a:schemeClr val="tx1"/>
-                </a:solidFill>
-                <a:effectLst/>
-                <a:latin typeface="+mn-lt"/>
-                <a:ea typeface="+mn-ea"/>
-                <a:cs typeface="+mn-cs"/>
-              </a:rPr>
-              <a:t>javascripts</a:t>
-            </a:r>
-            <a:r>
-              <a:rPr lang="en-IE" sz="1200" u="none" strike="noStrike" kern="1200" dirty="0" smtClean="0">
-                <a:solidFill>
-                  <a:schemeClr val="tx1"/>
-                </a:solidFill>
-                <a:effectLst/>
-                <a:latin typeface="+mn-lt"/>
-                <a:ea typeface="+mn-ea"/>
-                <a:cs typeface="+mn-cs"/>
-              </a:rPr>
-              <a:t>, and CSS</a:t>
-            </a:r>
-          </a:p>
-          <a:p>
-            <a:r>
-              <a:rPr lang="en-IE" sz="1200" b="1" u="none" strike="noStrike" kern="1200" dirty="0" smtClean="0">
-                <a:solidFill>
-                  <a:schemeClr val="tx1"/>
-                </a:solidFill>
-                <a:effectLst/>
-                <a:latin typeface="+mn-lt"/>
-                <a:ea typeface="+mn-ea"/>
-                <a:cs typeface="+mn-cs"/>
-              </a:rPr>
-              <a:t>test</a:t>
-            </a:r>
-            <a:r>
-              <a:rPr lang="en-IE" sz="1200" u="none" strike="noStrike" kern="1200" dirty="0" smtClean="0">
-                <a:solidFill>
-                  <a:schemeClr val="tx1"/>
-                </a:solidFill>
-                <a:effectLst/>
-                <a:latin typeface="+mn-lt"/>
-                <a:ea typeface="+mn-ea"/>
-                <a:cs typeface="+mn-cs"/>
-              </a:rPr>
-              <a:t> folder</a:t>
-            </a:r>
-          </a:p>
-          <a:p>
-            <a:pPr marL="0" marR="0" indent="0" algn="l" defTabSz="914400" rtl="0" eaLnBrk="1" fontAlgn="auto" latinLnBrk="0" hangingPunct="1">
-              <a:lnSpc>
-                <a:spcPct val="100000"/>
-              </a:lnSpc>
-              <a:spcBef>
-                <a:spcPts val="0"/>
-              </a:spcBef>
-              <a:spcAft>
-                <a:spcPts val="0"/>
-              </a:spcAft>
-              <a:buClrTx/>
-              <a:buSzTx/>
-              <a:buFontTx/>
-              <a:buNone/>
-              <a:tabLst/>
-              <a:defRPr/>
-            </a:pPr>
-            <a:r>
-              <a:rPr lang="en-IE" sz="1200" u="none" strike="noStrike" kern="1200" dirty="0" smtClean="0">
-                <a:solidFill>
-                  <a:schemeClr val="tx1"/>
-                </a:solidFill>
-                <a:effectLst/>
-                <a:latin typeface="+mn-lt"/>
-                <a:ea typeface="+mn-ea"/>
-                <a:cs typeface="+mn-cs"/>
-              </a:rPr>
-              <a:t>	- default place to create any tests</a:t>
-            </a:r>
-          </a:p>
-          <a:p>
-            <a:pPr marL="0" marR="0" indent="0" algn="l" defTabSz="914400" rtl="0" eaLnBrk="1" fontAlgn="auto" latinLnBrk="0" hangingPunct="1">
-              <a:lnSpc>
-                <a:spcPct val="100000"/>
-              </a:lnSpc>
-              <a:spcBef>
-                <a:spcPts val="0"/>
-              </a:spcBef>
-              <a:spcAft>
-                <a:spcPts val="0"/>
-              </a:spcAft>
-              <a:buClrTx/>
-              <a:buSzTx/>
-              <a:buFontTx/>
-              <a:buNone/>
-              <a:tabLst/>
-              <a:defRPr/>
-            </a:pPr>
-            <a:r>
-              <a:rPr lang="en-IE" sz="1200" u="none" strike="noStrike" kern="1200" dirty="0" smtClean="0">
-                <a:solidFill>
-                  <a:schemeClr val="tx1"/>
-                </a:solidFill>
-                <a:effectLst/>
-                <a:latin typeface="+mn-lt"/>
-                <a:ea typeface="+mn-ea"/>
-                <a:cs typeface="+mn-cs"/>
-              </a:rPr>
-              <a:t>	- can be </a:t>
-            </a:r>
-            <a:r>
-              <a:rPr lang="en-IE" sz="1200" u="none" strike="noStrike" kern="1200" dirty="0" err="1" smtClean="0">
-                <a:solidFill>
-                  <a:schemeClr val="tx1"/>
-                </a:solidFill>
-                <a:effectLst/>
-                <a:latin typeface="+mn-lt"/>
-                <a:ea typeface="+mn-ea"/>
-                <a:cs typeface="+mn-cs"/>
-              </a:rPr>
-              <a:t>Ats</a:t>
-            </a:r>
-            <a:r>
-              <a:rPr lang="en-IE" sz="1200" u="none" strike="noStrike" kern="1200" dirty="0" smtClean="0">
-                <a:solidFill>
-                  <a:schemeClr val="tx1"/>
-                </a:solidFill>
-                <a:effectLst/>
-                <a:latin typeface="+mn-lt"/>
-                <a:ea typeface="+mn-ea"/>
-                <a:cs typeface="+mn-cs"/>
-              </a:rPr>
-              <a:t>,</a:t>
-            </a:r>
-            <a:r>
-              <a:rPr lang="en-IE" sz="1200" u="none" strike="noStrike" kern="1200" baseline="0" dirty="0" smtClean="0">
-                <a:solidFill>
-                  <a:schemeClr val="tx1"/>
-                </a:solidFill>
-                <a:effectLst/>
-                <a:latin typeface="+mn-lt"/>
-                <a:ea typeface="+mn-ea"/>
-                <a:cs typeface="+mn-cs"/>
-              </a:rPr>
-              <a:t> UTs…</a:t>
-            </a:r>
-            <a:r>
-              <a:rPr lang="en-IE" sz="1200" u="none" strike="noStrike" kern="1200" dirty="0" smtClean="0">
-                <a:solidFill>
-                  <a:schemeClr val="tx1"/>
-                </a:solidFill>
-                <a:effectLst/>
-                <a:latin typeface="+mn-lt"/>
-                <a:ea typeface="+mn-ea"/>
-                <a:cs typeface="+mn-cs"/>
-              </a:rPr>
-              <a:t> </a:t>
-            </a:r>
-          </a:p>
-          <a:p>
-            <a:pPr marL="0" marR="0" indent="0" algn="l" defTabSz="914400" rtl="0" eaLnBrk="1" fontAlgn="auto" latinLnBrk="0" hangingPunct="1">
-              <a:lnSpc>
-                <a:spcPct val="100000"/>
-              </a:lnSpc>
-              <a:spcBef>
-                <a:spcPts val="0"/>
-              </a:spcBef>
-              <a:spcAft>
-                <a:spcPts val="0"/>
-              </a:spcAft>
-              <a:buClrTx/>
-              <a:buSzTx/>
-              <a:buFontTx/>
-              <a:buNone/>
-              <a:tabLst/>
-              <a:defRPr/>
-            </a:pPr>
-            <a:r>
-              <a:rPr lang="en-IE" sz="1200" u="none" strike="noStrike" kern="1200" dirty="0" smtClean="0">
-                <a:solidFill>
-                  <a:schemeClr val="tx1"/>
-                </a:solidFill>
-                <a:effectLst/>
-                <a:latin typeface="+mn-lt"/>
-                <a:ea typeface="+mn-ea"/>
-                <a:cs typeface="+mn-cs"/>
-              </a:rPr>
-              <a:t>	-</a:t>
-            </a:r>
-            <a:r>
-              <a:rPr lang="en-IE" sz="1200" u="none" strike="noStrike" kern="1200" baseline="0" dirty="0" smtClean="0">
-                <a:solidFill>
-                  <a:schemeClr val="tx1"/>
-                </a:solidFill>
-                <a:effectLst/>
-                <a:latin typeface="+mn-lt"/>
-                <a:ea typeface="+mn-ea"/>
-                <a:cs typeface="+mn-cs"/>
-              </a:rPr>
-              <a:t> </a:t>
-            </a:r>
-            <a:r>
-              <a:rPr lang="en-IE" sz="1200" u="none" strike="noStrike" kern="1200" dirty="0" smtClean="0">
-                <a:solidFill>
-                  <a:schemeClr val="tx1"/>
-                </a:solidFill>
-                <a:effectLst/>
-                <a:latin typeface="+mn-lt"/>
-                <a:ea typeface="+mn-ea"/>
-                <a:cs typeface="+mn-cs"/>
-              </a:rPr>
-              <a:t>can include any test-specific resources you may need as well</a:t>
-            </a:r>
-            <a:endParaRPr lang="pl-PL" dirty="0"/>
+              <a:rPr lang="en-US" u="none" baseline="0" dirty="0" smtClean="0"/>
+              <a:t>the first part is responsible for making sure your request gets to your server and web application through the internet, which would be 	www.myapplication.com</a:t>
+            </a:r>
+          </a:p>
+          <a:p>
+            <a:r>
+              <a:rPr lang="en-US" u="none" baseline="0" dirty="0" smtClean="0"/>
+              <a:t>	- the second part is used by your web application to determine what action to get executed, which would be /customer/1/order/2</a:t>
+            </a:r>
+          </a:p>
+          <a:p>
+            <a:endParaRPr lang="en-IE" u="none" baseline="0" dirty="0" smtClean="0"/>
+          </a:p>
+          <a:p>
+            <a:endParaRPr lang="en-US" u="none" baseline="0" dirty="0" smtClean="0"/>
           </a:p>
         </p:txBody>
       </p:sp>
@@ -1241,7 +885,7 @@
     </p:spTree>
     <p:extLst>
       <p:ext uri="{BB962C8B-B14F-4D97-AF65-F5344CB8AC3E}">
-        <p14:creationId xmlns:p14="http://schemas.microsoft.com/office/powerpoint/2010/main" val="369486991"/>
+        <p14:creationId xmlns:p14="http://schemas.microsoft.com/office/powerpoint/2010/main" val="3297851152"/>
       </p:ext>
     </p:extLst>
   </p:cSld>
@@ -1296,7 +940,7 @@
           <a:lstStyle/>
           <a:p>
             <a:r>
-              <a:rPr lang="en-IE" sz="1200" b="1" kern="1200" dirty="0" smtClean="0">
+              <a:rPr lang="en-US" sz="1200" u="none" kern="1200" dirty="0" smtClean="0">
                 <a:solidFill>
                   <a:schemeClr val="tx1"/>
                 </a:solidFill>
@@ -1305,12 +949,10 @@
                 <a:ea typeface="+mn-ea"/>
                 <a:cs typeface="+mn-cs"/>
               </a:rPr>
-              <a:t>router</a:t>
-            </a:r>
-          </a:p>
-          <a:p>
-            <a:r>
-              <a:rPr lang="en-IE" sz="1200" kern="1200" dirty="0" smtClean="0">
+              <a:t>Routes in Play! are declared using a </a:t>
+            </a:r>
+            <a:r>
+              <a:rPr lang="en-US" sz="1200" b="1" u="none" kern="1200" dirty="0" smtClean="0">
                 <a:solidFill>
                   <a:schemeClr val="tx1"/>
                 </a:solidFill>
@@ -1319,10 +961,21 @@
                 <a:ea typeface="+mn-ea"/>
                 <a:cs typeface="+mn-cs"/>
               </a:rPr>
-              <a:t>	- inspects</a:t>
-            </a:r>
-            <a:r>
-              <a:rPr lang="en-IE" sz="1200" kern="1200" baseline="0" dirty="0" smtClean="0">
+              <a:t>DSL</a:t>
+            </a:r>
+            <a:endParaRPr lang="en-US" sz="1200" b="0" u="none" kern="1200" dirty="0" smtClean="0">
+              <a:solidFill>
+                <a:schemeClr val="tx1"/>
+              </a:solidFill>
+              <a:effectLst/>
+              <a:latin typeface="+mn-lt"/>
+              <a:ea typeface="+mn-ea"/>
+              <a:cs typeface="+mn-cs"/>
+            </a:endParaRPr>
+          </a:p>
+          <a:p>
+            <a:r>
+              <a:rPr lang="en-US" sz="1200" b="0" u="none" kern="1200" dirty="0" smtClean="0">
                 <a:solidFill>
                   <a:schemeClr val="tx1"/>
                 </a:solidFill>
@@ -1331,10 +984,12 @@
                 <a:ea typeface="+mn-ea"/>
                 <a:cs typeface="+mn-cs"/>
               </a:rPr>
-              <a:t> </a:t>
-            </a:r>
-            <a:r>
-              <a:rPr lang="en-US" sz="1200" kern="1200" baseline="0" dirty="0" smtClean="0">
+              <a:t>A basic route declaration is composed of 3 main parts:</a:t>
+            </a:r>
+          </a:p>
+          <a:p>
+            <a:r>
+              <a:rPr lang="en-US" sz="1200" b="0" u="none" kern="1200" dirty="0" smtClean="0">
                 <a:solidFill>
                   <a:schemeClr val="tx1"/>
                 </a:solidFill>
@@ -1343,12 +998,10 @@
                 <a:ea typeface="+mn-ea"/>
                 <a:cs typeface="+mn-cs"/>
               </a:rPr>
-              <a:t>various aspects of the incoming HTTP requests</a:t>
-            </a:r>
-          </a:p>
-          <a:p>
-            <a:r>
-              <a:rPr lang="en-US" sz="1200" u="none" kern="1200" baseline="0" dirty="0" smtClean="0">
+              <a:t>	-</a:t>
+            </a:r>
+            <a:r>
+              <a:rPr lang="en-US" sz="1200" b="0" u="none" kern="1200" baseline="0" dirty="0" smtClean="0">
                 <a:solidFill>
                   <a:schemeClr val="tx1"/>
                 </a:solidFill>
@@ -1357,12 +1010,10 @@
                 <a:ea typeface="+mn-ea"/>
                 <a:cs typeface="+mn-cs"/>
               </a:rPr>
-              <a:t>	- routes he requests to a specific action of a specific controller</a:t>
-            </a:r>
-          </a:p>
-          <a:p>
-            <a:r>
-              <a:rPr lang="en-US" sz="1200" u="none" kern="1200" baseline="0" dirty="0" smtClean="0">
+              <a:t> </a:t>
+            </a:r>
+            <a:r>
+              <a:rPr lang="en-US" sz="1200" b="0" u="none" kern="1200" dirty="0" smtClean="0">
                 <a:solidFill>
                   <a:schemeClr val="tx1"/>
                 </a:solidFill>
@@ -1371,12 +1022,12 @@
                 <a:ea typeface="+mn-ea"/>
                 <a:cs typeface="+mn-cs"/>
               </a:rPr>
-              <a:t>	- router is like a single responsibility principle in programming, the alternative to a router would be a huge if statement that would have a 	branch for every possible acceptable route</a:t>
-            </a:r>
-          </a:p>
-          <a:p>
-            <a:r>
-              <a:rPr lang="en-IE" sz="1200" u="none" kern="1200" dirty="0" smtClean="0">
+              <a:t>the HTTP Verb or Method</a:t>
+            </a:r>
+          </a:p>
+          <a:p>
+            <a:r>
+              <a:rPr lang="en-US" sz="1200" b="0" u="none" kern="1200" dirty="0" smtClean="0">
                 <a:solidFill>
                   <a:schemeClr val="tx1"/>
                 </a:solidFill>
@@ -1385,12 +1036,12 @@
                 <a:ea typeface="+mn-ea"/>
                 <a:cs typeface="+mn-cs"/>
               </a:rPr>
-              <a:t> </a:t>
-            </a:r>
-          </a:p>
-          <a:p>
-            <a:r>
-              <a:rPr lang="en-US" sz="1200" u="none" kern="1200" dirty="0" smtClean="0">
+              <a:t>	- the Path or URI pattern</a:t>
+            </a:r>
+          </a:p>
+          <a:p>
+            <a:r>
+              <a:rPr lang="en-US" sz="1200" b="0" u="none" kern="1200" dirty="0" smtClean="0">
                 <a:solidFill>
                   <a:schemeClr val="tx1"/>
                 </a:solidFill>
@@ -1399,12 +1050,12 @@
                 <a:ea typeface="+mn-ea"/>
                 <a:cs typeface="+mn-cs"/>
               </a:rPr>
-              <a:t>the router translates incoming HTTP requests into a specific controller action</a:t>
-            </a:r>
-          </a:p>
-          <a:p>
-            <a:r>
-              <a:rPr lang="en-US" sz="1200" b="1" u="none" kern="1200" dirty="0" smtClean="0">
+              <a:t>	- the Call to the Action itself</a:t>
+            </a:r>
+          </a:p>
+          <a:p>
+            <a:r>
+              <a:rPr lang="en-US" sz="1200" b="0" u="none" kern="1200" dirty="0" smtClean="0">
                 <a:solidFill>
                   <a:schemeClr val="tx1"/>
                 </a:solidFill>
@@ -1413,116 +1064,303 @@
                 <a:ea typeface="+mn-ea"/>
                 <a:cs typeface="+mn-cs"/>
               </a:rPr>
-              <a:t>how?</a:t>
-            </a:r>
-          </a:p>
-          <a:p>
-            <a:r>
-              <a:rPr lang="en-US" u="none" dirty="0" smtClean="0"/>
-              <a:t>It looks at the HTTP </a:t>
-            </a:r>
-            <a:r>
-              <a:rPr lang="en-US" b="1" u="none" dirty="0" smtClean="0"/>
-              <a:t>method</a:t>
-            </a:r>
-            <a:r>
-              <a:rPr lang="en-US" u="none" dirty="0" smtClean="0"/>
-              <a:t> (verb) and the request </a:t>
-            </a:r>
-            <a:r>
-              <a:rPr lang="en-US" b="1" u="none" dirty="0" smtClean="0"/>
-              <a:t>path</a:t>
-            </a:r>
-            <a:r>
-              <a:rPr lang="en-US" u="none" dirty="0" smtClean="0"/>
-              <a:t>.</a:t>
-            </a:r>
-          </a:p>
-          <a:p>
-            <a:endParaRPr lang="en-US" u="none" dirty="0" smtClean="0"/>
-          </a:p>
-          <a:p>
-            <a:r>
-              <a:rPr lang="en-US" u="none" dirty="0" smtClean="0"/>
-              <a:t>Method is the </a:t>
-            </a:r>
-            <a:r>
-              <a:rPr lang="en-US" b="1" u="none" dirty="0" smtClean="0"/>
-              <a:t>intent</a:t>
-            </a:r>
-            <a:r>
-              <a:rPr lang="en-US" u="none" dirty="0" smtClean="0"/>
-              <a:t> of the request:</a:t>
-            </a:r>
-          </a:p>
-          <a:p>
-            <a:r>
-              <a:rPr lang="en-US" u="none" dirty="0" smtClean="0"/>
-              <a:t>	GET</a:t>
-            </a:r>
-            <a:r>
-              <a:rPr lang="en-US" u="none" baseline="0" dirty="0" smtClean="0"/>
-              <a:t> – retrieve data</a:t>
-            </a:r>
-          </a:p>
-          <a:p>
-            <a:r>
-              <a:rPr lang="en-US" u="none" baseline="0" dirty="0" smtClean="0"/>
-              <a:t>	POST – create data</a:t>
-            </a:r>
-          </a:p>
-          <a:p>
-            <a:r>
-              <a:rPr lang="en-US" u="none" baseline="0" dirty="0" smtClean="0"/>
-              <a:t>	PUT  - update</a:t>
-            </a:r>
-            <a:r>
-              <a:rPr lang="en-IE" u="none" baseline="0" dirty="0" smtClean="0"/>
-              <a:t> data</a:t>
-            </a:r>
-          </a:p>
-          <a:p>
-            <a:r>
-              <a:rPr lang="en-IE" u="none" baseline="0" dirty="0" smtClean="0"/>
-              <a:t>	DELETE – delete data</a:t>
-            </a:r>
-          </a:p>
-          <a:p>
-            <a:r>
-              <a:rPr lang="en-IE" u="none" baseline="0" dirty="0" smtClean="0"/>
-              <a:t>so… they represent basic CRUD operations in your application. Of course, you can use other HTTP methods…</a:t>
-            </a:r>
-          </a:p>
-          <a:p>
-            <a:endParaRPr lang="en-IE" u="none" baseline="0" dirty="0" smtClean="0"/>
-          </a:p>
-          <a:p>
-            <a:r>
-              <a:rPr lang="en-IE" u="none" baseline="0" dirty="0" smtClean="0"/>
-              <a:t>Path consists of 2 parts:</a:t>
-            </a:r>
-          </a:p>
-          <a:p>
-            <a:r>
-              <a:rPr lang="en-IE" u="none" baseline="0" dirty="0" smtClean="0"/>
+              <a:t>The path is called a </a:t>
+            </a:r>
+            <a:r>
+              <a:rPr lang="en-US" sz="1200" b="1" u="none" kern="1200" dirty="0" smtClean="0">
+                <a:solidFill>
+                  <a:schemeClr val="tx1"/>
+                </a:solidFill>
+                <a:effectLst/>
+                <a:latin typeface="+mn-lt"/>
+                <a:ea typeface="+mn-ea"/>
+                <a:cs typeface="+mn-cs"/>
+              </a:rPr>
+              <a:t>URI pattern </a:t>
+            </a:r>
+            <a:r>
+              <a:rPr lang="en-US" sz="1200" b="0" u="none" kern="1200" dirty="0" smtClean="0">
+                <a:solidFill>
+                  <a:schemeClr val="tx1"/>
+                </a:solidFill>
+                <a:effectLst/>
+                <a:latin typeface="+mn-lt"/>
+                <a:ea typeface="+mn-ea"/>
+                <a:cs typeface="+mn-cs"/>
+              </a:rPr>
+              <a:t>as</a:t>
+            </a:r>
+            <a:r>
+              <a:rPr lang="en-US" sz="1200" b="0" u="none" kern="1200" baseline="0" dirty="0" smtClean="0">
+                <a:solidFill>
+                  <a:schemeClr val="tx1"/>
+                </a:solidFill>
+                <a:effectLst/>
+                <a:latin typeface="+mn-lt"/>
+                <a:ea typeface="+mn-ea"/>
+                <a:cs typeface="+mn-cs"/>
+              </a:rPr>
+              <a:t> it can catch more than just one path:</a:t>
+            </a:r>
+          </a:p>
+          <a:p>
+            <a:r>
+              <a:rPr lang="en-US" sz="1200" b="0" u="none" kern="1200" baseline="0" dirty="0" smtClean="0">
+                <a:solidFill>
+                  <a:schemeClr val="tx1"/>
+                </a:solidFill>
+                <a:effectLst/>
+                <a:latin typeface="+mn-lt"/>
+                <a:ea typeface="+mn-ea"/>
+                <a:cs typeface="+mn-cs"/>
+              </a:rPr>
+              <a:t>	- static route, i.e. /customers will point to that specific route</a:t>
+            </a:r>
+          </a:p>
+          <a:p>
+            <a:r>
+              <a:rPr lang="en-US" sz="1200" b="0" u="none" kern="1200" baseline="0" dirty="0" smtClean="0">
+                <a:solidFill>
+                  <a:schemeClr val="tx1"/>
+                </a:solidFill>
+                <a:effectLst/>
+                <a:latin typeface="+mn-lt"/>
+                <a:ea typeface="+mn-ea"/>
+                <a:cs typeface="+mn-cs"/>
+              </a:rPr>
+              <a:t>	- dynamic route, i.e. /customers/:id/order/:</a:t>
+            </a:r>
+            <a:r>
+              <a:rPr lang="en-US" sz="1200" b="0" u="none" kern="1200" baseline="0" dirty="0" err="1" smtClean="0">
+                <a:solidFill>
+                  <a:schemeClr val="tx1"/>
+                </a:solidFill>
+                <a:effectLst/>
+                <a:latin typeface="+mn-lt"/>
+                <a:ea typeface="+mn-ea"/>
+                <a:cs typeface="+mn-cs"/>
+              </a:rPr>
+              <a:t>orderId</a:t>
+            </a:r>
+            <a:r>
+              <a:rPr lang="en-US" sz="1200" b="0" u="none" kern="1200" baseline="0" dirty="0" smtClean="0">
+                <a:solidFill>
+                  <a:schemeClr val="tx1"/>
+                </a:solidFill>
+                <a:effectLst/>
+                <a:latin typeface="+mn-lt"/>
+                <a:ea typeface="+mn-ea"/>
+                <a:cs typeface="+mn-cs"/>
+              </a:rPr>
+              <a:t> will point to a different route depending on the id and </a:t>
+            </a:r>
+            <a:r>
+              <a:rPr lang="en-US" sz="1200" b="0" u="none" kern="1200" baseline="0" dirty="0" err="1" smtClean="0">
+                <a:solidFill>
+                  <a:schemeClr val="tx1"/>
+                </a:solidFill>
+                <a:effectLst/>
+                <a:latin typeface="+mn-lt"/>
+                <a:ea typeface="+mn-ea"/>
+                <a:cs typeface="+mn-cs"/>
+              </a:rPr>
+              <a:t>orderId</a:t>
+            </a:r>
+            <a:endParaRPr lang="en-US" sz="1200" b="0" u="none" kern="1200" baseline="0" dirty="0" smtClean="0">
+              <a:solidFill>
+                <a:schemeClr val="tx1"/>
+              </a:solidFill>
+              <a:effectLst/>
+              <a:latin typeface="+mn-lt"/>
+              <a:ea typeface="+mn-ea"/>
+              <a:cs typeface="+mn-cs"/>
+            </a:endParaRPr>
+          </a:p>
+          <a:p>
+            <a:r>
+              <a:rPr lang="en-US" sz="1200" b="0" u="none" kern="1200" baseline="0" dirty="0" smtClean="0">
+                <a:solidFill>
+                  <a:schemeClr val="tx1"/>
+                </a:solidFill>
+                <a:effectLst/>
+                <a:latin typeface="+mn-lt"/>
+                <a:ea typeface="+mn-ea"/>
+                <a:cs typeface="+mn-cs"/>
+              </a:rPr>
+              <a:t>You wouldn’t define a separate route for each customer /customer/view/1, /customer/view/2 etc…</a:t>
+            </a:r>
+          </a:p>
+          <a:p>
+            <a:r>
+              <a:rPr lang="en-US" sz="1200" b="0" u="none" kern="1200" baseline="0" dirty="0" smtClean="0">
+                <a:solidFill>
+                  <a:schemeClr val="tx1"/>
+                </a:solidFill>
+                <a:effectLst/>
+                <a:latin typeface="+mn-lt"/>
+                <a:ea typeface="+mn-ea"/>
+                <a:cs typeface="+mn-cs"/>
+              </a:rPr>
+              <a:t>So that’s why you would use </a:t>
+            </a:r>
+            <a:r>
+              <a:rPr lang="en-US" sz="1200" b="1" u="none" kern="1200" baseline="0" dirty="0" smtClean="0">
+                <a:solidFill>
+                  <a:schemeClr val="tx1"/>
+                </a:solidFill>
+                <a:effectLst/>
+                <a:latin typeface="+mn-lt"/>
+                <a:ea typeface="+mn-ea"/>
+                <a:cs typeface="+mn-cs"/>
+              </a:rPr>
+              <a:t>token</a:t>
+            </a:r>
+            <a:r>
+              <a:rPr lang="en-US" sz="1200" b="0" u="none" kern="1200" baseline="0" dirty="0" smtClean="0">
+                <a:solidFill>
+                  <a:schemeClr val="tx1"/>
+                </a:solidFill>
+                <a:effectLst/>
+                <a:latin typeface="+mn-lt"/>
+                <a:ea typeface="+mn-ea"/>
+                <a:cs typeface="+mn-cs"/>
+              </a:rPr>
+              <a:t>s.</a:t>
+            </a:r>
+          </a:p>
+          <a:p>
+            <a:r>
+              <a:rPr lang="en-US" sz="1200" b="0" u="none" kern="1200" baseline="0" dirty="0" smtClean="0">
+                <a:solidFill>
+                  <a:schemeClr val="tx1"/>
+                </a:solidFill>
+                <a:effectLst/>
+                <a:latin typeface="+mn-lt"/>
+                <a:ea typeface="+mn-ea"/>
+                <a:cs typeface="+mn-cs"/>
+              </a:rPr>
+              <a:t>There </a:t>
+            </a:r>
+            <a:r>
+              <a:rPr lang="en-US" sz="1200" b="0" u="none" kern="1200" baseline="0" dirty="0" smtClean="0">
+                <a:solidFill>
+                  <a:schemeClr val="tx1"/>
+                </a:solidFill>
+                <a:effectLst/>
+                <a:latin typeface="+mn-lt"/>
+                <a:ea typeface="+mn-ea"/>
+                <a:cs typeface="+mn-cs"/>
+                <a:sym typeface="Wingdings" panose="05000000000000000000" pitchFamily="2" charset="2"/>
+              </a:rPr>
+              <a:t>are other ways of extracting data from a URI path:</a:t>
+            </a:r>
+          </a:p>
+          <a:p>
+            <a:r>
+              <a:rPr lang="en-US" sz="1200" b="0" u="none" kern="1200" baseline="0" dirty="0" smtClean="0">
+                <a:solidFill>
+                  <a:schemeClr val="tx1"/>
+                </a:solidFill>
+                <a:effectLst/>
+                <a:latin typeface="+mn-lt"/>
+                <a:ea typeface="+mn-ea"/>
+                <a:cs typeface="+mn-cs"/>
+                <a:sym typeface="Wingdings" panose="05000000000000000000" pitchFamily="2" charset="2"/>
+              </a:rPr>
               <a:t>	- </a:t>
             </a:r>
             <a:r>
-              <a:rPr lang="en-US" u="none" baseline="0" dirty="0" smtClean="0"/>
-              <a:t>the first part is responsible for making sure your request gets to your server and web application through the internet, which would be 	www.myapplication.com</a:t>
-            </a:r>
-          </a:p>
-          <a:p>
-            <a:r>
-              <a:rPr lang="en-US" u="none" baseline="0" dirty="0" smtClean="0"/>
-              <a:t>	- the second part is used by your web application to determine what action to get executed, which would be /customer/1/order/2</a:t>
-            </a:r>
-          </a:p>
-          <a:p>
-            <a:endParaRPr lang="en-IE" u="none" baseline="0" dirty="0" smtClean="0"/>
-          </a:p>
-          <a:p>
-            <a:endParaRPr lang="en-US" u="none" baseline="0" dirty="0" smtClean="0"/>
+              <a:rPr lang="en-US" sz="1200" b="1" u="none" kern="1200" baseline="0" dirty="0" err="1" smtClean="0">
+                <a:solidFill>
+                  <a:schemeClr val="tx1"/>
+                </a:solidFill>
+                <a:effectLst/>
+                <a:latin typeface="+mn-lt"/>
+                <a:ea typeface="+mn-ea"/>
+                <a:cs typeface="+mn-cs"/>
+                <a:sym typeface="Wingdings" panose="05000000000000000000" pitchFamily="2" charset="2"/>
+              </a:rPr>
+              <a:t>clobbing</a:t>
+            </a:r>
+            <a:r>
+              <a:rPr lang="en-US" sz="1200" b="0" u="none" kern="1200" baseline="0" dirty="0" smtClean="0">
+                <a:solidFill>
+                  <a:schemeClr val="tx1"/>
+                </a:solidFill>
+                <a:effectLst/>
+                <a:latin typeface="+mn-lt"/>
+                <a:ea typeface="+mn-ea"/>
+                <a:cs typeface="+mn-cs"/>
+                <a:sym typeface="Wingdings" panose="05000000000000000000" pitchFamily="2" charset="2"/>
+              </a:rPr>
+              <a:t> – neither static, nor dynamic fits</a:t>
+            </a:r>
+          </a:p>
+          <a:p>
+            <a:r>
+              <a:rPr lang="en-US" sz="1200" b="0" u="none" kern="1200" baseline="0" dirty="0" smtClean="0">
+                <a:solidFill>
+                  <a:schemeClr val="tx1"/>
+                </a:solidFill>
+                <a:effectLst/>
+                <a:latin typeface="+mn-lt"/>
+                <a:ea typeface="+mn-ea"/>
+                <a:cs typeface="+mn-cs"/>
+                <a:sym typeface="Wingdings" panose="05000000000000000000" pitchFamily="2" charset="2"/>
+              </a:rPr>
+              <a:t>	- </a:t>
+            </a:r>
+            <a:r>
+              <a:rPr lang="en-US" sz="1200" b="1" u="none" kern="1200" baseline="0" dirty="0" smtClean="0">
+                <a:solidFill>
+                  <a:schemeClr val="tx1"/>
+                </a:solidFill>
+                <a:effectLst/>
+                <a:latin typeface="+mn-lt"/>
+                <a:ea typeface="+mn-ea"/>
+                <a:cs typeface="+mn-cs"/>
+                <a:sym typeface="Wingdings" panose="05000000000000000000" pitchFamily="2" charset="2"/>
+              </a:rPr>
+              <a:t>regular expressions</a:t>
+            </a:r>
+            <a:r>
+              <a:rPr lang="en-US" sz="1200" b="0" u="none" kern="1200" baseline="0" dirty="0" smtClean="0">
+                <a:solidFill>
+                  <a:schemeClr val="tx1"/>
+                </a:solidFill>
+                <a:effectLst/>
+                <a:latin typeface="+mn-lt"/>
+                <a:ea typeface="+mn-ea"/>
+                <a:cs typeface="+mn-cs"/>
+                <a:sym typeface="Wingdings" panose="05000000000000000000" pitchFamily="2" charset="2"/>
+              </a:rPr>
+              <a:t> – id can only be numeric so if u pass a non-numeric value, u will get a 404 Not Found response, instead of an error 	(nicer error handling), but downside is – if we change our code then the path has to be changed too.</a:t>
+            </a:r>
+          </a:p>
+          <a:p>
+            <a:endParaRPr lang="en-US" sz="1200" b="0" u="none" kern="1200" dirty="0" smtClean="0">
+              <a:solidFill>
+                <a:schemeClr val="tx1"/>
+              </a:solidFill>
+              <a:effectLst/>
+              <a:latin typeface="+mn-lt"/>
+              <a:ea typeface="+mn-ea"/>
+              <a:cs typeface="+mn-cs"/>
+            </a:endParaRPr>
+          </a:p>
+          <a:p>
+            <a:endParaRPr lang="pl-PL" dirty="0" smtClean="0"/>
+          </a:p>
+          <a:p>
+            <a:endParaRPr lang="en-US" sz="1200" b="0" u="none" kern="1200" baseline="0" dirty="0" smtClean="0">
+              <a:solidFill>
+                <a:schemeClr val="tx1"/>
+              </a:solidFill>
+              <a:effectLst/>
+              <a:latin typeface="+mn-lt"/>
+              <a:ea typeface="+mn-ea"/>
+              <a:cs typeface="+mn-cs"/>
+            </a:endParaRPr>
           </a:p>
         </p:txBody>
       </p:sp>
@@ -1552,7 +1390,7 @@
     </p:spTree>
     <p:extLst>
       <p:ext uri="{BB962C8B-B14F-4D97-AF65-F5344CB8AC3E}">
-        <p14:creationId xmlns:p14="http://schemas.microsoft.com/office/powerpoint/2010/main" val="3297851152"/>
+        <p14:creationId xmlns:p14="http://schemas.microsoft.com/office/powerpoint/2010/main" val="4040977490"/>
       </p:ext>
     </p:extLst>
   </p:cSld>
@@ -1607,427 +1445,167 @@
           <a:lstStyle/>
           <a:p>
             <a:r>
-              <a:rPr lang="en-US" sz="1200" u="none" kern="1200" dirty="0" smtClean="0">
-                <a:solidFill>
-                  <a:schemeClr val="tx1"/>
-                </a:solidFill>
-                <a:effectLst/>
-                <a:latin typeface="+mn-lt"/>
-                <a:ea typeface="+mn-ea"/>
-                <a:cs typeface="+mn-cs"/>
-              </a:rPr>
-              <a:t>Routes in Play! are declared using a </a:t>
-            </a:r>
-            <a:r>
-              <a:rPr lang="en-US" sz="1200" b="1" u="none" kern="1200" dirty="0" smtClean="0">
-                <a:solidFill>
-                  <a:schemeClr val="tx1"/>
-                </a:solidFill>
-                <a:effectLst/>
-                <a:latin typeface="+mn-lt"/>
-                <a:ea typeface="+mn-ea"/>
-                <a:cs typeface="+mn-cs"/>
-              </a:rPr>
-              <a:t>DSL</a:t>
-            </a:r>
-            <a:endParaRPr lang="en-US" sz="1200" b="0" u="none" kern="1200" dirty="0" smtClean="0">
-              <a:solidFill>
-                <a:schemeClr val="tx1"/>
-              </a:solidFill>
-              <a:effectLst/>
-              <a:latin typeface="+mn-lt"/>
-              <a:ea typeface="+mn-ea"/>
-              <a:cs typeface="+mn-cs"/>
+              <a:rPr lang="en-US" dirty="0" smtClean="0"/>
+              <a:t>In Play!, Actions are defined as </a:t>
+            </a:r>
+            <a:r>
+              <a:rPr lang="en-US" b="1" dirty="0" smtClean="0"/>
+              <a:t>static</a:t>
+            </a:r>
+            <a:r>
+              <a:rPr lang="en-US" dirty="0" smtClean="0"/>
+              <a:t> methods on controller classes.</a:t>
+            </a:r>
+          </a:p>
+          <a:p>
+            <a:endParaRPr lang="en-US" dirty="0" smtClean="0"/>
+          </a:p>
+          <a:p>
+            <a:r>
+              <a:rPr lang="en-US" dirty="0" smtClean="0"/>
+              <a:t>A few routes that demonstrate the various aspects of </a:t>
+            </a:r>
+            <a:r>
+              <a:rPr lang="en-US" dirty="0" err="1" smtClean="0"/>
+              <a:t>Play!'s</a:t>
+            </a:r>
+            <a:r>
+              <a:rPr lang="en-US" dirty="0" smtClean="0"/>
+              <a:t> routing capability.</a:t>
+            </a:r>
+          </a:p>
+          <a:p>
+            <a:r>
+              <a:rPr lang="en-US" dirty="0" smtClean="0"/>
+              <a:t>A basic controller with a number of actions that match up to these routes.</a:t>
+            </a:r>
+          </a:p>
+          <a:p>
+            <a:endParaRPr lang="en-US" dirty="0" smtClean="0"/>
+          </a:p>
+          <a:p>
+            <a:r>
+              <a:rPr lang="en-US" dirty="0" smtClean="0"/>
+              <a:t>Run</a:t>
+            </a:r>
+            <a:r>
+              <a:rPr lang="en-US" baseline="0" dirty="0" smtClean="0"/>
+              <a:t> the application</a:t>
+            </a:r>
+            <a:endParaRPr lang="en-US" dirty="0" smtClean="0"/>
+          </a:p>
+          <a:p>
+            <a:endParaRPr lang="en-IE" dirty="0" smtClean="0"/>
+          </a:p>
+          <a:p>
+            <a:r>
+              <a:rPr lang="en-IE" dirty="0" smtClean="0"/>
+              <a:t>Error</a:t>
+            </a:r>
+            <a:r>
+              <a:rPr lang="en-IE" baseline="0" dirty="0" smtClean="0"/>
+              <a:t> – why? POST has no corresponding action </a:t>
+            </a:r>
+            <a:r>
+              <a:rPr lang="en-IE" baseline="0" dirty="0" smtClean="0">
+                <a:sym typeface="Wingdings" panose="05000000000000000000" pitchFamily="2" charset="2"/>
+              </a:rPr>
+              <a:t> comment it out  run again</a:t>
+            </a:r>
+          </a:p>
+          <a:p>
+            <a:endParaRPr lang="en-IE" baseline="0" dirty="0" smtClean="0">
+              <a:sym typeface="Wingdings" panose="05000000000000000000" pitchFamily="2" charset="2"/>
             </a:endParaRPr>
           </a:p>
           <a:p>
             <a:r>
-              <a:rPr lang="en-US" sz="1200" b="0" u="none" kern="1200" dirty="0" smtClean="0">
-                <a:solidFill>
-                  <a:schemeClr val="tx1"/>
-                </a:solidFill>
-                <a:effectLst/>
-                <a:latin typeface="+mn-lt"/>
-                <a:ea typeface="+mn-ea"/>
-                <a:cs typeface="+mn-cs"/>
-              </a:rPr>
-              <a:t>A basic route declaration is composed of 3 main parts:</a:t>
-            </a:r>
-          </a:p>
-          <a:p>
-            <a:r>
-              <a:rPr lang="en-US" sz="1200" b="0" u="none" kern="1200" dirty="0" smtClean="0">
-                <a:solidFill>
-                  <a:schemeClr val="tx1"/>
-                </a:solidFill>
-                <a:effectLst/>
-                <a:latin typeface="+mn-lt"/>
-                <a:ea typeface="+mn-ea"/>
-                <a:cs typeface="+mn-cs"/>
-              </a:rPr>
-              <a:t>	-</a:t>
-            </a:r>
-            <a:r>
-              <a:rPr lang="en-US" sz="1200" b="0" u="none" kern="1200" baseline="0" dirty="0" smtClean="0">
-                <a:solidFill>
-                  <a:schemeClr val="tx1"/>
-                </a:solidFill>
-                <a:effectLst/>
-                <a:latin typeface="+mn-lt"/>
-                <a:ea typeface="+mn-ea"/>
-                <a:cs typeface="+mn-cs"/>
-              </a:rPr>
-              <a:t> </a:t>
-            </a:r>
-            <a:r>
-              <a:rPr lang="en-US" sz="1200" b="0" u="none" kern="1200" dirty="0" smtClean="0">
-                <a:solidFill>
-                  <a:schemeClr val="tx1"/>
-                </a:solidFill>
-                <a:effectLst/>
-                <a:latin typeface="+mn-lt"/>
-                <a:ea typeface="+mn-ea"/>
-                <a:cs typeface="+mn-cs"/>
-              </a:rPr>
-              <a:t>the HTTP Verb or Method</a:t>
-            </a:r>
-          </a:p>
-          <a:p>
-            <a:r>
-              <a:rPr lang="en-US" sz="1200" b="0" u="none" kern="1200" dirty="0" smtClean="0">
-                <a:solidFill>
-                  <a:schemeClr val="tx1"/>
-                </a:solidFill>
-                <a:effectLst/>
-                <a:latin typeface="+mn-lt"/>
-                <a:ea typeface="+mn-ea"/>
-                <a:cs typeface="+mn-cs"/>
-              </a:rPr>
-              <a:t>	- the Path or URI pattern</a:t>
-            </a:r>
-          </a:p>
-          <a:p>
-            <a:r>
-              <a:rPr lang="en-US" sz="1200" b="0" u="none" kern="1200" dirty="0" smtClean="0">
-                <a:solidFill>
-                  <a:schemeClr val="tx1"/>
-                </a:solidFill>
-                <a:effectLst/>
-                <a:latin typeface="+mn-lt"/>
-                <a:ea typeface="+mn-ea"/>
-                <a:cs typeface="+mn-cs"/>
-              </a:rPr>
-              <a:t>	- the Call to the Action itself</a:t>
-            </a:r>
-          </a:p>
-          <a:p>
-            <a:r>
-              <a:rPr lang="en-US" sz="1200" b="0" u="none" kern="1200" dirty="0" smtClean="0">
-                <a:solidFill>
-                  <a:schemeClr val="tx1"/>
-                </a:solidFill>
-                <a:effectLst/>
-                <a:latin typeface="+mn-lt"/>
-                <a:ea typeface="+mn-ea"/>
-                <a:cs typeface="+mn-cs"/>
-              </a:rPr>
-              <a:t>The path is called a </a:t>
-            </a:r>
-            <a:r>
-              <a:rPr lang="en-US" sz="1200" b="1" u="none" kern="1200" dirty="0" smtClean="0">
-                <a:solidFill>
-                  <a:schemeClr val="tx1"/>
-                </a:solidFill>
-                <a:effectLst/>
-                <a:latin typeface="+mn-lt"/>
-                <a:ea typeface="+mn-ea"/>
-                <a:cs typeface="+mn-cs"/>
-              </a:rPr>
-              <a:t>URI pattern </a:t>
-            </a:r>
-            <a:r>
-              <a:rPr lang="en-US" sz="1200" b="0" u="none" kern="1200" dirty="0" smtClean="0">
-                <a:solidFill>
-                  <a:schemeClr val="tx1"/>
-                </a:solidFill>
-                <a:effectLst/>
-                <a:latin typeface="+mn-lt"/>
-                <a:ea typeface="+mn-ea"/>
-                <a:cs typeface="+mn-cs"/>
-              </a:rPr>
-              <a:t>as</a:t>
-            </a:r>
-            <a:r>
-              <a:rPr lang="en-US" sz="1200" b="0" u="none" kern="1200" baseline="0" dirty="0" smtClean="0">
-                <a:solidFill>
-                  <a:schemeClr val="tx1"/>
-                </a:solidFill>
-                <a:effectLst/>
-                <a:latin typeface="+mn-lt"/>
-                <a:ea typeface="+mn-ea"/>
-                <a:cs typeface="+mn-cs"/>
-              </a:rPr>
-              <a:t> it can catch more than just one path:</a:t>
-            </a:r>
-          </a:p>
-          <a:p>
-            <a:r>
-              <a:rPr lang="en-US" sz="1200" b="0" u="none" kern="1200" baseline="0" dirty="0" smtClean="0">
-                <a:solidFill>
-                  <a:schemeClr val="tx1"/>
-                </a:solidFill>
-                <a:effectLst/>
-                <a:latin typeface="+mn-lt"/>
-                <a:ea typeface="+mn-ea"/>
-                <a:cs typeface="+mn-cs"/>
-              </a:rPr>
-              <a:t>	- static route, i.e. /customers will point to that specific route</a:t>
-            </a:r>
-          </a:p>
-          <a:p>
-            <a:r>
-              <a:rPr lang="en-US" sz="1200" b="0" u="none" kern="1200" baseline="0" dirty="0" smtClean="0">
-                <a:solidFill>
-                  <a:schemeClr val="tx1"/>
-                </a:solidFill>
-                <a:effectLst/>
-                <a:latin typeface="+mn-lt"/>
-                <a:ea typeface="+mn-ea"/>
-                <a:cs typeface="+mn-cs"/>
-              </a:rPr>
-              <a:t>	- dynamic route, i.e. /customers/:id/order/:</a:t>
-            </a:r>
-            <a:r>
-              <a:rPr lang="en-US" sz="1200" b="0" u="none" kern="1200" baseline="0" dirty="0" err="1" smtClean="0">
-                <a:solidFill>
-                  <a:schemeClr val="tx1"/>
-                </a:solidFill>
-                <a:effectLst/>
-                <a:latin typeface="+mn-lt"/>
-                <a:ea typeface="+mn-ea"/>
-                <a:cs typeface="+mn-cs"/>
-              </a:rPr>
-              <a:t>orderId</a:t>
-            </a:r>
-            <a:r>
-              <a:rPr lang="en-US" sz="1200" b="0" u="none" kern="1200" baseline="0" dirty="0" smtClean="0">
-                <a:solidFill>
-                  <a:schemeClr val="tx1"/>
-                </a:solidFill>
-                <a:effectLst/>
-                <a:latin typeface="+mn-lt"/>
-                <a:ea typeface="+mn-ea"/>
-                <a:cs typeface="+mn-cs"/>
-              </a:rPr>
-              <a:t> will point to a different route depending on the id and </a:t>
-            </a:r>
-            <a:r>
-              <a:rPr lang="en-US" sz="1200" b="0" u="none" kern="1200" baseline="0" dirty="0" err="1" smtClean="0">
-                <a:solidFill>
-                  <a:schemeClr val="tx1"/>
-                </a:solidFill>
-                <a:effectLst/>
-                <a:latin typeface="+mn-lt"/>
-                <a:ea typeface="+mn-ea"/>
-                <a:cs typeface="+mn-cs"/>
-              </a:rPr>
-              <a:t>orderId</a:t>
-            </a:r>
-            <a:endParaRPr lang="en-US" sz="1200" b="0" u="none" kern="1200" baseline="0" dirty="0" smtClean="0">
-              <a:solidFill>
-                <a:schemeClr val="tx1"/>
-              </a:solidFill>
-              <a:effectLst/>
-              <a:latin typeface="+mn-lt"/>
-              <a:ea typeface="+mn-ea"/>
-              <a:cs typeface="+mn-cs"/>
+              <a:rPr lang="en-IE" baseline="0" dirty="0" smtClean="0">
+                <a:sym typeface="Wingdings" panose="05000000000000000000" pitchFamily="2" charset="2"/>
+              </a:rPr>
+              <a:t>Type in all possible combinations of routes</a:t>
+            </a:r>
+          </a:p>
+          <a:p>
+            <a:endParaRPr lang="en-IE" baseline="0" dirty="0" smtClean="0">
+              <a:sym typeface="Wingdings" panose="05000000000000000000" pitchFamily="2" charset="2"/>
             </a:endParaRPr>
           </a:p>
           <a:p>
             <a:r>
-              <a:rPr lang="en-US" sz="1200" b="0" u="none" kern="1200" baseline="0" dirty="0" smtClean="0">
-                <a:solidFill>
-                  <a:schemeClr val="tx1"/>
-                </a:solidFill>
-                <a:effectLst/>
-                <a:latin typeface="+mn-lt"/>
-                <a:ea typeface="+mn-ea"/>
-                <a:cs typeface="+mn-cs"/>
-              </a:rPr>
-              <a:t>You wouldn’t define a separate route for each customer /customer/view/1, /customer/view/2 etc…</a:t>
-            </a:r>
-          </a:p>
-          <a:p>
-            <a:r>
-              <a:rPr lang="en-US" sz="1200" b="0" u="none" kern="1200" baseline="0" dirty="0" smtClean="0">
-                <a:solidFill>
-                  <a:schemeClr val="tx1"/>
-                </a:solidFill>
-                <a:effectLst/>
-                <a:latin typeface="+mn-lt"/>
-                <a:ea typeface="+mn-ea"/>
-                <a:cs typeface="+mn-cs"/>
-              </a:rPr>
-              <a:t>So that’s why you would use </a:t>
-            </a:r>
-            <a:r>
-              <a:rPr lang="en-US" sz="1200" b="1" u="none" kern="1200" baseline="0" dirty="0" smtClean="0">
-                <a:solidFill>
-                  <a:schemeClr val="tx1"/>
-                </a:solidFill>
-                <a:effectLst/>
-                <a:latin typeface="+mn-lt"/>
-                <a:ea typeface="+mn-ea"/>
-                <a:cs typeface="+mn-cs"/>
-              </a:rPr>
-              <a:t>token</a:t>
-            </a:r>
-            <a:r>
-              <a:rPr lang="en-US" sz="1200" b="0" u="none" kern="1200" baseline="0" dirty="0" smtClean="0">
-                <a:solidFill>
-                  <a:schemeClr val="tx1"/>
-                </a:solidFill>
-                <a:effectLst/>
-                <a:latin typeface="+mn-lt"/>
-                <a:ea typeface="+mn-ea"/>
-                <a:cs typeface="+mn-cs"/>
-              </a:rPr>
-              <a:t>s.</a:t>
-            </a:r>
-          </a:p>
-          <a:p>
-            <a:r>
-              <a:rPr lang="en-US" sz="1200" b="0" u="none" kern="1200" baseline="0" dirty="0" smtClean="0">
-                <a:solidFill>
-                  <a:schemeClr val="tx1"/>
-                </a:solidFill>
-                <a:effectLst/>
-                <a:latin typeface="+mn-lt"/>
-                <a:ea typeface="+mn-ea"/>
-                <a:cs typeface="+mn-cs"/>
-              </a:rPr>
-              <a:t>There </a:t>
-            </a:r>
-            <a:r>
-              <a:rPr lang="en-US" sz="1200" b="0" u="none" kern="1200" baseline="0" dirty="0" smtClean="0">
-                <a:solidFill>
-                  <a:schemeClr val="tx1"/>
-                </a:solidFill>
-                <a:effectLst/>
-                <a:latin typeface="+mn-lt"/>
-                <a:ea typeface="+mn-ea"/>
-                <a:cs typeface="+mn-cs"/>
+              <a:rPr lang="en-IE" baseline="0" dirty="0" smtClean="0">
                 <a:sym typeface="Wingdings" panose="05000000000000000000" pitchFamily="2" charset="2"/>
               </a:rPr>
-              <a:t>are other ways of extracting data from a URI path:</a:t>
-            </a:r>
-          </a:p>
-          <a:p>
-            <a:r>
-              <a:rPr lang="en-US" sz="1200" b="0" u="none" kern="1200" baseline="0" dirty="0" smtClean="0">
-                <a:solidFill>
-                  <a:schemeClr val="tx1"/>
-                </a:solidFill>
-                <a:effectLst/>
-                <a:latin typeface="+mn-lt"/>
-                <a:ea typeface="+mn-ea"/>
-                <a:cs typeface="+mn-cs"/>
+              <a:t>Type in incorrect route and u will get an “action not found” error which in </a:t>
+            </a:r>
+            <a:r>
+              <a:rPr lang="en-US" baseline="0" dirty="0" smtClean="0">
                 <a:sym typeface="Wingdings" panose="05000000000000000000" pitchFamily="2" charset="2"/>
               </a:rPr>
-              <a:t>	- </a:t>
-            </a:r>
-            <a:r>
-              <a:rPr lang="en-US" sz="1200" b="1" u="none" kern="1200" baseline="0" dirty="0" err="1" smtClean="0">
-                <a:solidFill>
-                  <a:schemeClr val="tx1"/>
-                </a:solidFill>
-                <a:effectLst/>
-                <a:latin typeface="+mn-lt"/>
-                <a:ea typeface="+mn-ea"/>
-                <a:cs typeface="+mn-cs"/>
+              <a:t>Development mode actually lists all of the defined routes. </a:t>
+            </a:r>
+            <a:endParaRPr lang="en-IE" baseline="0" dirty="0" smtClean="0">
+              <a:sym typeface="Wingdings" panose="05000000000000000000" pitchFamily="2" charset="2"/>
+            </a:endParaRPr>
+          </a:p>
+          <a:p>
+            <a:r>
+              <a:rPr lang="en-IE" baseline="0" dirty="0" smtClean="0">
                 <a:sym typeface="Wingdings" panose="05000000000000000000" pitchFamily="2" charset="2"/>
               </a:rPr>
-              <a:t>clobbing</a:t>
-            </a:r>
-            <a:r>
-              <a:rPr lang="en-US" sz="1200" b="0" u="none" kern="1200" baseline="0" dirty="0" smtClean="0">
-                <a:solidFill>
-                  <a:schemeClr val="tx1"/>
-                </a:solidFill>
-                <a:effectLst/>
-                <a:latin typeface="+mn-lt"/>
-                <a:ea typeface="+mn-ea"/>
-                <a:cs typeface="+mn-cs"/>
+              <a:t>Type in /swimmers/9 and u will get a </a:t>
+            </a:r>
+            <a:r>
+              <a:rPr lang="en-IE" b="1" baseline="0" dirty="0" smtClean="0">
                 <a:sym typeface="Wingdings" panose="05000000000000000000" pitchFamily="2" charset="2"/>
               </a:rPr>
-              <a:t> – neither static, nor dynamic fits</a:t>
-            </a:r>
-          </a:p>
-          <a:p>
-            <a:r>
-              <a:rPr lang="en-US" sz="1200" b="0" u="none" kern="1200" baseline="0" dirty="0" smtClean="0">
-                <a:solidFill>
-                  <a:schemeClr val="tx1"/>
-                </a:solidFill>
-                <a:effectLst/>
-                <a:latin typeface="+mn-lt"/>
-                <a:ea typeface="+mn-ea"/>
-                <a:cs typeface="+mn-cs"/>
+              <a:t>bad request</a:t>
+            </a:r>
+          </a:p>
+          <a:p>
+            <a:r>
+              <a:rPr lang="en-IE" b="0" baseline="0" dirty="0" smtClean="0">
                 <a:sym typeface="Wingdings" panose="05000000000000000000" pitchFamily="2" charset="2"/>
               </a:rPr>
-              <a:t>	- </a:t>
-            </a:r>
-            <a:r>
-              <a:rPr lang="en-US" sz="1200" b="1" u="none" kern="1200" baseline="0" dirty="0" smtClean="0">
-                <a:solidFill>
-                  <a:schemeClr val="tx1"/>
-                </a:solidFill>
-                <a:effectLst/>
-                <a:latin typeface="+mn-lt"/>
-                <a:ea typeface="+mn-ea"/>
-                <a:cs typeface="+mn-cs"/>
+              <a:t>Type in /swimmers/</a:t>
+            </a:r>
+            <a:r>
+              <a:rPr lang="en-IE" b="0" baseline="0" dirty="0" err="1" smtClean="0">
                 <a:sym typeface="Wingdings" panose="05000000000000000000" pitchFamily="2" charset="2"/>
               </a:rPr>
-              <a:t>regular expressions</a:t>
-            </a:r>
-            <a:r>
-              <a:rPr lang="en-US" sz="1200" b="0" u="none" kern="1200" baseline="0" dirty="0" smtClean="0">
-                <a:solidFill>
-                  <a:schemeClr val="tx1"/>
-                </a:solidFill>
-                <a:effectLst/>
-                <a:latin typeface="+mn-lt"/>
-                <a:ea typeface="+mn-ea"/>
-                <a:cs typeface="+mn-cs"/>
+              <a:t>clobExample</a:t>
+            </a:r>
+            <a:r>
+              <a:rPr lang="en-IE" b="0" baseline="0" dirty="0" smtClean="0">
                 <a:sym typeface="Wingdings" panose="05000000000000000000" pitchFamily="2" charset="2"/>
               </a:rPr>
-              <a:t> – id can only be numeric so if u pass a non-numeric value, u will get a 404 Not Found response, instead of an error 	(nicer error handling), but downside is – if we change our code then the path has to be changed too.</a:t>
-            </a:r>
-          </a:p>
-          <a:p>
-            <a:endParaRPr lang="en-US" sz="1200" b="0" u="none" kern="1200" dirty="0" smtClean="0">
-              <a:solidFill>
-                <a:schemeClr val="tx1"/>
-              </a:solidFill>
-              <a:effectLst/>
-              <a:latin typeface="+mn-lt"/>
-              <a:ea typeface="+mn-ea"/>
-              <a:cs typeface="+mn-cs"/>
-            </a:endParaRPr>
-          </a:p>
-          <a:p>
-            <a:endParaRPr lang="pl-PL" dirty="0" smtClean="0"/>
-          </a:p>
-          <a:p>
-            <a:endParaRPr lang="en-US" sz="1200" b="0" u="none" kern="1200" baseline="0" dirty="0" smtClean="0">
-              <a:solidFill>
-                <a:schemeClr val="tx1"/>
-              </a:solidFill>
-              <a:effectLst/>
-              <a:latin typeface="+mn-lt"/>
-              <a:ea typeface="+mn-ea"/>
-              <a:cs typeface="+mn-cs"/>
-            </a:endParaRPr>
+              <a:t>/</a:t>
+            </a:r>
+            <a:r>
+              <a:rPr lang="en-IE" b="0" baseline="0" dirty="0" err="1" smtClean="0">
+                <a:sym typeface="Wingdings" panose="05000000000000000000" pitchFamily="2" charset="2"/>
+              </a:rPr>
+              <a:t>bala</a:t>
+            </a:r>
+            <a:r>
+              <a:rPr lang="en-IE" b="0" baseline="0" dirty="0" smtClean="0">
+                <a:sym typeface="Wingdings" panose="05000000000000000000" pitchFamily="2" charset="2"/>
+              </a:rPr>
+              <a:t>****</a:t>
+            </a:r>
+            <a:r>
+              <a:rPr lang="en-IE" b="0" baseline="0" dirty="0" err="1" smtClean="0">
+                <a:sym typeface="Wingdings" panose="05000000000000000000" pitchFamily="2" charset="2"/>
+              </a:rPr>
+              <a:t>jsjddk</a:t>
+            </a:r>
+            <a:r>
+              <a:rPr lang="en-IE" b="0" baseline="0" dirty="0" smtClean="0">
+                <a:sym typeface="Wingdings" panose="05000000000000000000" pitchFamily="2" charset="2"/>
+              </a:rPr>
+              <a:t>////// and it will be all displayed exactly like that</a:t>
+            </a:r>
+            <a:endParaRPr lang="pl-PL" b="0" dirty="0"/>
           </a:p>
         </p:txBody>
       </p:sp>
@@ -2057,7 +1635,7 @@
     </p:spTree>
     <p:extLst>
       <p:ext uri="{BB962C8B-B14F-4D97-AF65-F5344CB8AC3E}">
-        <p14:creationId xmlns:p14="http://schemas.microsoft.com/office/powerpoint/2010/main" val="4040977490"/>
+        <p14:creationId xmlns:p14="http://schemas.microsoft.com/office/powerpoint/2010/main" val="3162805237"/>
       </p:ext>
     </p:extLst>
   </p:cSld>
@@ -2113,15 +1691,33 @@
           <a:p>
             <a:r>
               <a:rPr lang="en-US" dirty="0" smtClean="0"/>
-              <a:t>In Play!, Actions are defined as </a:t>
+              <a:t>Controllers in Play! provide an environment in which Actions can operate.</a:t>
+            </a:r>
+          </a:p>
+          <a:p>
+            <a:r>
+              <a:rPr lang="en-US" dirty="0" smtClean="0"/>
+              <a:t>In Play! Most of the work related to handling responses is pushed to</a:t>
+            </a:r>
+            <a:r>
+              <a:rPr lang="en-US" baseline="0" dirty="0" smtClean="0"/>
+              <a:t> </a:t>
             </a:r>
             <a:r>
               <a:rPr lang="en-US" b="1" dirty="0" smtClean="0"/>
-              <a:t>static</a:t>
+              <a:t>Action</a:t>
             </a:r>
             <a:r>
               <a:rPr lang="en-US" dirty="0" smtClean="0"/>
-              <a:t> methods on controller classes.</a:t>
+              <a:t> and </a:t>
+            </a:r>
+            <a:r>
+              <a:rPr lang="en-US" b="1" dirty="0" smtClean="0"/>
+              <a:t>Result</a:t>
+            </a:r>
+            <a:r>
+              <a:rPr lang="en-US" dirty="0" smtClean="0"/>
+              <a:t> classes.</a:t>
             </a:r>
           </a:p>
           <a:p>
@@ -2130,149 +1726,88 @@
           <a:p>
             <a:r>
               <a:rPr lang="en-US" dirty="0" smtClean="0"/>
-              <a:t>A few routes that demonstrate the various aspects of </a:t>
-            </a:r>
-            <a:r>
-              <a:rPr lang="en-US" dirty="0" err="1" smtClean="0"/>
-              <a:t>Play!'s</a:t>
-            </a:r>
+              <a:t>The contract for Controller is simply a class that implements the Controller abstract base class.</a:t>
+            </a:r>
+          </a:p>
+          <a:p>
+            <a:endParaRPr lang="en-US" dirty="0" smtClean="0"/>
+          </a:p>
+          <a:p>
+            <a:pPr marL="0" marR="0" indent="0" algn="l" defTabSz="914400" rtl="0" eaLnBrk="1" fontAlgn="auto" latinLnBrk="0" hangingPunct="1">
+              <a:lnSpc>
+                <a:spcPct val="100000"/>
+              </a:lnSpc>
+              <a:spcBef>
+                <a:spcPts val="0"/>
+              </a:spcBef>
+              <a:spcAft>
+                <a:spcPts val="0"/>
+              </a:spcAft>
+              <a:buClrTx/>
+              <a:buSzTx/>
+              <a:buFontTx/>
+              <a:buNone/>
+              <a:tabLst/>
+              <a:defRPr/>
+            </a:pPr>
             <a:r>
               <a:rPr lang="en-US" dirty="0" smtClean="0"/>
-              <a:t> routing capability.</a:t>
+              <a:t>In Play!, Actions deal with HTTP Requests. Actions are implemented as static methods on the Controller.</a:t>
             </a:r>
           </a:p>
           <a:p>
             <a:r>
               <a:rPr lang="en-US" dirty="0" smtClean="0"/>
-              <a:t>A basic controller with a number of actions that match up to these routes.</a:t>
-            </a:r>
-          </a:p>
-          <a:p>
-            <a:endParaRPr lang="en-US" dirty="0" smtClean="0"/>
+              <a:t>They operate on a Request object, a codified abstraction of the actual HTTP Request.</a:t>
+            </a:r>
           </a:p>
           <a:p>
             <a:r>
               <a:rPr lang="en-US" dirty="0" smtClean="0"/>
-              <a:t>Run</a:t>
-            </a:r>
-            <a:r>
-              <a:rPr lang="en-US" baseline="0" dirty="0" smtClean="0"/>
-              <a:t> the application</a:t>
-            </a:r>
-            <a:endParaRPr lang="en-US" dirty="0" smtClean="0"/>
-          </a:p>
-          <a:p>
-            <a:endParaRPr lang="en-IE" dirty="0" smtClean="0"/>
-          </a:p>
-          <a:p>
+              <a:t>They return a Result object, a codified abstraction of an HTTP Response.</a:t>
+            </a:r>
+          </a:p>
+          <a:p>
+            <a:r>
+              <a:rPr lang="en-US" dirty="0" smtClean="0"/>
+              <a:t>Result object provides an HTTP status and the content of a response.</a:t>
+            </a:r>
+          </a:p>
+          <a:p>
+            <a:r>
+              <a:rPr lang="en-US" dirty="0" smtClean="0"/>
+              <a:t>Controller class provides helpers that make defining these properties (HTTP status code and response content) extremely simple. </a:t>
+            </a:r>
+          </a:p>
+          <a:p>
+            <a:r>
+              <a:rPr lang="en-IE" b="1" dirty="0" smtClean="0"/>
+              <a:t>ok</a:t>
+            </a:r>
             <a:r>
               <a:rPr lang="en-IE" dirty="0" smtClean="0"/>
-              <a:t>Error</a:t>
+              <a:t> and </a:t>
+            </a:r>
+            <a:r>
+              <a:rPr lang="en-IE" b="1" dirty="0" err="1" smtClean="0"/>
+              <a:t>badRequest</a:t>
+            </a:r>
+            <a:r>
+              <a:rPr lang="en-IE" dirty="0" smtClean="0"/>
+              <a:t> are examples of these</a:t>
             </a:r>
             <a:r>
               <a:rPr lang="en-IE" baseline="0" dirty="0" smtClean="0"/>
-              <a:t> – why? POST has no corresponding action </a:t>
-            </a:r>
-            <a:r>
-              <a:rPr lang="en-IE" baseline="0" dirty="0" smtClean="0">
-                <a:sym typeface="Wingdings" panose="05000000000000000000" pitchFamily="2" charset="2"/>
-              </a:rPr>
-              <a:t> comment it out  run again</a:t>
-            </a:r>
-          </a:p>
-          <a:p>
-            <a:endParaRPr lang="en-IE" baseline="0" dirty="0" smtClean="0">
-              <a:sym typeface="Wingdings" panose="05000000000000000000" pitchFamily="2" charset="2"/>
-            </a:endParaRPr>
-          </a:p>
-          <a:p>
-            <a:r>
-              <a:rPr lang="en-IE" baseline="0" dirty="0" smtClean="0">
-                <a:sym typeface="Wingdings" panose="05000000000000000000" pitchFamily="2" charset="2"/>
-              </a:rPr>
-              <a:t>Type in all possible combinations of routes</a:t>
-            </a:r>
-          </a:p>
-          <a:p>
-            <a:endParaRPr lang="en-IE" baseline="0" dirty="0" smtClean="0">
-              <a:sym typeface="Wingdings" panose="05000000000000000000" pitchFamily="2" charset="2"/>
-            </a:endParaRPr>
-          </a:p>
-          <a:p>
-            <a:r>
-              <a:rPr lang="en-IE" baseline="0" dirty="0" smtClean="0">
-                <a:sym typeface="Wingdings" panose="05000000000000000000" pitchFamily="2" charset="2"/>
-              </a:rPr>
-              <a:t>Type in incorrect route and u will get an “action not found” error which in </a:t>
-            </a:r>
-            <a:r>
-              <a:rPr lang="en-US" baseline="0" dirty="0" smtClean="0">
-                <a:sym typeface="Wingdings" panose="05000000000000000000" pitchFamily="2" charset="2"/>
-              </a:rPr>
-              <a:t>Development mode actually lists all of the defined routes. </a:t>
-            </a:r>
-            <a:endParaRPr lang="en-IE" baseline="0" dirty="0" smtClean="0">
-              <a:sym typeface="Wingdings" panose="05000000000000000000" pitchFamily="2" charset="2"/>
-            </a:endParaRPr>
-          </a:p>
-          <a:p>
-            <a:r>
-              <a:rPr lang="en-IE" baseline="0" dirty="0" smtClean="0">
-                <a:sym typeface="Wingdings" panose="05000000000000000000" pitchFamily="2" charset="2"/>
-              </a:rPr>
-              <a:t>Type in /swimmers/9 and u will get a </a:t>
-            </a:r>
-            <a:r>
-              <a:rPr lang="en-IE" b="1" baseline="0" dirty="0" smtClean="0">
-                <a:sym typeface="Wingdings" panose="05000000000000000000" pitchFamily="2" charset="2"/>
-              </a:rPr>
-              <a:t>bad request</a:t>
-            </a:r>
-          </a:p>
-          <a:p>
-            <a:r>
-              <a:rPr lang="en-IE" b="0" baseline="0" dirty="0" smtClean="0">
-                <a:sym typeface="Wingdings" panose="05000000000000000000" pitchFamily="2" charset="2"/>
-              </a:rPr>
-              <a:t>Type in /swimmers/</a:t>
-            </a:r>
-            <a:r>
-              <a:rPr lang="en-IE" b="0" baseline="0" dirty="0" err="1" smtClean="0">
-                <a:sym typeface="Wingdings" panose="05000000000000000000" pitchFamily="2" charset="2"/>
-              </a:rPr>
-              <a:t>clobExample</a:t>
-            </a:r>
-            <a:r>
-              <a:rPr lang="en-IE" b="0" baseline="0" dirty="0" smtClean="0">
-                <a:sym typeface="Wingdings" panose="05000000000000000000" pitchFamily="2" charset="2"/>
-              </a:rPr>
-              <a:t>/</a:t>
-            </a:r>
-            <a:r>
-              <a:rPr lang="en-IE" b="0" baseline="0" dirty="0" err="1" smtClean="0">
-                <a:sym typeface="Wingdings" panose="05000000000000000000" pitchFamily="2" charset="2"/>
-              </a:rPr>
-              <a:t>bala</a:t>
-            </a:r>
-            <a:r>
-              <a:rPr lang="en-IE" b="0" baseline="0" dirty="0" smtClean="0">
-                <a:sym typeface="Wingdings" panose="05000000000000000000" pitchFamily="2" charset="2"/>
-              </a:rPr>
-              <a:t>****</a:t>
-            </a:r>
-            <a:r>
-              <a:rPr lang="en-IE" b="0" baseline="0" dirty="0" err="1" smtClean="0">
-                <a:sym typeface="Wingdings" panose="05000000000000000000" pitchFamily="2" charset="2"/>
-              </a:rPr>
-              <a:t>jsjddk</a:t>
-            </a:r>
-            <a:r>
-              <a:rPr lang="en-IE" b="0" baseline="0" dirty="0" smtClean="0">
-                <a:sym typeface="Wingdings" panose="05000000000000000000" pitchFamily="2" charset="2"/>
-              </a:rPr>
-              <a:t>////// and it will be all displayed exactly like that</a:t>
-            </a:r>
-            <a:endParaRPr lang="pl-PL" b="0" dirty="0"/>
+              <a:t> helper builders, Play! provides around 13 of them, but you can define your own (418, “</a:t>
+            </a:r>
+            <a:r>
+              <a:rPr lang="en-IE" baseline="0" dirty="0" err="1" smtClean="0"/>
+              <a:t>Im</a:t>
+            </a:r>
+            <a:r>
+              <a:rPr lang="en-IE" baseline="0" dirty="0" smtClean="0"/>
+              <a:t> a teapot”);</a:t>
+            </a:r>
           </a:p>
         </p:txBody>
       </p:sp>
@@ -2302,7 +1837,7 @@
     </p:spTree>
     <p:extLst>
       <p:ext uri="{BB962C8B-B14F-4D97-AF65-F5344CB8AC3E}">
-        <p14:creationId xmlns:p14="http://schemas.microsoft.com/office/powerpoint/2010/main" val="3162805237"/>
+        <p14:creationId xmlns:p14="http://schemas.microsoft.com/office/powerpoint/2010/main" val="3122368235"/>
       </p:ext>
     </p:extLst>
   </p:cSld>
@@ -2357,124 +1892,111 @@
           <a:lstStyle/>
           <a:p>
             <a:r>
-              <a:rPr lang="en-US" dirty="0" smtClean="0"/>
-              <a:t>Controllers in Play! provide an environment in which Actions can operate.</a:t>
-            </a:r>
-          </a:p>
-          <a:p>
-            <a:r>
-              <a:rPr lang="en-US" dirty="0" smtClean="0"/>
-              <a:t>In Play! Most of the work related to handling responses is pushed to</a:t>
-            </a:r>
-            <a:r>
-              <a:rPr lang="en-US" baseline="0" dirty="0" smtClean="0"/>
+              <a:rPr lang="en-IE" b="1" dirty="0" smtClean="0"/>
+              <a:t>Type safety </a:t>
+            </a:r>
+            <a:r>
+              <a:rPr lang="en-IE" dirty="0" smtClean="0"/>
+              <a:t>- apparently it is very uncommon in other MVC frameworks?</a:t>
+            </a:r>
+          </a:p>
+          <a:p>
+            <a:r>
+              <a:rPr lang="en-IE" dirty="0" smtClean="0"/>
+              <a:t>The highlighted portion is </a:t>
+            </a:r>
+            <a:r>
+              <a:rPr lang="en-IE" b="1" dirty="0" smtClean="0"/>
+              <a:t>Scala</a:t>
+            </a:r>
+            <a:r>
+              <a:rPr lang="en-IE" dirty="0" smtClean="0"/>
+              <a:t> syntax in views</a:t>
+            </a:r>
+            <a:r>
+              <a:rPr lang="en-IE" baseline="0" dirty="0" smtClean="0"/>
               <a:t> </a:t>
             </a:r>
             <a:r>
-              <a:rPr lang="en-US" b="1" dirty="0" smtClean="0"/>
-              <a:t>Action</a:t>
-            </a:r>
-            <a:r>
-              <a:rPr lang="en-US" dirty="0" smtClean="0"/>
-              <a:t> and </a:t>
-            </a:r>
-            <a:r>
-              <a:rPr lang="en-US" b="1" dirty="0" smtClean="0"/>
-              <a:t>Result</a:t>
-            </a:r>
-            <a:r>
-              <a:rPr lang="en-US" dirty="0" smtClean="0"/>
-              <a:t> classes.</a:t>
-            </a:r>
-          </a:p>
-          <a:p>
-            <a:endParaRPr lang="en-US" dirty="0" smtClean="0"/>
-          </a:p>
-          <a:p>
-            <a:r>
-              <a:rPr lang="en-US" dirty="0" smtClean="0"/>
-              <a:t>The contract for Controller is simply a class that implements the Controller abstract base class.</a:t>
-            </a:r>
-          </a:p>
-          <a:p>
-            <a:endParaRPr lang="en-US" dirty="0" smtClean="0"/>
-          </a:p>
-          <a:p>
-            <a:pPr marL="0" marR="0" indent="0" algn="l" defTabSz="914400" rtl="0" eaLnBrk="1" fontAlgn="auto" latinLnBrk="0" hangingPunct="1">
-              <a:lnSpc>
-                <a:spcPct val="100000"/>
-              </a:lnSpc>
-              <a:spcBef>
-                <a:spcPts val="0"/>
-              </a:spcBef>
-              <a:spcAft>
-                <a:spcPts val="0"/>
-              </a:spcAft>
-              <a:buClrTx/>
-              <a:buSzTx/>
-              <a:buFontTx/>
-              <a:buNone/>
-              <a:tabLst/>
-              <a:defRPr/>
-            </a:pPr>
-            <a:r>
-              <a:rPr lang="en-US" dirty="0" smtClean="0"/>
-              <a:t>In Play!, Actions deal with HTTP Requests. Actions are implemented as static methods on the Controller.</a:t>
-            </a:r>
-          </a:p>
-          <a:p>
-            <a:r>
-              <a:rPr lang="en-US" dirty="0" smtClean="0"/>
-              <a:t>They operate on a Request object, a codified abstraction of the actual HTTP Request.</a:t>
-            </a:r>
-          </a:p>
-          <a:p>
-            <a:r>
-              <a:rPr lang="en-US" dirty="0" smtClean="0"/>
-              <a:t>They return a Result object, a codified abstraction of an HTTP Response.</a:t>
-            </a:r>
-          </a:p>
-          <a:p>
-            <a:r>
-              <a:rPr lang="en-US" dirty="0" smtClean="0"/>
-              <a:t>Result object provides an HTTP status and the content of a response.</a:t>
-            </a:r>
-          </a:p>
-          <a:p>
-            <a:r>
-              <a:rPr lang="en-US" dirty="0" smtClean="0"/>
-              <a:t>Controller class provides helpers that make defining these properties (HTTP status code and response content) extremely simple. </a:t>
+              <a:rPr lang="en-IE" baseline="0" dirty="0" smtClean="0">
+                <a:sym typeface="Wingdings" panose="05000000000000000000" pitchFamily="2" charset="2"/>
+              </a:rPr>
+              <a:t> so u don’t have to know Scala to use Play! 2, but u do a bit... ;)</a:t>
+            </a:r>
+            <a:endParaRPr lang="en-IE" dirty="0" smtClean="0"/>
+          </a:p>
+          <a:p>
+            <a:r>
+              <a:rPr lang="en-IE" dirty="0" smtClean="0"/>
+              <a:t>So what</a:t>
+            </a:r>
+            <a:r>
+              <a:rPr lang="en-IE" baseline="0" dirty="0" smtClean="0"/>
+              <a:t> is that @message symbol? It means u pass a String from a Controller.</a:t>
             </a:r>
           </a:p>
           <a:p>
             <a:r>
               <a:rPr lang="en-IE" b="1" dirty="0" smtClean="0"/>
-              <a:t>ok</a:t>
-            </a:r>
-            <a:r>
-              <a:rPr lang="en-IE" dirty="0" smtClean="0"/>
-              <a:t> and </a:t>
-            </a:r>
-            <a:r>
-              <a:rPr lang="en-IE" b="1" dirty="0" err="1" smtClean="0"/>
-              <a:t>badRequest</a:t>
-            </a:r>
-            <a:r>
-              <a:rPr lang="en-IE" dirty="0" smtClean="0"/>
-              <a:t> are examples of these</a:t>
+              <a:t>The @ symbol differentiates</a:t>
+            </a:r>
+            <a:r>
+              <a:rPr lang="en-IE" b="1" baseline="0" dirty="0" smtClean="0"/>
+              <a:t> between HTML and code. </a:t>
             </a:r>
             <a:r>
               <a:rPr lang="en-IE" baseline="0" dirty="0" smtClean="0"/>
-              <a:t> helper builders, Play! provides around 13 of them, but you can define your own (418, “</a:t>
-            </a:r>
-            <a:r>
-              <a:rPr lang="en-IE" baseline="0" dirty="0" err="1" smtClean="0"/>
-              <a:t>Im</a:t>
-            </a:r>
+              <a:t>So u indicate code by the @ symbol.</a:t>
+            </a:r>
+          </a:p>
+          <a:p>
             <a:r>
               <a:rPr lang="en-IE" baseline="0" dirty="0" smtClean="0"/>
-              <a:t> a teapot”);</a:t>
-            </a:r>
+              <a:t>	- examples:</a:t>
+            </a:r>
+          </a:p>
+          <a:p>
+            <a:r>
+              <a:rPr lang="en-IE" baseline="0" dirty="0" smtClean="0"/>
+              <a:t>		- @message</a:t>
+            </a:r>
+          </a:p>
+          <a:p>
+            <a:r>
+              <a:rPr lang="en-IE" baseline="0" dirty="0" smtClean="0"/>
+              <a:t>		- @names</a:t>
+            </a:r>
+          </a:p>
+          <a:p>
+            <a:r>
+              <a:rPr lang="en-IE" baseline="0" dirty="0" smtClean="0"/>
+              <a:t>		- @if</a:t>
+            </a:r>
+          </a:p>
+          <a:p>
+            <a:r>
+              <a:rPr lang="en-IE" baseline="0" dirty="0" smtClean="0"/>
+              <a:t>There is this concept of </a:t>
+            </a:r>
+            <a:r>
+              <a:rPr lang="en-IE" b="1" baseline="0" dirty="0" smtClean="0"/>
+              <a:t>partial views and layout </a:t>
+            </a:r>
+            <a:r>
+              <a:rPr lang="en-IE" baseline="0" dirty="0" smtClean="0"/>
+              <a:t>where u pass in one view into another, because views are basically just code, so the idea is </a:t>
+            </a:r>
+            <a:r>
+              <a:rPr lang="en-IE" b="1" baseline="0" dirty="0" smtClean="0"/>
+              <a:t>code reuse</a:t>
+            </a:r>
+            <a:r>
+              <a:rPr lang="en-IE" baseline="0" dirty="0" smtClean="0"/>
+              <a:t>.</a:t>
+            </a:r>
+          </a:p>
+          <a:p>
+            <a:endParaRPr lang="pl-PL" dirty="0"/>
           </a:p>
         </p:txBody>
       </p:sp>
@@ -2504,7 +2026,7 @@
     </p:spTree>
     <p:extLst>
       <p:ext uri="{BB962C8B-B14F-4D97-AF65-F5344CB8AC3E}">
-        <p14:creationId xmlns:p14="http://schemas.microsoft.com/office/powerpoint/2010/main" val="3122368235"/>
+        <p14:creationId xmlns:p14="http://schemas.microsoft.com/office/powerpoint/2010/main" val="1107689421"/>
       </p:ext>
     </p:extLst>
   </p:cSld>
@@ -2558,112 +2080,274 @@
           <a:bodyPr/>
           <a:lstStyle/>
           <a:p>
+            <a:pPr marL="171450" indent="-171450">
+              <a:buFontTx/>
+              <a:buChar char="-"/>
+            </a:pPr>
             <a:r>
               <a:rPr lang="en-IE" b="1" dirty="0" smtClean="0"/>
-              <a:t>Type safety </a:t>
+              <a:t>Uncomment</a:t>
             </a:r>
             <a:r>
               <a:rPr lang="en-IE" dirty="0" smtClean="0"/>
-              <a:t>- apparently it is very uncommon in other MVC frameworks?</a:t>
-            </a:r>
-          </a:p>
-          <a:p>
+              <a:t> </a:t>
+            </a:r>
+            <a:r>
+              <a:rPr lang="en-IE" dirty="0" err="1" smtClean="0"/>
+              <a:t>Ebean</a:t>
+            </a:r>
+            <a:r>
+              <a:rPr lang="en-IE" dirty="0" smtClean="0"/>
+              <a:t> in our </a:t>
+            </a:r>
+            <a:r>
+              <a:rPr lang="en-IE" dirty="0" err="1" smtClean="0"/>
+              <a:t>application.conf</a:t>
+            </a:r>
             <a:endParaRPr lang="en-IE" dirty="0" smtClean="0"/>
           </a:p>
           <a:p>
-            <a:r>
-              <a:rPr lang="en-IE" dirty="0" smtClean="0"/>
-              <a:t>The highlighted portion is </a:t>
-            </a:r>
-            <a:r>
-              <a:rPr lang="en-IE" b="1" dirty="0" smtClean="0"/>
-              <a:t>Scala</a:t>
-            </a:r>
-            <a:r>
-              <a:rPr lang="en-IE" dirty="0" smtClean="0"/>
-              <a:t> syntax in views</a:t>
-            </a:r>
-            <a:r>
-              <a:rPr lang="en-IE" baseline="0" dirty="0" smtClean="0"/>
-              <a:t> </a:t>
-            </a:r>
-            <a:r>
-              <a:rPr lang="en-IE" baseline="0" dirty="0" smtClean="0">
+            <a:pPr marL="171450" indent="-171450">
+              <a:buFontTx/>
+              <a:buChar char="-"/>
+            </a:pPr>
+            <a:r>
+              <a:rPr lang="en-US" dirty="0" smtClean="0"/>
+              <a:t>mark up our domain object (Swimmer) to identify it as an entity using </a:t>
+            </a:r>
+            <a:r>
+              <a:rPr lang="en-US" b="1" dirty="0" smtClean="0"/>
+              <a:t>@Entity </a:t>
+            </a:r>
+            <a:r>
+              <a:rPr lang="en-US" dirty="0" smtClean="0"/>
+              <a:t>attribute</a:t>
+            </a:r>
+          </a:p>
+          <a:p>
+            <a:pPr marL="171450" indent="-171450">
+              <a:buFontTx/>
+              <a:buChar char="-"/>
+            </a:pPr>
+            <a:r>
+              <a:rPr lang="en-US" dirty="0" smtClean="0"/>
+              <a:t>Our domain </a:t>
+            </a:r>
+            <a:r>
+              <a:rPr lang="en-US" u="none" dirty="0" smtClean="0"/>
+              <a:t>object</a:t>
+            </a:r>
+            <a:r>
+              <a:rPr lang="en-US" dirty="0" smtClean="0"/>
+              <a:t> (Swimmer) inherits from </a:t>
+            </a:r>
+            <a:r>
+              <a:rPr lang="en-US" b="1" dirty="0" smtClean="0"/>
+              <a:t>Model</a:t>
+            </a:r>
+            <a:r>
+              <a:rPr lang="en-US" dirty="0" smtClean="0"/>
+              <a:t> (a base class for </a:t>
+            </a:r>
+            <a:r>
+              <a:rPr lang="en-US" dirty="0" err="1" smtClean="0"/>
+              <a:t>Ebean</a:t>
+            </a:r>
+            <a:r>
+              <a:rPr lang="en-US" dirty="0" smtClean="0"/>
+              <a:t> models that make the basic CRUD operations available on the model instance itself)</a:t>
+            </a:r>
+          </a:p>
+          <a:p>
+            <a:pPr marL="171450" indent="-171450">
+              <a:buFontTx/>
+              <a:buChar char="-"/>
+            </a:pPr>
+            <a:r>
+              <a:rPr lang="en-US" dirty="0" smtClean="0"/>
+              <a:t>specify the </a:t>
+            </a:r>
+            <a:r>
+              <a:rPr lang="en-US" b="1" dirty="0" smtClean="0"/>
+              <a:t>id</a:t>
+            </a:r>
+            <a:r>
+              <a:rPr lang="en-US" dirty="0" smtClean="0"/>
+              <a:t> field that will be used for indexing of entities and during queries.</a:t>
+            </a:r>
+          </a:p>
+          <a:p>
+            <a:pPr marL="171450" indent="-171450">
+              <a:buFontTx/>
+              <a:buChar char="-"/>
+            </a:pPr>
+            <a:endParaRPr lang="en-US" dirty="0" smtClean="0"/>
+          </a:p>
+          <a:p>
+            <a:pPr marL="171450" indent="-171450">
+              <a:buFontTx/>
+              <a:buChar char="-"/>
+            </a:pPr>
+            <a:r>
+              <a:rPr lang="en-US" dirty="0" smtClean="0"/>
+              <a:t>“</a:t>
+            </a:r>
+            <a:r>
+              <a:rPr lang="en-US" b="1" dirty="0" smtClean="0"/>
+              <a:t>Database</a:t>
+            </a:r>
+            <a:r>
+              <a:rPr lang="en-US" b="1" baseline="0" dirty="0" smtClean="0"/>
+              <a:t> needs evolution</a:t>
+            </a:r>
+            <a:r>
+              <a:rPr lang="en-US" dirty="0" smtClean="0"/>
+              <a:t>” looks like an error </a:t>
+            </a:r>
+            <a:r>
+              <a:rPr lang="en-US" dirty="0" smtClean="0">
                 <a:sym typeface="Wingdings" panose="05000000000000000000" pitchFamily="2" charset="2"/>
               </a:rPr>
-              <a:t> so u don’t have to know Scala to use Play! 2, but u do... ;)</a:t>
-            </a:r>
-            <a:endParaRPr lang="en-IE" dirty="0" smtClean="0"/>
-          </a:p>
-          <a:p>
-            <a:endParaRPr lang="en-IE" dirty="0" smtClean="0"/>
-          </a:p>
-          <a:p>
-            <a:r>
-              <a:rPr lang="en-IE" dirty="0" smtClean="0"/>
-              <a:t>So what</a:t>
-            </a:r>
-            <a:r>
-              <a:rPr lang="en-IE" baseline="0" dirty="0" smtClean="0"/>
-              <a:t> is that @message symbol? It means u pass a String from a Controller.</a:t>
-            </a:r>
-          </a:p>
-          <a:p>
-            <a:endParaRPr lang="en-IE" baseline="0" dirty="0" smtClean="0"/>
-          </a:p>
-          <a:p>
-            <a:r>
-              <a:rPr lang="en-IE" b="1" dirty="0" smtClean="0"/>
-              <a:t>The @ symbol differentiates</a:t>
-            </a:r>
-            <a:r>
-              <a:rPr lang="en-IE" b="1" baseline="0" dirty="0" smtClean="0"/>
-              <a:t> between HTML and code. </a:t>
-            </a:r>
-            <a:r>
-              <a:rPr lang="en-IE" baseline="0" dirty="0" smtClean="0"/>
-              <a:t>So u indicate code by the @ symbol.</a:t>
-            </a:r>
-          </a:p>
-          <a:p>
-            <a:r>
-              <a:rPr lang="en-IE" baseline="0" dirty="0" smtClean="0"/>
-              <a:t>	- examples:</a:t>
-            </a:r>
-          </a:p>
-          <a:p>
-            <a:r>
-              <a:rPr lang="en-IE" baseline="0" dirty="0" smtClean="0"/>
-              <a:t>		- @message</a:t>
-            </a:r>
-          </a:p>
-          <a:p>
-            <a:r>
-              <a:rPr lang="en-IE" baseline="0" dirty="0" smtClean="0"/>
-              <a:t>		- @names</a:t>
-            </a:r>
-          </a:p>
-          <a:p>
-            <a:r>
-              <a:rPr lang="en-IE" baseline="0" dirty="0" smtClean="0"/>
-              <a:t>		- @if</a:t>
-            </a:r>
-          </a:p>
-          <a:p>
-            <a:r>
-              <a:rPr lang="en-IE" baseline="0" dirty="0" smtClean="0"/>
-              <a:t>There is this concept of partial views and layout where u pass in one view into another, but </a:t>
-            </a:r>
-            <a:r>
-              <a:rPr lang="en-IE" baseline="0" smtClean="0"/>
-              <a:t>I haven’t </a:t>
-            </a:r>
-            <a:r>
-              <a:rPr lang="en-IE" baseline="0" dirty="0" smtClean="0"/>
-              <a:t>looked into it yet…</a:t>
-            </a:r>
-          </a:p>
-          <a:p>
+              <a:t> what happened?</a:t>
+            </a:r>
+          </a:p>
+          <a:p>
+            <a:pPr marL="628650" lvl="1" indent="-171450">
+              <a:buFontTx/>
+              <a:buChar char="-"/>
+            </a:pPr>
+            <a:r>
+              <a:rPr lang="en-US" dirty="0" smtClean="0">
+                <a:sym typeface="Wingdings" panose="05000000000000000000" pitchFamily="2" charset="2"/>
+              </a:rPr>
+              <a:t>a folder called </a:t>
+            </a:r>
+            <a:r>
+              <a:rPr lang="en-US" b="1" dirty="0" smtClean="0">
+                <a:sym typeface="Wingdings" panose="05000000000000000000" pitchFamily="2" charset="2"/>
+              </a:rPr>
+              <a:t>evolutions/default</a:t>
+            </a:r>
+            <a:r>
+              <a:rPr lang="en-US" dirty="0" smtClean="0">
+                <a:sym typeface="Wingdings" panose="05000000000000000000" pitchFamily="2" charset="2"/>
+              </a:rPr>
+              <a:t> has been created in our </a:t>
+            </a:r>
+            <a:r>
+              <a:rPr lang="en-US" dirty="0" err="1" smtClean="0">
+                <a:sym typeface="Wingdings" panose="05000000000000000000" pitchFamily="2" charset="2"/>
+              </a:rPr>
+              <a:t>conf</a:t>
+            </a:r>
+            <a:r>
+              <a:rPr lang="en-US" dirty="0" smtClean="0">
+                <a:sym typeface="Wingdings" panose="05000000000000000000" pitchFamily="2" charset="2"/>
+              </a:rPr>
+              <a:t> folder</a:t>
+            </a:r>
+          </a:p>
+          <a:p>
+            <a:pPr marL="628650" lvl="1" indent="-171450">
+              <a:buFontTx/>
+              <a:buChar char="-"/>
+            </a:pPr>
+            <a:r>
+              <a:rPr lang="en-US" dirty="0" smtClean="0">
+                <a:sym typeface="Wingdings" panose="05000000000000000000" pitchFamily="2" charset="2"/>
+              </a:rPr>
+              <a:t>It contains a single SQL script that contains a table declaration for our entity</a:t>
+            </a:r>
+          </a:p>
+          <a:p>
+            <a:pPr marL="628650" lvl="1" indent="-171450">
+              <a:buFontTx/>
+              <a:buChar char="-"/>
+            </a:pPr>
+            <a:r>
+              <a:rPr lang="en-US" dirty="0" smtClean="0">
+                <a:sym typeface="Wingdings" panose="05000000000000000000" pitchFamily="2" charset="2"/>
+              </a:rPr>
+              <a:t>Play! provides an optional database evolution mechanism that gets triggered when this folder evolutions exists</a:t>
+            </a:r>
+          </a:p>
+          <a:p>
+            <a:pPr marL="628650" lvl="1" indent="-171450">
+              <a:buFontTx/>
+              <a:buChar char="-"/>
+            </a:pPr>
+            <a:r>
+              <a:rPr lang="en-US" dirty="0" smtClean="0">
+                <a:sym typeface="Wingdings" panose="05000000000000000000" pitchFamily="2" charset="2"/>
+              </a:rPr>
+              <a:t>It will use each subfolder as a data source and attempt to apply evolutions to that data source</a:t>
+            </a:r>
+          </a:p>
+          <a:p>
+            <a:pPr marL="628650" lvl="1" indent="-171450">
+              <a:buFontTx/>
+              <a:buChar char="-"/>
+            </a:pPr>
+            <a:r>
+              <a:rPr lang="en-US" dirty="0" smtClean="0">
+                <a:sym typeface="Wingdings" panose="05000000000000000000" pitchFamily="2" charset="2"/>
+              </a:rPr>
+              <a:t>Default is the name</a:t>
+            </a:r>
+            <a:r>
+              <a:rPr lang="en-US" baseline="0" dirty="0" smtClean="0">
+                <a:sym typeface="Wingdings" panose="05000000000000000000" pitchFamily="2" charset="2"/>
+              </a:rPr>
+              <a:t> of our H2 database</a:t>
+            </a:r>
+          </a:p>
+          <a:p>
+            <a:pPr marL="628650" lvl="1" indent="-171450">
+              <a:buFontTx/>
+              <a:buChar char="-"/>
+            </a:pPr>
+            <a:r>
+              <a:rPr lang="en-US" b="1" dirty="0" smtClean="0">
+                <a:sym typeface="Wingdings" panose="05000000000000000000" pitchFamily="2" charset="2"/>
+              </a:rPr>
+              <a:t>Evolutions are generic strategies for handling evolving schemas </a:t>
+            </a:r>
+            <a:r>
+              <a:rPr lang="en-US" b="0" dirty="0" smtClean="0">
+                <a:sym typeface="Wingdings" panose="05000000000000000000" pitchFamily="2" charset="2"/>
+              </a:rPr>
+              <a:t> any schema changes to be made should be done in a new evolution file using the next number in the sequence as a file name</a:t>
+            </a:r>
+          </a:p>
+          <a:p>
+            <a:pPr marL="457200" lvl="1" indent="0">
+              <a:buFontTx/>
+              <a:buNone/>
+            </a:pPr>
+            <a:r>
+              <a:rPr lang="en-US" b="0" dirty="0" smtClean="0">
+                <a:sym typeface="Wingdings" panose="05000000000000000000" pitchFamily="2" charset="2"/>
+              </a:rPr>
+              <a:t>AND if u delete the folder evolutions/default what </a:t>
+            </a:r>
+            <a:r>
+              <a:rPr lang="en-US" b="0" dirty="0" err="1" smtClean="0">
+                <a:sym typeface="Wingdings" panose="05000000000000000000" pitchFamily="2" charset="2"/>
+              </a:rPr>
+              <a:t>Ebean</a:t>
+            </a:r>
+            <a:r>
+              <a:rPr lang="en-US" b="0" dirty="0" smtClean="0">
+                <a:sym typeface="Wingdings" panose="05000000000000000000" pitchFamily="2" charset="2"/>
+              </a:rPr>
+              <a:t> does when it is ran, if none exists, is generate a schema evolution based on the current domain </a:t>
+            </a:r>
+          </a:p>
+          <a:p>
+            <a:pPr marL="171450" indent="-171450">
+              <a:buFontTx/>
+              <a:buChar char="-"/>
+            </a:pPr>
             <a:endParaRPr lang="pl-PL" dirty="0"/>
           </a:p>
         </p:txBody>
@@ -2694,7 +2378,171 @@
     </p:spTree>
     <p:extLst>
       <p:ext uri="{BB962C8B-B14F-4D97-AF65-F5344CB8AC3E}">
-        <p14:creationId xmlns:p14="http://schemas.microsoft.com/office/powerpoint/2010/main" val="1107689421"/>
+        <p14:creationId xmlns:p14="http://schemas.microsoft.com/office/powerpoint/2010/main" val="900033879"/>
+      </p:ext>
+    </p:extLst>
+  </p:cSld>
+  <p:clrMapOvr>
+    <a:masterClrMapping/>
+  </p:clrMapOvr>
+</p:notes>
+</file>
+
+<file path=ppt/notesSlides/notesSlide16.xml><?xml version="1.0" encoding="utf-8"?>
+<p:notes xmlns:a="http://schemas.openxmlformats.org/drawingml/2006/main" xmlns:r="http://schemas.openxmlformats.org/officeDocument/2006/relationships" xmlns:p="http://schemas.openxmlformats.org/presentationml/2006/main">
+  <p:cSld>
+    <p:spTree>
+      <p:nvGrpSpPr>
+        <p:cNvPr id="1" name=""/>
+        <p:cNvGrpSpPr/>
+        <p:nvPr/>
+      </p:nvGrpSpPr>
+      <p:grpSpPr>
+        <a:xfrm>
+          <a:off x="0" y="0"/>
+          <a:ext cx="0" cy="0"/>
+          <a:chOff x="0" y="0"/>
+          <a:chExt cx="0" cy="0"/>
+        </a:xfrm>
+      </p:grpSpPr>
+      <p:sp>
+        <p:nvSpPr>
+          <p:cNvPr id="2" name="Symbol zastępczy obrazu slajdu 1"/>
+          <p:cNvSpPr>
+            <a:spLocks noGrp="1" noRot="1" noChangeAspect="1"/>
+          </p:cNvSpPr>
+          <p:nvPr>
+            <p:ph type="sldImg"/>
+          </p:nvPr>
+        </p:nvSpPr>
+        <p:spPr/>
+      </p:sp>
+      <p:sp>
+        <p:nvSpPr>
+          <p:cNvPr id="3" name="Symbol zastępczy notatek 2"/>
+          <p:cNvSpPr>
+            <a:spLocks noGrp="1"/>
+          </p:cNvSpPr>
+          <p:nvPr>
+            <p:ph type="body" idx="1"/>
+          </p:nvPr>
+        </p:nvSpPr>
+        <p:spPr/>
+        <p:txBody>
+          <a:bodyPr/>
+          <a:lstStyle/>
+          <a:p>
+            <a:pPr marL="171450" indent="-171450">
+              <a:buFontTx/>
+              <a:buChar char="-"/>
+            </a:pPr>
+            <a:r>
+              <a:rPr lang="en-US" dirty="0" smtClean="0"/>
+              <a:t>Finder is a convenient wrapper around </a:t>
+            </a:r>
+            <a:r>
+              <a:rPr lang="en-US" dirty="0" err="1" smtClean="0"/>
+              <a:t>Ebean's</a:t>
+            </a:r>
+            <a:r>
+              <a:rPr lang="en-US" dirty="0" smtClean="0"/>
+              <a:t> query interface and lets you build structured queries for accessing entities</a:t>
+            </a:r>
+          </a:p>
+          <a:p>
+            <a:pPr marL="171450" indent="-171450">
+              <a:buFontTx/>
+              <a:buChar char="-"/>
+            </a:pPr>
+            <a:r>
+              <a:rPr lang="en-US" dirty="0" smtClean="0"/>
+              <a:t>The common implementation pattern is to declare a Finder as a static property on the entity it is related to</a:t>
+            </a:r>
+          </a:p>
+          <a:p>
+            <a:pPr marL="171450" indent="-171450">
+              <a:buFontTx/>
+              <a:buChar char="-"/>
+            </a:pPr>
+            <a:r>
+              <a:rPr lang="en-US" dirty="0" smtClean="0"/>
+              <a:t>The type signature of Finder takes an id type and an entity type. In our case, the id type is Long and the entity it's going to return is a </a:t>
+            </a:r>
+            <a:r>
+              <a:rPr lang="en-US" dirty="0" smtClean="0"/>
+              <a:t>Swimmer</a:t>
+            </a:r>
+          </a:p>
+          <a:p>
+            <a:pPr marL="171450" indent="-171450">
+              <a:buFontTx/>
+              <a:buChar char="-"/>
+            </a:pPr>
+            <a:r>
+              <a:rPr lang="en-US" dirty="0" smtClean="0"/>
+              <a:t>The find property we just created then gives us access to a query mechanism for building dynamic queries against our domain model</a:t>
+            </a:r>
+          </a:p>
+          <a:p>
+            <a:pPr marL="171450" indent="-171450">
+              <a:buFontTx/>
+              <a:buChar char="-"/>
+            </a:pPr>
+            <a:r>
+              <a:rPr lang="en-US" dirty="0" smtClean="0"/>
+              <a:t>It also provides a number of convenience methods that we can use to avoid having to build up common queries</a:t>
+            </a:r>
+          </a:p>
+          <a:p>
+            <a:pPr marL="171450" indent="-171450">
+              <a:buFontTx/>
+              <a:buChar char="-"/>
+            </a:pPr>
+            <a:endParaRPr lang="en-US" dirty="0" smtClean="0"/>
+          </a:p>
+          <a:p>
+            <a:pPr marL="171450" indent="-171450">
+              <a:buFontTx/>
+              <a:buChar char="-"/>
+            </a:pPr>
+            <a:endParaRPr lang="en-US" dirty="0" smtClean="0"/>
+          </a:p>
+          <a:p>
+            <a:pPr marL="171450" indent="-171450">
+              <a:buFontTx/>
+              <a:buChar char="-"/>
+            </a:pPr>
+            <a:endParaRPr lang="pl-PL" dirty="0"/>
+          </a:p>
+        </p:txBody>
+      </p:sp>
+      <p:sp>
+        <p:nvSpPr>
+          <p:cNvPr id="4" name="Symbol zastępczy numeru slajdu 3"/>
+          <p:cNvSpPr>
+            <a:spLocks noGrp="1"/>
+          </p:cNvSpPr>
+          <p:nvPr>
+            <p:ph type="sldNum" sz="quarter" idx="10"/>
+          </p:nvPr>
+        </p:nvSpPr>
+        <p:spPr/>
+        <p:txBody>
+          <a:bodyPr/>
+          <a:lstStyle/>
+          <a:p>
+            <a:fld id="{E636E017-2961-4FC6-B7B9-AC52108EDB4A}" type="slidenum">
+              <a:rPr lang="pl-PL" smtClean="0"/>
+              <a:t>16</a:t>
+            </a:fld>
+            <a:endParaRPr lang="pl-PL"/>
+          </a:p>
+        </p:txBody>
+      </p:sp>
+    </p:spTree>
+    <p:extLst>
+      <p:ext uri="{BB962C8B-B14F-4D97-AF65-F5344CB8AC3E}">
+        <p14:creationId xmlns:p14="http://schemas.microsoft.com/office/powerpoint/2010/main" val="3133380247"/>
       </p:ext>
     </p:extLst>
   </p:cSld>
@@ -2846,6 +2694,88 @@
               <a:rPr lang="en-US" dirty="0" smtClean="0"/>
               <a:t>.</a:t>
             </a:r>
+          </a:p>
+          <a:p>
+            <a:endParaRPr lang="en-US" b="0" baseline="0" dirty="0" smtClean="0">
+              <a:sym typeface="Wingdings" panose="05000000000000000000" pitchFamily="2" charset="2"/>
+            </a:endParaRPr>
+          </a:p>
+          <a:p>
+            <a:pPr marL="171450" indent="-171450">
+              <a:buFontTx/>
+              <a:buChar char="-"/>
+            </a:pPr>
+            <a:r>
+              <a:rPr lang="en-IE" b="1" dirty="0" err="1" smtClean="0"/>
+              <a:t>Typesafe</a:t>
+            </a:r>
+            <a:r>
+              <a:rPr lang="en-IE" dirty="0" smtClean="0"/>
+              <a:t> – company founded by Martin </a:t>
+            </a:r>
+            <a:r>
+              <a:rPr lang="en-IE" dirty="0" err="1" smtClean="0"/>
+              <a:t>Odersky</a:t>
+            </a:r>
+            <a:r>
+              <a:rPr lang="en-IE" dirty="0" smtClean="0"/>
+              <a:t> (creator of Scala)</a:t>
+            </a:r>
+          </a:p>
+          <a:p>
+            <a:pPr marL="171450" indent="-171450">
+              <a:buFontTx/>
+              <a:buChar char="-"/>
+            </a:pPr>
+            <a:r>
+              <a:rPr lang="en-IE" dirty="0" err="1" smtClean="0"/>
+              <a:t>Typesafe</a:t>
+            </a:r>
+            <a:r>
+              <a:rPr lang="en-IE" dirty="0" smtClean="0"/>
+              <a:t> </a:t>
+            </a:r>
+            <a:r>
+              <a:rPr lang="en-IE" b="1" dirty="0" smtClean="0"/>
+              <a:t>stack </a:t>
+            </a:r>
+            <a:r>
+              <a:rPr lang="en-IE" b="0" dirty="0" smtClean="0">
+                <a:sym typeface="Wingdings" panose="05000000000000000000" pitchFamily="2" charset="2"/>
+              </a:rPr>
+              <a:t></a:t>
+            </a:r>
+            <a:endParaRPr lang="en-IE" dirty="0" smtClean="0"/>
+          </a:p>
+          <a:p>
+            <a:pPr marL="1085850" lvl="2" indent="-171450">
+              <a:buFontTx/>
+              <a:buChar char="-"/>
+            </a:pPr>
+            <a:r>
+              <a:rPr lang="en-IE" dirty="0" smtClean="0"/>
+              <a:t>solution</a:t>
+            </a:r>
+            <a:r>
+              <a:rPr lang="en-IE" baseline="0" dirty="0" smtClean="0"/>
+              <a:t> stack – a set of software subsystems </a:t>
+            </a:r>
+            <a:r>
+              <a:rPr lang="en-US" dirty="0" smtClean="0"/>
+              <a:t>or components needed to create a complete </a:t>
+            </a:r>
+            <a:r>
+              <a:rPr lang="en-US" dirty="0" smtClean="0">
+                <a:hlinkClick r:id="rId5" tooltip="Computing platform"/>
+              </a:rPr>
+              <a:t>platform</a:t>
+            </a:r>
+            <a:r>
+              <a:rPr lang="en-US" dirty="0" smtClean="0"/>
+              <a:t> such that no additional software is needed to support applications</a:t>
+            </a:r>
+          </a:p>
+          <a:p>
             <a:endParaRPr lang="en-IE" b="0" baseline="0" dirty="0" smtClean="0">
               <a:sym typeface="Wingdings" panose="05000000000000000000" pitchFamily="2" charset="2"/>
             </a:endParaRPr>
@@ -2932,25 +2862,53 @@
           <a:bodyPr/>
           <a:lstStyle/>
           <a:p>
+            <a:r>
+              <a:rPr lang="en-IE" dirty="0" smtClean="0"/>
+              <a:t>The creators of Play! Believe that…</a:t>
+            </a:r>
+          </a:p>
+          <a:p>
+            <a:endParaRPr lang="en-IE" dirty="0" smtClean="0"/>
+          </a:p>
+          <a:p>
+            <a:r>
+              <a:rPr lang="en-IE" dirty="0" smtClean="0"/>
+              <a:t>-  </a:t>
+            </a:r>
+            <a:r>
+              <a:rPr lang="en-IE" b="1" dirty="0" smtClean="0"/>
+              <a:t>scaling horizontally  </a:t>
+            </a:r>
+            <a:r>
+              <a:rPr lang="en-IE" b="1" dirty="0" smtClean="0">
+                <a:sym typeface="Wingdings" panose="05000000000000000000" pitchFamily="2" charset="2"/>
+              </a:rPr>
+              <a:t> </a:t>
+            </a:r>
+            <a:endParaRPr lang="en-IE" dirty="0" smtClean="0"/>
+          </a:p>
+          <a:p>
             <a:pPr marL="171450" indent="-171450">
               <a:buFontTx/>
               <a:buChar char="-"/>
             </a:pPr>
             <a:r>
-              <a:rPr lang="en-IE" b="1" dirty="0" err="1" smtClean="0"/>
-              <a:t>Typesafe</a:t>
+              <a:rPr lang="en-IE" b="1" dirty="0" smtClean="0"/>
+              <a:t>self managed and self hosted </a:t>
+            </a:r>
+            <a:r>
+              <a:rPr lang="en-IE" dirty="0" smtClean="0">
+                <a:sym typeface="Wingdings" panose="05000000000000000000" pitchFamily="2" charset="2"/>
+              </a:rPr>
+              <a:t> t</a:t>
             </a:r>
             <a:r>
               <a:rPr lang="en-IE" dirty="0" smtClean="0"/>
-              <a:t> – company founded by Martin </a:t>
-            </a:r>
-            <a:r>
-              <a:rPr lang="en-IE" dirty="0" err="1" smtClean="0"/>
-              <a:t>Odersky</a:t>
-            </a:r>
-            <a:r>
-              <a:rPr lang="en-IE" dirty="0" smtClean="0"/>
-              <a:t> (creator of Scala)</a:t>
+              <a:t>hey provide</a:t>
+            </a:r>
+            <a:r>
+              <a:rPr lang="en-IE" baseline="0" dirty="0" smtClean="0"/>
+              <a:t> their own small server that can accommodate single application</a:t>
             </a:r>
           </a:p>
           <a:p>
@@ -2959,59 +2917,54 @@
               <a:buChar char="-"/>
             </a:pPr>
             <a:r>
-              <a:rPr lang="en-IE" dirty="0" err="1" smtClean="0"/>
-              <a:t>Typesafe</a:t>
-            </a:r>
-            <a:r>
-              <a:rPr lang="en-IE" dirty="0" smtClean="0"/>
+              <a:rPr lang="en-IE" b="1" baseline="0" dirty="0" smtClean="0"/>
+              <a:t>stateless</a:t>
+            </a:r>
+            <a:r>
+              <a:rPr lang="en-IE" baseline="0" dirty="0" smtClean="0"/>
               <a:t> </a:t>
             </a:r>
             <a:r>
-              <a:rPr lang="en-IE" b="1" dirty="0" smtClean="0"/>
-              <a:t>stack </a:t>
-            </a:r>
-            <a:r>
-              <a:rPr lang="en-IE" b="0" dirty="0" smtClean="0">
+              <a:rPr lang="en-IE" baseline="0" dirty="0" smtClean="0">
                 <a:sym typeface="Wingdings" panose="05000000000000000000" pitchFamily="2" charset="2"/>
               </a:rPr>
               <a:t></a:t>
             </a:r>
-            <a:endParaRPr lang="en-IE" dirty="0" smtClean="0"/>
-          </a:p>
-          <a:p>
-            <a:pPr marL="1085850" lvl="2" indent="-171450">
+          </a:p>
+          <a:p>
+            <a:pPr marL="171450" indent="-171450">
               <a:buFontTx/>
               <a:buChar char="-"/>
             </a:pPr>
             <a:r>
-              <a:rPr lang="en-IE" dirty="0" smtClean="0"/>
-              <a:t>solution</a:t>
-            </a:r>
-            <a:r>
-              <a:rPr lang="en-IE" baseline="0" dirty="0" smtClean="0"/>
-              <a:t> stack – a set of software subsystems </a:t>
-            </a:r>
-            <a:r>
-              <a:rPr lang="en-US" dirty="0" smtClean="0"/>
-              <a:t>or components needed to create a complete </a:t>
-            </a:r>
-            <a:r>
-              <a:rPr lang="en-US" dirty="0" smtClean="0">
-                <a:hlinkClick r:id="rId3" tooltip="Computing platform"/>
-              </a:rPr>
-              <a:t>platform</a:t>
-            </a:r>
-            <a:r>
-              <a:rPr lang="en-US" dirty="0" smtClean="0"/>
-              <a:t> such that no additional software is needed to support applications</a:t>
-            </a:r>
-          </a:p>
-          <a:p>
-            <a:pPr marL="0" indent="0">
+              <a:rPr lang="en-IE" b="1" baseline="0" dirty="0" smtClean="0">
+                <a:sym typeface="Wingdings" panose="05000000000000000000" pitchFamily="2" charset="2"/>
+              </a:rPr>
+              <a:t>concurrency</a:t>
+            </a:r>
+            <a:r>
+              <a:rPr lang="en-IE" baseline="0" dirty="0" smtClean="0">
+                <a:sym typeface="Wingdings" panose="05000000000000000000" pitchFamily="2" charset="2"/>
+              </a:rPr>
+              <a:t> </a:t>
+            </a:r>
+          </a:p>
+          <a:p>
+            <a:pPr marL="171450" indent="-171450">
               <a:buFontTx/>
-              <a:buNone/>
+              <a:buChar char="-"/>
             </a:pPr>
-            <a:endParaRPr lang="en-US" dirty="0" smtClean="0"/>
+            <a:endParaRPr lang="en-IE" baseline="0" dirty="0" smtClean="0"/>
+          </a:p>
+          <a:p>
+            <a:pPr marL="171450" indent="-171450">
+              <a:buFontTx/>
+              <a:buChar char="-"/>
+            </a:pPr>
+            <a:endParaRPr lang="en-IE" baseline="0" dirty="0" smtClean="0"/>
+          </a:p>
+          <a:p>
+            <a:endParaRPr lang="pl-PL" dirty="0"/>
           </a:p>
         </p:txBody>
       </p:sp>
@@ -3041,7 +2994,7 @@
     </p:spTree>
     <p:extLst>
       <p:ext uri="{BB962C8B-B14F-4D97-AF65-F5344CB8AC3E}">
-        <p14:creationId xmlns:p14="http://schemas.microsoft.com/office/powerpoint/2010/main" val="2343838675"/>
+        <p14:creationId xmlns:p14="http://schemas.microsoft.com/office/powerpoint/2010/main" val="1797159367"/>
       </p:ext>
     </p:extLst>
   </p:cSld>
@@ -3095,106 +3048,1309 @@
           <a:bodyPr/>
           <a:lstStyle/>
           <a:p>
-            <a:r>
-              <a:rPr lang="en-IE" dirty="0" smtClean="0"/>
-              <a:t>The creators of Play! Believe that…</a:t>
-            </a:r>
-          </a:p>
-          <a:p>
-            <a:endParaRPr lang="en-IE" dirty="0" smtClean="0"/>
-          </a:p>
-          <a:p>
-            <a:r>
-              <a:rPr lang="en-IE" dirty="0" smtClean="0"/>
-              <a:t>-  </a:t>
-            </a:r>
-            <a:r>
-              <a:rPr lang="en-IE" b="1" dirty="0" smtClean="0"/>
-              <a:t>scaling horizontally  </a:t>
-            </a:r>
-            <a:r>
-              <a:rPr lang="en-IE" b="1" dirty="0" smtClean="0">
-                <a:sym typeface="Wingdings" panose="05000000000000000000" pitchFamily="2" charset="2"/>
-              </a:rPr>
-              <a:t> </a:t>
-            </a:r>
-            <a:endParaRPr lang="en-IE" dirty="0" smtClean="0"/>
-          </a:p>
-          <a:p>
             <a:pPr marL="171450" indent="-171450">
               <a:buFontTx/>
               <a:buChar char="-"/>
             </a:pPr>
             <a:r>
-              <a:rPr lang="en-IE" b="1" dirty="0" smtClean="0"/>
-              <a:t>self managed and self hosted </a:t>
+              <a:rPr lang="en-IE" dirty="0" smtClean="0"/>
+              <a:t>Play! consists of many common libraries and technologies</a:t>
+            </a:r>
+          </a:p>
+          <a:p>
+            <a:pPr marL="171450" marR="0" indent="-171450" algn="l" defTabSz="914400" rtl="0" eaLnBrk="1" fontAlgn="auto" latinLnBrk="0" hangingPunct="1">
+              <a:lnSpc>
+                <a:spcPct val="100000"/>
+              </a:lnSpc>
+              <a:spcBef>
+                <a:spcPts val="0"/>
+              </a:spcBef>
+              <a:spcAft>
+                <a:spcPts val="0"/>
+              </a:spcAft>
+              <a:buClrTx/>
+              <a:buSzTx/>
+              <a:buFontTx/>
+              <a:buChar char="-"/>
+              <a:tabLst/>
+              <a:defRPr/>
+            </a:pPr>
+            <a:r>
+              <a:rPr lang="en-IE" dirty="0" smtClean="0"/>
+              <a:t>Play executable and Play framework</a:t>
+            </a:r>
+          </a:p>
+          <a:p>
+            <a:pPr marL="171450" marR="0" indent="-171450" algn="l" defTabSz="914400" rtl="0" eaLnBrk="1" fontAlgn="auto" latinLnBrk="0" hangingPunct="1">
+              <a:lnSpc>
+                <a:spcPct val="100000"/>
+              </a:lnSpc>
+              <a:spcBef>
+                <a:spcPts val="0"/>
+              </a:spcBef>
+              <a:spcAft>
+                <a:spcPts val="0"/>
+              </a:spcAft>
+              <a:buClrTx/>
+              <a:buSzTx/>
+              <a:buFontTx/>
+              <a:buChar char="-"/>
+              <a:tabLst/>
+              <a:defRPr/>
+            </a:pPr>
+            <a:r>
+              <a:rPr lang="en-IE" dirty="0" smtClean="0"/>
+              <a:t>Play executable</a:t>
+            </a:r>
+          </a:p>
+          <a:p>
+            <a:pPr marL="628650" marR="0" lvl="1" indent="-171450" algn="l" defTabSz="914400" rtl="0" eaLnBrk="1" fontAlgn="auto" latinLnBrk="0" hangingPunct="1">
+              <a:lnSpc>
+                <a:spcPct val="100000"/>
+              </a:lnSpc>
+              <a:spcBef>
+                <a:spcPts val="0"/>
+              </a:spcBef>
+              <a:spcAft>
+                <a:spcPts val="0"/>
+              </a:spcAft>
+              <a:buClrTx/>
+              <a:buSzTx/>
+              <a:buFontTx/>
+              <a:buChar char="-"/>
+              <a:tabLst/>
+              <a:defRPr/>
+            </a:pPr>
+            <a:r>
+              <a:rPr lang="en-IE" baseline="0" dirty="0" smtClean="0"/>
+              <a:t>is a command line tool (u can create, run, test apps and also </a:t>
+            </a:r>
+            <a:r>
+              <a:rPr lang="en-IE" sz="1200" kern="1200" dirty="0" smtClean="0">
+                <a:solidFill>
+                  <a:schemeClr val="tx1"/>
+                </a:solidFill>
+                <a:effectLst/>
+                <a:latin typeface="+mn-lt"/>
+                <a:ea typeface="+mn-ea"/>
+                <a:cs typeface="+mn-cs"/>
+              </a:rPr>
+              <a:t>package apps for deployment as standalone executable jars)</a:t>
+            </a:r>
+            <a:endParaRPr lang="en-IE" baseline="0" dirty="0" smtClean="0"/>
+          </a:p>
+          <a:p>
+            <a:pPr marL="628650" marR="0" lvl="1" indent="-171450" algn="l" defTabSz="914400" rtl="0" eaLnBrk="1" fontAlgn="auto" latinLnBrk="0" hangingPunct="1">
+              <a:lnSpc>
+                <a:spcPct val="100000"/>
+              </a:lnSpc>
+              <a:spcBef>
+                <a:spcPts val="0"/>
+              </a:spcBef>
+              <a:spcAft>
+                <a:spcPts val="0"/>
+              </a:spcAft>
+              <a:buClrTx/>
+              <a:buSzTx/>
+              <a:buFontTx/>
+              <a:buChar char="-"/>
+              <a:tabLst/>
+              <a:defRPr/>
+            </a:pPr>
+            <a:r>
+              <a:rPr lang="en-IE" baseline="0" dirty="0" smtClean="0"/>
+              <a:t>consists of a few JVM-based tools and SBT</a:t>
+            </a:r>
+          </a:p>
+          <a:p>
+            <a:pPr marL="628650" marR="0" lvl="1" indent="-171450" algn="l" defTabSz="914400" rtl="0" eaLnBrk="1" fontAlgn="auto" latinLnBrk="0" hangingPunct="1">
+              <a:lnSpc>
+                <a:spcPct val="100000"/>
+              </a:lnSpc>
+              <a:spcBef>
+                <a:spcPts val="0"/>
+              </a:spcBef>
+              <a:spcAft>
+                <a:spcPts val="0"/>
+              </a:spcAft>
+              <a:buClrTx/>
+              <a:buSzTx/>
+              <a:buFontTx/>
+              <a:buChar char="-"/>
+              <a:tabLst/>
+              <a:defRPr/>
+            </a:pPr>
+            <a:endParaRPr lang="en-IE" baseline="0" dirty="0" smtClean="0"/>
+          </a:p>
+          <a:p>
+            <a:pPr marL="171450" marR="0" indent="-171450" algn="l" defTabSz="914400" rtl="0" eaLnBrk="1" fontAlgn="auto" latinLnBrk="0" hangingPunct="1">
+              <a:lnSpc>
+                <a:spcPct val="100000"/>
+              </a:lnSpc>
+              <a:spcBef>
+                <a:spcPts val="0"/>
+              </a:spcBef>
+              <a:spcAft>
+                <a:spcPts val="0"/>
+              </a:spcAft>
+              <a:buClrTx/>
+              <a:buSzTx/>
+              <a:buFontTx/>
+              <a:buChar char="-"/>
+              <a:tabLst/>
+              <a:defRPr/>
+            </a:pPr>
+            <a:r>
+              <a:rPr lang="en-IE" sz="1200" u="none" strike="noStrike" kern="1200" dirty="0" smtClean="0">
+                <a:solidFill>
+                  <a:schemeClr val="tx1"/>
+                </a:solidFill>
+                <a:effectLst/>
+                <a:latin typeface="+mn-lt"/>
+                <a:ea typeface="+mn-ea"/>
+                <a:cs typeface="+mn-cs"/>
+              </a:rPr>
+              <a:t>There are a range of technologies under the hood. Play! is self-hosted; this means rather than having to deploy a web container, it will run its own dedicated HTTP server per application. It will use Netty to do so.</a:t>
+            </a:r>
+          </a:p>
+          <a:p>
+            <a:pPr marL="171450" marR="0" indent="-171450" algn="l" defTabSz="914400" rtl="0" eaLnBrk="1" fontAlgn="auto" latinLnBrk="0" hangingPunct="1">
+              <a:lnSpc>
+                <a:spcPct val="100000"/>
+              </a:lnSpc>
+              <a:spcBef>
+                <a:spcPts val="0"/>
+              </a:spcBef>
+              <a:spcAft>
+                <a:spcPts val="0"/>
+              </a:spcAft>
+              <a:buClrTx/>
+              <a:buSzTx/>
+              <a:buFontTx/>
+              <a:buChar char="-"/>
+              <a:tabLst/>
+              <a:defRPr/>
+            </a:pPr>
+            <a:r>
+              <a:rPr lang="en-US" b="1" dirty="0" err="1" smtClean="0"/>
+              <a:t>Netty</a:t>
+            </a:r>
+            <a:r>
+              <a:rPr lang="en-US" dirty="0" smtClean="0"/>
+              <a:t> is a </a:t>
+            </a:r>
+            <a:r>
+              <a:rPr lang="en-US" dirty="0" smtClean="0">
+                <a:hlinkClick r:id="rId3" tooltip="Non-blocking I/O"/>
+              </a:rPr>
+              <a:t>non-blocking I/O</a:t>
+            </a:r>
+            <a:r>
+              <a:rPr lang="en-US" dirty="0" smtClean="0"/>
+              <a:t> (NIO) client-server </a:t>
+            </a:r>
+            <a:r>
+              <a:rPr lang="en-US" dirty="0" smtClean="0">
+                <a:hlinkClick r:id="rId4" tooltip="Software framework"/>
+              </a:rPr>
+              <a:t>framework</a:t>
+            </a:r>
+            <a:r>
+              <a:rPr lang="en-US" dirty="0" smtClean="0"/>
+              <a:t> for the development of </a:t>
+            </a:r>
+            <a:r>
+              <a:rPr lang="en-US" dirty="0" smtClean="0">
+                <a:hlinkClick r:id="rId5" tooltip="Java (software platform)"/>
+              </a:rPr>
+              <a:t>Java</a:t>
+            </a:r>
+            <a:r>
+              <a:rPr lang="en-US" dirty="0" smtClean="0"/>
+              <a:t> network applications such as protocol servers and clients</a:t>
+            </a:r>
+          </a:p>
+          <a:p>
+            <a:pPr marL="171450" marR="0" indent="-171450" algn="l" defTabSz="914400" rtl="0" eaLnBrk="1" fontAlgn="auto" latinLnBrk="0" hangingPunct="1">
+              <a:lnSpc>
+                <a:spcPct val="100000"/>
+              </a:lnSpc>
+              <a:spcBef>
+                <a:spcPts val="0"/>
+              </a:spcBef>
+              <a:spcAft>
+                <a:spcPts val="0"/>
+              </a:spcAft>
+              <a:buClrTx/>
+              <a:buSzTx/>
+              <a:buFontTx/>
+              <a:buChar char="-"/>
+              <a:tabLst/>
+              <a:defRPr/>
+            </a:pPr>
+            <a:r>
+              <a:rPr lang="en-IE" sz="1200" kern="1200" dirty="0" smtClean="0">
+                <a:solidFill>
+                  <a:schemeClr val="tx1"/>
+                </a:solidFill>
+                <a:effectLst/>
+                <a:latin typeface="+mn-lt"/>
+                <a:ea typeface="+mn-ea"/>
+                <a:cs typeface="+mn-cs"/>
+              </a:rPr>
+              <a:t>The core of Play! code is built on top of </a:t>
+            </a:r>
+            <a:r>
+              <a:rPr lang="en-IE" sz="1200" b="1" kern="1200" dirty="0" err="1" smtClean="0">
+                <a:solidFill>
+                  <a:schemeClr val="tx1"/>
+                </a:solidFill>
+                <a:effectLst/>
+                <a:latin typeface="+mn-lt"/>
+                <a:ea typeface="+mn-ea"/>
+                <a:cs typeface="+mn-cs"/>
+              </a:rPr>
+              <a:t>Akka</a:t>
+            </a:r>
+            <a:r>
+              <a:rPr lang="en-IE" sz="1200" kern="1200" dirty="0" smtClean="0">
+                <a:solidFill>
+                  <a:schemeClr val="tx1"/>
+                </a:solidFill>
+                <a:effectLst/>
+                <a:latin typeface="+mn-lt"/>
+                <a:ea typeface="+mn-ea"/>
+                <a:cs typeface="+mn-cs"/>
+              </a:rPr>
+              <a:t>, a toolkit for creating concurrent applications on the JVM. </a:t>
+            </a:r>
+            <a:r>
+              <a:rPr lang="en-IE" sz="1200" kern="1200" dirty="0" err="1" smtClean="0">
+                <a:solidFill>
+                  <a:schemeClr val="tx1"/>
+                </a:solidFill>
+                <a:effectLst/>
+                <a:latin typeface="+mn-lt"/>
+                <a:ea typeface="+mn-ea"/>
+                <a:cs typeface="+mn-cs"/>
+              </a:rPr>
+              <a:t>Akka</a:t>
+            </a:r>
+            <a:r>
+              <a:rPr lang="en-IE" sz="1200" kern="1200" dirty="0" smtClean="0">
+                <a:solidFill>
+                  <a:schemeClr val="tx1"/>
+                </a:solidFill>
+                <a:effectLst/>
+                <a:latin typeface="+mn-lt"/>
+                <a:ea typeface="+mn-ea"/>
+                <a:cs typeface="+mn-cs"/>
+              </a:rPr>
+              <a:t> allows to create</a:t>
+            </a:r>
+            <a:r>
+              <a:rPr lang="en-IE" sz="1200" kern="1200" baseline="0" dirty="0" smtClean="0">
+                <a:solidFill>
+                  <a:schemeClr val="tx1"/>
+                </a:solidFill>
+                <a:effectLst/>
+                <a:latin typeface="+mn-lt"/>
+                <a:ea typeface="+mn-ea"/>
+                <a:cs typeface="+mn-cs"/>
+              </a:rPr>
+              <a:t> actors that send messages.</a:t>
+            </a:r>
+          </a:p>
+          <a:p>
+            <a:pPr marL="171450" marR="0" indent="-171450" algn="l" defTabSz="914400" rtl="0" eaLnBrk="1" fontAlgn="auto" latinLnBrk="0" hangingPunct="1">
+              <a:lnSpc>
+                <a:spcPct val="100000"/>
+              </a:lnSpc>
+              <a:spcBef>
+                <a:spcPts val="0"/>
+              </a:spcBef>
+              <a:spcAft>
+                <a:spcPts val="0"/>
+              </a:spcAft>
+              <a:buClrTx/>
+              <a:buSzTx/>
+              <a:buFontTx/>
+              <a:buChar char="-"/>
+              <a:tabLst/>
+              <a:defRPr/>
+            </a:pPr>
+            <a:r>
+              <a:rPr lang="pl-PL" sz="1200" kern="1200" dirty="0" smtClean="0">
+                <a:solidFill>
+                  <a:schemeClr val="tx1"/>
+                </a:solidFill>
+                <a:effectLst/>
+                <a:latin typeface="+mn-lt"/>
+                <a:ea typeface="+mn-ea"/>
+                <a:cs typeface="+mn-cs"/>
+              </a:rPr>
+              <a:t> </a:t>
+            </a:r>
+            <a:r>
+              <a:rPr lang="en-IE" sz="1200" u="none" strike="noStrike" kern="1200" dirty="0" smtClean="0">
+                <a:solidFill>
+                  <a:schemeClr val="tx1"/>
+                </a:solidFill>
+                <a:effectLst/>
+                <a:latin typeface="+mn-lt"/>
+                <a:ea typeface="+mn-ea"/>
+                <a:cs typeface="+mn-cs"/>
+              </a:rPr>
+              <a:t>Logging in Play! is provided by </a:t>
+            </a:r>
+            <a:r>
+              <a:rPr lang="en-IE" sz="1200" b="1" u="none" strike="noStrike" kern="1200" dirty="0" err="1" smtClean="0">
+                <a:solidFill>
+                  <a:schemeClr val="tx1"/>
+                </a:solidFill>
+                <a:effectLst/>
+                <a:latin typeface="+mn-lt"/>
+                <a:ea typeface="+mn-ea"/>
+                <a:cs typeface="+mn-cs"/>
+              </a:rPr>
+              <a:t>Logback</a:t>
+            </a:r>
+            <a:r>
+              <a:rPr lang="en-IE" sz="1200" u="none" strike="noStrike" kern="1200" dirty="0" smtClean="0">
+                <a:solidFill>
+                  <a:schemeClr val="tx1"/>
+                </a:solidFill>
+                <a:effectLst/>
+                <a:latin typeface="+mn-lt"/>
+                <a:ea typeface="+mn-ea"/>
+                <a:cs typeface="+mn-cs"/>
+              </a:rPr>
+              <a:t>, a popular Java-based logging framework. </a:t>
+            </a:r>
+          </a:p>
+          <a:p>
+            <a:pPr marL="171450" marR="0" indent="-171450" algn="l" defTabSz="914400" rtl="0" eaLnBrk="1" fontAlgn="auto" latinLnBrk="0" hangingPunct="1">
+              <a:lnSpc>
+                <a:spcPct val="100000"/>
+              </a:lnSpc>
+              <a:spcBef>
+                <a:spcPts val="0"/>
+              </a:spcBef>
+              <a:spcAft>
+                <a:spcPts val="0"/>
+              </a:spcAft>
+              <a:buClrTx/>
+              <a:buSzTx/>
+              <a:buFontTx/>
+              <a:buChar char="-"/>
+              <a:tabLst/>
+              <a:defRPr/>
+            </a:pPr>
+            <a:endParaRPr lang="en-IE" sz="1200" u="none" strike="noStrike" kern="1200" baseline="0" dirty="0" smtClean="0">
+              <a:solidFill>
+                <a:schemeClr val="tx1"/>
+              </a:solidFill>
+              <a:effectLst/>
+              <a:latin typeface="+mn-lt"/>
+              <a:ea typeface="+mn-ea"/>
+              <a:cs typeface="+mn-cs"/>
+            </a:endParaRPr>
+          </a:p>
+          <a:p>
+            <a:pPr marL="171450" marR="0" indent="-171450" algn="l" defTabSz="914400" rtl="0" eaLnBrk="1" fontAlgn="auto" latinLnBrk="0" hangingPunct="1">
+              <a:lnSpc>
+                <a:spcPct val="100000"/>
+              </a:lnSpc>
+              <a:spcBef>
+                <a:spcPts val="0"/>
+              </a:spcBef>
+              <a:spcAft>
+                <a:spcPts val="0"/>
+              </a:spcAft>
+              <a:buClrTx/>
+              <a:buSzTx/>
+              <a:buFontTx/>
+              <a:buChar char="-"/>
+              <a:tabLst/>
+              <a:defRPr/>
+            </a:pPr>
+            <a:r>
+              <a:rPr lang="en-IE" sz="1200" b="1" u="none" strike="noStrike" kern="1200" baseline="0" dirty="0" smtClean="0">
+                <a:solidFill>
+                  <a:schemeClr val="tx1"/>
+                </a:solidFill>
+                <a:effectLst/>
+                <a:latin typeface="+mn-lt"/>
+                <a:ea typeface="+mn-ea"/>
+                <a:cs typeface="+mn-cs"/>
+              </a:rPr>
+              <a:t>Views</a:t>
+            </a:r>
+            <a:r>
+              <a:rPr lang="en-IE" sz="1200" u="none" strike="noStrike" kern="1200" baseline="0" dirty="0" smtClean="0">
+                <a:solidFill>
+                  <a:schemeClr val="tx1"/>
+                </a:solidFill>
+                <a:effectLst/>
+                <a:latin typeface="+mn-lt"/>
+                <a:ea typeface="+mn-ea"/>
+                <a:cs typeface="+mn-cs"/>
+              </a:rPr>
+              <a:t> are Scala based and they get compiled -&gt; this gives </a:t>
+            </a:r>
+            <a:r>
+              <a:rPr lang="pl-PL" sz="1200" kern="1200" dirty="0" err="1" smtClean="0">
+                <a:solidFill>
+                  <a:schemeClr val="tx1"/>
+                </a:solidFill>
+                <a:effectLst/>
+                <a:latin typeface="+mn-lt"/>
+                <a:ea typeface="+mn-ea"/>
+                <a:cs typeface="+mn-cs"/>
+              </a:rPr>
+              <a:t>type</a:t>
+            </a:r>
+            <a:r>
+              <a:rPr lang="pl-PL" sz="1200" kern="1200" dirty="0" smtClean="0">
+                <a:solidFill>
+                  <a:schemeClr val="tx1"/>
+                </a:solidFill>
+                <a:effectLst/>
+                <a:latin typeface="+mn-lt"/>
+                <a:ea typeface="+mn-ea"/>
+                <a:cs typeface="+mn-cs"/>
+              </a:rPr>
+              <a:t> </a:t>
+            </a:r>
+            <a:r>
+              <a:rPr lang="pl-PL" sz="1200" kern="1200" dirty="0" err="1" smtClean="0">
+                <a:solidFill>
+                  <a:schemeClr val="tx1"/>
+                </a:solidFill>
+                <a:effectLst/>
+                <a:latin typeface="+mn-lt"/>
+                <a:ea typeface="+mn-ea"/>
+                <a:cs typeface="+mn-cs"/>
+              </a:rPr>
+              <a:t>safety</a:t>
+            </a:r>
+            <a:r>
+              <a:rPr lang="pl-PL" sz="1200" kern="1200" dirty="0" smtClean="0">
+                <a:solidFill>
+                  <a:schemeClr val="tx1"/>
+                </a:solidFill>
+                <a:effectLst/>
+                <a:latin typeface="+mn-lt"/>
+                <a:ea typeface="+mn-ea"/>
+                <a:cs typeface="+mn-cs"/>
+              </a:rPr>
+              <a:t> and </a:t>
+            </a:r>
+            <a:r>
+              <a:rPr lang="en-IE" sz="1200" kern="1200" dirty="0" smtClean="0">
+                <a:solidFill>
+                  <a:schemeClr val="tx1"/>
+                </a:solidFill>
+                <a:effectLst/>
+                <a:latin typeface="+mn-lt"/>
+                <a:ea typeface="+mn-ea"/>
+                <a:cs typeface="+mn-cs"/>
+              </a:rPr>
+              <a:t>c</a:t>
+            </a:r>
+            <a:r>
+              <a:rPr lang="pl-PL" sz="1200" kern="1200" dirty="0" err="1" smtClean="0">
+                <a:solidFill>
+                  <a:schemeClr val="tx1"/>
+                </a:solidFill>
+                <a:effectLst/>
+                <a:latin typeface="+mn-lt"/>
+                <a:ea typeface="+mn-ea"/>
+                <a:cs typeface="+mn-cs"/>
+              </a:rPr>
+              <a:t>ompile-time</a:t>
+            </a:r>
+            <a:r>
+              <a:rPr lang="pl-PL" sz="1200" kern="1200" dirty="0" smtClean="0">
+                <a:solidFill>
+                  <a:schemeClr val="tx1"/>
+                </a:solidFill>
+                <a:effectLst/>
+                <a:latin typeface="+mn-lt"/>
+                <a:ea typeface="+mn-ea"/>
+                <a:cs typeface="+mn-cs"/>
+              </a:rPr>
+              <a:t> </a:t>
+            </a:r>
+            <a:r>
+              <a:rPr lang="pl-PL" sz="1200" kern="1200" dirty="0" err="1" smtClean="0">
+                <a:solidFill>
+                  <a:schemeClr val="tx1"/>
+                </a:solidFill>
+                <a:effectLst/>
+                <a:latin typeface="+mn-lt"/>
+                <a:ea typeface="+mn-ea"/>
+                <a:cs typeface="+mn-cs"/>
+              </a:rPr>
+              <a:t>checking</a:t>
+            </a:r>
+            <a:r>
+              <a:rPr lang="en-IE" sz="1200" kern="1200" dirty="0" smtClean="0">
+                <a:solidFill>
+                  <a:schemeClr val="tx1"/>
+                </a:solidFill>
+                <a:effectLst/>
+                <a:latin typeface="+mn-lt"/>
+                <a:ea typeface="+mn-ea"/>
+                <a:cs typeface="+mn-cs"/>
+              </a:rPr>
+              <a:t> of syntax</a:t>
+            </a:r>
+          </a:p>
+          <a:p>
+            <a:pPr marL="171450" marR="0" indent="-171450" algn="l" defTabSz="914400" rtl="0" eaLnBrk="1" fontAlgn="auto" latinLnBrk="0" hangingPunct="1">
+              <a:lnSpc>
+                <a:spcPct val="100000"/>
+              </a:lnSpc>
+              <a:spcBef>
+                <a:spcPts val="0"/>
+              </a:spcBef>
+              <a:spcAft>
+                <a:spcPts val="0"/>
+              </a:spcAft>
+              <a:buClrTx/>
+              <a:buSzTx/>
+              <a:buFontTx/>
+              <a:buChar char="-"/>
+              <a:tabLst/>
+              <a:defRPr/>
+            </a:pPr>
+            <a:endParaRPr lang="en-IE" sz="1200" u="none" strike="noStrike" kern="1200" baseline="0" dirty="0" smtClean="0">
+              <a:solidFill>
+                <a:schemeClr val="tx1"/>
+              </a:solidFill>
+              <a:effectLst/>
+              <a:latin typeface="+mn-lt"/>
+              <a:ea typeface="+mn-ea"/>
+              <a:cs typeface="+mn-cs"/>
+            </a:endParaRPr>
+          </a:p>
+          <a:p>
+            <a:pPr marL="171450" marR="0" indent="-171450" algn="l" defTabSz="914400" rtl="0" eaLnBrk="1" fontAlgn="auto" latinLnBrk="0" hangingPunct="1">
+              <a:lnSpc>
+                <a:spcPct val="100000"/>
+              </a:lnSpc>
+              <a:spcBef>
+                <a:spcPts val="0"/>
+              </a:spcBef>
+              <a:spcAft>
+                <a:spcPts val="0"/>
+              </a:spcAft>
+              <a:buClrTx/>
+              <a:buSzTx/>
+              <a:buFontTx/>
+              <a:buChar char="-"/>
+              <a:tabLst/>
+              <a:defRPr/>
+            </a:pPr>
+            <a:r>
+              <a:rPr lang="en-IE" sz="1200" u="none" strike="noStrike" kern="1200" baseline="0" dirty="0" smtClean="0">
+                <a:solidFill>
+                  <a:schemeClr val="tx1"/>
+                </a:solidFill>
+                <a:effectLst/>
+                <a:latin typeface="+mn-lt"/>
+                <a:ea typeface="+mn-ea"/>
+                <a:cs typeface="+mn-cs"/>
+              </a:rPr>
+              <a:t>Play! supports </a:t>
+            </a:r>
+            <a:r>
+              <a:rPr lang="en-IE" sz="1200" u="none" strike="noStrike" kern="1200" baseline="0" dirty="0" err="1" smtClean="0">
+                <a:solidFill>
+                  <a:schemeClr val="tx1"/>
+                </a:solidFill>
+                <a:effectLst/>
+                <a:latin typeface="+mn-lt"/>
+                <a:ea typeface="+mn-ea"/>
+                <a:cs typeface="+mn-cs"/>
+              </a:rPr>
+              <a:t>cient</a:t>
+            </a:r>
+            <a:r>
+              <a:rPr lang="en-IE" sz="1200" u="none" strike="noStrike" kern="1200" baseline="0" dirty="0" smtClean="0">
+                <a:solidFill>
+                  <a:schemeClr val="tx1"/>
+                </a:solidFill>
+                <a:effectLst/>
+                <a:latin typeface="+mn-lt"/>
+                <a:ea typeface="+mn-ea"/>
+                <a:cs typeface="+mn-cs"/>
+              </a:rPr>
+              <a:t>-side technologies such as </a:t>
+            </a:r>
+            <a:r>
+              <a:rPr lang="en-IE" sz="1200" u="none" strike="noStrike" kern="1200" baseline="0" dirty="0" err="1" smtClean="0">
+                <a:solidFill>
+                  <a:schemeClr val="tx1"/>
+                </a:solidFill>
+                <a:effectLst/>
+                <a:latin typeface="+mn-lt"/>
+                <a:ea typeface="+mn-ea"/>
+                <a:cs typeface="+mn-cs"/>
+              </a:rPr>
+              <a:t>CoffeeScript</a:t>
+            </a:r>
+            <a:r>
+              <a:rPr lang="en-IE" sz="1200" u="none" strike="noStrike" kern="1200" baseline="0" dirty="0" smtClean="0">
+                <a:solidFill>
+                  <a:schemeClr val="tx1"/>
+                </a:solidFill>
+                <a:effectLst/>
+                <a:latin typeface="+mn-lt"/>
+                <a:ea typeface="+mn-ea"/>
+                <a:cs typeface="+mn-cs"/>
+              </a:rPr>
+              <a:t> and LESS</a:t>
+            </a:r>
+          </a:p>
+          <a:p>
+            <a:pPr marL="171450" marR="0" indent="-171450" algn="l" defTabSz="914400" rtl="0" eaLnBrk="1" fontAlgn="auto" latinLnBrk="0" hangingPunct="1">
+              <a:lnSpc>
+                <a:spcPct val="100000"/>
+              </a:lnSpc>
+              <a:spcBef>
+                <a:spcPts val="0"/>
+              </a:spcBef>
+              <a:spcAft>
+                <a:spcPts val="0"/>
+              </a:spcAft>
+              <a:buClrTx/>
+              <a:buSzTx/>
+              <a:buFontTx/>
+              <a:buChar char="-"/>
+              <a:tabLst/>
+              <a:defRPr/>
+            </a:pPr>
+            <a:r>
+              <a:rPr lang="en-IE" sz="1200" u="none" strike="noStrike" kern="1200" baseline="0" dirty="0" smtClean="0">
+                <a:solidFill>
+                  <a:schemeClr val="tx1"/>
+                </a:solidFill>
+                <a:effectLst/>
+                <a:latin typeface="+mn-lt"/>
+                <a:ea typeface="+mn-ea"/>
+                <a:cs typeface="+mn-cs"/>
+              </a:rPr>
+              <a:t>Play! Supports server-side technologies such as </a:t>
+            </a:r>
+            <a:r>
+              <a:rPr lang="pl-PL" sz="1200" kern="1200" dirty="0" err="1" smtClean="0">
+                <a:solidFill>
+                  <a:schemeClr val="tx1"/>
+                </a:solidFill>
+                <a:effectLst/>
+                <a:latin typeface="+mn-lt"/>
+                <a:ea typeface="+mn-ea"/>
+                <a:cs typeface="+mn-cs"/>
+              </a:rPr>
+              <a:t>WebSockets</a:t>
+            </a:r>
+            <a:r>
+              <a:rPr lang="pl-PL" sz="1200" kern="1200" dirty="0" smtClean="0">
+                <a:solidFill>
+                  <a:schemeClr val="tx1"/>
+                </a:solidFill>
+                <a:effectLst/>
+                <a:latin typeface="+mn-lt"/>
+                <a:ea typeface="+mn-ea"/>
+                <a:cs typeface="+mn-cs"/>
+              </a:rPr>
+              <a:t> and Server-</a:t>
+            </a:r>
+            <a:r>
+              <a:rPr lang="pl-PL" sz="1200" kern="1200" dirty="0" err="1" smtClean="0">
+                <a:solidFill>
+                  <a:schemeClr val="tx1"/>
+                </a:solidFill>
+                <a:effectLst/>
+                <a:latin typeface="+mn-lt"/>
+                <a:ea typeface="+mn-ea"/>
+                <a:cs typeface="+mn-cs"/>
+              </a:rPr>
+              <a:t>Sent</a:t>
+            </a:r>
+            <a:r>
+              <a:rPr lang="pl-PL" sz="1200" kern="1200" dirty="0" smtClean="0">
+                <a:solidFill>
+                  <a:schemeClr val="tx1"/>
+                </a:solidFill>
+                <a:effectLst/>
+                <a:latin typeface="+mn-lt"/>
+                <a:ea typeface="+mn-ea"/>
+                <a:cs typeface="+mn-cs"/>
+              </a:rPr>
+              <a:t> </a:t>
+            </a:r>
+            <a:r>
+              <a:rPr lang="pl-PL" sz="1200" kern="1200" dirty="0" err="1" smtClean="0">
+                <a:solidFill>
+                  <a:schemeClr val="tx1"/>
+                </a:solidFill>
+                <a:effectLst/>
+                <a:latin typeface="+mn-lt"/>
+                <a:ea typeface="+mn-ea"/>
+                <a:cs typeface="+mn-cs"/>
+              </a:rPr>
+              <a:t>Events</a:t>
+            </a:r>
+            <a:endParaRPr lang="en-IE" sz="1200" kern="1200" dirty="0" smtClean="0">
+              <a:solidFill>
+                <a:schemeClr val="tx1"/>
+              </a:solidFill>
+              <a:effectLst/>
+              <a:latin typeface="+mn-lt"/>
+              <a:ea typeface="+mn-ea"/>
+              <a:cs typeface="+mn-cs"/>
+            </a:endParaRPr>
+          </a:p>
+          <a:p>
+            <a:pPr marL="171450" marR="0" indent="-171450" algn="l" defTabSz="914400" rtl="0" eaLnBrk="1" fontAlgn="auto" latinLnBrk="0" hangingPunct="1">
+              <a:lnSpc>
+                <a:spcPct val="100000"/>
+              </a:lnSpc>
+              <a:spcBef>
+                <a:spcPts val="0"/>
+              </a:spcBef>
+              <a:spcAft>
+                <a:spcPts val="0"/>
+              </a:spcAft>
+              <a:buClrTx/>
+              <a:buSzTx/>
+              <a:buFontTx/>
+              <a:buChar char="-"/>
+              <a:tabLst/>
+              <a:defRPr/>
+            </a:pPr>
+            <a:r>
+              <a:rPr lang="pl-PL" b="1" dirty="0" smtClean="0"/>
+              <a:t>JDBC</a:t>
+            </a:r>
+            <a:r>
+              <a:rPr lang="pl-PL" dirty="0" smtClean="0"/>
+              <a:t> </a:t>
+            </a:r>
+            <a:r>
+              <a:rPr lang="pl-PL" i="1" dirty="0" smtClean="0"/>
+              <a:t>Java </a:t>
+            </a:r>
+            <a:r>
+              <a:rPr lang="pl-PL" i="1" dirty="0" err="1" smtClean="0"/>
+              <a:t>DataBase</a:t>
+            </a:r>
+            <a:r>
+              <a:rPr lang="pl-PL" i="1" dirty="0" smtClean="0"/>
+              <a:t> Connectivity</a:t>
+            </a:r>
+            <a:r>
+              <a:rPr lang="pl-PL" dirty="0" smtClean="0"/>
+              <a:t> - łącze do baz danych w języku Java</a:t>
+            </a:r>
+            <a:r>
+              <a:rPr lang="en-IE" dirty="0" smtClean="0"/>
+              <a:t> </a:t>
             </a:r>
             <a:r>
               <a:rPr lang="en-IE" dirty="0" smtClean="0">
                 <a:sym typeface="Wingdings" panose="05000000000000000000" pitchFamily="2" charset="2"/>
               </a:rPr>
-              <a:t> t</a:t>
-            </a:r>
-            <a:r>
-              <a:rPr lang="en-IE" dirty="0" smtClean="0"/>
-              <a:t>hey provide</a:t>
-            </a:r>
-            <a:r>
-              <a:rPr lang="en-IE" baseline="0" dirty="0" smtClean="0"/>
-              <a:t> their own small server that can accommodate single application</a:t>
-            </a:r>
+              <a:t> </a:t>
+            </a:r>
+            <a:r>
+              <a:rPr lang="en-US" dirty="0" smtClean="0"/>
+              <a:t>This technology is an </a:t>
+            </a:r>
+            <a:r>
+              <a:rPr lang="en-US" dirty="0" smtClean="0">
+                <a:hlinkClick r:id="rId6" tooltip="Application programming interface"/>
+              </a:rPr>
+              <a:t>API</a:t>
+            </a:r>
+            <a:r>
+              <a:rPr lang="en-US" dirty="0" smtClean="0"/>
+              <a:t> for the </a:t>
+            </a:r>
+            <a:r>
+              <a:rPr lang="en-US" dirty="0" smtClean="0">
+                <a:hlinkClick r:id="rId7" tooltip="Java (programming language)"/>
+              </a:rPr>
+              <a:t>Java programming language</a:t>
+            </a:r>
+            <a:r>
+              <a:rPr lang="en-US" dirty="0" smtClean="0"/>
+              <a:t> that defines how a client may access a </a:t>
+            </a:r>
+            <a:r>
+              <a:rPr lang="en-US" dirty="0" smtClean="0">
+                <a:hlinkClick r:id="rId8" tooltip="Database"/>
+              </a:rPr>
+              <a:t>database</a:t>
+            </a:r>
+            <a:r>
+              <a:rPr lang="en-US" dirty="0" smtClean="0"/>
+              <a:t>. It provides methods for querying and updating data in a database.</a:t>
+            </a:r>
+            <a:endParaRPr lang="en-IE" dirty="0" smtClean="0"/>
+          </a:p>
+          <a:p>
+            <a:pPr marL="171450" marR="0" indent="-171450" algn="l" defTabSz="914400" rtl="0" eaLnBrk="1" fontAlgn="auto" latinLnBrk="0" hangingPunct="1">
+              <a:lnSpc>
+                <a:spcPct val="100000"/>
+              </a:lnSpc>
+              <a:spcBef>
+                <a:spcPts val="0"/>
+              </a:spcBef>
+              <a:spcAft>
+                <a:spcPts val="0"/>
+              </a:spcAft>
+              <a:buClrTx/>
+              <a:buSzTx/>
+              <a:buFontTx/>
+              <a:buChar char="-"/>
+              <a:tabLst/>
+              <a:defRPr/>
+            </a:pPr>
+            <a:r>
+              <a:rPr lang="en-IE" sz="1200" u="none" strike="noStrike" kern="1200" baseline="0" dirty="0" smtClean="0">
+                <a:solidFill>
+                  <a:schemeClr val="tx1"/>
+                </a:solidFill>
+                <a:effectLst/>
+                <a:latin typeface="+mn-lt"/>
+                <a:ea typeface="+mn-ea"/>
+                <a:cs typeface="+mn-cs"/>
+              </a:rPr>
+              <a:t>JPA – official ORM for Java</a:t>
+            </a:r>
+          </a:p>
+          <a:p>
+            <a:pPr marL="171450" marR="0" indent="-171450" algn="l" defTabSz="914400" rtl="0" eaLnBrk="1" fontAlgn="auto" latinLnBrk="0" hangingPunct="1">
+              <a:lnSpc>
+                <a:spcPct val="100000"/>
+              </a:lnSpc>
+              <a:spcBef>
+                <a:spcPts val="0"/>
+              </a:spcBef>
+              <a:spcAft>
+                <a:spcPts val="0"/>
+              </a:spcAft>
+              <a:buClrTx/>
+              <a:buSzTx/>
+              <a:buFontTx/>
+              <a:buChar char="-"/>
+              <a:tabLst/>
+              <a:defRPr/>
+            </a:pPr>
+            <a:r>
+              <a:rPr lang="en-IE" sz="1200" u="none" strike="noStrike" kern="1200" baseline="0" dirty="0" smtClean="0">
+                <a:solidFill>
+                  <a:schemeClr val="tx1"/>
+                </a:solidFill>
+                <a:effectLst/>
+                <a:latin typeface="+mn-lt"/>
+                <a:ea typeface="+mn-ea"/>
+                <a:cs typeface="+mn-cs"/>
+              </a:rPr>
+              <a:t>Junit and Selenium - </a:t>
+            </a:r>
+            <a:r>
+              <a:rPr lang="pl-PL" sz="1200" kern="1200" dirty="0" err="1" smtClean="0">
+                <a:solidFill>
+                  <a:schemeClr val="tx1"/>
+                </a:solidFill>
+                <a:effectLst/>
+                <a:latin typeface="+mn-lt"/>
+                <a:ea typeface="+mn-ea"/>
+                <a:cs typeface="+mn-cs"/>
+              </a:rPr>
+              <a:t>there's</a:t>
+            </a:r>
+            <a:r>
+              <a:rPr lang="pl-PL" sz="1200" kern="1200" dirty="0" smtClean="0">
+                <a:solidFill>
+                  <a:schemeClr val="tx1"/>
+                </a:solidFill>
+                <a:effectLst/>
+                <a:latin typeface="+mn-lt"/>
+                <a:ea typeface="+mn-ea"/>
+                <a:cs typeface="+mn-cs"/>
+              </a:rPr>
+              <a:t> no </a:t>
+            </a:r>
+            <a:r>
+              <a:rPr lang="pl-PL" sz="1200" kern="1200" dirty="0" err="1" smtClean="0">
+                <a:solidFill>
+                  <a:schemeClr val="tx1"/>
+                </a:solidFill>
+                <a:effectLst/>
+                <a:latin typeface="+mn-lt"/>
+                <a:ea typeface="+mn-ea"/>
+                <a:cs typeface="+mn-cs"/>
+              </a:rPr>
+              <a:t>particular</a:t>
+            </a:r>
+            <a:r>
+              <a:rPr lang="pl-PL" sz="1200" kern="1200" dirty="0" smtClean="0">
+                <a:solidFill>
+                  <a:schemeClr val="tx1"/>
+                </a:solidFill>
+                <a:effectLst/>
+                <a:latin typeface="+mn-lt"/>
+                <a:ea typeface="+mn-ea"/>
+                <a:cs typeface="+mn-cs"/>
+              </a:rPr>
+              <a:t> </a:t>
+            </a:r>
+            <a:r>
+              <a:rPr lang="pl-PL" sz="1200" kern="1200" dirty="0" err="1" smtClean="0">
+                <a:solidFill>
+                  <a:schemeClr val="tx1"/>
+                </a:solidFill>
+                <a:effectLst/>
+                <a:latin typeface="+mn-lt"/>
+                <a:ea typeface="+mn-ea"/>
+                <a:cs typeface="+mn-cs"/>
+              </a:rPr>
+              <a:t>obligation</a:t>
+            </a:r>
+            <a:r>
+              <a:rPr lang="pl-PL" sz="1200" kern="1200" dirty="0" smtClean="0">
+                <a:solidFill>
+                  <a:schemeClr val="tx1"/>
+                </a:solidFill>
+                <a:effectLst/>
+                <a:latin typeface="+mn-lt"/>
+                <a:ea typeface="+mn-ea"/>
+                <a:cs typeface="+mn-cs"/>
+              </a:rPr>
+              <a:t> to </a:t>
+            </a:r>
+            <a:r>
+              <a:rPr lang="pl-PL" sz="1200" kern="1200" dirty="0" err="1" smtClean="0">
+                <a:solidFill>
+                  <a:schemeClr val="tx1"/>
+                </a:solidFill>
+                <a:effectLst/>
+                <a:latin typeface="+mn-lt"/>
+                <a:ea typeface="+mn-ea"/>
+                <a:cs typeface="+mn-cs"/>
+              </a:rPr>
+              <a:t>use</a:t>
+            </a:r>
+            <a:r>
+              <a:rPr lang="pl-PL" sz="1200" kern="1200" dirty="0" smtClean="0">
+                <a:solidFill>
+                  <a:schemeClr val="tx1"/>
+                </a:solidFill>
+                <a:effectLst/>
+                <a:latin typeface="+mn-lt"/>
+                <a:ea typeface="+mn-ea"/>
+                <a:cs typeface="+mn-cs"/>
+              </a:rPr>
+              <a:t> </a:t>
+            </a:r>
+            <a:r>
+              <a:rPr lang="pl-PL" sz="1200" kern="1200" dirty="0" err="1" smtClean="0">
+                <a:solidFill>
+                  <a:schemeClr val="tx1"/>
+                </a:solidFill>
+                <a:effectLst/>
+                <a:latin typeface="+mn-lt"/>
+                <a:ea typeface="+mn-ea"/>
+                <a:cs typeface="+mn-cs"/>
+              </a:rPr>
+              <a:t>these</a:t>
+            </a:r>
+            <a:r>
+              <a:rPr lang="pl-PL" sz="1200" kern="1200" dirty="0" smtClean="0">
+                <a:solidFill>
+                  <a:schemeClr val="tx1"/>
+                </a:solidFill>
+                <a:effectLst/>
+                <a:latin typeface="+mn-lt"/>
+                <a:ea typeface="+mn-ea"/>
+                <a:cs typeface="+mn-cs"/>
+              </a:rPr>
+              <a:t> </a:t>
+            </a:r>
+            <a:r>
+              <a:rPr lang="pl-PL" sz="1200" kern="1200" dirty="0" err="1" smtClean="0">
+                <a:solidFill>
+                  <a:schemeClr val="tx1"/>
+                </a:solidFill>
+                <a:effectLst/>
+                <a:latin typeface="+mn-lt"/>
+                <a:ea typeface="+mn-ea"/>
+                <a:cs typeface="+mn-cs"/>
+              </a:rPr>
+              <a:t>technologies</a:t>
+            </a:r>
+            <a:r>
+              <a:rPr lang="pl-PL" sz="1200" kern="1200" dirty="0" smtClean="0">
+                <a:solidFill>
+                  <a:schemeClr val="tx1"/>
+                </a:solidFill>
+                <a:effectLst/>
+                <a:latin typeface="+mn-lt"/>
+                <a:ea typeface="+mn-ea"/>
+                <a:cs typeface="+mn-cs"/>
+              </a:rPr>
+              <a:t>. </a:t>
+            </a:r>
+            <a:r>
+              <a:rPr lang="pl-PL" sz="1200" kern="1200" dirty="0" err="1" smtClean="0">
+                <a:solidFill>
+                  <a:schemeClr val="tx1"/>
+                </a:solidFill>
+                <a:effectLst/>
+                <a:latin typeface="+mn-lt"/>
+                <a:ea typeface="+mn-ea"/>
+                <a:cs typeface="+mn-cs"/>
+              </a:rPr>
+              <a:t>They're</a:t>
+            </a:r>
+            <a:r>
+              <a:rPr lang="pl-PL" sz="1200" kern="1200" dirty="0" smtClean="0">
+                <a:solidFill>
+                  <a:schemeClr val="tx1"/>
+                </a:solidFill>
+                <a:effectLst/>
+                <a:latin typeface="+mn-lt"/>
+                <a:ea typeface="+mn-ea"/>
+                <a:cs typeface="+mn-cs"/>
+              </a:rPr>
+              <a:t> </a:t>
+            </a:r>
+            <a:r>
+              <a:rPr lang="pl-PL" sz="1200" kern="1200" dirty="0" err="1" smtClean="0">
+                <a:solidFill>
+                  <a:schemeClr val="tx1"/>
+                </a:solidFill>
+                <a:effectLst/>
+                <a:latin typeface="+mn-lt"/>
+                <a:ea typeface="+mn-ea"/>
+                <a:cs typeface="+mn-cs"/>
+              </a:rPr>
+              <a:t>provided</a:t>
+            </a:r>
+            <a:r>
+              <a:rPr lang="pl-PL" sz="1200" kern="1200" dirty="0" smtClean="0">
+                <a:solidFill>
+                  <a:schemeClr val="tx1"/>
+                </a:solidFill>
+                <a:effectLst/>
+                <a:latin typeface="+mn-lt"/>
+                <a:ea typeface="+mn-ea"/>
+                <a:cs typeface="+mn-cs"/>
+              </a:rPr>
+              <a:t> for </a:t>
+            </a:r>
+            <a:r>
+              <a:rPr lang="pl-PL" sz="1200" kern="1200" dirty="0" err="1" smtClean="0">
+                <a:solidFill>
+                  <a:schemeClr val="tx1"/>
+                </a:solidFill>
+                <a:effectLst/>
+                <a:latin typeface="+mn-lt"/>
+                <a:ea typeface="+mn-ea"/>
+                <a:cs typeface="+mn-cs"/>
+              </a:rPr>
+              <a:t>completeness</a:t>
+            </a:r>
+            <a:r>
+              <a:rPr lang="en-IE" sz="1200" kern="1200" dirty="0" smtClean="0">
+                <a:solidFill>
+                  <a:schemeClr val="tx1"/>
+                </a:solidFill>
+                <a:effectLst/>
+                <a:latin typeface="+mn-lt"/>
+                <a:ea typeface="+mn-ea"/>
+                <a:cs typeface="+mn-cs"/>
+              </a:rPr>
+              <a:t>.</a:t>
+            </a:r>
+            <a:endParaRPr lang="en-IE" sz="1200" u="none" strike="noStrike" kern="1200" baseline="0" dirty="0" smtClean="0">
+              <a:solidFill>
+                <a:schemeClr val="tx1"/>
+              </a:solidFill>
+              <a:effectLst/>
+              <a:latin typeface="+mn-lt"/>
+              <a:ea typeface="+mn-ea"/>
+              <a:cs typeface="+mn-cs"/>
+            </a:endParaRPr>
+          </a:p>
+          <a:p>
+            <a:pPr marL="171450" marR="0" indent="-171450" algn="l" defTabSz="914400" rtl="0" eaLnBrk="1" fontAlgn="auto" latinLnBrk="0" hangingPunct="1">
+              <a:lnSpc>
+                <a:spcPct val="100000"/>
+              </a:lnSpc>
+              <a:spcBef>
+                <a:spcPts val="0"/>
+              </a:spcBef>
+              <a:spcAft>
+                <a:spcPts val="0"/>
+              </a:spcAft>
+              <a:buClrTx/>
+              <a:buSzTx/>
+              <a:buFontTx/>
+              <a:buChar char="-"/>
+              <a:tabLst/>
+              <a:defRPr/>
+            </a:pPr>
+            <a:endParaRPr lang="en-IE" sz="1200" kern="1200" baseline="0" dirty="0" smtClean="0">
+              <a:solidFill>
+                <a:schemeClr val="tx1"/>
+              </a:solidFill>
+              <a:effectLst/>
+              <a:latin typeface="+mn-lt"/>
+              <a:ea typeface="+mn-ea"/>
+              <a:cs typeface="+mn-cs"/>
+            </a:endParaRPr>
+          </a:p>
+          <a:p>
+            <a:pPr marL="171450" marR="0" indent="-171450" algn="l" defTabSz="914400" rtl="0" eaLnBrk="1" fontAlgn="auto" latinLnBrk="0" hangingPunct="1">
+              <a:lnSpc>
+                <a:spcPct val="100000"/>
+              </a:lnSpc>
+              <a:spcBef>
+                <a:spcPts val="0"/>
+              </a:spcBef>
+              <a:spcAft>
+                <a:spcPts val="0"/>
+              </a:spcAft>
+              <a:buClrTx/>
+              <a:buSzTx/>
+              <a:buFontTx/>
+              <a:buChar char="-"/>
+              <a:tabLst/>
+              <a:defRPr/>
+            </a:pPr>
+            <a:endParaRPr lang="en-IE" sz="1200" kern="1200" dirty="0" smtClean="0">
+              <a:solidFill>
+                <a:schemeClr val="tx1"/>
+              </a:solidFill>
+              <a:effectLst/>
+              <a:latin typeface="+mn-lt"/>
+              <a:ea typeface="+mn-ea"/>
+              <a:cs typeface="+mn-cs"/>
+            </a:endParaRPr>
+          </a:p>
+          <a:p>
+            <a:pPr marL="171450" marR="0" indent="-171450" algn="l" defTabSz="914400" rtl="0" eaLnBrk="1" fontAlgn="auto" latinLnBrk="0" hangingPunct="1">
+              <a:lnSpc>
+                <a:spcPct val="100000"/>
+              </a:lnSpc>
+              <a:spcBef>
+                <a:spcPts val="0"/>
+              </a:spcBef>
+              <a:spcAft>
+                <a:spcPts val="0"/>
+              </a:spcAft>
+              <a:buClrTx/>
+              <a:buSzTx/>
+              <a:buFontTx/>
+              <a:buChar char="-"/>
+              <a:tabLst/>
+              <a:defRPr/>
+            </a:pPr>
+            <a:endParaRPr lang="en-US" dirty="0" smtClean="0"/>
+          </a:p>
+          <a:p>
+            <a:pPr marL="171450" marR="0" indent="-171450" algn="l" defTabSz="914400" rtl="0" eaLnBrk="1" fontAlgn="auto" latinLnBrk="0" hangingPunct="1">
+              <a:lnSpc>
+                <a:spcPct val="100000"/>
+              </a:lnSpc>
+              <a:spcBef>
+                <a:spcPts val="0"/>
+              </a:spcBef>
+              <a:spcAft>
+                <a:spcPts val="0"/>
+              </a:spcAft>
+              <a:buClrTx/>
+              <a:buSzTx/>
+              <a:buFontTx/>
+              <a:buChar char="-"/>
+              <a:tabLst/>
+              <a:defRPr/>
+            </a:pPr>
+            <a:endParaRPr lang="en-US" dirty="0" smtClean="0"/>
+          </a:p>
+          <a:p>
+            <a:pPr marL="171450" marR="0" indent="-171450" algn="l" defTabSz="914400" rtl="0" eaLnBrk="1" fontAlgn="auto" latinLnBrk="0" hangingPunct="1">
+              <a:lnSpc>
+                <a:spcPct val="100000"/>
+              </a:lnSpc>
+              <a:spcBef>
+                <a:spcPts val="0"/>
+              </a:spcBef>
+              <a:spcAft>
+                <a:spcPts val="0"/>
+              </a:spcAft>
+              <a:buClrTx/>
+              <a:buSzTx/>
+              <a:buFontTx/>
+              <a:buChar char="-"/>
+              <a:tabLst/>
+              <a:defRPr/>
+            </a:pPr>
+            <a:endParaRPr lang="en-IE" baseline="0" dirty="0" smtClean="0"/>
+          </a:p>
+          <a:p>
+            <a:pPr marL="171450" marR="0" indent="-171450" algn="l" defTabSz="914400" rtl="0" eaLnBrk="1" fontAlgn="auto" latinLnBrk="0" hangingPunct="1">
+              <a:lnSpc>
+                <a:spcPct val="100000"/>
+              </a:lnSpc>
+              <a:spcBef>
+                <a:spcPts val="0"/>
+              </a:spcBef>
+              <a:spcAft>
+                <a:spcPts val="0"/>
+              </a:spcAft>
+              <a:buClrTx/>
+              <a:buSzTx/>
+              <a:buFontTx/>
+              <a:buChar char="-"/>
+              <a:tabLst/>
+              <a:defRPr/>
+            </a:pPr>
+            <a:endParaRPr lang="en-IE" baseline="0" dirty="0" smtClean="0"/>
+          </a:p>
+          <a:p>
+            <a:pPr marL="171450" marR="0" indent="-171450" algn="l" defTabSz="914400" rtl="0" eaLnBrk="1" fontAlgn="auto" latinLnBrk="0" hangingPunct="1">
+              <a:lnSpc>
+                <a:spcPct val="100000"/>
+              </a:lnSpc>
+              <a:spcBef>
+                <a:spcPts val="0"/>
+              </a:spcBef>
+              <a:spcAft>
+                <a:spcPts val="0"/>
+              </a:spcAft>
+              <a:buClrTx/>
+              <a:buSzTx/>
+              <a:buFontTx/>
+              <a:buChar char="-"/>
+              <a:tabLst/>
+              <a:defRPr/>
+            </a:pPr>
+            <a:endParaRPr lang="pl-PL" dirty="0" smtClean="0"/>
           </a:p>
           <a:p>
             <a:pPr marL="171450" indent="-171450">
               <a:buFontTx/>
               <a:buChar char="-"/>
             </a:pPr>
-            <a:r>
-              <a:rPr lang="en-IE" b="1" baseline="0" dirty="0" smtClean="0"/>
-              <a:t>stateless</a:t>
-            </a:r>
-            <a:r>
-              <a:rPr lang="en-IE" baseline="0" dirty="0" smtClean="0"/>
-              <a:t> </a:t>
-            </a:r>
-            <a:r>
-              <a:rPr lang="en-IE" baseline="0" dirty="0" smtClean="0">
-                <a:sym typeface="Wingdings" panose="05000000000000000000" pitchFamily="2" charset="2"/>
-              </a:rPr>
-              <a:t></a:t>
-            </a:r>
-          </a:p>
-          <a:p>
-            <a:pPr marL="171450" indent="-171450">
-              <a:buFontTx/>
-              <a:buChar char="-"/>
-            </a:pPr>
-            <a:r>
-              <a:rPr lang="en-IE" b="1" baseline="0" dirty="0" smtClean="0">
-                <a:sym typeface="Wingdings" panose="05000000000000000000" pitchFamily="2" charset="2"/>
-              </a:rPr>
-              <a:t>concurrency</a:t>
-            </a:r>
-            <a:r>
-              <a:rPr lang="en-IE" baseline="0" dirty="0" smtClean="0">
-                <a:sym typeface="Wingdings" panose="05000000000000000000" pitchFamily="2" charset="2"/>
-              </a:rPr>
-              <a:t> </a:t>
-            </a:r>
-          </a:p>
-          <a:p>
-            <a:pPr marL="171450" indent="-171450">
-              <a:buFontTx/>
-              <a:buChar char="-"/>
-            </a:pPr>
-            <a:endParaRPr lang="en-IE" baseline="0" dirty="0" smtClean="0"/>
-          </a:p>
-          <a:p>
-            <a:pPr marL="171450" indent="-171450">
-              <a:buFontTx/>
-              <a:buChar char="-"/>
-            </a:pPr>
-            <a:endParaRPr lang="en-IE" baseline="0" dirty="0" smtClean="0"/>
+            <a:endParaRPr lang="en-IE" dirty="0" smtClean="0"/>
           </a:p>
           <a:p>
             <a:endParaRPr lang="pl-PL" dirty="0"/>
@@ -3227,7 +4383,7 @@
     </p:spTree>
     <p:extLst>
       <p:ext uri="{BB962C8B-B14F-4D97-AF65-F5344CB8AC3E}">
-        <p14:creationId xmlns:p14="http://schemas.microsoft.com/office/powerpoint/2010/main" val="1797159367"/>
+        <p14:creationId xmlns:p14="http://schemas.microsoft.com/office/powerpoint/2010/main" val="738843664"/>
       </p:ext>
     </p:extLst>
   </p:cSld>
@@ -3281,1311 +4437,50 @@
           <a:bodyPr/>
           <a:lstStyle/>
           <a:p>
-            <a:pPr marL="171450" indent="-171450">
-              <a:buFontTx/>
-              <a:buChar char="-"/>
-            </a:pPr>
-            <a:r>
-              <a:rPr lang="en-IE" dirty="0" smtClean="0"/>
-              <a:t>Play! consists of many common libraries and technologies</a:t>
-            </a:r>
-          </a:p>
-          <a:p>
-            <a:pPr marL="171450" marR="0" indent="-171450" algn="l" defTabSz="914400" rtl="0" eaLnBrk="1" fontAlgn="auto" latinLnBrk="0" hangingPunct="1">
-              <a:lnSpc>
-                <a:spcPct val="100000"/>
-              </a:lnSpc>
-              <a:spcBef>
-                <a:spcPts val="0"/>
-              </a:spcBef>
-              <a:spcAft>
-                <a:spcPts val="0"/>
-              </a:spcAft>
-              <a:buClrTx/>
-              <a:buSzTx/>
-              <a:buFontTx/>
-              <a:buChar char="-"/>
-              <a:tabLst/>
-              <a:defRPr/>
-            </a:pPr>
-            <a:r>
-              <a:rPr lang="en-IE" dirty="0" smtClean="0"/>
-              <a:t>Play executable and Play framework</a:t>
-            </a:r>
-          </a:p>
-          <a:p>
-            <a:pPr marL="171450" marR="0" indent="-171450" algn="l" defTabSz="914400" rtl="0" eaLnBrk="1" fontAlgn="auto" latinLnBrk="0" hangingPunct="1">
-              <a:lnSpc>
-                <a:spcPct val="100000"/>
-              </a:lnSpc>
-              <a:spcBef>
-                <a:spcPts val="0"/>
-              </a:spcBef>
-              <a:spcAft>
-                <a:spcPts val="0"/>
-              </a:spcAft>
-              <a:buClrTx/>
-              <a:buSzTx/>
-              <a:buFontTx/>
-              <a:buChar char="-"/>
-              <a:tabLst/>
-              <a:defRPr/>
-            </a:pPr>
-            <a:r>
-              <a:rPr lang="en-IE" dirty="0" smtClean="0"/>
-              <a:t>Play executable</a:t>
-            </a:r>
-          </a:p>
-          <a:p>
-            <a:pPr marL="628650" marR="0" lvl="1" indent="-171450" algn="l" defTabSz="914400" rtl="0" eaLnBrk="1" fontAlgn="auto" latinLnBrk="0" hangingPunct="1">
-              <a:lnSpc>
-                <a:spcPct val="100000"/>
-              </a:lnSpc>
-              <a:spcBef>
-                <a:spcPts val="0"/>
-              </a:spcBef>
-              <a:spcAft>
-                <a:spcPts val="0"/>
-              </a:spcAft>
-              <a:buClrTx/>
-              <a:buSzTx/>
-              <a:buFontTx/>
-              <a:buChar char="-"/>
-              <a:tabLst/>
-              <a:defRPr/>
-            </a:pPr>
-            <a:r>
-              <a:rPr lang="en-IE" baseline="0" dirty="0" smtClean="0"/>
-              <a:t>is a command line tool (u can create, run, test apps and also </a:t>
-            </a:r>
-            <a:r>
-              <a:rPr lang="en-IE" sz="1200" kern="1200" dirty="0" smtClean="0">
-                <a:solidFill>
-                  <a:schemeClr val="tx1"/>
-                </a:solidFill>
-                <a:effectLst/>
-                <a:latin typeface="+mn-lt"/>
-                <a:ea typeface="+mn-ea"/>
-                <a:cs typeface="+mn-cs"/>
-              </a:rPr>
-              <a:t>package apps for deployment as standalone executable jars)</a:t>
-            </a:r>
-            <a:endParaRPr lang="en-IE" baseline="0" dirty="0" smtClean="0"/>
-          </a:p>
-          <a:p>
-            <a:pPr marL="628650" marR="0" lvl="1" indent="-171450" algn="l" defTabSz="914400" rtl="0" eaLnBrk="1" fontAlgn="auto" latinLnBrk="0" hangingPunct="1">
-              <a:lnSpc>
-                <a:spcPct val="100000"/>
-              </a:lnSpc>
-              <a:spcBef>
-                <a:spcPts val="0"/>
-              </a:spcBef>
-              <a:spcAft>
-                <a:spcPts val="0"/>
-              </a:spcAft>
-              <a:buClrTx/>
-              <a:buSzTx/>
-              <a:buFontTx/>
-              <a:buChar char="-"/>
-              <a:tabLst/>
-              <a:defRPr/>
-            </a:pPr>
-            <a:r>
-              <a:rPr lang="en-IE" baseline="0" dirty="0" smtClean="0"/>
-              <a:t>consists of a few JVM-based tools and SBT</a:t>
-            </a:r>
-          </a:p>
-          <a:p>
-            <a:pPr marL="628650" marR="0" lvl="1" indent="-171450" algn="l" defTabSz="914400" rtl="0" eaLnBrk="1" fontAlgn="auto" latinLnBrk="0" hangingPunct="1">
-              <a:lnSpc>
-                <a:spcPct val="100000"/>
-              </a:lnSpc>
-              <a:spcBef>
-                <a:spcPts val="0"/>
-              </a:spcBef>
-              <a:spcAft>
-                <a:spcPts val="0"/>
-              </a:spcAft>
-              <a:buClrTx/>
-              <a:buSzTx/>
-              <a:buFontTx/>
-              <a:buChar char="-"/>
-              <a:tabLst/>
-              <a:defRPr/>
-            </a:pPr>
-            <a:endParaRPr lang="en-IE" baseline="0" dirty="0" smtClean="0"/>
-          </a:p>
-          <a:p>
-            <a:pPr marL="171450" marR="0" indent="-171450" algn="l" defTabSz="914400" rtl="0" eaLnBrk="1" fontAlgn="auto" latinLnBrk="0" hangingPunct="1">
-              <a:lnSpc>
-                <a:spcPct val="100000"/>
-              </a:lnSpc>
-              <a:spcBef>
-                <a:spcPts val="0"/>
-              </a:spcBef>
-              <a:spcAft>
-                <a:spcPts val="0"/>
-              </a:spcAft>
-              <a:buClrTx/>
-              <a:buSzTx/>
-              <a:buFontTx/>
-              <a:buChar char="-"/>
-              <a:tabLst/>
-              <a:defRPr/>
-            </a:pPr>
-            <a:r>
-              <a:rPr lang="en-IE" sz="1200" u="none" strike="noStrike" kern="1200" dirty="0" smtClean="0">
-                <a:solidFill>
-                  <a:schemeClr val="tx1"/>
-                </a:solidFill>
-                <a:effectLst/>
-                <a:latin typeface="+mn-lt"/>
-                <a:ea typeface="+mn-ea"/>
-                <a:cs typeface="+mn-cs"/>
-              </a:rPr>
-              <a:t>There are a range of technologies under the hood. Play! is self-hosted; this means rather than having to deploy a web container, it will run its own dedicated HTTP server per application. It will use Netty to do so.</a:t>
-            </a:r>
-          </a:p>
-          <a:p>
-            <a:pPr marL="171450" marR="0" indent="-171450" algn="l" defTabSz="914400" rtl="0" eaLnBrk="1" fontAlgn="auto" latinLnBrk="0" hangingPunct="1">
-              <a:lnSpc>
-                <a:spcPct val="100000"/>
-              </a:lnSpc>
-              <a:spcBef>
-                <a:spcPts val="0"/>
-              </a:spcBef>
-              <a:spcAft>
-                <a:spcPts val="0"/>
-              </a:spcAft>
-              <a:buClrTx/>
-              <a:buSzTx/>
-              <a:buFontTx/>
-              <a:buChar char="-"/>
-              <a:tabLst/>
-              <a:defRPr/>
-            </a:pPr>
             <a:r>
               <a:rPr lang="en-US" b="1" dirty="0" err="1" smtClean="0"/>
-              <a:t>Netty</a:t>
+              <a:t>Klout</a:t>
             </a:r>
             <a:r>
               <a:rPr lang="en-US" dirty="0" smtClean="0"/>
-              <a:t> is a </a:t>
+              <a:t> is a website and mobile app that uses </a:t>
             </a:r>
             <a:r>
               <a:rPr lang="en-US" dirty="0" smtClean="0">
-                <a:hlinkClick r:id="rId3" tooltip="Non-blocking I/O"/>
-              </a:rPr>
-              <a:t>non-blocking I/O</a:t>
+                <a:hlinkClick r:id="rId3" tooltip="Social media"/>
+              </a:rPr>
+              <a:t>social media</a:t>
             </a:r>
             <a:r>
               <a:rPr lang="en-US" dirty="0" smtClean="0"/>
-              <a:t> (NIO) client-server </a:t>
+              <a:t> </a:t>
             </a:r>
             <a:r>
               <a:rPr lang="en-US" dirty="0" smtClean="0">
-                <a:hlinkClick r:id="rId4" tooltip="Software framework"/>
-              </a:rPr>
-              <a:t>framework</a:t>
+                <a:hlinkClick r:id="rId4" tooltip="Analytics"/>
+              </a:rPr>
+              <a:t>analytics</a:t>
             </a:r>
             <a:r>
               <a:rPr lang="en-US" dirty="0" smtClean="0"/>
-              <a:t> for the development of </a:t>
-            </a:r>
-            <a:r>
-              <a:rPr lang="en-US" dirty="0" smtClean="0">
-                <a:hlinkClick r:id="rId5" tooltip="Java (software platform)"/>
-              </a:rPr>
-              <a:t>Java</a:t>
+              <a:t> to rank its users according to online social influence via the "</a:t>
+            </a:r>
+            <a:r>
+              <a:rPr lang="en-US" dirty="0" err="1" smtClean="0"/>
+              <a:t>Klout</a:t>
             </a:r>
             <a:r>
               <a:rPr lang="en-US" dirty="0" smtClean="0"/>
-              <a:t> network applications such as protocol servers and clients</a:t>
-            </a:r>
-          </a:p>
-          <a:p>
-            <a:pPr marL="171450" marR="0" indent="-171450" algn="l" defTabSz="914400" rtl="0" eaLnBrk="1" fontAlgn="auto" latinLnBrk="0" hangingPunct="1">
-              <a:lnSpc>
-                <a:spcPct val="100000"/>
-              </a:lnSpc>
-              <a:spcBef>
-                <a:spcPts val="0"/>
-              </a:spcBef>
-              <a:spcAft>
-                <a:spcPts val="0"/>
-              </a:spcAft>
-              <a:buClrTx/>
-              <a:buSzTx/>
-              <a:buFontTx/>
-              <a:buChar char="-"/>
-              <a:tabLst/>
-              <a:defRPr/>
-            </a:pPr>
-            <a:r>
-              <a:rPr lang="en-IE" sz="1200" kern="1200" dirty="0" smtClean="0">
-                <a:solidFill>
-                  <a:schemeClr val="tx1"/>
-                </a:solidFill>
-                <a:effectLst/>
-                <a:latin typeface="+mn-lt"/>
-                <a:ea typeface="+mn-ea"/>
-                <a:cs typeface="+mn-cs"/>
-              </a:rPr>
-              <a:t>The core of Play! code is built on top of </a:t>
-            </a:r>
-            <a:r>
-              <a:rPr lang="en-IE" sz="1200" b="1" kern="1200" dirty="0" err="1" smtClean="0">
-                <a:solidFill>
-                  <a:schemeClr val="tx1"/>
-                </a:solidFill>
-                <a:effectLst/>
-                <a:latin typeface="+mn-lt"/>
-                <a:ea typeface="+mn-ea"/>
-                <a:cs typeface="+mn-cs"/>
-              </a:rPr>
-              <a:t>Akka</a:t>
-            </a:r>
-            <a:r>
-              <a:rPr lang="en-IE" sz="1200" kern="1200" dirty="0" smtClean="0">
-                <a:solidFill>
-                  <a:schemeClr val="tx1"/>
-                </a:solidFill>
-                <a:effectLst/>
-                <a:latin typeface="+mn-lt"/>
-                <a:ea typeface="+mn-ea"/>
-                <a:cs typeface="+mn-cs"/>
-              </a:rPr>
-              <a:t>, a toolkit for creating concurrent applications on the JVM. </a:t>
-            </a:r>
-            <a:r>
-              <a:rPr lang="en-IE" sz="1200" kern="1200" dirty="0" err="1" smtClean="0">
-                <a:solidFill>
-                  <a:schemeClr val="tx1"/>
-                </a:solidFill>
-                <a:effectLst/>
-                <a:latin typeface="+mn-lt"/>
-                <a:ea typeface="+mn-ea"/>
-                <a:cs typeface="+mn-cs"/>
-              </a:rPr>
-              <a:t>Akka</a:t>
-            </a:r>
-            <a:r>
-              <a:rPr lang="en-IE" sz="1200" kern="1200" dirty="0" smtClean="0">
-                <a:solidFill>
-                  <a:schemeClr val="tx1"/>
-                </a:solidFill>
-                <a:effectLst/>
-                <a:latin typeface="+mn-lt"/>
-                <a:ea typeface="+mn-ea"/>
-                <a:cs typeface="+mn-cs"/>
-              </a:rPr>
-              <a:t> allows to create</a:t>
-            </a:r>
-            <a:r>
-              <a:rPr lang="en-IE" sz="1200" kern="1200" baseline="0" dirty="0" smtClean="0">
-                <a:solidFill>
-                  <a:schemeClr val="tx1"/>
-                </a:solidFill>
-                <a:effectLst/>
-                <a:latin typeface="+mn-lt"/>
-                <a:ea typeface="+mn-ea"/>
-                <a:cs typeface="+mn-cs"/>
-              </a:rPr>
-              <a:t> actors that send messages.</a:t>
-            </a:r>
-          </a:p>
-          <a:p>
-            <a:pPr marL="171450" marR="0" indent="-171450" algn="l" defTabSz="914400" rtl="0" eaLnBrk="1" fontAlgn="auto" latinLnBrk="0" hangingPunct="1">
-              <a:lnSpc>
-                <a:spcPct val="100000"/>
-              </a:lnSpc>
-              <a:spcBef>
-                <a:spcPts val="0"/>
-              </a:spcBef>
-              <a:spcAft>
-                <a:spcPts val="0"/>
-              </a:spcAft>
-              <a:buClrTx/>
-              <a:buSzTx/>
-              <a:buFontTx/>
-              <a:buChar char="-"/>
-              <a:tabLst/>
-              <a:defRPr/>
-            </a:pPr>
-            <a:r>
-              <a:rPr lang="pl-PL" sz="1200" kern="1200" dirty="0" smtClean="0">
-                <a:solidFill>
-                  <a:schemeClr val="tx1"/>
-                </a:solidFill>
-                <a:effectLst/>
-                <a:latin typeface="+mn-lt"/>
-                <a:ea typeface="+mn-ea"/>
-                <a:cs typeface="+mn-cs"/>
-              </a:rPr>
-              <a:t> </a:t>
-            </a:r>
-            <a:r>
-              <a:rPr lang="en-IE" sz="1200" u="none" strike="noStrike" kern="1200" dirty="0" smtClean="0">
-                <a:solidFill>
-                  <a:schemeClr val="tx1"/>
-                </a:solidFill>
-                <a:effectLst/>
-                <a:latin typeface="+mn-lt"/>
-                <a:ea typeface="+mn-ea"/>
-                <a:cs typeface="+mn-cs"/>
-              </a:rPr>
-              <a:t>Logging in Play! is provided by </a:t>
-            </a:r>
-            <a:r>
-              <a:rPr lang="en-IE" sz="1200" b="1" u="none" strike="noStrike" kern="1200" dirty="0" err="1" smtClean="0">
-                <a:solidFill>
-                  <a:schemeClr val="tx1"/>
-                </a:solidFill>
-                <a:effectLst/>
-                <a:latin typeface="+mn-lt"/>
-                <a:ea typeface="+mn-ea"/>
-                <a:cs typeface="+mn-cs"/>
-              </a:rPr>
-              <a:t>Logback</a:t>
-            </a:r>
-            <a:r>
-              <a:rPr lang="en-IE" sz="1200" u="none" strike="noStrike" kern="1200" dirty="0" smtClean="0">
-                <a:solidFill>
-                  <a:schemeClr val="tx1"/>
-                </a:solidFill>
-                <a:effectLst/>
-                <a:latin typeface="+mn-lt"/>
-                <a:ea typeface="+mn-ea"/>
-                <a:cs typeface="+mn-cs"/>
-              </a:rPr>
-              <a:t>, a popular Java-based logging framework. </a:t>
-            </a:r>
-          </a:p>
-          <a:p>
-            <a:pPr marL="171450" marR="0" indent="-171450" algn="l" defTabSz="914400" rtl="0" eaLnBrk="1" fontAlgn="auto" latinLnBrk="0" hangingPunct="1">
-              <a:lnSpc>
-                <a:spcPct val="100000"/>
-              </a:lnSpc>
-              <a:spcBef>
-                <a:spcPts val="0"/>
-              </a:spcBef>
-              <a:spcAft>
-                <a:spcPts val="0"/>
-              </a:spcAft>
-              <a:buClrTx/>
-              <a:buSzTx/>
-              <a:buFontTx/>
-              <a:buChar char="-"/>
-              <a:tabLst/>
-              <a:defRPr/>
-            </a:pPr>
-            <a:endParaRPr lang="en-IE" sz="1200" u="none" strike="noStrike" kern="1200" baseline="0" dirty="0" smtClean="0">
-              <a:solidFill>
-                <a:schemeClr val="tx1"/>
-              </a:solidFill>
-              <a:effectLst/>
-              <a:latin typeface="+mn-lt"/>
-              <a:ea typeface="+mn-ea"/>
-              <a:cs typeface="+mn-cs"/>
-            </a:endParaRPr>
-          </a:p>
-          <a:p>
-            <a:pPr marL="171450" marR="0" indent="-171450" algn="l" defTabSz="914400" rtl="0" eaLnBrk="1" fontAlgn="auto" latinLnBrk="0" hangingPunct="1">
-              <a:lnSpc>
-                <a:spcPct val="100000"/>
-              </a:lnSpc>
-              <a:spcBef>
-                <a:spcPts val="0"/>
-              </a:spcBef>
-              <a:spcAft>
-                <a:spcPts val="0"/>
-              </a:spcAft>
-              <a:buClrTx/>
-              <a:buSzTx/>
-              <a:buFontTx/>
-              <a:buChar char="-"/>
-              <a:tabLst/>
-              <a:defRPr/>
-            </a:pPr>
-            <a:r>
-              <a:rPr lang="en-IE" sz="1200" b="1" u="none" strike="noStrike" kern="1200" baseline="0" dirty="0" smtClean="0">
-                <a:solidFill>
-                  <a:schemeClr val="tx1"/>
-                </a:solidFill>
-                <a:effectLst/>
-                <a:latin typeface="+mn-lt"/>
-                <a:ea typeface="+mn-ea"/>
-                <a:cs typeface="+mn-cs"/>
-              </a:rPr>
-              <a:t>Views</a:t>
-            </a:r>
-            <a:r>
-              <a:rPr lang="en-IE" sz="1200" u="none" strike="noStrike" kern="1200" baseline="0" dirty="0" smtClean="0">
-                <a:solidFill>
-                  <a:schemeClr val="tx1"/>
-                </a:solidFill>
-                <a:effectLst/>
-                <a:latin typeface="+mn-lt"/>
-                <a:ea typeface="+mn-ea"/>
-                <a:cs typeface="+mn-cs"/>
-              </a:rPr>
-              <a:t> are Scala based and they get compiled -&gt; this gives </a:t>
-            </a:r>
-            <a:r>
-              <a:rPr lang="pl-PL" sz="1200" kern="1200" dirty="0" err="1" smtClean="0">
-                <a:solidFill>
-                  <a:schemeClr val="tx1"/>
-                </a:solidFill>
-                <a:effectLst/>
-                <a:latin typeface="+mn-lt"/>
-                <a:ea typeface="+mn-ea"/>
-                <a:cs typeface="+mn-cs"/>
-              </a:rPr>
-              <a:t>type</a:t>
-            </a:r>
-            <a:r>
-              <a:rPr lang="pl-PL" sz="1200" kern="1200" dirty="0" smtClean="0">
-                <a:solidFill>
-                  <a:schemeClr val="tx1"/>
-                </a:solidFill>
-                <a:effectLst/>
-                <a:latin typeface="+mn-lt"/>
-                <a:ea typeface="+mn-ea"/>
-                <a:cs typeface="+mn-cs"/>
-              </a:rPr>
-              <a:t> </a:t>
-            </a:r>
-            <a:r>
-              <a:rPr lang="pl-PL" sz="1200" kern="1200" dirty="0" err="1" smtClean="0">
-                <a:solidFill>
-                  <a:schemeClr val="tx1"/>
-                </a:solidFill>
-                <a:effectLst/>
-                <a:latin typeface="+mn-lt"/>
-                <a:ea typeface="+mn-ea"/>
-                <a:cs typeface="+mn-cs"/>
-              </a:rPr>
-              <a:t>safety</a:t>
-            </a:r>
-            <a:r>
-              <a:rPr lang="pl-PL" sz="1200" kern="1200" dirty="0" smtClean="0">
-                <a:solidFill>
-                  <a:schemeClr val="tx1"/>
-                </a:solidFill>
-                <a:effectLst/>
-                <a:latin typeface="+mn-lt"/>
-                <a:ea typeface="+mn-ea"/>
-                <a:cs typeface="+mn-cs"/>
-              </a:rPr>
-              <a:t> and </a:t>
-            </a:r>
-            <a:r>
-              <a:rPr lang="en-IE" sz="1200" kern="1200" dirty="0" smtClean="0">
-                <a:solidFill>
-                  <a:schemeClr val="tx1"/>
-                </a:solidFill>
-                <a:effectLst/>
-                <a:latin typeface="+mn-lt"/>
-                <a:ea typeface="+mn-ea"/>
-                <a:cs typeface="+mn-cs"/>
-              </a:rPr>
-              <a:t>c</a:t>
-            </a:r>
-            <a:r>
-              <a:rPr lang="pl-PL" sz="1200" kern="1200" dirty="0" err="1" smtClean="0">
-                <a:solidFill>
-                  <a:schemeClr val="tx1"/>
-                </a:solidFill>
-                <a:effectLst/>
-                <a:latin typeface="+mn-lt"/>
-                <a:ea typeface="+mn-ea"/>
-                <a:cs typeface="+mn-cs"/>
-              </a:rPr>
-              <a:t>ompile-time</a:t>
-            </a:r>
-            <a:r>
-              <a:rPr lang="pl-PL" sz="1200" kern="1200" dirty="0" smtClean="0">
-                <a:solidFill>
-                  <a:schemeClr val="tx1"/>
-                </a:solidFill>
-                <a:effectLst/>
-                <a:latin typeface="+mn-lt"/>
-                <a:ea typeface="+mn-ea"/>
-                <a:cs typeface="+mn-cs"/>
-              </a:rPr>
-              <a:t> </a:t>
-            </a:r>
-            <a:r>
-              <a:rPr lang="pl-PL" sz="1200" kern="1200" dirty="0" err="1" smtClean="0">
-                <a:solidFill>
-                  <a:schemeClr val="tx1"/>
-                </a:solidFill>
-                <a:effectLst/>
-                <a:latin typeface="+mn-lt"/>
-                <a:ea typeface="+mn-ea"/>
-                <a:cs typeface="+mn-cs"/>
-              </a:rPr>
-              <a:t>checking</a:t>
-            </a:r>
-            <a:r>
-              <a:rPr lang="en-IE" sz="1200" kern="1200" dirty="0" smtClean="0">
-                <a:solidFill>
-                  <a:schemeClr val="tx1"/>
-                </a:solidFill>
-                <a:effectLst/>
-                <a:latin typeface="+mn-lt"/>
-                <a:ea typeface="+mn-ea"/>
-                <a:cs typeface="+mn-cs"/>
-              </a:rPr>
-              <a:t> of syntax</a:t>
-            </a:r>
-          </a:p>
-          <a:p>
-            <a:pPr marL="171450" marR="0" indent="-171450" algn="l" defTabSz="914400" rtl="0" eaLnBrk="1" fontAlgn="auto" latinLnBrk="0" hangingPunct="1">
-              <a:lnSpc>
-                <a:spcPct val="100000"/>
-              </a:lnSpc>
-              <a:spcBef>
-                <a:spcPts val="0"/>
-              </a:spcBef>
-              <a:spcAft>
-                <a:spcPts val="0"/>
-              </a:spcAft>
-              <a:buClrTx/>
-              <a:buSzTx/>
-              <a:buFontTx/>
-              <a:buChar char="-"/>
-              <a:tabLst/>
-              <a:defRPr/>
-            </a:pPr>
-            <a:endParaRPr lang="en-IE" sz="1200" u="none" strike="noStrike" kern="1200" baseline="0" dirty="0" smtClean="0">
-              <a:solidFill>
-                <a:schemeClr val="tx1"/>
-              </a:solidFill>
-              <a:effectLst/>
-              <a:latin typeface="+mn-lt"/>
-              <a:ea typeface="+mn-ea"/>
-              <a:cs typeface="+mn-cs"/>
-            </a:endParaRPr>
-          </a:p>
-          <a:p>
-            <a:pPr marL="171450" marR="0" indent="-171450" algn="l" defTabSz="914400" rtl="0" eaLnBrk="1" fontAlgn="auto" latinLnBrk="0" hangingPunct="1">
-              <a:lnSpc>
-                <a:spcPct val="100000"/>
-              </a:lnSpc>
-              <a:spcBef>
-                <a:spcPts val="0"/>
-              </a:spcBef>
-              <a:spcAft>
-                <a:spcPts val="0"/>
-              </a:spcAft>
-              <a:buClrTx/>
-              <a:buSzTx/>
-              <a:buFontTx/>
-              <a:buChar char="-"/>
-              <a:tabLst/>
-              <a:defRPr/>
-            </a:pPr>
-            <a:r>
-              <a:rPr lang="en-IE" sz="1200" u="none" strike="noStrike" kern="1200" baseline="0" dirty="0" smtClean="0">
-                <a:solidFill>
-                  <a:schemeClr val="tx1"/>
-                </a:solidFill>
-                <a:effectLst/>
-                <a:latin typeface="+mn-lt"/>
-                <a:ea typeface="+mn-ea"/>
-                <a:cs typeface="+mn-cs"/>
-              </a:rPr>
-              <a:t>Play! supports </a:t>
-            </a:r>
-            <a:r>
-              <a:rPr lang="en-IE" sz="1200" u="none" strike="noStrike" kern="1200" baseline="0" dirty="0" err="1" smtClean="0">
-                <a:solidFill>
-                  <a:schemeClr val="tx1"/>
-                </a:solidFill>
-                <a:effectLst/>
-                <a:latin typeface="+mn-lt"/>
-                <a:ea typeface="+mn-ea"/>
-                <a:cs typeface="+mn-cs"/>
-              </a:rPr>
-              <a:t>cient</a:t>
-            </a:r>
-            <a:r>
-              <a:rPr lang="en-IE" sz="1200" u="none" strike="noStrike" kern="1200" baseline="0" dirty="0" smtClean="0">
-                <a:solidFill>
-                  <a:schemeClr val="tx1"/>
-                </a:solidFill>
-                <a:effectLst/>
-                <a:latin typeface="+mn-lt"/>
-                <a:ea typeface="+mn-ea"/>
-                <a:cs typeface="+mn-cs"/>
-              </a:rPr>
-              <a:t>-side technologies such as </a:t>
-            </a:r>
-            <a:r>
-              <a:rPr lang="en-IE" sz="1200" u="none" strike="noStrike" kern="1200" baseline="0" dirty="0" err="1" smtClean="0">
-                <a:solidFill>
-                  <a:schemeClr val="tx1"/>
-                </a:solidFill>
-                <a:effectLst/>
-                <a:latin typeface="+mn-lt"/>
-                <a:ea typeface="+mn-ea"/>
-                <a:cs typeface="+mn-cs"/>
-              </a:rPr>
-              <a:t>CoffeeScript</a:t>
-            </a:r>
-            <a:r>
-              <a:rPr lang="en-IE" sz="1200" u="none" strike="noStrike" kern="1200" baseline="0" dirty="0" smtClean="0">
-                <a:solidFill>
-                  <a:schemeClr val="tx1"/>
-                </a:solidFill>
-                <a:effectLst/>
-                <a:latin typeface="+mn-lt"/>
-                <a:ea typeface="+mn-ea"/>
-                <a:cs typeface="+mn-cs"/>
-              </a:rPr>
-              <a:t> and LESS</a:t>
-            </a:r>
-          </a:p>
-          <a:p>
-            <a:pPr marL="171450" marR="0" indent="-171450" algn="l" defTabSz="914400" rtl="0" eaLnBrk="1" fontAlgn="auto" latinLnBrk="0" hangingPunct="1">
-              <a:lnSpc>
-                <a:spcPct val="100000"/>
-              </a:lnSpc>
-              <a:spcBef>
-                <a:spcPts val="0"/>
-              </a:spcBef>
-              <a:spcAft>
-                <a:spcPts val="0"/>
-              </a:spcAft>
-              <a:buClrTx/>
-              <a:buSzTx/>
-              <a:buFontTx/>
-              <a:buChar char="-"/>
-              <a:tabLst/>
-              <a:defRPr/>
-            </a:pPr>
-            <a:r>
-              <a:rPr lang="en-IE" sz="1200" u="none" strike="noStrike" kern="1200" baseline="0" dirty="0" smtClean="0">
-                <a:solidFill>
-                  <a:schemeClr val="tx1"/>
-                </a:solidFill>
-                <a:effectLst/>
-                <a:latin typeface="+mn-lt"/>
-                <a:ea typeface="+mn-ea"/>
-                <a:cs typeface="+mn-cs"/>
-              </a:rPr>
-              <a:t>Play! Supports server-side technologies such as </a:t>
-            </a:r>
-            <a:r>
-              <a:rPr lang="pl-PL" sz="1200" kern="1200" dirty="0" err="1" smtClean="0">
-                <a:solidFill>
-                  <a:schemeClr val="tx1"/>
-                </a:solidFill>
-                <a:effectLst/>
-                <a:latin typeface="+mn-lt"/>
-                <a:ea typeface="+mn-ea"/>
-                <a:cs typeface="+mn-cs"/>
-              </a:rPr>
-              <a:t>WebSockets</a:t>
-            </a:r>
-            <a:r>
-              <a:rPr lang="pl-PL" sz="1200" kern="1200" dirty="0" smtClean="0">
-                <a:solidFill>
-                  <a:schemeClr val="tx1"/>
-                </a:solidFill>
-                <a:effectLst/>
-                <a:latin typeface="+mn-lt"/>
-                <a:ea typeface="+mn-ea"/>
-                <a:cs typeface="+mn-cs"/>
-              </a:rPr>
-              <a:t> and Server-</a:t>
-            </a:r>
-            <a:r>
-              <a:rPr lang="pl-PL" sz="1200" kern="1200" dirty="0" err="1" smtClean="0">
-                <a:solidFill>
-                  <a:schemeClr val="tx1"/>
-                </a:solidFill>
-                <a:effectLst/>
-                <a:latin typeface="+mn-lt"/>
-                <a:ea typeface="+mn-ea"/>
-                <a:cs typeface="+mn-cs"/>
-              </a:rPr>
-              <a:t>Sent</a:t>
-            </a:r>
-            <a:r>
-              <a:rPr lang="pl-PL" sz="1200" kern="1200" dirty="0" smtClean="0">
-                <a:solidFill>
-                  <a:schemeClr val="tx1"/>
-                </a:solidFill>
-                <a:effectLst/>
-                <a:latin typeface="+mn-lt"/>
-                <a:ea typeface="+mn-ea"/>
-                <a:cs typeface="+mn-cs"/>
-              </a:rPr>
-              <a:t> </a:t>
-            </a:r>
-            <a:r>
-              <a:rPr lang="pl-PL" sz="1200" kern="1200" dirty="0" err="1" smtClean="0">
-                <a:solidFill>
-                  <a:schemeClr val="tx1"/>
-                </a:solidFill>
-                <a:effectLst/>
-                <a:latin typeface="+mn-lt"/>
-                <a:ea typeface="+mn-ea"/>
-                <a:cs typeface="+mn-cs"/>
-              </a:rPr>
-              <a:t>Events</a:t>
-            </a:r>
-            <a:endParaRPr lang="en-IE" sz="1200" kern="1200" dirty="0" smtClean="0">
-              <a:solidFill>
-                <a:schemeClr val="tx1"/>
-              </a:solidFill>
-              <a:effectLst/>
-              <a:latin typeface="+mn-lt"/>
-              <a:ea typeface="+mn-ea"/>
-              <a:cs typeface="+mn-cs"/>
-            </a:endParaRPr>
-          </a:p>
-          <a:p>
-            <a:pPr marL="171450" marR="0" indent="-171450" algn="l" defTabSz="914400" rtl="0" eaLnBrk="1" fontAlgn="auto" latinLnBrk="0" hangingPunct="1">
-              <a:lnSpc>
-                <a:spcPct val="100000"/>
-              </a:lnSpc>
-              <a:spcBef>
-                <a:spcPts val="0"/>
-              </a:spcBef>
-              <a:spcAft>
-                <a:spcPts val="0"/>
-              </a:spcAft>
-              <a:buClrTx/>
-              <a:buSzTx/>
-              <a:buFontTx/>
-              <a:buChar char="-"/>
-              <a:tabLst/>
-              <a:defRPr/>
-            </a:pPr>
-            <a:r>
-              <a:rPr lang="pl-PL" b="1" dirty="0" smtClean="0"/>
-              <a:t>JDBC</a:t>
-            </a:r>
-            <a:r>
-              <a:rPr lang="pl-PL" dirty="0" smtClean="0"/>
-              <a:t> </a:t>
-            </a:r>
-            <a:r>
-              <a:rPr lang="pl-PL" i="1" dirty="0" smtClean="0"/>
-              <a:t>Java </a:t>
-            </a:r>
-            <a:r>
-              <a:rPr lang="pl-PL" i="1" dirty="0" err="1" smtClean="0"/>
-              <a:t>DataBase</a:t>
-            </a:r>
-            <a:r>
-              <a:rPr lang="pl-PL" i="1" dirty="0" smtClean="0"/>
-              <a:t> Connectivity</a:t>
-            </a:r>
-            <a:r>
-              <a:rPr lang="pl-PL" dirty="0" smtClean="0"/>
-              <a:t> - łącze do baz danych w języku Java</a:t>
-            </a:r>
-            <a:r>
-              <a:rPr lang="en-IE" dirty="0" smtClean="0"/>
-              <a:t> </a:t>
-            </a:r>
-            <a:r>
-              <a:rPr lang="en-IE" dirty="0" smtClean="0">
-                <a:sym typeface="Wingdings" panose="05000000000000000000" pitchFamily="2" charset="2"/>
-              </a:rPr>
-              <a:t> </a:t>
+              <a:t> Score", which is a numerical value between 1 and 100. In determining the user score, </a:t>
+            </a:r>
+            <a:r>
+              <a:rPr lang="en-US" dirty="0" err="1" smtClean="0"/>
+              <a:t>Klout</a:t>
             </a:r>
             <a:r>
               <a:rPr lang="en-US" dirty="0" smtClean="0"/>
-              <a:t>This technology is an </a:t>
-            </a:r>
-            <a:r>
-              <a:rPr lang="en-US" dirty="0" smtClean="0">
-                <a:hlinkClick r:id="rId6" tooltip="Application programming interface"/>
-              </a:rPr>
-              <a:t>API</a:t>
-            </a:r>
-            <a:r>
-              <a:rPr lang="en-US" dirty="0" smtClean="0"/>
-              <a:t> for the </a:t>
-            </a:r>
-            <a:r>
-              <a:rPr lang="en-US" dirty="0" smtClean="0">
-                <a:hlinkClick r:id="rId7" tooltip="Java (programming language)"/>
-              </a:rPr>
-              <a:t>Java programming language</a:t>
-            </a:r>
-            <a:r>
-              <a:rPr lang="en-US" dirty="0" smtClean="0"/>
-              <a:t> that defines how a client may access a </a:t>
-            </a:r>
-            <a:r>
-              <a:rPr lang="en-US" dirty="0" smtClean="0">
-                <a:hlinkClick r:id="rId8" tooltip="Database"/>
-              </a:rPr>
-              <a:t>database</a:t>
-            </a:r>
-            <a:r>
-              <a:rPr lang="en-US" dirty="0" smtClean="0"/>
-              <a:t>. It provides methods for querying and updating data in a database.</a:t>
-            </a:r>
-            <a:endParaRPr lang="en-IE" dirty="0" smtClean="0"/>
-          </a:p>
-          <a:p>
-            <a:pPr marL="171450" marR="0" indent="-171450" algn="l" defTabSz="914400" rtl="0" eaLnBrk="1" fontAlgn="auto" latinLnBrk="0" hangingPunct="1">
-              <a:lnSpc>
-                <a:spcPct val="100000"/>
-              </a:lnSpc>
-              <a:spcBef>
-                <a:spcPts val="0"/>
-              </a:spcBef>
-              <a:spcAft>
-                <a:spcPts val="0"/>
-              </a:spcAft>
-              <a:buClrTx/>
-              <a:buSzTx/>
-              <a:buFontTx/>
-              <a:buChar char="-"/>
-              <a:tabLst/>
-              <a:defRPr/>
-            </a:pPr>
-            <a:r>
-              <a:rPr lang="en-IE" sz="1200" u="none" strike="noStrike" kern="1200" baseline="0" dirty="0" smtClean="0">
-                <a:solidFill>
-                  <a:schemeClr val="tx1"/>
-                </a:solidFill>
-                <a:effectLst/>
-                <a:latin typeface="+mn-lt"/>
-                <a:ea typeface="+mn-ea"/>
-                <a:cs typeface="+mn-cs"/>
-              </a:rPr>
-              <a:t>JPA – official ORM for Java</a:t>
-            </a:r>
-          </a:p>
-          <a:p>
-            <a:pPr marL="171450" marR="0" indent="-171450" algn="l" defTabSz="914400" rtl="0" eaLnBrk="1" fontAlgn="auto" latinLnBrk="0" hangingPunct="1">
-              <a:lnSpc>
-                <a:spcPct val="100000"/>
-              </a:lnSpc>
-              <a:spcBef>
-                <a:spcPts val="0"/>
-              </a:spcBef>
-              <a:spcAft>
-                <a:spcPts val="0"/>
-              </a:spcAft>
-              <a:buClrTx/>
-              <a:buSzTx/>
-              <a:buFontTx/>
-              <a:buChar char="-"/>
-              <a:tabLst/>
-              <a:defRPr/>
-            </a:pPr>
-            <a:r>
-              <a:rPr lang="en-IE" sz="1200" u="none" strike="noStrike" kern="1200" baseline="0" dirty="0" smtClean="0">
-                <a:solidFill>
-                  <a:schemeClr val="tx1"/>
-                </a:solidFill>
-                <a:effectLst/>
-                <a:latin typeface="+mn-lt"/>
-                <a:ea typeface="+mn-ea"/>
-                <a:cs typeface="+mn-cs"/>
-              </a:rPr>
-              <a:t>Junit and Selenium - </a:t>
-            </a:r>
-            <a:r>
-              <a:rPr lang="pl-PL" sz="1200" kern="1200" dirty="0" err="1" smtClean="0">
-                <a:solidFill>
-                  <a:schemeClr val="tx1"/>
-                </a:solidFill>
-                <a:effectLst/>
-                <a:latin typeface="+mn-lt"/>
-                <a:ea typeface="+mn-ea"/>
-                <a:cs typeface="+mn-cs"/>
-              </a:rPr>
-              <a:t>there's</a:t>
-            </a:r>
-            <a:r>
-              <a:rPr lang="pl-PL" sz="1200" kern="1200" dirty="0" smtClean="0">
-                <a:solidFill>
-                  <a:schemeClr val="tx1"/>
-                </a:solidFill>
-                <a:effectLst/>
-                <a:latin typeface="+mn-lt"/>
-                <a:ea typeface="+mn-ea"/>
-                <a:cs typeface="+mn-cs"/>
-              </a:rPr>
-              <a:t> no </a:t>
-            </a:r>
-            <a:r>
-              <a:rPr lang="pl-PL" sz="1200" kern="1200" dirty="0" err="1" smtClean="0">
-                <a:solidFill>
-                  <a:schemeClr val="tx1"/>
-                </a:solidFill>
-                <a:effectLst/>
-                <a:latin typeface="+mn-lt"/>
-                <a:ea typeface="+mn-ea"/>
-                <a:cs typeface="+mn-cs"/>
-              </a:rPr>
-              <a:t>particular</a:t>
-            </a:r>
-            <a:r>
-              <a:rPr lang="pl-PL" sz="1200" kern="1200" dirty="0" smtClean="0">
-                <a:solidFill>
-                  <a:schemeClr val="tx1"/>
-                </a:solidFill>
-                <a:effectLst/>
-                <a:latin typeface="+mn-lt"/>
-                <a:ea typeface="+mn-ea"/>
-                <a:cs typeface="+mn-cs"/>
-              </a:rPr>
-              <a:t> </a:t>
-            </a:r>
-            <a:r>
-              <a:rPr lang="pl-PL" sz="1200" kern="1200" dirty="0" err="1" smtClean="0">
-                <a:solidFill>
-                  <a:schemeClr val="tx1"/>
-                </a:solidFill>
-                <a:effectLst/>
-                <a:latin typeface="+mn-lt"/>
-                <a:ea typeface="+mn-ea"/>
-                <a:cs typeface="+mn-cs"/>
-              </a:rPr>
-              <a:t>obligation</a:t>
-            </a:r>
-            <a:r>
-              <a:rPr lang="pl-PL" sz="1200" kern="1200" dirty="0" smtClean="0">
-                <a:solidFill>
-                  <a:schemeClr val="tx1"/>
-                </a:solidFill>
-                <a:effectLst/>
-                <a:latin typeface="+mn-lt"/>
-                <a:ea typeface="+mn-ea"/>
-                <a:cs typeface="+mn-cs"/>
-              </a:rPr>
-              <a:t> to </a:t>
-            </a:r>
-            <a:r>
-              <a:rPr lang="pl-PL" sz="1200" kern="1200" dirty="0" err="1" smtClean="0">
-                <a:solidFill>
-                  <a:schemeClr val="tx1"/>
-                </a:solidFill>
-                <a:effectLst/>
-                <a:latin typeface="+mn-lt"/>
-                <a:ea typeface="+mn-ea"/>
-                <a:cs typeface="+mn-cs"/>
-              </a:rPr>
-              <a:t>use</a:t>
-            </a:r>
-            <a:r>
-              <a:rPr lang="pl-PL" sz="1200" kern="1200" dirty="0" smtClean="0">
-                <a:solidFill>
-                  <a:schemeClr val="tx1"/>
-                </a:solidFill>
-                <a:effectLst/>
-                <a:latin typeface="+mn-lt"/>
-                <a:ea typeface="+mn-ea"/>
-                <a:cs typeface="+mn-cs"/>
-              </a:rPr>
-              <a:t> </a:t>
-            </a:r>
-            <a:r>
-              <a:rPr lang="pl-PL" sz="1200" kern="1200" dirty="0" err="1" smtClean="0">
-                <a:solidFill>
-                  <a:schemeClr val="tx1"/>
-                </a:solidFill>
-                <a:effectLst/>
-                <a:latin typeface="+mn-lt"/>
-                <a:ea typeface="+mn-ea"/>
-                <a:cs typeface="+mn-cs"/>
-              </a:rPr>
-              <a:t>these</a:t>
-            </a:r>
-            <a:r>
-              <a:rPr lang="pl-PL" sz="1200" kern="1200" dirty="0" smtClean="0">
-                <a:solidFill>
-                  <a:schemeClr val="tx1"/>
-                </a:solidFill>
-                <a:effectLst/>
-                <a:latin typeface="+mn-lt"/>
-                <a:ea typeface="+mn-ea"/>
-                <a:cs typeface="+mn-cs"/>
-              </a:rPr>
-              <a:t> </a:t>
-            </a:r>
-            <a:r>
-              <a:rPr lang="pl-PL" sz="1200" kern="1200" dirty="0" err="1" smtClean="0">
-                <a:solidFill>
-                  <a:schemeClr val="tx1"/>
-                </a:solidFill>
-                <a:effectLst/>
-                <a:latin typeface="+mn-lt"/>
-                <a:ea typeface="+mn-ea"/>
-                <a:cs typeface="+mn-cs"/>
-              </a:rPr>
-              <a:t>technologies</a:t>
-            </a:r>
-            <a:r>
-              <a:rPr lang="pl-PL" sz="1200" kern="1200" dirty="0" smtClean="0">
-                <a:solidFill>
-                  <a:schemeClr val="tx1"/>
-                </a:solidFill>
-                <a:effectLst/>
-                <a:latin typeface="+mn-lt"/>
-                <a:ea typeface="+mn-ea"/>
-                <a:cs typeface="+mn-cs"/>
-              </a:rPr>
-              <a:t>. </a:t>
-            </a:r>
-            <a:r>
-              <a:rPr lang="pl-PL" sz="1200" kern="1200" dirty="0" err="1" smtClean="0">
-                <a:solidFill>
-                  <a:schemeClr val="tx1"/>
-                </a:solidFill>
-                <a:effectLst/>
-                <a:latin typeface="+mn-lt"/>
-                <a:ea typeface="+mn-ea"/>
-                <a:cs typeface="+mn-cs"/>
-              </a:rPr>
-              <a:t>They're</a:t>
-            </a:r>
-            <a:r>
-              <a:rPr lang="pl-PL" sz="1200" kern="1200" dirty="0" smtClean="0">
-                <a:solidFill>
-                  <a:schemeClr val="tx1"/>
-                </a:solidFill>
-                <a:effectLst/>
-                <a:latin typeface="+mn-lt"/>
-                <a:ea typeface="+mn-ea"/>
-                <a:cs typeface="+mn-cs"/>
-              </a:rPr>
-              <a:t> </a:t>
-            </a:r>
-            <a:r>
-              <a:rPr lang="pl-PL" sz="1200" kern="1200" dirty="0" err="1" smtClean="0">
-                <a:solidFill>
-                  <a:schemeClr val="tx1"/>
-                </a:solidFill>
-                <a:effectLst/>
-                <a:latin typeface="+mn-lt"/>
-                <a:ea typeface="+mn-ea"/>
-                <a:cs typeface="+mn-cs"/>
-              </a:rPr>
-              <a:t>provided</a:t>
-            </a:r>
-            <a:r>
-              <a:rPr lang="pl-PL" sz="1200" kern="1200" dirty="0" smtClean="0">
-                <a:solidFill>
-                  <a:schemeClr val="tx1"/>
-                </a:solidFill>
-                <a:effectLst/>
-                <a:latin typeface="+mn-lt"/>
-                <a:ea typeface="+mn-ea"/>
-                <a:cs typeface="+mn-cs"/>
-              </a:rPr>
-              <a:t> for </a:t>
-            </a:r>
-            <a:r>
-              <a:rPr lang="pl-PL" sz="1200" kern="1200" dirty="0" err="1" smtClean="0">
-                <a:solidFill>
-                  <a:schemeClr val="tx1"/>
-                </a:solidFill>
-                <a:effectLst/>
-                <a:latin typeface="+mn-lt"/>
-                <a:ea typeface="+mn-ea"/>
-                <a:cs typeface="+mn-cs"/>
-              </a:rPr>
-              <a:t>completeness</a:t>
-            </a:r>
-            <a:r>
-              <a:rPr lang="en-IE" sz="1200" kern="1200" dirty="0" smtClean="0">
-                <a:solidFill>
-                  <a:schemeClr val="tx1"/>
-                </a:solidFill>
-                <a:effectLst/>
-                <a:latin typeface="+mn-lt"/>
-                <a:ea typeface="+mn-ea"/>
-                <a:cs typeface="+mn-cs"/>
-              </a:rPr>
-              <a:t>.</a:t>
-            </a:r>
-            <a:endParaRPr lang="en-IE" sz="1200" u="none" strike="noStrike" kern="1200" baseline="0" dirty="0" smtClean="0">
-              <a:solidFill>
-                <a:schemeClr val="tx1"/>
-              </a:solidFill>
-              <a:effectLst/>
-              <a:latin typeface="+mn-lt"/>
-              <a:ea typeface="+mn-ea"/>
-              <a:cs typeface="+mn-cs"/>
-            </a:endParaRPr>
-          </a:p>
-          <a:p>
-            <a:pPr marL="171450" marR="0" indent="-171450" algn="l" defTabSz="914400" rtl="0" eaLnBrk="1" fontAlgn="auto" latinLnBrk="0" hangingPunct="1">
-              <a:lnSpc>
-                <a:spcPct val="100000"/>
-              </a:lnSpc>
-              <a:spcBef>
-                <a:spcPts val="0"/>
-              </a:spcBef>
-              <a:spcAft>
-                <a:spcPts val="0"/>
-              </a:spcAft>
-              <a:buClrTx/>
-              <a:buSzTx/>
-              <a:buFontTx/>
-              <a:buChar char="-"/>
-              <a:tabLst/>
-              <a:defRPr/>
-            </a:pPr>
-            <a:endParaRPr lang="en-IE" sz="1200" kern="1200" baseline="0" dirty="0" smtClean="0">
-              <a:solidFill>
-                <a:schemeClr val="tx1"/>
-              </a:solidFill>
-              <a:effectLst/>
-              <a:latin typeface="+mn-lt"/>
-              <a:ea typeface="+mn-ea"/>
-              <a:cs typeface="+mn-cs"/>
-            </a:endParaRPr>
-          </a:p>
-          <a:p>
-            <a:pPr marL="171450" marR="0" indent="-171450" algn="l" defTabSz="914400" rtl="0" eaLnBrk="1" fontAlgn="auto" latinLnBrk="0" hangingPunct="1">
-              <a:lnSpc>
-                <a:spcPct val="100000"/>
-              </a:lnSpc>
-              <a:spcBef>
-                <a:spcPts val="0"/>
-              </a:spcBef>
-              <a:spcAft>
-                <a:spcPts val="0"/>
-              </a:spcAft>
-              <a:buClrTx/>
-              <a:buSzTx/>
-              <a:buFontTx/>
-              <a:buChar char="-"/>
-              <a:tabLst/>
-              <a:defRPr/>
-            </a:pPr>
-            <a:endParaRPr lang="en-IE" sz="1200" kern="1200" dirty="0" smtClean="0">
-              <a:solidFill>
-                <a:schemeClr val="tx1"/>
-              </a:solidFill>
-              <a:effectLst/>
-              <a:latin typeface="+mn-lt"/>
-              <a:ea typeface="+mn-ea"/>
-              <a:cs typeface="+mn-cs"/>
-            </a:endParaRPr>
-          </a:p>
-          <a:p>
-            <a:pPr marL="171450" marR="0" indent="-171450" algn="l" defTabSz="914400" rtl="0" eaLnBrk="1" fontAlgn="auto" latinLnBrk="0" hangingPunct="1">
-              <a:lnSpc>
-                <a:spcPct val="100000"/>
-              </a:lnSpc>
-              <a:spcBef>
-                <a:spcPts val="0"/>
-              </a:spcBef>
-              <a:spcAft>
-                <a:spcPts val="0"/>
-              </a:spcAft>
-              <a:buClrTx/>
-              <a:buSzTx/>
-              <a:buFontTx/>
-              <a:buChar char="-"/>
-              <a:tabLst/>
-              <a:defRPr/>
-            </a:pPr>
-            <a:endParaRPr lang="en-US" dirty="0" smtClean="0"/>
-          </a:p>
-          <a:p>
-            <a:pPr marL="171450" marR="0" indent="-171450" algn="l" defTabSz="914400" rtl="0" eaLnBrk="1" fontAlgn="auto" latinLnBrk="0" hangingPunct="1">
-              <a:lnSpc>
-                <a:spcPct val="100000"/>
-              </a:lnSpc>
-              <a:spcBef>
-                <a:spcPts val="0"/>
-              </a:spcBef>
-              <a:spcAft>
-                <a:spcPts val="0"/>
-              </a:spcAft>
-              <a:buClrTx/>
-              <a:buSzTx/>
-              <a:buFontTx/>
-              <a:buChar char="-"/>
-              <a:tabLst/>
-              <a:defRPr/>
-            </a:pPr>
-            <a:endParaRPr lang="en-US" dirty="0" smtClean="0"/>
-          </a:p>
-          <a:p>
-            <a:pPr marL="171450" marR="0" indent="-171450" algn="l" defTabSz="914400" rtl="0" eaLnBrk="1" fontAlgn="auto" latinLnBrk="0" hangingPunct="1">
-              <a:lnSpc>
-                <a:spcPct val="100000"/>
-              </a:lnSpc>
-              <a:spcBef>
-                <a:spcPts val="0"/>
-              </a:spcBef>
-              <a:spcAft>
-                <a:spcPts val="0"/>
-              </a:spcAft>
-              <a:buClrTx/>
-              <a:buSzTx/>
-              <a:buFontTx/>
-              <a:buChar char="-"/>
-              <a:tabLst/>
-              <a:defRPr/>
-            </a:pPr>
-            <a:endParaRPr lang="en-IE" baseline="0" dirty="0" smtClean="0"/>
-          </a:p>
-          <a:p>
-            <a:pPr marL="171450" marR="0" indent="-171450" algn="l" defTabSz="914400" rtl="0" eaLnBrk="1" fontAlgn="auto" latinLnBrk="0" hangingPunct="1">
-              <a:lnSpc>
-                <a:spcPct val="100000"/>
-              </a:lnSpc>
-              <a:spcBef>
-                <a:spcPts val="0"/>
-              </a:spcBef>
-              <a:spcAft>
-                <a:spcPts val="0"/>
-              </a:spcAft>
-              <a:buClrTx/>
-              <a:buSzTx/>
-              <a:buFontTx/>
-              <a:buChar char="-"/>
-              <a:tabLst/>
-              <a:defRPr/>
-            </a:pPr>
-            <a:endParaRPr lang="en-IE" baseline="0" dirty="0" smtClean="0"/>
-          </a:p>
-          <a:p>
-            <a:pPr marL="171450" marR="0" indent="-171450" algn="l" defTabSz="914400" rtl="0" eaLnBrk="1" fontAlgn="auto" latinLnBrk="0" hangingPunct="1">
-              <a:lnSpc>
-                <a:spcPct val="100000"/>
-              </a:lnSpc>
-              <a:spcBef>
-                <a:spcPts val="0"/>
-              </a:spcBef>
-              <a:spcAft>
-                <a:spcPts val="0"/>
-              </a:spcAft>
-              <a:buClrTx/>
-              <a:buSzTx/>
-              <a:buFontTx/>
-              <a:buChar char="-"/>
-              <a:tabLst/>
-              <a:defRPr/>
-            </a:pPr>
-            <a:endParaRPr lang="pl-PL" dirty="0" smtClean="0"/>
-          </a:p>
-          <a:p>
-            <a:pPr marL="171450" indent="-171450">
-              <a:buFontTx/>
-              <a:buChar char="-"/>
-            </a:pPr>
-            <a:endParaRPr lang="en-IE" dirty="0" smtClean="0"/>
-          </a:p>
-          <a:p>
+              <a:t> measures the size of a user's social media network and correlates the content created to measure how other users interact with that content.</a:t>
+            </a:r>
             <a:endParaRPr lang="pl-PL" dirty="0"/>
           </a:p>
         </p:txBody>
@@ -4616,7 +4511,7 @@
     </p:spTree>
     <p:extLst>
       <p:ext uri="{BB962C8B-B14F-4D97-AF65-F5344CB8AC3E}">
-        <p14:creationId xmlns:p14="http://schemas.microsoft.com/office/powerpoint/2010/main" val="738843664"/>
+        <p14:creationId xmlns:p14="http://schemas.microsoft.com/office/powerpoint/2010/main" val="2254226174"/>
       </p:ext>
     </p:extLst>
   </p:cSld>
@@ -4670,50 +4565,81 @@
           <a:bodyPr/>
           <a:lstStyle/>
           <a:p>
-            <a:r>
-              <a:rPr lang="en-US" b="1" dirty="0" err="1" smtClean="0"/>
-              <a:t>Klout</a:t>
+            <a:pPr marL="171450" indent="-171450">
+              <a:buFontTx/>
+              <a:buChar char="-"/>
+            </a:pPr>
+            <a:r>
+              <a:rPr lang="en-IE" b="1" dirty="0" smtClean="0"/>
+              <a:t>Binaries</a:t>
+            </a:r>
+            <a:r>
+              <a:rPr lang="en-IE" dirty="0" smtClean="0"/>
+              <a:t> </a:t>
+            </a:r>
+            <a:r>
+              <a:rPr lang="en-IE" dirty="0" smtClean="0">
+                <a:sym typeface="Wingdings" panose="05000000000000000000" pitchFamily="2" charset="2"/>
+              </a:rPr>
+              <a:t> </a:t>
             </a:r>
             <a:r>
               <a:rPr lang="en-US" dirty="0" smtClean="0"/>
-              <a:t> is a website and mobile app that uses </a:t>
+              <a:t>When downloading, a completely functional program without any installer is also often called a program binary, or binaries (as opposed to the </a:t>
             </a:r>
             <a:r>
               <a:rPr lang="en-US" dirty="0" smtClean="0">
-                <a:hlinkClick r:id="rId3" tooltip="Social media"/>
-              </a:rPr>
-              <a:t>social media</a:t>
+                <a:hlinkClick r:id="rId3" tooltip="Source code"/>
+              </a:rPr>
+              <a:t>source code</a:t>
             </a:r>
             <a:r>
               <a:rPr lang="en-US" dirty="0" smtClean="0"/>
-              <a:t> </a:t>
-            </a:r>
-            <a:r>
-              <a:rPr lang="en-US" dirty="0" smtClean="0">
-                <a:hlinkClick r:id="rId4" tooltip="Analytics"/>
-              </a:rPr>
-              <a:t>analytics</a:t>
+              <a:t>).</a:t>
+            </a:r>
+          </a:p>
+          <a:p>
+            <a:pPr marL="171450" indent="-171450">
+              <a:buFontTx/>
+              <a:buChar char="-"/>
+            </a:pPr>
+            <a:endParaRPr lang="en-US" dirty="0" smtClean="0"/>
+          </a:p>
+          <a:p>
+            <a:pPr marL="171450" indent="-171450">
+              <a:buFontTx/>
+              <a:buChar char="-"/>
+            </a:pPr>
+            <a:r>
+              <a:rPr lang="en-US" b="1" dirty="0" smtClean="0"/>
+              <a:t>External links</a:t>
             </a:r>
             <a:r>
               <a:rPr lang="en-US" dirty="0" smtClean="0"/>
-              <a:t> to rank its users according to online social influence via the "</a:t>
+              <a:t>: twitter, </a:t>
             </a:r>
             <a:r>
               <a:rPr lang="en-US" dirty="0" err="1" smtClean="0"/>
-              <a:t>Klout</a:t>
+              <a:t>github</a:t>
             </a:r>
             <a:r>
               <a:rPr lang="en-US" dirty="0" smtClean="0"/>
-              <a:t> Score", which is a numerical value between 1 and 100. In determining the user score, </a:t>
+              <a:t>, </a:t>
             </a:r>
             <a:r>
               <a:rPr lang="en-US" dirty="0" err="1" smtClean="0"/>
-              <a:t>Klout</a:t>
+              <a:t>stackoverflow</a:t>
             </a:r>
             <a:r>
               <a:rPr lang="en-US" dirty="0" smtClean="0"/>
-              <a:t> measures the size of a user's social media network and correlates the content created to measure how other users interact with that content.</a:t>
-            </a:r>
+              <a:t>…</a:t>
+            </a:r>
+          </a:p>
+          <a:p>
+            <a:pPr marL="171450" indent="-171450">
+              <a:buFontTx/>
+              <a:buChar char="-"/>
+            </a:pPr>
             <a:endParaRPr lang="pl-PL" dirty="0"/>
           </a:p>
         </p:txBody>
@@ -4744,7 +4670,7 @@
     </p:spTree>
     <p:extLst>
       <p:ext uri="{BB962C8B-B14F-4D97-AF65-F5344CB8AC3E}">
-        <p14:creationId xmlns:p14="http://schemas.microsoft.com/office/powerpoint/2010/main" val="2254226174"/>
+        <p14:creationId xmlns:p14="http://schemas.microsoft.com/office/powerpoint/2010/main" val="3958329140"/>
       </p:ext>
     </p:extLst>
   </p:cSld>
@@ -4803,32 +4729,34 @@
               <a:buChar char="-"/>
             </a:pPr>
             <a:r>
+              <a:rPr lang="en-IE" baseline="0" dirty="0" smtClean="0"/>
+              <a:t>command: </a:t>
+            </a:r>
+            <a:r>
               <a:rPr lang="en-IE" b="1" dirty="0" smtClean="0"/>
-              <a:t>Binaries</a:t>
-            </a:r>
-            <a:r>
-              <a:rPr lang="en-IE" dirty="0" smtClean="0"/>
+              <a:t>play</a:t>
+            </a:r>
+            <a:r>
+              <a:rPr lang="en-IE" b="1" baseline="0" dirty="0" smtClean="0"/>
+              <a:t> new</a:t>
+            </a:r>
+            <a:r>
+              <a:rPr lang="en-IE" baseline="0" dirty="0" smtClean="0"/>
               <a:t> </a:t>
             </a:r>
             <a:r>
-              <a:rPr lang="en-IE" dirty="0" smtClean="0">
+              <a:rPr lang="en-IE" baseline="0" dirty="0" err="1" smtClean="0"/>
+              <a:t>SwimClubManager</a:t>
+            </a:r>
+            <a:r>
+              <a:rPr lang="en-IE" baseline="0" dirty="0" smtClean="0"/>
+              <a:t> </a:t>
+            </a:r>
+            <a:r>
+              <a:rPr lang="en-IE" baseline="0" dirty="0" smtClean="0">
                 <a:sym typeface="Wingdings" panose="05000000000000000000" pitchFamily="2" charset="2"/>
               </a:rPr>
-              <a:t> </a:t>
-            </a:r>
-            <a:r>
-              <a:rPr lang="en-US" dirty="0" smtClean="0"/>
-              <a:t>When downloading, a completely functional program without any installer is also often called a program binary, or binaries (as opposed to the </a:t>
-            </a:r>
-            <a:r>
-              <a:rPr lang="en-US" dirty="0" smtClean="0">
-                <a:hlinkClick r:id="rId3" tooltip="Source code"/>
-              </a:rPr>
-              <a:t>source code</a:t>
-            </a:r>
-            <a:r>
-              <a:rPr lang="en-US" dirty="0" smtClean="0"/>
-              <a:t>).</a:t>
+              <a:t> creates new app</a:t>
             </a:r>
           </a:p>
           <a:p>
@@ -4836,36 +4764,41 @@
               <a:buFontTx/>
               <a:buChar char="-"/>
             </a:pPr>
-            <a:endParaRPr lang="en-US" dirty="0" smtClean="0"/>
-          </a:p>
-          <a:p>
-            <a:pPr marL="171450" indent="-171450">
+            <a:r>
+              <a:rPr lang="en-IE" baseline="0" dirty="0" smtClean="0">
+                <a:sym typeface="Wingdings" panose="05000000000000000000" pitchFamily="2" charset="2"/>
+              </a:rPr>
+              <a:t>Choose template:</a:t>
+            </a:r>
+          </a:p>
+          <a:p>
+            <a:pPr marL="0" indent="0">
               <a:buFontTx/>
-              <a:buChar char="-"/>
+              <a:buNone/>
             </a:pPr>
             <a:r>
-              <a:rPr lang="en-US" b="1" dirty="0" smtClean="0"/>
-              <a:t>External links</a:t>
-            </a:r>
-            <a:r>
-              <a:rPr lang="en-US" dirty="0" smtClean="0"/>
-              <a:t>: twitter, </a:t>
-            </a:r>
-            <a:r>
-              <a:rPr lang="en-US" dirty="0" err="1" smtClean="0"/>
-              <a:t>github</a:t>
-            </a:r>
-            <a:r>
-              <a:rPr lang="en-US" dirty="0" smtClean="0"/>
-              <a:t>, </a:t>
-            </a:r>
-            <a:r>
-              <a:rPr lang="en-US" dirty="0" err="1" smtClean="0"/>
-              <a:t>stackoverflow</a:t>
-            </a:r>
-            <a:r>
-              <a:rPr lang="en-US" dirty="0" smtClean="0"/>
-              <a:t>…</a:t>
+              <a:rPr lang="en-IE" baseline="0" dirty="0" smtClean="0">
+                <a:sym typeface="Wingdings" panose="05000000000000000000" pitchFamily="2" charset="2"/>
+              </a:rPr>
+              <a:t>	1 – Scala</a:t>
+            </a:r>
+          </a:p>
+          <a:p>
+            <a:pPr marL="0" indent="0">
+              <a:buFontTx/>
+              <a:buNone/>
+            </a:pPr>
+            <a:r>
+              <a:rPr lang="en-IE" baseline="0" dirty="0" smtClean="0">
+                <a:sym typeface="Wingdings" panose="05000000000000000000" pitchFamily="2" charset="2"/>
+              </a:rPr>
+              <a:t>	2 – </a:t>
+            </a:r>
+            <a:r>
+              <a:rPr lang="en-IE" b="1" baseline="0" dirty="0" smtClean="0">
+                <a:sym typeface="Wingdings" panose="05000000000000000000" pitchFamily="2" charset="2"/>
+              </a:rPr>
+              <a:t>Java</a:t>
             </a:r>
           </a:p>
           <a:p>
@@ -4903,7 +4836,7 @@
     </p:spTree>
     <p:extLst>
       <p:ext uri="{BB962C8B-B14F-4D97-AF65-F5344CB8AC3E}">
-        <p14:creationId xmlns:p14="http://schemas.microsoft.com/office/powerpoint/2010/main" val="3958329140"/>
+        <p14:creationId xmlns:p14="http://schemas.microsoft.com/office/powerpoint/2010/main" val="2226555687"/>
       </p:ext>
     </p:extLst>
   </p:cSld>
@@ -4957,89 +4890,95 @@
           <a:bodyPr/>
           <a:lstStyle/>
           <a:p>
-            <a:pPr marL="171450" indent="-171450">
-              <a:buFontTx/>
-              <a:buChar char="-"/>
-            </a:pPr>
-            <a:r>
-              <a:rPr lang="en-IE" baseline="0" dirty="0" smtClean="0"/>
-              <a:t>command: </a:t>
-            </a:r>
             <a:r>
               <a:rPr lang="en-IE" b="1" dirty="0" smtClean="0"/>
-              <a:t>play</a:t>
-            </a:r>
-            <a:r>
-              <a:rPr lang="en-IE" b="1" baseline="0" dirty="0" smtClean="0"/>
-              <a:t> new</a:t>
-            </a:r>
-            <a:r>
-              <a:rPr lang="en-IE" baseline="0" dirty="0" smtClean="0"/>
-              <a:t> </a:t>
-            </a:r>
-            <a:r>
-              <a:rPr lang="en-IE" baseline="0" dirty="0" err="1" smtClean="0"/>
-              <a:t>SwimClubManager</a:t>
-            </a:r>
-            <a:r>
-              <a:rPr lang="en-IE" baseline="0" dirty="0" smtClean="0"/>
-              <a:t> </a:t>
+              <a:t>Hot deployment </a:t>
+            </a:r>
+            <a:r>
+              <a:rPr lang="en-IE" dirty="0" smtClean="0">
+                <a:sym typeface="Wingdings" panose="05000000000000000000" pitchFamily="2" charset="2"/>
+              </a:rPr>
+              <a:t> you refresh the page in your web browser and changes are applied,</a:t>
             </a:r>
             <a:r>
               <a:rPr lang="en-IE" baseline="0" dirty="0" smtClean="0">
                 <a:sym typeface="Wingdings" panose="05000000000000000000" pitchFamily="2" charset="2"/>
               </a:rPr>
-              <a:t> creates new app</a:t>
-            </a:r>
-          </a:p>
-          <a:p>
-            <a:pPr marL="171450" indent="-171450">
-              <a:buFontTx/>
-              <a:buChar char="-"/>
-            </a:pPr>
+              <a:t> you don’t have to stop the run of the application and compile it again every time you make a change + descriptive error handling</a:t>
+            </a:r>
+          </a:p>
+          <a:p>
+            <a:r>
+              <a:rPr lang="en-IE" b="1" baseline="0" dirty="0" smtClean="0">
+                <a:sym typeface="Wingdings" panose="05000000000000000000" pitchFamily="2" charset="2"/>
+              </a:rPr>
+              <a:t>play compile</a:t>
+            </a:r>
             <a:r>
               <a:rPr lang="en-IE" baseline="0" dirty="0" smtClean="0">
                 <a:sym typeface="Wingdings" panose="05000000000000000000" pitchFamily="2" charset="2"/>
               </a:rPr>
-              <a:t>Choose template:</a:t>
-            </a:r>
-          </a:p>
-          <a:p>
-            <a:pPr marL="0" indent="0">
+              <a:t> command allows to just compile the code.</a:t>
+            </a:r>
+          </a:p>
+          <a:p>
+            <a:r>
+              <a:rPr lang="en-IE" b="1" baseline="0" dirty="0" smtClean="0">
+                <a:sym typeface="Wingdings" panose="05000000000000000000" pitchFamily="2" charset="2"/>
+              </a:rPr>
+              <a:t>play test </a:t>
+            </a:r>
+            <a:r>
+              <a:rPr lang="en-IE" baseline="0" dirty="0" smtClean="0">
+                <a:sym typeface="Wingdings" panose="05000000000000000000" pitchFamily="2" charset="2"/>
+              </a:rPr>
+              <a:t>will test your application  the template comes with 2 tests – a unit test and an integration test</a:t>
+            </a:r>
+          </a:p>
+          <a:p>
+            <a:pPr marL="0" marR="0" indent="0" algn="l" defTabSz="914400" rtl="0" eaLnBrk="1" fontAlgn="auto" latinLnBrk="0" hangingPunct="1">
+              <a:lnSpc>
+                <a:spcPct val="100000"/>
+              </a:lnSpc>
+              <a:spcBef>
+                <a:spcPts val="0"/>
+              </a:spcBef>
+              <a:spcAft>
+                <a:spcPts val="0"/>
+              </a:spcAft>
+              <a:buClrTx/>
+              <a:buSzTx/>
               <a:buFontTx/>
               <a:buNone/>
+              <a:tabLst/>
+              <a:defRPr/>
             </a:pPr>
+            <a:r>
+              <a:rPr lang="en-IE" b="1" baseline="0" dirty="0" smtClean="0">
+                <a:sym typeface="Wingdings" panose="05000000000000000000" pitchFamily="2" charset="2"/>
+              </a:rPr>
+              <a:t>play eclipse/idea </a:t>
+            </a:r>
             <a:r>
               <a:rPr lang="en-IE" baseline="0" dirty="0" smtClean="0">
                 <a:sym typeface="Wingdings" panose="05000000000000000000" pitchFamily="2" charset="2"/>
               </a:rPr>
-              <a:t>	1 – Scala</a:t>
-            </a:r>
-          </a:p>
-          <a:p>
-            <a:pPr marL="0" indent="0">
-              <a:buFontTx/>
-              <a:buNone/>
-            </a:pPr>
-            <a:r>
-              <a:rPr lang="en-IE" baseline="0" dirty="0" smtClean="0">
-                <a:sym typeface="Wingdings" panose="05000000000000000000" pitchFamily="2" charset="2"/>
-              </a:rPr>
-              <a:t>	2 – </a:t>
-            </a:r>
-            <a:r>
-              <a:rPr lang="en-IE" b="1" baseline="0" dirty="0" smtClean="0">
-                <a:sym typeface="Wingdings" panose="05000000000000000000" pitchFamily="2" charset="2"/>
-              </a:rPr>
-              <a:t>Java</a:t>
-            </a:r>
-          </a:p>
-          <a:p>
-            <a:pPr marL="171450" indent="-171450">
-              <a:buFontTx/>
-              <a:buChar char="-"/>
-            </a:pPr>
-            <a:endParaRPr lang="pl-PL" dirty="0"/>
+              <a:t> </a:t>
+            </a:r>
+            <a:r>
+              <a:rPr lang="en-IE" dirty="0" smtClean="0"/>
+              <a:t>Created the necessary files to open, run and</a:t>
+            </a:r>
+            <a:r>
+              <a:rPr lang="en-IE" baseline="0" dirty="0" smtClean="0"/>
+              <a:t> edit a Play application</a:t>
+            </a:r>
+            <a:endParaRPr lang="pl-PL" dirty="0" smtClean="0"/>
+          </a:p>
+          <a:p>
+            <a:endParaRPr lang="en-IE" dirty="0" smtClean="0">
+              <a:sym typeface="Wingdings" panose="05000000000000000000" pitchFamily="2" charset="2"/>
+            </a:endParaRPr>
           </a:p>
         </p:txBody>
       </p:sp>
@@ -5069,7 +5008,7 @@
     </p:spTree>
     <p:extLst>
       <p:ext uri="{BB962C8B-B14F-4D97-AF65-F5344CB8AC3E}">
-        <p14:creationId xmlns:p14="http://schemas.microsoft.com/office/powerpoint/2010/main" val="2226555687"/>
+        <p14:creationId xmlns:p14="http://schemas.microsoft.com/office/powerpoint/2010/main" val="825205102"/>
       </p:ext>
     </p:extLst>
   </p:cSld>
@@ -5125,47 +5064,421 @@
           <a:p>
             <a:r>
               <a:rPr lang="en-IE" b="1" dirty="0" smtClean="0"/>
-              <a:t>Hot deployment </a:t>
-            </a:r>
-            <a:r>
-              <a:rPr lang="en-IE" dirty="0" smtClean="0">
-                <a:sym typeface="Wingdings" panose="05000000000000000000" pitchFamily="2" charset="2"/>
-              </a:rPr>
-              <a:t> you refresh the page in your web browser and changes are applied,</a:t>
-            </a:r>
-            <a:r>
-              <a:rPr lang="en-IE" baseline="0" dirty="0" smtClean="0">
-                <a:sym typeface="Wingdings" panose="05000000000000000000" pitchFamily="2" charset="2"/>
-              </a:rPr>
-              <a:t> you don’t have to stop the run of the application and compile it again every time you make a change + descriptive error handling</a:t>
-            </a:r>
-          </a:p>
-          <a:p>
-            <a:r>
-              <a:rPr lang="en-IE" b="1" baseline="0" dirty="0" smtClean="0">
-                <a:sym typeface="Wingdings" panose="05000000000000000000" pitchFamily="2" charset="2"/>
-              </a:rPr>
-              <a:t>play compile</a:t>
-            </a:r>
-            <a:r>
-              <a:rPr lang="en-IE" baseline="0" dirty="0" smtClean="0">
-                <a:sym typeface="Wingdings" panose="05000000000000000000" pitchFamily="2" charset="2"/>
-              </a:rPr>
-              <a:t> command allows to just compile the code.</a:t>
-            </a:r>
-          </a:p>
-          <a:p>
-            <a:r>
-              <a:rPr lang="en-IE" b="1" baseline="0" dirty="0" smtClean="0">
-                <a:sym typeface="Wingdings" panose="05000000000000000000" pitchFamily="2" charset="2"/>
-              </a:rPr>
-              <a:t>play test </a:t>
-            </a:r>
-            <a:r>
-              <a:rPr lang="en-IE" baseline="0" dirty="0" smtClean="0">
-                <a:sym typeface="Wingdings" panose="05000000000000000000" pitchFamily="2" charset="2"/>
-              </a:rPr>
-              <a:t>will test your application  the template comes with 2 tests – a unit test and an integration test</a:t>
+              <a:t>app</a:t>
+            </a:r>
+            <a:r>
+              <a:rPr lang="en-IE" dirty="0" smtClean="0"/>
+              <a:t> folder</a:t>
+            </a:r>
+          </a:p>
+          <a:p>
+            <a:r>
+              <a:rPr lang="en-IE" dirty="0" smtClean="0"/>
+              <a:t>	-</a:t>
+            </a:r>
+            <a:r>
+              <a:rPr lang="en-IE" baseline="0" dirty="0" smtClean="0"/>
+              <a:t> primary location to store the application source code</a:t>
+            </a:r>
+          </a:p>
+          <a:p>
+            <a:r>
+              <a:rPr lang="en-IE" baseline="0" dirty="0" smtClean="0"/>
+              <a:t>	- </a:t>
+            </a:r>
+            <a:r>
+              <a:rPr lang="en-IE" sz="1200" kern="1200" baseline="0" dirty="0" smtClean="0">
+                <a:solidFill>
+                  <a:schemeClr val="tx1"/>
+                </a:solidFill>
+                <a:effectLst/>
+                <a:latin typeface="+mn-lt"/>
+                <a:ea typeface="+mn-ea"/>
+                <a:cs typeface="+mn-cs"/>
+              </a:rPr>
+              <a:t>it contains </a:t>
+            </a:r>
+            <a:r>
+              <a:rPr lang="en-IE" sz="1200" kern="1200" dirty="0" smtClean="0">
+                <a:solidFill>
+                  <a:schemeClr val="tx1"/>
+                </a:solidFill>
+                <a:effectLst/>
+                <a:latin typeface="+mn-lt"/>
+                <a:ea typeface="+mn-ea"/>
+                <a:cs typeface="+mn-cs"/>
+              </a:rPr>
+              <a:t>controllers, views, and model code</a:t>
+            </a:r>
+          </a:p>
+          <a:p>
+            <a:r>
+              <a:rPr lang="en-IE" sz="1200" kern="1200" dirty="0" smtClean="0">
+                <a:solidFill>
+                  <a:schemeClr val="tx1"/>
+                </a:solidFill>
+                <a:effectLst/>
+                <a:latin typeface="+mn-lt"/>
+                <a:ea typeface="+mn-ea"/>
+                <a:cs typeface="+mn-cs"/>
+              </a:rPr>
+              <a:t>	-</a:t>
+            </a:r>
+            <a:r>
+              <a:rPr lang="en-IE" sz="1200" kern="1200" baseline="0" dirty="0" smtClean="0">
+                <a:solidFill>
+                  <a:schemeClr val="tx1"/>
+                </a:solidFill>
+                <a:effectLst/>
+                <a:latin typeface="+mn-lt"/>
+                <a:ea typeface="+mn-ea"/>
+                <a:cs typeface="+mn-cs"/>
+              </a:rPr>
+              <a:t> it is convention and u can break out of this convention but it may need some configuration changes</a:t>
+            </a:r>
+          </a:p>
+          <a:p>
+            <a:r>
+              <a:rPr lang="en-IE" sz="1200" b="1" kern="1200" baseline="0" dirty="0" err="1" smtClean="0">
+                <a:solidFill>
+                  <a:schemeClr val="tx1"/>
+                </a:solidFill>
+                <a:effectLst/>
+                <a:latin typeface="+mn-lt"/>
+                <a:ea typeface="+mn-ea"/>
+                <a:cs typeface="+mn-cs"/>
+              </a:rPr>
+              <a:t>conf</a:t>
+            </a:r>
+            <a:r>
+              <a:rPr lang="en-IE" sz="1200" b="1" kern="1200" baseline="0" dirty="0" smtClean="0">
+                <a:solidFill>
+                  <a:schemeClr val="tx1"/>
+                </a:solidFill>
+                <a:effectLst/>
+                <a:latin typeface="+mn-lt"/>
+                <a:ea typeface="+mn-ea"/>
+                <a:cs typeface="+mn-cs"/>
+              </a:rPr>
+              <a:t> </a:t>
+            </a:r>
+            <a:r>
+              <a:rPr lang="en-IE" sz="1200" kern="1200" baseline="0" dirty="0" smtClean="0">
+                <a:solidFill>
+                  <a:schemeClr val="tx1"/>
+                </a:solidFill>
+                <a:effectLst/>
+                <a:latin typeface="+mn-lt"/>
+                <a:ea typeface="+mn-ea"/>
+                <a:cs typeface="+mn-cs"/>
+              </a:rPr>
+              <a:t>folder</a:t>
+            </a:r>
+          </a:p>
+          <a:p>
+            <a:r>
+              <a:rPr lang="en-IE" sz="1200" kern="1200" baseline="0" dirty="0" smtClean="0">
+                <a:solidFill>
+                  <a:schemeClr val="tx1"/>
+                </a:solidFill>
+                <a:effectLst/>
+                <a:latin typeface="+mn-lt"/>
+                <a:ea typeface="+mn-ea"/>
+                <a:cs typeface="+mn-cs"/>
+              </a:rPr>
+              <a:t>	- </a:t>
+            </a:r>
+            <a:r>
+              <a:rPr lang="en-IE" sz="1200" u="none" strike="noStrike" kern="1200" dirty="0" smtClean="0">
+                <a:solidFill>
+                  <a:schemeClr val="tx1"/>
+                </a:solidFill>
+                <a:effectLst/>
+                <a:latin typeface="+mn-lt"/>
+                <a:ea typeface="+mn-ea"/>
+                <a:cs typeface="+mn-cs"/>
+              </a:rPr>
+              <a:t>holds non-source files that relate to the configuration of the application</a:t>
+            </a:r>
+          </a:p>
+          <a:p>
+            <a:r>
+              <a:rPr lang="en-IE" sz="1200" u="none" strike="noStrike" kern="1200" dirty="0" smtClean="0">
+                <a:solidFill>
+                  <a:schemeClr val="tx1"/>
+                </a:solidFill>
+                <a:effectLst/>
+                <a:latin typeface="+mn-lt"/>
+                <a:ea typeface="+mn-ea"/>
+                <a:cs typeface="+mn-cs"/>
+              </a:rPr>
+              <a:t>	-</a:t>
+            </a:r>
+            <a:r>
+              <a:rPr lang="en-IE" sz="1200" u="none" strike="noStrike" kern="1200" baseline="0" dirty="0" smtClean="0">
+                <a:solidFill>
+                  <a:schemeClr val="tx1"/>
+                </a:solidFill>
+                <a:effectLst/>
+                <a:latin typeface="+mn-lt"/>
+                <a:ea typeface="+mn-ea"/>
+                <a:cs typeface="+mn-cs"/>
+              </a:rPr>
+              <a:t> t</a:t>
+            </a:r>
+            <a:r>
+              <a:rPr lang="en-IE" sz="1200" u="none" strike="noStrike" kern="1200" dirty="0" smtClean="0">
+                <a:solidFill>
+                  <a:schemeClr val="tx1"/>
+                </a:solidFill>
+                <a:effectLst/>
+                <a:latin typeface="+mn-lt"/>
+                <a:ea typeface="+mn-ea"/>
+                <a:cs typeface="+mn-cs"/>
+              </a:rPr>
+              <a:t>his includes </a:t>
+            </a:r>
+            <a:r>
+              <a:rPr lang="en-IE" sz="1200" u="none" strike="noStrike" kern="1200" dirty="0" err="1" smtClean="0">
+                <a:solidFill>
+                  <a:schemeClr val="tx1"/>
+                </a:solidFill>
+                <a:effectLst/>
+                <a:latin typeface="+mn-lt"/>
+                <a:ea typeface="+mn-ea"/>
+                <a:cs typeface="+mn-cs"/>
+              </a:rPr>
+              <a:t>application.conf</a:t>
+            </a:r>
+            <a:r>
+              <a:rPr lang="en-IE" sz="1200" u="none" strike="noStrike" kern="1200" dirty="0" smtClean="0">
+                <a:solidFill>
+                  <a:schemeClr val="tx1"/>
+                </a:solidFill>
+                <a:effectLst/>
+                <a:latin typeface="+mn-lt"/>
+                <a:ea typeface="+mn-ea"/>
+                <a:cs typeface="+mn-cs"/>
+              </a:rPr>
+              <a:t> file, the default and primary source for configuration data in the application</a:t>
+            </a:r>
+          </a:p>
+          <a:p>
+            <a:r>
+              <a:rPr lang="en-IE" sz="1200" u="none" strike="noStrike" kern="1200" dirty="0" smtClean="0">
+                <a:solidFill>
+                  <a:schemeClr val="tx1"/>
+                </a:solidFill>
+                <a:effectLst/>
+                <a:latin typeface="+mn-lt"/>
+                <a:ea typeface="+mn-ea"/>
+                <a:cs typeface="+mn-cs"/>
+              </a:rPr>
+              <a:t>	- also contains routes file, which is the central definition of all routes or endpoints of the application and their respected parameters</a:t>
+            </a:r>
+          </a:p>
+          <a:p>
+            <a:r>
+              <a:rPr lang="en-IE" sz="1200" b="1" u="none" strike="noStrike" kern="1200" dirty="0" smtClean="0">
+                <a:solidFill>
+                  <a:schemeClr val="tx1"/>
+                </a:solidFill>
+                <a:effectLst/>
+                <a:latin typeface="+mn-lt"/>
+                <a:ea typeface="+mn-ea"/>
+                <a:cs typeface="+mn-cs"/>
+              </a:rPr>
+              <a:t>project</a:t>
+            </a:r>
+            <a:r>
+              <a:rPr lang="en-IE" sz="1200" u="none" strike="noStrike" kern="1200" baseline="0" dirty="0" smtClean="0">
+                <a:solidFill>
+                  <a:schemeClr val="tx1"/>
+                </a:solidFill>
+                <a:effectLst/>
+                <a:latin typeface="+mn-lt"/>
+                <a:ea typeface="+mn-ea"/>
+                <a:cs typeface="+mn-cs"/>
+              </a:rPr>
+              <a:t> folder</a:t>
+            </a:r>
+          </a:p>
+          <a:p>
+            <a:r>
+              <a:rPr lang="en-IE" sz="1200" u="none" strike="noStrike" kern="1200" baseline="0" dirty="0" smtClean="0">
+                <a:solidFill>
+                  <a:schemeClr val="tx1"/>
+                </a:solidFill>
+                <a:effectLst/>
+                <a:latin typeface="+mn-lt"/>
+                <a:ea typeface="+mn-ea"/>
+                <a:cs typeface="+mn-cs"/>
+              </a:rPr>
+              <a:t>	- </a:t>
+            </a:r>
+            <a:r>
+              <a:rPr lang="en-IE" sz="1200" u="none" strike="noStrike" kern="1200" dirty="0" smtClean="0">
+                <a:solidFill>
+                  <a:schemeClr val="tx1"/>
+                </a:solidFill>
+                <a:effectLst/>
+                <a:latin typeface="+mn-lt"/>
+                <a:ea typeface="+mn-ea"/>
+                <a:cs typeface="+mn-cs"/>
+              </a:rPr>
+              <a:t>contains files that are used to define the project and configuration necessary to build and run the application</a:t>
+            </a:r>
+          </a:p>
+          <a:p>
+            <a:r>
+              <a:rPr lang="en-IE" sz="1200" u="none" strike="noStrike" kern="1200" dirty="0" smtClean="0">
+                <a:solidFill>
+                  <a:schemeClr val="tx1"/>
+                </a:solidFill>
+                <a:effectLst/>
+                <a:latin typeface="+mn-lt"/>
+                <a:ea typeface="+mn-ea"/>
+                <a:cs typeface="+mn-cs"/>
+              </a:rPr>
+              <a:t>	-</a:t>
+            </a:r>
+            <a:r>
+              <a:rPr lang="en-IE" sz="1200" u="none" strike="noStrike" kern="1200" baseline="0" dirty="0" smtClean="0">
+                <a:solidFill>
+                  <a:schemeClr val="tx1"/>
+                </a:solidFill>
+                <a:effectLst/>
+                <a:latin typeface="+mn-lt"/>
+                <a:ea typeface="+mn-ea"/>
+                <a:cs typeface="+mn-cs"/>
+              </a:rPr>
+              <a:t> </a:t>
+            </a:r>
+            <a:r>
+              <a:rPr lang="en-IE" sz="1200" u="none" strike="noStrike" kern="1200" dirty="0" smtClean="0">
+                <a:solidFill>
+                  <a:schemeClr val="tx1"/>
+                </a:solidFill>
+                <a:effectLst/>
+                <a:latin typeface="+mn-lt"/>
+                <a:ea typeface="+mn-ea"/>
+                <a:cs typeface="+mn-cs"/>
+              </a:rPr>
+              <a:t>the build file is actually a Scala file,</a:t>
+            </a:r>
+            <a:r>
+              <a:rPr lang="en-IE" sz="1200" u="none" strike="noStrike" kern="1200" baseline="0" dirty="0" smtClean="0">
+                <a:solidFill>
+                  <a:schemeClr val="tx1"/>
+                </a:solidFill>
+                <a:effectLst/>
+                <a:latin typeface="+mn-lt"/>
+                <a:ea typeface="+mn-ea"/>
+                <a:cs typeface="+mn-cs"/>
+              </a:rPr>
+              <a:t> cos </a:t>
+            </a:r>
+            <a:r>
+              <a:rPr lang="en-IE" sz="1200" u="none" strike="noStrike" kern="1200" dirty="0" smtClean="0">
+                <a:solidFill>
+                  <a:schemeClr val="tx1"/>
+                </a:solidFill>
+                <a:effectLst/>
+                <a:latin typeface="+mn-lt"/>
+                <a:ea typeface="+mn-ea"/>
+                <a:cs typeface="+mn-cs"/>
+              </a:rPr>
+              <a:t>the underlying build system is SBT; the Simple Build Tool, which uses Scala and a Scala-like DSL for 	build definitions</a:t>
+            </a:r>
+          </a:p>
+          <a:p>
+            <a:r>
+              <a:rPr lang="en-IE" sz="1200" b="1" u="none" strike="noStrike" kern="1200" dirty="0" smtClean="0">
+                <a:solidFill>
+                  <a:schemeClr val="tx1"/>
+                </a:solidFill>
+                <a:effectLst/>
+                <a:latin typeface="+mn-lt"/>
+                <a:ea typeface="+mn-ea"/>
+                <a:cs typeface="+mn-cs"/>
+              </a:rPr>
+              <a:t>public</a:t>
+            </a:r>
+            <a:r>
+              <a:rPr lang="en-IE" sz="1200" u="none" strike="noStrike" kern="1200" dirty="0" smtClean="0">
+                <a:solidFill>
+                  <a:schemeClr val="tx1"/>
+                </a:solidFill>
+                <a:effectLst/>
+                <a:latin typeface="+mn-lt"/>
+                <a:ea typeface="+mn-ea"/>
+                <a:cs typeface="+mn-cs"/>
+              </a:rPr>
+              <a:t> folder</a:t>
+            </a:r>
+          </a:p>
+          <a:p>
+            <a:r>
+              <a:rPr lang="en-IE" sz="1200" u="none" strike="noStrike" kern="1200" dirty="0" smtClean="0">
+                <a:solidFill>
+                  <a:schemeClr val="tx1"/>
+                </a:solidFill>
+                <a:effectLst/>
+                <a:latin typeface="+mn-lt"/>
+                <a:ea typeface="+mn-ea"/>
+                <a:cs typeface="+mn-cs"/>
+              </a:rPr>
+              <a:t>	- holds all the static assets that your application will want to serve, such as images, </a:t>
+            </a:r>
+            <a:r>
+              <a:rPr lang="en-IE" sz="1200" u="none" strike="noStrike" kern="1200" dirty="0" err="1" smtClean="0">
+                <a:solidFill>
+                  <a:schemeClr val="tx1"/>
+                </a:solidFill>
+                <a:effectLst/>
+                <a:latin typeface="+mn-lt"/>
+                <a:ea typeface="+mn-ea"/>
+                <a:cs typeface="+mn-cs"/>
+              </a:rPr>
+              <a:t>javascripts</a:t>
+            </a:r>
+            <a:r>
+              <a:rPr lang="en-IE" sz="1200" u="none" strike="noStrike" kern="1200" dirty="0" smtClean="0">
+                <a:solidFill>
+                  <a:schemeClr val="tx1"/>
+                </a:solidFill>
+                <a:effectLst/>
+                <a:latin typeface="+mn-lt"/>
+                <a:ea typeface="+mn-ea"/>
+                <a:cs typeface="+mn-cs"/>
+              </a:rPr>
+              <a:t>, and CSS</a:t>
+            </a:r>
+          </a:p>
+          <a:p>
+            <a:r>
+              <a:rPr lang="en-IE" sz="1200" b="1" u="none" strike="noStrike" kern="1200" dirty="0" smtClean="0">
+                <a:solidFill>
+                  <a:schemeClr val="tx1"/>
+                </a:solidFill>
+                <a:effectLst/>
+                <a:latin typeface="+mn-lt"/>
+                <a:ea typeface="+mn-ea"/>
+                <a:cs typeface="+mn-cs"/>
+              </a:rPr>
+              <a:t>test</a:t>
+            </a:r>
+            <a:r>
+              <a:rPr lang="en-IE" sz="1200" u="none" strike="noStrike" kern="1200" dirty="0" smtClean="0">
+                <a:solidFill>
+                  <a:schemeClr val="tx1"/>
+                </a:solidFill>
+                <a:effectLst/>
+                <a:latin typeface="+mn-lt"/>
+                <a:ea typeface="+mn-ea"/>
+                <a:cs typeface="+mn-cs"/>
+              </a:rPr>
+              <a:t> folder</a:t>
             </a:r>
           </a:p>
           <a:p>
@@ -5187,31 +5500,152 @@
               <a:defRPr/>
             </a:pPr>
             <a:r>
-              <a:rPr lang="en-IE" b="1" baseline="0" dirty="0" smtClean="0">
-                <a:sym typeface="Wingdings" panose="05000000000000000000" pitchFamily="2" charset="2"/>
-              </a:rPr>
-              <a:t>play eclipse/idea </a:t>
-            </a:r>
-            <a:r>
-              <a:rPr lang="en-IE" baseline="0" dirty="0" smtClean="0">
-                <a:sym typeface="Wingdings" panose="05000000000000000000" pitchFamily="2" charset="2"/>
-              </a:rPr>
-              <a:t> </a:t>
-            </a:r>
-            <a:r>
-              <a:rPr lang="en-IE" dirty="0" smtClean="0"/>
-              <a:t>Created the necessary files to open, run and</a:t>
-            </a:r>
-            <a:r>
-              <a:rPr lang="en-IE" baseline="0" dirty="0" smtClean="0"/>
-              <a:t> edit a Play application</a:t>
-            </a:r>
-            <a:endParaRPr lang="pl-PL" dirty="0" smtClean="0"/>
-          </a:p>
-          <a:p>
-            <a:endParaRPr lang="en-IE" dirty="0" smtClean="0">
-              <a:sym typeface="Wingdings" panose="05000000000000000000" pitchFamily="2" charset="2"/>
-            </a:endParaRPr>
+              <a:rPr lang="en-IE" sz="1200" u="none" strike="noStrike" kern="1200" dirty="0" smtClean="0">
+                <a:solidFill>
+                  <a:schemeClr val="tx1"/>
+                </a:solidFill>
+                <a:effectLst/>
+                <a:latin typeface="+mn-lt"/>
+                <a:ea typeface="+mn-ea"/>
+                <a:cs typeface="+mn-cs"/>
+              </a:rPr>
+              <a:t>	- default place to create any tests</a:t>
+            </a:r>
+          </a:p>
+          <a:p>
+            <a:pPr marL="0" marR="0" indent="0" algn="l" defTabSz="914400" rtl="0" eaLnBrk="1" fontAlgn="auto" latinLnBrk="0" hangingPunct="1">
+              <a:lnSpc>
+                <a:spcPct val="100000"/>
+              </a:lnSpc>
+              <a:spcBef>
+                <a:spcPts val="0"/>
+              </a:spcBef>
+              <a:spcAft>
+                <a:spcPts val="0"/>
+              </a:spcAft>
+              <a:buClrTx/>
+              <a:buSzTx/>
+              <a:buFontTx/>
+              <a:buNone/>
+              <a:tabLst/>
+              <a:defRPr/>
+            </a:pPr>
+            <a:r>
+              <a:rPr lang="en-IE" sz="1200" u="none" strike="noStrike" kern="1200" dirty="0" smtClean="0">
+                <a:solidFill>
+                  <a:schemeClr val="tx1"/>
+                </a:solidFill>
+                <a:effectLst/>
+                <a:latin typeface="+mn-lt"/>
+                <a:ea typeface="+mn-ea"/>
+                <a:cs typeface="+mn-cs"/>
+              </a:rPr>
+              <a:t>	- can be </a:t>
+            </a:r>
+            <a:r>
+              <a:rPr lang="en-IE" sz="1200" u="none" strike="noStrike" kern="1200" dirty="0" err="1" smtClean="0">
+                <a:solidFill>
+                  <a:schemeClr val="tx1"/>
+                </a:solidFill>
+                <a:effectLst/>
+                <a:latin typeface="+mn-lt"/>
+                <a:ea typeface="+mn-ea"/>
+                <a:cs typeface="+mn-cs"/>
+              </a:rPr>
+              <a:t>Ats</a:t>
+            </a:r>
+            <a:r>
+              <a:rPr lang="en-IE" sz="1200" u="none" strike="noStrike" kern="1200" dirty="0" smtClean="0">
+                <a:solidFill>
+                  <a:schemeClr val="tx1"/>
+                </a:solidFill>
+                <a:effectLst/>
+                <a:latin typeface="+mn-lt"/>
+                <a:ea typeface="+mn-ea"/>
+                <a:cs typeface="+mn-cs"/>
+              </a:rPr>
+              <a:t>,</a:t>
+            </a:r>
+            <a:r>
+              <a:rPr lang="en-IE" sz="1200" u="none" strike="noStrike" kern="1200" baseline="0" dirty="0" smtClean="0">
+                <a:solidFill>
+                  <a:schemeClr val="tx1"/>
+                </a:solidFill>
+                <a:effectLst/>
+                <a:latin typeface="+mn-lt"/>
+                <a:ea typeface="+mn-ea"/>
+                <a:cs typeface="+mn-cs"/>
+              </a:rPr>
+              <a:t> UTs…</a:t>
+            </a:r>
+            <a:r>
+              <a:rPr lang="en-IE" sz="1200" u="none" strike="noStrike" kern="1200" dirty="0" smtClean="0">
+                <a:solidFill>
+                  <a:schemeClr val="tx1"/>
+                </a:solidFill>
+                <a:effectLst/>
+                <a:latin typeface="+mn-lt"/>
+                <a:ea typeface="+mn-ea"/>
+                <a:cs typeface="+mn-cs"/>
+              </a:rPr>
+              <a:t> </a:t>
+            </a:r>
+          </a:p>
+          <a:p>
+            <a:pPr marL="0" marR="0" indent="0" algn="l" defTabSz="914400" rtl="0" eaLnBrk="1" fontAlgn="auto" latinLnBrk="0" hangingPunct="1">
+              <a:lnSpc>
+                <a:spcPct val="100000"/>
+              </a:lnSpc>
+              <a:spcBef>
+                <a:spcPts val="0"/>
+              </a:spcBef>
+              <a:spcAft>
+                <a:spcPts val="0"/>
+              </a:spcAft>
+              <a:buClrTx/>
+              <a:buSzTx/>
+              <a:buFontTx/>
+              <a:buNone/>
+              <a:tabLst/>
+              <a:defRPr/>
+            </a:pPr>
+            <a:r>
+              <a:rPr lang="en-IE" sz="1200" u="none" strike="noStrike" kern="1200" dirty="0" smtClean="0">
+                <a:solidFill>
+                  <a:schemeClr val="tx1"/>
+                </a:solidFill>
+                <a:effectLst/>
+                <a:latin typeface="+mn-lt"/>
+                <a:ea typeface="+mn-ea"/>
+                <a:cs typeface="+mn-cs"/>
+              </a:rPr>
+              <a:t>	-</a:t>
+            </a:r>
+            <a:r>
+              <a:rPr lang="en-IE" sz="1200" u="none" strike="noStrike" kern="1200" baseline="0" dirty="0" smtClean="0">
+                <a:solidFill>
+                  <a:schemeClr val="tx1"/>
+                </a:solidFill>
+                <a:effectLst/>
+                <a:latin typeface="+mn-lt"/>
+                <a:ea typeface="+mn-ea"/>
+                <a:cs typeface="+mn-cs"/>
+              </a:rPr>
+              <a:t> </a:t>
+            </a:r>
+            <a:r>
+              <a:rPr lang="en-IE" sz="1200" u="none" strike="noStrike" kern="1200" dirty="0" smtClean="0">
+                <a:solidFill>
+                  <a:schemeClr val="tx1"/>
+                </a:solidFill>
+                <a:effectLst/>
+                <a:latin typeface="+mn-lt"/>
+                <a:ea typeface="+mn-ea"/>
+                <a:cs typeface="+mn-cs"/>
+              </a:rPr>
+              <a:t>can include any test-specific resources you may need as well</a:t>
+            </a:r>
+            <a:endParaRPr lang="pl-PL" dirty="0"/>
           </a:p>
         </p:txBody>
       </p:sp>
@@ -5241,7 +5675,7 @@
     </p:spTree>
     <p:extLst>
       <p:ext uri="{BB962C8B-B14F-4D97-AF65-F5344CB8AC3E}">
-        <p14:creationId xmlns:p14="http://schemas.microsoft.com/office/powerpoint/2010/main" val="825205102"/>
+        <p14:creationId xmlns:p14="http://schemas.microsoft.com/office/powerpoint/2010/main" val="369486991"/>
       </p:ext>
     </p:extLst>
   </p:cSld>
@@ -8283,7 +8717,9 @@
         </p:nvSpPr>
         <p:spPr/>
         <p:txBody>
-          <a:bodyPr/>
+          <a:bodyPr>
+            <a:normAutofit lnSpcReduction="10000"/>
+          </a:bodyPr>
           <a:lstStyle/>
           <a:p>
             <a:endParaRPr lang="pl-PL" dirty="0" smtClean="0"/>
@@ -8298,20 +8734,49 @@
           <a:p>
             <a:r>
               <a:rPr lang="en-IE" dirty="0" smtClean="0"/>
-              <a:t>Philosophy</a:t>
-            </a:r>
+              <a:t>Technologies</a:t>
+            </a:r>
+            <a:endParaRPr lang="en-IE" dirty="0" smtClean="0"/>
           </a:p>
           <a:p>
             <a:r>
               <a:rPr lang="en-IE" dirty="0" smtClean="0"/>
-              <a:t>Technologies</a:t>
-            </a:r>
-          </a:p>
-          <a:p>
+              <a:t>Who is using it</a:t>
+            </a:r>
             <a:r>
               <a:rPr lang="en-IE" dirty="0" smtClean="0"/>
-              <a:t>Who is using it?</a:t>
-            </a:r>
+              <a:t>?</a:t>
+            </a:r>
+          </a:p>
+          <a:p>
+            <a:r>
+              <a:rPr lang="en-IE" dirty="0" smtClean="0"/>
+              <a:t>How to create a new Play! App</a:t>
+            </a:r>
+          </a:p>
+          <a:p>
+            <a:r>
+              <a:rPr lang="en-IE" dirty="0" smtClean="0"/>
+              <a:t>Typical project structure</a:t>
+            </a:r>
+          </a:p>
+          <a:p>
+            <a:r>
+              <a:rPr lang="en-IE" dirty="0" smtClean="0"/>
+              <a:t>Play! MVC components</a:t>
+            </a:r>
+          </a:p>
+          <a:p>
+            <a:r>
+              <a:rPr lang="en-IE" dirty="0" smtClean="0"/>
+              <a:t>Examples</a:t>
+            </a:r>
+          </a:p>
+          <a:p>
+            <a:endParaRPr lang="en-IE" dirty="0" smtClean="0"/>
+          </a:p>
+          <a:p>
+            <a:endParaRPr lang="en-IE" dirty="0" smtClean="0"/>
           </a:p>
           <a:p>
             <a:endParaRPr lang="en-IE" dirty="0" smtClean="0"/>
@@ -8481,332 +8946,6 @@
         </p:nvSpPr>
         <p:spPr/>
         <p:txBody>
-          <a:bodyPr>
-            <a:normAutofit/>
-          </a:bodyPr>
-          <a:lstStyle/>
-          <a:p>
-            <a:r>
-              <a:rPr lang="en-IE" dirty="0" smtClean="0"/>
-              <a:t>		Project structure</a:t>
-            </a:r>
-            <a:endParaRPr lang="pl-PL" dirty="0"/>
-          </a:p>
-        </p:txBody>
-      </p:sp>
-      <p:sp>
-        <p:nvSpPr>
-          <p:cNvPr id="3" name="Symbol zastępczy zawartości 2"/>
-          <p:cNvSpPr>
-            <a:spLocks noGrp="1"/>
-          </p:cNvSpPr>
-          <p:nvPr>
-            <p:ph idx="1"/>
-          </p:nvPr>
-        </p:nvSpPr>
-        <p:spPr>
-          <a:xfrm>
-            <a:off x="539552" y="1619318"/>
-            <a:ext cx="8229600" cy="4525963"/>
-          </a:xfrm>
-        </p:spPr>
-        <p:txBody>
-          <a:bodyPr>
-            <a:normAutofit fontScale="92500" lnSpcReduction="10000"/>
-          </a:bodyPr>
-          <a:lstStyle/>
-          <a:p>
-            <a:pPr>
-              <a:buFontTx/>
-              <a:buChar char="-"/>
-            </a:pPr>
-            <a:r>
-              <a:rPr lang="en-IE" b="1" dirty="0" smtClean="0"/>
-              <a:t>app</a:t>
-            </a:r>
-          </a:p>
-          <a:p>
-            <a:pPr lvl="1">
-              <a:buFontTx/>
-              <a:buChar char="-"/>
-            </a:pPr>
-            <a:r>
-              <a:rPr lang="en-IE" dirty="0"/>
-              <a:t>c</a:t>
-            </a:r>
-            <a:r>
-              <a:rPr lang="en-IE" dirty="0" smtClean="0"/>
-              <a:t>ontrollers</a:t>
-            </a:r>
-          </a:p>
-          <a:p>
-            <a:pPr lvl="1">
-              <a:buFontTx/>
-              <a:buChar char="-"/>
-            </a:pPr>
-            <a:r>
-              <a:rPr lang="en-IE" dirty="0" smtClean="0"/>
-              <a:t>views</a:t>
-            </a:r>
-          </a:p>
-          <a:p>
-            <a:pPr>
-              <a:buFontTx/>
-              <a:buChar char="-"/>
-            </a:pPr>
-            <a:r>
-              <a:rPr lang="en-IE" b="1" dirty="0" err="1" smtClean="0"/>
-              <a:t>conf</a:t>
-            </a:r>
-            <a:endParaRPr lang="en-IE" b="1" dirty="0" smtClean="0"/>
-          </a:p>
-          <a:p>
-            <a:pPr lvl="1">
-              <a:buFontTx/>
-              <a:buChar char="-"/>
-            </a:pPr>
-            <a:r>
-              <a:rPr lang="en-IE" dirty="0" err="1"/>
-              <a:t>application.conf</a:t>
-            </a:r>
-            <a:endParaRPr lang="en-IE" dirty="0"/>
-          </a:p>
-          <a:p>
-            <a:pPr lvl="1">
-              <a:buFontTx/>
-              <a:buChar char="-"/>
-            </a:pPr>
-            <a:r>
-              <a:rPr lang="en-IE" dirty="0"/>
-              <a:t>routes</a:t>
-            </a:r>
-          </a:p>
-          <a:p>
-            <a:pPr>
-              <a:buFontTx/>
-              <a:buChar char="-"/>
-            </a:pPr>
-            <a:r>
-              <a:rPr lang="en-IE" b="1" dirty="0"/>
-              <a:t>p</a:t>
-            </a:r>
-            <a:r>
-              <a:rPr lang="en-IE" b="1" dirty="0" smtClean="0"/>
-              <a:t>roject</a:t>
-            </a:r>
-          </a:p>
-          <a:p>
-            <a:pPr>
-              <a:buFontTx/>
-              <a:buChar char="-"/>
-            </a:pPr>
-            <a:r>
-              <a:rPr lang="en-IE" b="1" dirty="0" smtClean="0"/>
-              <a:t>public</a:t>
-            </a:r>
-          </a:p>
-          <a:p>
-            <a:pPr>
-              <a:buFontTx/>
-              <a:buChar char="-"/>
-            </a:pPr>
-            <a:r>
-              <a:rPr lang="en-IE" b="1" dirty="0" smtClean="0"/>
-              <a:t>test</a:t>
-            </a:r>
-          </a:p>
-          <a:p>
-            <a:pPr lvl="1">
-              <a:buFontTx/>
-              <a:buChar char="-"/>
-            </a:pPr>
-            <a:endParaRPr lang="en-IE" dirty="0" smtClean="0"/>
-          </a:p>
-          <a:p>
-            <a:pPr>
-              <a:buFontTx/>
-              <a:buChar char="-"/>
-            </a:pPr>
-            <a:endParaRPr lang="en-IE" dirty="0" smtClean="0"/>
-          </a:p>
-          <a:p>
-            <a:pPr>
-              <a:buFontTx/>
-              <a:buChar char="-"/>
-            </a:pPr>
-            <a:endParaRPr lang="en-IE" dirty="0" smtClean="0"/>
-          </a:p>
-          <a:p>
-            <a:pPr marL="0" indent="0">
-              <a:buNone/>
-            </a:pPr>
-            <a:endParaRPr lang="en-IE" dirty="0"/>
-          </a:p>
-          <a:p>
-            <a:pPr marL="0" indent="0">
-              <a:buNone/>
-            </a:pPr>
-            <a:endParaRPr lang="pl-PL" dirty="0"/>
-          </a:p>
-        </p:txBody>
-      </p:sp>
-      <p:pic>
-        <p:nvPicPr>
-          <p:cNvPr id="4" name="Picture 2"/>
-          <p:cNvPicPr>
-            <a:picLocks noChangeAspect="1" noChangeArrowheads="1"/>
-          </p:cNvPicPr>
-          <p:nvPr/>
-        </p:nvPicPr>
-        <p:blipFill>
-          <a:blip r:embed="rId3" cstate="print">
-            <a:extLst>
-              <a:ext uri="{28A0092B-C50C-407E-A947-70E740481C1C}">
-                <a14:useLocalDpi xmlns:a14="http://schemas.microsoft.com/office/drawing/2010/main" val="0"/>
-              </a:ext>
-            </a:extLst>
-          </a:blip>
-          <a:srcRect/>
-          <a:stretch>
-            <a:fillRect/>
-          </a:stretch>
-        </p:blipFill>
-        <p:spPr bwMode="auto">
-          <a:xfrm>
-            <a:off x="755576" y="532862"/>
-            <a:ext cx="2016224" cy="688262"/>
-          </a:xfrm>
-          <a:prstGeom prst="rect">
-            <a:avLst/>
-          </a:prstGeom>
-          <a:noFill/>
-          <a:ln>
-            <a:noFill/>
-          </a:ln>
-          <a:extLst>
-            <a:ext uri="{909E8E84-426E-40DD-AFC4-6F175D3DCCD1}">
-              <a14:hiddenFill xmlns:a14="http://schemas.microsoft.com/office/drawing/2010/main">
-                <a:solidFill>
-                  <a:schemeClr val="accent1"/>
-                </a:solidFill>
-              </a14:hiddenFill>
-            </a:ext>
-            <a:ext uri="{91240B29-F687-4F45-9708-019B960494DF}">
-              <a14:hiddenLine xmlns:a14="http://schemas.microsoft.com/office/drawing/2010/main" w="9525">
-                <a:solidFill>
-                  <a:schemeClr val="tx1"/>
-                </a:solidFill>
-                <a:miter lim="800000"/>
-                <a:headEnd/>
-                <a:tailEnd/>
-              </a14:hiddenLine>
-            </a:ext>
-          </a:extLst>
-        </p:spPr>
-      </p:pic>
-      <p:pic>
-        <p:nvPicPr>
-          <p:cNvPr id="3078" name="Picture 6"/>
-          <p:cNvPicPr>
-            <a:picLocks noChangeAspect="1" noChangeArrowheads="1"/>
-          </p:cNvPicPr>
-          <p:nvPr/>
-        </p:nvPicPr>
-        <p:blipFill>
-          <a:blip r:embed="rId4">
-            <a:extLst>
-              <a:ext uri="{28A0092B-C50C-407E-A947-70E740481C1C}">
-                <a14:useLocalDpi xmlns:a14="http://schemas.microsoft.com/office/drawing/2010/main" val="0"/>
-              </a:ext>
-            </a:extLst>
-          </a:blip>
-          <a:srcRect/>
-          <a:stretch>
-            <a:fillRect/>
-          </a:stretch>
-        </p:blipFill>
-        <p:spPr bwMode="auto">
-          <a:xfrm>
-            <a:off x="5220072" y="1391369"/>
-            <a:ext cx="3267075" cy="5133975"/>
-          </a:xfrm>
-          <a:prstGeom prst="rect">
-            <a:avLst/>
-          </a:prstGeom>
-          <a:noFill/>
-          <a:ln>
-            <a:noFill/>
-          </a:ln>
-          <a:extLst>
-            <a:ext uri="{909E8E84-426E-40DD-AFC4-6F175D3DCCD1}">
-              <a14:hiddenFill xmlns:a14="http://schemas.microsoft.com/office/drawing/2010/main">
-                <a:solidFill>
-                  <a:schemeClr val="accent1"/>
-                </a:solidFill>
-              </a14:hiddenFill>
-            </a:ext>
-            <a:ext uri="{91240B29-F687-4F45-9708-019B960494DF}">
-              <a14:hiddenLine xmlns:a14="http://schemas.microsoft.com/office/drawing/2010/main" w="9525">
-                <a:solidFill>
-                  <a:schemeClr val="tx1"/>
-                </a:solidFill>
-                <a:miter lim="800000"/>
-                <a:headEnd/>
-                <a:tailEnd/>
-              </a14:hiddenLine>
-            </a:ext>
-          </a:extLst>
-        </p:spPr>
-      </p:pic>
-    </p:spTree>
-    <p:extLst>
-      <p:ext uri="{BB962C8B-B14F-4D97-AF65-F5344CB8AC3E}">
-        <p14:creationId xmlns:p14="http://schemas.microsoft.com/office/powerpoint/2010/main" val="781172312"/>
-      </p:ext>
-    </p:extLst>
-  </p:cSld>
-  <p:clrMapOvr>
-    <a:masterClrMapping/>
-  </p:clrMapOvr>
-  <p:timing>
-    <p:tnLst>
-      <p:par>
-        <p:cTn id="1" dur="indefinite" restart="never" nodeType="tmRoot"/>
-      </p:par>
-    </p:tnLst>
-  </p:timing>
-</p:sld>
-</file>
-
-<file path=ppt/slides/slide11.xml><?xml version="1.0" encoding="utf-8"?>
-<p:sld xmlns:a="http://schemas.openxmlformats.org/drawingml/2006/main" xmlns:r="http://schemas.openxmlformats.org/officeDocument/2006/relationships" xmlns:p="http://schemas.openxmlformats.org/presentationml/2006/main">
-  <p:cSld>
-    <p:spTree>
-      <p:nvGrpSpPr>
-        <p:cNvPr id="1" name=""/>
-        <p:cNvGrpSpPr/>
-        <p:nvPr/>
-      </p:nvGrpSpPr>
-      <p:grpSpPr>
-        <a:xfrm>
-          <a:off x="0" y="0"/>
-          <a:ext cx="0" cy="0"/>
-          <a:chOff x="0" y="0"/>
-          <a:chExt cx="0" cy="0"/>
-        </a:xfrm>
-      </p:grpSpPr>
-      <p:sp>
-        <p:nvSpPr>
-          <p:cNvPr id="2" name="Tytuł 1"/>
-          <p:cNvSpPr>
-            <a:spLocks noGrp="1"/>
-          </p:cNvSpPr>
-          <p:nvPr>
-            <p:ph type="title"/>
-          </p:nvPr>
-        </p:nvSpPr>
-        <p:spPr/>
-        <p:txBody>
           <a:bodyPr/>
           <a:lstStyle/>
           <a:p>
@@ -9004,7 +9143,7 @@
 </p:sld>
 </file>
 
-<file path=ppt/slides/slide12.xml><?xml version="1.0" encoding="utf-8"?>
+<file path=ppt/slides/slide11.xml><?xml version="1.0" encoding="utf-8"?>
 <p:sld xmlns:a="http://schemas.openxmlformats.org/drawingml/2006/main" xmlns:r="http://schemas.openxmlformats.org/officeDocument/2006/relationships" xmlns:p="http://schemas.openxmlformats.org/presentationml/2006/main">
   <p:cSld>
     <p:spTree>
@@ -9517,7 +9656,7 @@
 </p:sld>
 </file>
 
-<file path=ppt/slides/slide13.xml><?xml version="1.0" encoding="utf-8"?>
+<file path=ppt/slides/slide12.xml><?xml version="1.0" encoding="utf-8"?>
 <p:sld xmlns:a="http://schemas.openxmlformats.org/drawingml/2006/main" xmlns:r="http://schemas.openxmlformats.org/officeDocument/2006/relationships" xmlns:p="http://schemas.openxmlformats.org/presentationml/2006/main">
   <p:cSld>
     <p:spTree>
@@ -9887,7 +10026,7 @@
 </p:sld>
 </file>
 
-<file path=ppt/slides/slide14.xml><?xml version="1.0" encoding="utf-8"?>
+<file path=ppt/slides/slide13.xml><?xml version="1.0" encoding="utf-8"?>
 <p:sld xmlns:a="http://schemas.openxmlformats.org/drawingml/2006/main" xmlns:r="http://schemas.openxmlformats.org/officeDocument/2006/relationships" xmlns:p="http://schemas.openxmlformats.org/presentationml/2006/main">
   <p:cSld>
     <p:spTree>
@@ -10220,7 +10359,7 @@
 </p:sld>
 </file>
 
-<file path=ppt/slides/slide15.xml><?xml version="1.0" encoding="utf-8"?>
+<file path=ppt/slides/slide14.xml><?xml version="1.0" encoding="utf-8"?>
 <p:sld xmlns:a="http://schemas.openxmlformats.org/drawingml/2006/main" xmlns:r="http://schemas.openxmlformats.org/officeDocument/2006/relationships" xmlns:p="http://schemas.openxmlformats.org/presentationml/2006/main">
   <p:cSld>
     <p:spTree>
@@ -10272,16 +10411,18 @@
         </p:nvSpPr>
         <p:spPr/>
         <p:txBody>
-          <a:bodyPr/>
+          <a:bodyPr>
+            <a:normAutofit/>
+          </a:bodyPr>
           <a:lstStyle/>
           <a:p>
             <a:r>
+              <a:rPr lang="en-IE" dirty="0"/>
+              <a:t>v</a:t>
+            </a:r>
+            <a:r>
               <a:rPr lang="en-IE" dirty="0" smtClean="0"/>
-              <a:t>Views are Scala</a:t>
-            </a:r>
-            <a:r>
-              <a:rPr lang="en-IE" dirty="0" smtClean="0"/>
-              <a:t>:</a:t>
+              <a:t>iews are Scala:</a:t>
             </a:r>
           </a:p>
           <a:p>
@@ -10292,13 +10433,8 @@
             </a:r>
             <a:r>
               <a:rPr lang="en-IE" dirty="0" smtClean="0"/>
-              <a:t>ou can e</a:t>
-            </a:r>
-            <a:r>
-              <a:rPr lang="en-IE" dirty="0" smtClean="0"/>
-              <a:t>xpress logic in views</a:t>
-            </a:r>
-            <a:endParaRPr lang="en-IE" dirty="0" smtClean="0"/>
+              <a:t>ou can express logic in views</a:t>
+            </a:r>
           </a:p>
           <a:p>
             <a:pPr lvl="1"/>
@@ -10316,8 +10452,30 @@
           </a:p>
           <a:p>
             <a:r>
+              <a:rPr lang="en-IE" dirty="0"/>
+              <a:t>v</a:t>
+            </a:r>
+            <a:r>
               <a:rPr lang="en-IE" dirty="0" smtClean="0"/>
-              <a:t>Views have double extension .scala.html</a:t>
+              <a:t>iews have double extension .scala.html</a:t>
+            </a:r>
+          </a:p>
+          <a:p>
+            <a:endParaRPr lang="en-IE" dirty="0"/>
+          </a:p>
+          <a:p>
+            <a:r>
+              <a:rPr lang="en-IE" dirty="0" smtClean="0"/>
+              <a:t>partial views</a:t>
+            </a:r>
+          </a:p>
+          <a:p>
+            <a:pPr marL="0" indent="0">
+              <a:buNone/>
+            </a:pPr>
+            <a:r>
+              <a:rPr lang="en-IE" dirty="0" smtClean="0"/>
+              <a:t>and layouts</a:t>
             </a:r>
           </a:p>
           <a:p>
@@ -10466,8 +10624,8 @@
         </p:blipFill>
         <p:spPr bwMode="auto">
           <a:xfrm>
-            <a:off x="2411760" y="4365104"/>
-            <a:ext cx="3867150" cy="2400300"/>
+            <a:off x="4132312" y="4304766"/>
+            <a:ext cx="3896072" cy="2418252"/>
           </a:xfrm>
           <a:prstGeom prst="rect">
             <a:avLst/>
@@ -10517,6 +10675,440 @@
 </p:sld>
 </file>
 
+<file path=ppt/slides/slide15.xml><?xml version="1.0" encoding="utf-8"?>
+<p:sld xmlns:a="http://schemas.openxmlformats.org/drawingml/2006/main" xmlns:r="http://schemas.openxmlformats.org/officeDocument/2006/relationships" xmlns:p="http://schemas.openxmlformats.org/presentationml/2006/main">
+  <p:cSld>
+    <p:spTree>
+      <p:nvGrpSpPr>
+        <p:cNvPr id="1" name=""/>
+        <p:cNvGrpSpPr/>
+        <p:nvPr/>
+      </p:nvGrpSpPr>
+      <p:grpSpPr>
+        <a:xfrm>
+          <a:off x="0" y="0"/>
+          <a:ext cx="0" cy="0"/>
+          <a:chOff x="0" y="0"/>
+          <a:chExt cx="0" cy="0"/>
+        </a:xfrm>
+      </p:grpSpPr>
+      <p:sp>
+        <p:nvSpPr>
+          <p:cNvPr id="2" name="Tytuł 1"/>
+          <p:cNvSpPr>
+            <a:spLocks noGrp="1"/>
+          </p:cNvSpPr>
+          <p:nvPr>
+            <p:ph type="title"/>
+          </p:nvPr>
+        </p:nvSpPr>
+        <p:spPr/>
+        <p:txBody>
+          <a:bodyPr/>
+          <a:lstStyle/>
+          <a:p>
+            <a:r>
+              <a:rPr lang="en-IE" dirty="0" smtClean="0"/>
+              <a:t>		Database access</a:t>
+            </a:r>
+            <a:endParaRPr lang="pl-PL" dirty="0"/>
+          </a:p>
+        </p:txBody>
+      </p:sp>
+      <p:sp>
+        <p:nvSpPr>
+          <p:cNvPr id="3" name="Symbol zastępczy zawartości 2"/>
+          <p:cNvSpPr>
+            <a:spLocks noGrp="1"/>
+          </p:cNvSpPr>
+          <p:nvPr>
+            <p:ph idx="1"/>
+          </p:nvPr>
+        </p:nvSpPr>
+        <p:spPr/>
+        <p:txBody>
+          <a:bodyPr/>
+          <a:lstStyle/>
+          <a:p>
+            <a:r>
+              <a:rPr lang="en-IE" dirty="0" err="1" smtClean="0"/>
+              <a:t>Ebean</a:t>
+            </a:r>
+            <a:r>
+              <a:rPr lang="en-IE" dirty="0" smtClean="0"/>
+              <a:t> ORM</a:t>
+            </a:r>
+          </a:p>
+          <a:p>
+            <a:r>
+              <a:rPr lang="en-IE" dirty="0" smtClean="0"/>
+              <a:t>H2 in-memory database</a:t>
+            </a:r>
+            <a:endParaRPr lang="pl-PL" dirty="0"/>
+          </a:p>
+        </p:txBody>
+      </p:sp>
+      <p:pic>
+        <p:nvPicPr>
+          <p:cNvPr id="2050" name="Picture 2"/>
+          <p:cNvPicPr>
+            <a:picLocks noChangeAspect="1" noChangeArrowheads="1"/>
+          </p:cNvPicPr>
+          <p:nvPr/>
+        </p:nvPicPr>
+        <p:blipFill>
+          <a:blip r:embed="rId3">
+            <a:extLst>
+              <a:ext uri="{28A0092B-C50C-407E-A947-70E740481C1C}">
+                <a14:useLocalDpi xmlns:a14="http://schemas.microsoft.com/office/drawing/2010/main" val="0"/>
+              </a:ext>
+            </a:extLst>
+          </a:blip>
+          <a:srcRect/>
+          <a:stretch>
+            <a:fillRect/>
+          </a:stretch>
+        </p:blipFill>
+        <p:spPr bwMode="auto">
+          <a:xfrm>
+            <a:off x="1259632" y="2802170"/>
+            <a:ext cx="5219700" cy="1123950"/>
+          </a:xfrm>
+          <a:prstGeom prst="rect">
+            <a:avLst/>
+          </a:prstGeom>
+          <a:noFill/>
+          <a:ln>
+            <a:noFill/>
+          </a:ln>
+          <a:extLst>
+            <a:ext uri="{909E8E84-426E-40DD-AFC4-6F175D3DCCD1}">
+              <a14:hiddenFill xmlns:a14="http://schemas.microsoft.com/office/drawing/2010/main">
+                <a:solidFill>
+                  <a:schemeClr val="accent1"/>
+                </a:solidFill>
+              </a14:hiddenFill>
+            </a:ext>
+            <a:ext uri="{91240B29-F687-4F45-9708-019B960494DF}">
+              <a14:hiddenLine xmlns:a14="http://schemas.microsoft.com/office/drawing/2010/main" w="9525">
+                <a:solidFill>
+                  <a:schemeClr val="tx1"/>
+                </a:solidFill>
+                <a:miter lim="800000"/>
+                <a:headEnd/>
+                <a:tailEnd/>
+              </a14:hiddenLine>
+            </a:ext>
+          </a:extLst>
+        </p:spPr>
+      </p:pic>
+      <p:pic>
+        <p:nvPicPr>
+          <p:cNvPr id="5" name="Picture 2"/>
+          <p:cNvPicPr>
+            <a:picLocks noChangeAspect="1" noChangeArrowheads="1"/>
+          </p:cNvPicPr>
+          <p:nvPr/>
+        </p:nvPicPr>
+        <p:blipFill>
+          <a:blip r:embed="rId4" cstate="print">
+            <a:extLst>
+              <a:ext uri="{28A0092B-C50C-407E-A947-70E740481C1C}">
+                <a14:useLocalDpi xmlns:a14="http://schemas.microsoft.com/office/drawing/2010/main" val="0"/>
+              </a:ext>
+            </a:extLst>
+          </a:blip>
+          <a:srcRect/>
+          <a:stretch>
+            <a:fillRect/>
+          </a:stretch>
+        </p:blipFill>
+        <p:spPr bwMode="auto">
+          <a:xfrm>
+            <a:off x="755576" y="532862"/>
+            <a:ext cx="2016224" cy="688262"/>
+          </a:xfrm>
+          <a:prstGeom prst="rect">
+            <a:avLst/>
+          </a:prstGeom>
+          <a:noFill/>
+          <a:ln>
+            <a:noFill/>
+          </a:ln>
+          <a:extLst>
+            <a:ext uri="{909E8E84-426E-40DD-AFC4-6F175D3DCCD1}">
+              <a14:hiddenFill xmlns:a14="http://schemas.microsoft.com/office/drawing/2010/main">
+                <a:solidFill>
+                  <a:schemeClr val="accent1"/>
+                </a:solidFill>
+              </a14:hiddenFill>
+            </a:ext>
+            <a:ext uri="{91240B29-F687-4F45-9708-019B960494DF}">
+              <a14:hiddenLine xmlns:a14="http://schemas.microsoft.com/office/drawing/2010/main" w="9525">
+                <a:solidFill>
+                  <a:schemeClr val="tx1"/>
+                </a:solidFill>
+                <a:miter lim="800000"/>
+                <a:headEnd/>
+                <a:tailEnd/>
+              </a14:hiddenLine>
+            </a:ext>
+          </a:extLst>
+        </p:spPr>
+      </p:pic>
+      <p:sp>
+        <p:nvSpPr>
+          <p:cNvPr id="4" name="AutoShape 2" descr="data:image/jpeg;base64,/9j/4AAQSkZJRgABAQAAAQABAAD/2wCEAAkGBxQSEBQUEhIVFBQVFBAUFBUUFBUQDxQUFRUWFxYVFRYYHCkgGBolGxQUIjIiJSkrLi4vFx8zODMsNygtLisBCgoKDg0OGxAQGDEhHiIuLys3LC83LDEvLywsLzcsNzQsLy43NDcrNywrNC0yLDgsKyw0KyssLDEsLystNyssLP/AABEIAPcAzAMBIgACEQEDEQH/xAAcAAEAAgMBAQEAAAAAAAAAAAAABQYCAwQBBwj/xABKEAABAwICAwkKDAQGAwAAAAABAAIDBBEFIQYSMRMVIkFRYXGRoRYzUlSBkrHR0tMUIzI0QlNyk5SyweNVYnPCBySCorPhRKPw/8QAGgEBAAMBAQEAAAAAAAAAAAAAAAEEBQMCBv/EACcRAQACAgEDAwQDAQAAAAAAAAABAgMRBAUSURMhMUFhofCBsdEi/9oADAMBAAIRAxEAPwD602J8s0w3eRgY6NrWs3MCxja4/KYTe7jxrdvY7xqfri92mHd/qf6kX/DGqRUaOYgd11XyB5bV6zzVFzJ3Pqo5KcxscbRbnG1zdgtfVFwUF33sd41P1xe7Tex3jU/XF7tU7UxQukDS4StZFwi2PWMRq53BgdYROmEG53tlzgm66qqgxOSKVr5XtfqUpidC6GFhLBEZmuBBc2RzxLsJZqkC+1BZ97HeNT9cXu03sd41P1xe7Udg1LOyuqXvZJuMkVKGF8rZBuse6bodQOOprCRnyQB8Wea9iQR29jvGp+uL3ab2O8an64vdqRRBHb2O8an64vdpvY7xqfri92pFEEVoxXOmpYnvN3FjNY5Ak2zOWSlVX9BvmUX2W+hWBAREQaa1xEbyMiGPI6QCo6iwtromOMk9yxhP+Yl2kC/0l34h3mT7D/ylQ2N4ZJU4e2KJwDiKV2q5zmRyNY5j3xPc0Ehr2tLSbHJ2woJDehn1k/4ib2kGEM+sn/ETe0qVDofWxyRSRPii1PhIDGSyFlPFLVwTCKMbn8YwRxPGpZou8AWAC34bgmJXicycQR7lJaIgAske6oN5Iw3Vd3yE8oMZGWesFu3oZ9ZP+Im9pN6GfWT/AIib2lWRo5VEskeGSu+CTwyRTVc0sD5XEOa54MdpGE61wQLC1hxCf0Tw11NSRxPDWubr3DHF8Y1nudZl2t1WZ5NAs0WHEg37zt+sn/ETe0m87frJ/wARN7SkUQR287frJ/xE3tJvO36yf8RN7SkUQVzG2/BWxytfKfjo2kOmke0tdcEFriRydSnqeTWaDyhQOnfzZn9eD0lTVB3tvQEFarKStfVVBpahkTNaIFrmtJLtyZnnG7itx8S1xUOJuvq18LrEtNmxmzgbEG0O0HiVgw7v9T/Ui/4Y1EnRh4sI59QBkgu3XBBcJr2AdaxMrHHjvGOYtDlfRYmCAa+EE7AWxgnMDL4nlcB0kLPezFfHY/Mj9yu2LA5GgjWadbc+N1ow2pMtmXucmvy52DYMhYkFQ3sxXx2PzI/cpvZivjsfmR+5VvRBUN7MV8dj8yP3Kb2Yr47H5kfuVb0QVDezFfHY/Mj9ym9mK+Ox+ZH7lW9EFd0E+ZQ326jb9NlYlX9BvmcX2G+hWBAREQaK/vUn2H/lKp0GCVjYGOdisjW6ke1kNhrAAAfF8pAVwxDvMn2H/lK4zQtmp4WutZvwaTNocLxlrrWPRa6CF7nK7+KS+ZD7taosFrHEhuLSEi9wGwEiznN+r8Jjh5CuqDRMtDBuwOrYd7OeUY3X5eVR8V3z+d2WalsNw10bmkuBDI3xtte5DpC67ufVDPKXIITucrv4pL5kPu07nK7+KS+ZD7tW5EFR7nK7+KS+ZD7tO5yu/ikvmQ+7VuRBUe5yu/ikvmQ+7Tucrv4pL5kPu1bkQfPNIcHqomRumrpJ2btENRzY2gkk2N2sBy6VeqDvbegKF07+bM/rwekqaoO9t6AgiKyongmldHA2VsjmOB3UxuFmNYQRqHweXjWnuhqvER9/+0rLZNVBWu6Gq8RH3/7Sd0NV4iPv/wBpWXVTVQVruhqvER9/+0ndDVeIj7/9pWXVTVQVruhqvER9/wDtLBuk1QXFoomkjaPhGY/9SlMZxHcxqttrkeaOXp5P+lVRUOjkD2nhDPlvc535b8azOX1KnHvFdb8/ZcwcO2Wsz8eEz3Q1XiI+/wD2k7oKrxEff/tKZwyubMzWbkdjm8bXcn/a7NVaNL1vWLVncSqWrNZ1Pyh9E6R0VLGx4s4NaDbMXtnZTKwlkaxpc4hrQLkk2AHOVWqrS8OdqU0Lpjy5hvSABcjpsvSFoRVA4liJz3KJvNlftevO6aqi+cUwLeNzLgAdbh2hBbKmPWY5uzWa4X6RZVySvrIQ1jYInhrWt1g97b2FtmqpbCcZiqReN2Y2tOTx5OTnCkLIKrv5W+KxfeP9he7913ikf3j/AGFaHDI9BXzukztfPJUObzo4s1ia77t/ha43G9bfvrSb38rfFIvvH+wm/lb4rF94/wBhS+jg+IH2pPzFSdlbxX9SkX8xtXvXttNfCq7+VvisX3j/AGE38rfFYvvH+wrVZLLo8qrv5W+KxfeP9hN/K3xWL7x/sK1WSyCkYpNV1TWRvgYxokY8lr3OdweKxaFcaNlmNB5At1l6gIiICIiAiIghcfo4xG94aA8uj4Wdzd7QezJVSsP5T+qtGkOLU0bSyUlxNuAw8PI3FyCNXMDaVV3SumzhonFvK58ru0EBYvUOm35F949R/v8AENDicyuKurblecPoooxeNgaS0AkcfHmumWQNaXONgASSdgA2lU9uO1kIvJScEcgcO0ErmxzSUVMLYYmua97w14NtnEARtBNupbFa1rGojShMzM7lm578SmNyWU0ZyGwuPtei6tdDh7I2hrWhrRxD0k8ZWGD0LYo2sbsaOt3GV3ufZekMTE3kXNNE3iy9CzklXNJKgrmL4KQ7dafgSt4Vm5B3RyHsKndGcbFTHnYSMsHt2dDhzHsWuSRV6pl+CVjJhkx9xIByZa2XUekKBa8cw90rLxuc17b2AcWhw42mx6j61T4G2da1rXFthFsrKRqdMJJCRTQOI8J9/Q3Z1qGqKiqc/XdA3O1wL59NncmSyeodO9e0XpPv+F/icv0omtvhacAoHEiQlwaDdrQ4gOPhEXtb0ntsSqWF6XsuGTNdEdmy8Y7LjqVrikDgC0gg5gg3B6CtDj4a4aRSFTLknJbulkiIu7mIiICIiAiIgIiICrmkmNPa9tPTZzP2kZ6gPoNs+YKbxCqEUT5DsY1zrcthkPKVXtDaM6rqmTOSYuIPI2+duS57AEG/BtGY4QHyWll2lzuE0E+CDt6Tmph70keuaR6DJ0xC4TRQulbIWASNNwRlc8/Ks5HrrpKC+b/I31oOmI5Zc6GJx5FvAWLnoOOWndyhcNQHN2j9QpN71oe9BDSSpJRtmDQ5utmHAcV7cfWt1XTA5tyPJxH1Lvo49Vo5SFAxhw9jRY9Q4LR1L19OzwR2rN71pe9SODEMLY8WtfmP6HaFC0NbJQSbS6BzuE07WnlHIfSrG96j8RhD2kHjFj+h6VAtkErXtDmkFrgCCNhBWaqWgtYRulO85xnWb9kmzh0Xsf8AUrapBERAREQEREBERBXdPJdWjI8J7G+l39qkqVgjijYMtWNg6go/TiDXo3W+i5jvJex7HFdFNU7pBE8fSjb1gZjrug2yPXNI9JHrmc65soEjhsGsdc7Bs6eVSi1xMDWgcgWL3qRk9653vXj3rne9Bk960PesXvWoAu2f9KB496yp6jiPk9SGl5XdQWiSmI2O/RB1vetL3rW960vegze9aZHrBz1ig58JdqYmz+djgefgn2Ar4qHgbN0xIEbI2OJ5uDq+l6viQCIikEREBERAWEsga0ucbAAkk7ABmSVmqxprUOcIqaP5UzgD9kEbea/5SgjZ55sSkLYyY6ZpzOzW5zynm4lZqPDmxwiJlyG3sTmbnO63YdQthjbGwWa0ZnjJ4yecrpe6yCHlo38g6wuamad2YCLcIHPmz/RSs0q5RINdt+VBJPeuHEq9kMUksjtVkbHPedtmtFzlx5BbZHqB0yoXVNBUwx/Lkhe1nEC61wL8VyAPKgqg08r3wGsZhgNGLuF5wKp0Q2yhttlhe1usZrpxvTtzW0Jo6cVHw0P3MOlEBaWhp1TcEX4RBzy1eNQGH/4g08WFtpXNlFZHTim+DGKTdHSNj3MZ6tgDkc8+ZRFRgEkceB0z3yRP1qovdGdWWIyFr7A2IBGtbrQXjBdLJn10dHWUZpZJmPfCWzNqGPDA5zgS0cHJruroWehWn3w19Qx8AgEDddpD90EjA97HuzaLWLO1QODYeaPH4GvlkqRNSzbnJUu3SWJzdclsbsgLhh4thKqbXSQ0UUkbSXVBxXD3WyPx0l4yeYHX6yg+k6A6cOxIzh1PuO4iAj4zdNYSh5B+SLZMB8qtL3qg6A0whxHFWNFmsNAxuVhZscgV2e9QPZHLnJXrnLFAWqol1RkLuOTRyn1LYiCKbQSRWlikIlFy62x3GQOXoO1XLRzGxUx5jVkbYPb/AHDmKglwMm+DVccoya86sg4rG1/0PkQfRERFIIiICIiAqrV54vFf6MJt02ef17FaiqnpC7cq+mmPyXDczyDMi58knYgs+tYLlmkXsr1xTSIMZpVxSyr2aRcrnXUCXE+sAeVaXvXHTzWy4lm96D15F72F+W2a0PcvHOWKDupH8HoJR5C5YZLHpWb3oD3LU5y8Ll4gLxEQEREBRukA+J6HN9BCklGY3d25xD5T3j2R2u7EH0DD3kwxk7SxhPSWhdCwhbZoA4gB1LNSCIiAiIgxcoLSOi3eFzPpbWHkcPXs8qnnBcs8V0FfwLFN2ZucnBnj4JByLgOPp5VtqHEbclqxfAhIQ9h3OUbHjLovb0rgOJ1MI1Z4N1aPptzvz5C3WAoG97rrxc3dHDxwPB6Gn9QvDpFB9S/qb7SDqXpK4jpDD9U/qb7S8OkMP1T+pvrQdq8XCdIIvq39TfWsTj8f1b+pvrQSKXUYcej8B/UPWvDjrPAf2etBJoovfxngP7PWm/jPAf2etBKIovfxngP7PWm/jPAf2etBKIovfxngP7PWjcUe/KKFzj5SOxBIzzBjS5xsB/8AWC1aNUxlnNQ8Wa24jHPsv5M/KV5R4BLK4OqTYDZGD6bZD0q10tKGgAAADIAZADmQdsRW5a42rYpBERAREQF4QvUQanRLU6nXUvLIOB9KORa3Ug5FJ2XmqgiTScyx+Ccyl9RRuNNlbHrxOtq3LhZpu3lFxtHavGS/ZWba3rx8vVa9063pUqeoedrzsvsb6lNYZEXMuc+E4XNrqCpdotmLLc7Hvg7g3hObcuc1u532bCXbL5L5zpXJyWzatM23v7/21+dhpGP/AJiIWL4LzJ8F5lX5NPmj/wAV3llaD6FzVf8AiGwsIbBI0nInWY6w49XMZr6S09sb1tjxG50lcRqNU2Zbg7TYEX8H19XKu6gLZW6zRzOHGCq7BUCSEPAIDhcA2uM7Z2Ujo/DKXl0WrZtg9rnW1gc9lj5Dy+VYPH6jmtyu2Y3E/Txr992pl4mOMHdE+8fXz+/RNik5lmKPmUnqL3VX0DKR7aQcgW5tOuvVSyDS2FbGtWaICIiAiIgIiICIiAiIgIiIIvH8YFMwG2tI8kRsva5G1xPE0DaecDaQqDilbJMbzP3Q7Q35MLfsx7PKbnnU/pzETK1wz1Ijfls5+Z/2hUeeqQdkWKuYHcG5tweQHn5lFTVbjcnacytE9SuGWdccfHx47WtWNTLpfLe8RFp+HRNULhmnWiWdccsy7Oa7YdpVBHTsjdr6zW2Nm3F735VAY/j2vOyWme9jmttrAmN4NydoOxQJcvFRxdPxY8vqxvfv+Vm/KvfH6c60+s6Af4jvkkZTVpBc7KOcAN13cTJGjIOOdnCwOywNr/UGm6/MOHU7nPDm7Iy2Qnk1SCPLcBforR+pL4wSryslUREBERAREQEREBERAREQEREBERBX8Z+cD+kPzlVrF9HIpbubeNx425tPS31WU1pPXtiq4g7Jr43NLj8lrtcal+QG7hfoXk2xB83xDR2dl9XVeOY2PUfWoGqo5m7Yn9V/Qvp1YoSrQfO5I3+C4f6SsNxd4J6irZVqOlQQ7KVx4uvJSFHhAJ4bvIMu1ZR7VJ0yDodC1kDw0ADVOQX1nRTvQXyHE61sbA05ukLWho26pcNZ3QBfy2C+v6Kj4oIJxERAREQEREBERAREQEREBERAREQVbSmjbNLqO+pyO2x1jxcYVKnmqqLL5cQ2B13xAfyvHCZ0G4Fsgr9jJ/zI/o+h+fpHWuObYgo50rjd8uN7OUttIzyW4X+1ck+NwO2SAfaDmfmAU9ieEQvuTG2/K3gHsVardHYuJzx5QR2hBxVOIwnZLH57fWo+Wuj4ntPQdb0LbPgrR9N3lsuZ2HNHGexBqGINByDj0NI/NZZjE5XcGNtjy/Lf1bB2rKKkbfZfpUvSMA2ADoyQctJhJa18sp1n6ptc6xB5SeXm2BfbdFT8UF8qqO9P6F9V0U70EE6iIgIiICIiAiIgIiICIiAiIgIiIKXpvrtnjljPCijcSDfVLXPGsHAcR1RnxWB4rLio8filAaTuch+g82uf5HbH+TPlAVhxn5wP6X95VWxrRiOUEtOoTtFtaM9LeLyIN1YoOsUXUYRVwZRvdqjYGSXaBzMfkPIFGVOIVbflNJ+1F7NkHZVqOlXFLikx2tb5jh/cud1VMeTyMP6lB3x7V3CoawXe4NHPtPQONQDY5XfSd2M9Fiu2jwW5u93TbNx6XFBunr31B1YwWxsLZHE5OdqEEX5BcDLafIvuei3egvkhgayB4aLDVPl6eVfWtFO9BBOoiICIiAiIgIiICIiAiIgIiICIiCv6RcCWOQ/Ic0xOPE1xcCy/MbuF+XV5VyTbFZqmAPaWuAIIIIIuCDtBHGqhXYRPB3l2vHxRyXOrzMeOEBzHWHJZBH1ihKtd1ViBHfIZGc4G6t8mpwutoURVV8fhgfaBj/MAgjatR0q66qsj+sZ57fWuCSdp2OB6DrHsQYx7VJ0yjoY3k8GN5/0Fva6w7VMUWFzv2NDP97/ZB60GyU3AYM3PyA/luNZx5gO0gca+r6LNtEFVNHdESDrOBubXJzcek/psC+g0tOGNACDciIgIiICIiAiIgIiICIiAiIgIiIC8IuiIOWfDo37WhR0+jUTuJEQcb9D4jxIzRCMIiDqh0YibxKRgwyNmxoREHY1oGxeoiAiIgIiICIiAiIg//9k="/>
+          <p:cNvSpPr>
+            <a:spLocks noChangeAspect="1" noChangeArrowheads="1"/>
+          </p:cNvSpPr>
+          <p:nvPr/>
+        </p:nvSpPr>
+        <p:spPr bwMode="auto">
+          <a:xfrm>
+            <a:off x="155575" y="-1790700"/>
+            <a:ext cx="3095625" cy="3743325"/>
+          </a:xfrm>
+          <a:prstGeom prst="rect">
+            <a:avLst/>
+          </a:prstGeom>
+          <a:noFill/>
+          <a:extLst>
+            <a:ext uri="{909E8E84-426E-40DD-AFC4-6F175D3DCCD1}">
+              <a14:hiddenFill xmlns:a14="http://schemas.microsoft.com/office/drawing/2010/main">
+                <a:solidFill>
+                  <a:srgbClr val="FFFFFF"/>
+                </a:solidFill>
+              </a14:hiddenFill>
+            </a:ext>
+          </a:extLst>
+        </p:spPr>
+        <p:txBody>
+          <a:bodyPr vert="horz" wrap="square" lIns="91440" tIns="45720" rIns="91440" bIns="45720" numCol="1" anchor="t" anchorCtr="0" compatLnSpc="1">
+            <a:prstTxWarp prst="textNoShape">
+              <a:avLst/>
+            </a:prstTxWarp>
+          </a:bodyPr>
+          <a:lstStyle/>
+          <a:p>
+            <a:endParaRPr lang="pl-PL"/>
+          </a:p>
+        </p:txBody>
+      </p:sp>
+      <p:sp>
+        <p:nvSpPr>
+          <p:cNvPr id="6" name="AutoShape 4" descr="data:image/jpeg;base64,/9j/4AAQSkZJRgABAQAAAQABAAD/2wCEAAkGBxQSEBQUEhIVFBQVFBAUFBUUFBUQDxQUFRUWFxYVFRYYHCkgGBolGxQUIjIiJSkrLi4vFx8zODMsNygtLisBCgoKDg0OGxAQGDEhHiIuLys3LC83LDEvLywsLzcsNzQsLy43NDcrNywrNC0yLDgsKyw0KyssLDEsLystNyssLP/AABEIAPcAzAMBIgACEQEDEQH/xAAcAAEAAgMBAQEAAAAAAAAAAAAABQYCAwQBBwj/xABKEAABAwICAwkKDAQGAwAAAAABAAIDBBEFIQYSMRMVIkFRYXGRoRYzUlSBkrHR0tMUIzI0QlNyk5SyweNVYnPCBySCorPhRKPw/8QAGgEBAAMBAQEAAAAAAAAAAAAAAAEEBQMCBv/EACcRAQACAgEDAwQDAQAAAAAAAAABAgMRBAUSURMhMUFhofCBsdEi/9oADAMBAAIRAxEAPwD602J8s0w3eRgY6NrWs3MCxja4/KYTe7jxrdvY7xqfri92mHd/qf6kX/DGqRUaOYgd11XyB5bV6zzVFzJ3Pqo5KcxscbRbnG1zdgtfVFwUF33sd41P1xe7Tex3jU/XF7tU7UxQukDS4StZFwi2PWMRq53BgdYROmEG53tlzgm66qqgxOSKVr5XtfqUpidC6GFhLBEZmuBBc2RzxLsJZqkC+1BZ97HeNT9cXu03sd41P1xe7Udg1LOyuqXvZJuMkVKGF8rZBuse6bodQOOprCRnyQB8Wea9iQR29jvGp+uL3ab2O8an64vdqRRBHb2O8an64vdpvY7xqfri92pFEEVoxXOmpYnvN3FjNY5Ak2zOWSlVX9BvmUX2W+hWBAREQaa1xEbyMiGPI6QCo6iwtromOMk9yxhP+Yl2kC/0l34h3mT7D/ylQ2N4ZJU4e2KJwDiKV2q5zmRyNY5j3xPc0Ehr2tLSbHJ2woJDehn1k/4ib2kGEM+sn/ETe0qVDofWxyRSRPii1PhIDGSyFlPFLVwTCKMbn8YwRxPGpZou8AWAC34bgmJXicycQR7lJaIgAske6oN5Iw3Vd3yE8oMZGWesFu3oZ9ZP+Im9pN6GfWT/AIib2lWRo5VEskeGSu+CTwyRTVc0sD5XEOa54MdpGE61wQLC1hxCf0Tw11NSRxPDWubr3DHF8Y1nudZl2t1WZ5NAs0WHEg37zt+sn/ETe0m87frJ/wARN7SkUQR287frJ/xE3tJvO36yf8RN7SkUQVzG2/BWxytfKfjo2kOmke0tdcEFriRydSnqeTWaDyhQOnfzZn9eD0lTVB3tvQEFarKStfVVBpahkTNaIFrmtJLtyZnnG7itx8S1xUOJuvq18LrEtNmxmzgbEG0O0HiVgw7v9T/Ui/4Y1EnRh4sI59QBkgu3XBBcJr2AdaxMrHHjvGOYtDlfRYmCAa+EE7AWxgnMDL4nlcB0kLPezFfHY/Mj9yu2LA5GgjWadbc+N1ow2pMtmXucmvy52DYMhYkFQ3sxXx2PzI/cpvZivjsfmR+5VvRBUN7MV8dj8yP3Kb2Yr47H5kfuVb0QVDezFfHY/Mj9ym9mK+Ox+ZH7lW9EFd0E+ZQ326jb9NlYlX9BvmcX2G+hWBAREQaK/vUn2H/lKp0GCVjYGOdisjW6ke1kNhrAAAfF8pAVwxDvMn2H/lK4zQtmp4WutZvwaTNocLxlrrWPRa6CF7nK7+KS+ZD7taosFrHEhuLSEi9wGwEiznN+r8Jjh5CuqDRMtDBuwOrYd7OeUY3X5eVR8V3z+d2WalsNw10bmkuBDI3xtte5DpC67ufVDPKXIITucrv4pL5kPu07nK7+KS+ZD7tW5EFR7nK7+KS+ZD7tO5yu/ikvmQ+7VuRBUe5yu/ikvmQ+7Tucrv4pL5kPu1bkQfPNIcHqomRumrpJ2btENRzY2gkk2N2sBy6VeqDvbegKF07+bM/rwekqaoO9t6AgiKyongmldHA2VsjmOB3UxuFmNYQRqHweXjWnuhqvER9/+0rLZNVBWu6Gq8RH3/7Sd0NV4iPv/wBpWXVTVQVruhqvER9/+0ndDVeIj7/9pWXVTVQVruhqvER9/wDtLBuk1QXFoomkjaPhGY/9SlMZxHcxqttrkeaOXp5P+lVRUOjkD2nhDPlvc535b8azOX1KnHvFdb8/ZcwcO2Wsz8eEz3Q1XiI+/wD2k7oKrxEff/tKZwyubMzWbkdjm8bXcn/a7NVaNL1vWLVncSqWrNZ1Pyh9E6R0VLGx4s4NaDbMXtnZTKwlkaxpc4hrQLkk2AHOVWqrS8OdqU0Lpjy5hvSABcjpsvSFoRVA4liJz3KJvNlftevO6aqi+cUwLeNzLgAdbh2hBbKmPWY5uzWa4X6RZVySvrIQ1jYInhrWt1g97b2FtmqpbCcZiqReN2Y2tOTx5OTnCkLIKrv5W+KxfeP9he7913ikf3j/AGFaHDI9BXzukztfPJUObzo4s1ia77t/ha43G9bfvrSb38rfFIvvH+wm/lb4rF94/wBhS+jg+IH2pPzFSdlbxX9SkX8xtXvXttNfCq7+VvisX3j/AGE38rfFYvvH+wrVZLLo8qrv5W+KxfeP9hN/K3xWL7x/sK1WSyCkYpNV1TWRvgYxokY8lr3OdweKxaFcaNlmNB5At1l6gIiICIiAiIghcfo4xG94aA8uj4Wdzd7QezJVSsP5T+qtGkOLU0bSyUlxNuAw8PI3FyCNXMDaVV3SumzhonFvK58ru0EBYvUOm35F949R/v8AENDicyuKurblecPoooxeNgaS0AkcfHmumWQNaXONgASSdgA2lU9uO1kIvJScEcgcO0ErmxzSUVMLYYmua97w14NtnEARtBNupbFa1rGojShMzM7lm578SmNyWU0ZyGwuPtei6tdDh7I2hrWhrRxD0k8ZWGD0LYo2sbsaOt3GV3ufZekMTE3kXNNE3iy9CzklXNJKgrmL4KQ7dafgSt4Vm5B3RyHsKndGcbFTHnYSMsHt2dDhzHsWuSRV6pl+CVjJhkx9xIByZa2XUekKBa8cw90rLxuc17b2AcWhw42mx6j61T4G2da1rXFthFsrKRqdMJJCRTQOI8J9/Q3Z1qGqKiqc/XdA3O1wL59NncmSyeodO9e0XpPv+F/icv0omtvhacAoHEiQlwaDdrQ4gOPhEXtb0ntsSqWF6XsuGTNdEdmy8Y7LjqVrikDgC0gg5gg3B6CtDj4a4aRSFTLknJbulkiIu7mIiICIiAiIgIiICrmkmNPa9tPTZzP2kZ6gPoNs+YKbxCqEUT5DsY1zrcthkPKVXtDaM6rqmTOSYuIPI2+duS57AEG/BtGY4QHyWll2lzuE0E+CDt6Tmph70keuaR6DJ0xC4TRQulbIWASNNwRlc8/Ks5HrrpKC+b/I31oOmI5Zc6GJx5FvAWLnoOOWndyhcNQHN2j9QpN71oe9BDSSpJRtmDQ5utmHAcV7cfWt1XTA5tyPJxH1Lvo49Vo5SFAxhw9jRY9Q4LR1L19OzwR2rN71pe9SODEMLY8WtfmP6HaFC0NbJQSbS6BzuE07WnlHIfSrG96j8RhD2kHjFj+h6VAtkErXtDmkFrgCCNhBWaqWgtYRulO85xnWb9kmzh0Xsf8AUrapBERAREQEREBERBXdPJdWjI8J7G+l39qkqVgjijYMtWNg6go/TiDXo3W+i5jvJex7HFdFNU7pBE8fSjb1gZjrug2yPXNI9JHrmc65soEjhsGsdc7Bs6eVSi1xMDWgcgWL3qRk9653vXj3rne9Bk960PesXvWoAu2f9KB496yp6jiPk9SGl5XdQWiSmI2O/RB1vetL3rW960vegze9aZHrBz1ig58JdqYmz+djgefgn2Ar4qHgbN0xIEbI2OJ5uDq+l6viQCIikEREBERAWEsga0ucbAAkk7ABmSVmqxprUOcIqaP5UzgD9kEbea/5SgjZ55sSkLYyY6ZpzOzW5zynm4lZqPDmxwiJlyG3sTmbnO63YdQthjbGwWa0ZnjJ4yecrpe6yCHlo38g6wuamad2YCLcIHPmz/RSs0q5RINdt+VBJPeuHEq9kMUksjtVkbHPedtmtFzlx5BbZHqB0yoXVNBUwx/Lkhe1nEC61wL8VyAPKgqg08r3wGsZhgNGLuF5wKp0Q2yhttlhe1usZrpxvTtzW0Jo6cVHw0P3MOlEBaWhp1TcEX4RBzy1eNQGH/4g08WFtpXNlFZHTim+DGKTdHSNj3MZ6tgDkc8+ZRFRgEkceB0z3yRP1qovdGdWWIyFr7A2IBGtbrQXjBdLJn10dHWUZpZJmPfCWzNqGPDA5zgS0cHJruroWehWn3w19Qx8AgEDddpD90EjA97HuzaLWLO1QODYeaPH4GvlkqRNSzbnJUu3SWJzdclsbsgLhh4thKqbXSQ0UUkbSXVBxXD3WyPx0l4yeYHX6yg+k6A6cOxIzh1PuO4iAj4zdNYSh5B+SLZMB8qtL3qg6A0whxHFWNFmsNAxuVhZscgV2e9QPZHLnJXrnLFAWqol1RkLuOTRyn1LYiCKbQSRWlikIlFy62x3GQOXoO1XLRzGxUx5jVkbYPb/AHDmKglwMm+DVccoya86sg4rG1/0PkQfRERFIIiICIiAqrV54vFf6MJt02ef17FaiqnpC7cq+mmPyXDczyDMi58knYgs+tYLlmkXsr1xTSIMZpVxSyr2aRcrnXUCXE+sAeVaXvXHTzWy4lm96D15F72F+W2a0PcvHOWKDupH8HoJR5C5YZLHpWb3oD3LU5y8Ll4gLxEQEREBRukA+J6HN9BCklGY3d25xD5T3j2R2u7EH0DD3kwxk7SxhPSWhdCwhbZoA4gB1LNSCIiAiIgxcoLSOi3eFzPpbWHkcPXs8qnnBcs8V0FfwLFN2ZucnBnj4JByLgOPp5VtqHEbclqxfAhIQ9h3OUbHjLovb0rgOJ1MI1Z4N1aPptzvz5C3WAoG97rrxc3dHDxwPB6Gn9QvDpFB9S/qb7SDqXpK4jpDD9U/qb7S8OkMP1T+pvrQdq8XCdIIvq39TfWsTj8f1b+pvrQSKXUYcej8B/UPWvDjrPAf2etBJoovfxngP7PWm/jPAf2etBKIovfxngP7PWm/jPAf2etBKIovfxngP7PWjcUe/KKFzj5SOxBIzzBjS5xsB/8AWC1aNUxlnNQ8Wa24jHPsv5M/KV5R4BLK4OqTYDZGD6bZD0q10tKGgAAADIAZADmQdsRW5a42rYpBERAREQF4QvUQanRLU6nXUvLIOB9KORa3Ug5FJ2XmqgiTScyx+Ccyl9RRuNNlbHrxOtq3LhZpu3lFxtHavGS/ZWba3rx8vVa9063pUqeoedrzsvsb6lNYZEXMuc+E4XNrqCpdotmLLc7Hvg7g3hObcuc1u532bCXbL5L5zpXJyWzatM23v7/21+dhpGP/AJiIWL4LzJ8F5lX5NPmj/wAV3llaD6FzVf8AiGwsIbBI0nInWY6w49XMZr6S09sb1tjxG50lcRqNU2Zbg7TYEX8H19XKu6gLZW6zRzOHGCq7BUCSEPAIDhcA2uM7Z2Ujo/DKXl0WrZtg9rnW1gc9lj5Dy+VYPH6jmtyu2Y3E/Txr992pl4mOMHdE+8fXz+/RNik5lmKPmUnqL3VX0DKR7aQcgW5tOuvVSyDS2FbGtWaICIiAiIgIiICIiAiIgIiIIvH8YFMwG2tI8kRsva5G1xPE0DaecDaQqDilbJMbzP3Q7Q35MLfsx7PKbnnU/pzETK1wz1Ijfls5+Z/2hUeeqQdkWKuYHcG5tweQHn5lFTVbjcnacytE9SuGWdccfHx47WtWNTLpfLe8RFp+HRNULhmnWiWdccsy7Oa7YdpVBHTsjdr6zW2Nm3F735VAY/j2vOyWme9jmttrAmN4NydoOxQJcvFRxdPxY8vqxvfv+Vm/KvfH6c60+s6Af4jvkkZTVpBc7KOcAN13cTJGjIOOdnCwOywNr/UGm6/MOHU7nPDm7Iy2Qnk1SCPLcBforR+pL4wSryslUREBERAREQEREBERAREQEREBERBX8Z+cD+kPzlVrF9HIpbubeNx425tPS31WU1pPXtiq4g7Jr43NLj8lrtcal+QG7hfoXk2xB83xDR2dl9XVeOY2PUfWoGqo5m7Yn9V/Qvp1YoSrQfO5I3+C4f6SsNxd4J6irZVqOlQQ7KVx4uvJSFHhAJ4bvIMu1ZR7VJ0yDodC1kDw0ADVOQX1nRTvQXyHE61sbA05ukLWho26pcNZ3QBfy2C+v6Kj4oIJxERAREQEREBERAREQEREBERAREQVbSmjbNLqO+pyO2x1jxcYVKnmqqLL5cQ2B13xAfyvHCZ0G4Fsgr9jJ/zI/o+h+fpHWuObYgo50rjd8uN7OUttIzyW4X+1ck+NwO2SAfaDmfmAU9ieEQvuTG2/K3gHsVardHYuJzx5QR2hBxVOIwnZLH57fWo+Wuj4ntPQdb0LbPgrR9N3lsuZ2HNHGexBqGINByDj0NI/NZZjE5XcGNtjy/Lf1bB2rKKkbfZfpUvSMA2ADoyQctJhJa18sp1n6ptc6xB5SeXm2BfbdFT8UF8qqO9P6F9V0U70EE6iIgIiICIiAiIgIiICIiAiIgIiIKXpvrtnjljPCijcSDfVLXPGsHAcR1RnxWB4rLio8filAaTuch+g82uf5HbH+TPlAVhxn5wP6X95VWxrRiOUEtOoTtFtaM9LeLyIN1YoOsUXUYRVwZRvdqjYGSXaBzMfkPIFGVOIVbflNJ+1F7NkHZVqOlXFLikx2tb5jh/cud1VMeTyMP6lB3x7V3CoawXe4NHPtPQONQDY5XfSd2M9Fiu2jwW5u93TbNx6XFBunr31B1YwWxsLZHE5OdqEEX5BcDLafIvuei3egvkhgayB4aLDVPl6eVfWtFO9BBOoiICIiAiIgIiICIiAiIgIiICIiCv6RcCWOQ/Ic0xOPE1xcCy/MbuF+XV5VyTbFZqmAPaWuAIIIIIuCDtBHGqhXYRPB3l2vHxRyXOrzMeOEBzHWHJZBH1ihKtd1ViBHfIZGc4G6t8mpwutoURVV8fhgfaBj/MAgjatR0q66qsj+sZ57fWuCSdp2OB6DrHsQYx7VJ0yjoY3k8GN5/0Fva6w7VMUWFzv2NDP97/ZB60GyU3AYM3PyA/luNZx5gO0gca+r6LNtEFVNHdESDrOBubXJzcek/psC+g0tOGNACDciIgIiICIiAiIgIiICIiAiIgIiIC8IuiIOWfDo37WhR0+jUTuJEQcb9D4jxIzRCMIiDqh0YibxKRgwyNmxoREHY1oGxeoiAiIgIiICIiAiIg//9k="/>
+          <p:cNvSpPr>
+            <a:spLocks noChangeAspect="1" noChangeArrowheads="1"/>
+          </p:cNvSpPr>
+          <p:nvPr/>
+        </p:nvSpPr>
+        <p:spPr bwMode="auto">
+          <a:xfrm>
+            <a:off x="307975" y="-1638300"/>
+            <a:ext cx="3095625" cy="3743325"/>
+          </a:xfrm>
+          <a:prstGeom prst="rect">
+            <a:avLst/>
+          </a:prstGeom>
+          <a:noFill/>
+          <a:extLst>
+            <a:ext uri="{909E8E84-426E-40DD-AFC4-6F175D3DCCD1}">
+              <a14:hiddenFill xmlns:a14="http://schemas.microsoft.com/office/drawing/2010/main">
+                <a:solidFill>
+                  <a:srgbClr val="FFFFFF"/>
+                </a:solidFill>
+              </a14:hiddenFill>
+            </a:ext>
+          </a:extLst>
+        </p:spPr>
+        <p:txBody>
+          <a:bodyPr vert="horz" wrap="square" lIns="91440" tIns="45720" rIns="91440" bIns="45720" numCol="1" anchor="t" anchorCtr="0" compatLnSpc="1">
+            <a:prstTxWarp prst="textNoShape">
+              <a:avLst/>
+            </a:prstTxWarp>
+          </a:bodyPr>
+          <a:lstStyle/>
+          <a:p>
+            <a:endParaRPr lang="pl-PL"/>
+          </a:p>
+        </p:txBody>
+      </p:sp>
+      <p:pic>
+        <p:nvPicPr>
+          <p:cNvPr id="1029" name="Picture 5"/>
+          <p:cNvPicPr>
+            <a:picLocks noChangeAspect="1" noChangeArrowheads="1"/>
+          </p:cNvPicPr>
+          <p:nvPr/>
+        </p:nvPicPr>
+        <p:blipFill>
+          <a:blip r:embed="rId5" cstate="print">
+            <a:extLst>
+              <a:ext uri="{28A0092B-C50C-407E-A947-70E740481C1C}">
+                <a14:useLocalDpi xmlns:a14="http://schemas.microsoft.com/office/drawing/2010/main" val="0"/>
+              </a:ext>
+            </a:extLst>
+          </a:blip>
+          <a:srcRect/>
+          <a:stretch>
+            <a:fillRect/>
+          </a:stretch>
+        </p:blipFill>
+        <p:spPr bwMode="auto">
+          <a:xfrm>
+            <a:off x="7022216" y="1407879"/>
+            <a:ext cx="1148240" cy="1394291"/>
+          </a:xfrm>
+          <a:prstGeom prst="rect">
+            <a:avLst/>
+          </a:prstGeom>
+          <a:noFill/>
+          <a:ln>
+            <a:noFill/>
+          </a:ln>
+          <a:extLst>
+            <a:ext uri="{909E8E84-426E-40DD-AFC4-6F175D3DCCD1}">
+              <a14:hiddenFill xmlns:a14="http://schemas.microsoft.com/office/drawing/2010/main">
+                <a:solidFill>
+                  <a:schemeClr val="accent1"/>
+                </a:solidFill>
+              </a14:hiddenFill>
+            </a:ext>
+            <a:ext uri="{91240B29-F687-4F45-9708-019B960494DF}">
+              <a14:hiddenLine xmlns:a14="http://schemas.microsoft.com/office/drawing/2010/main" w="9525">
+                <a:solidFill>
+                  <a:schemeClr val="tx1"/>
+                </a:solidFill>
+                <a:miter lim="800000"/>
+                <a:headEnd/>
+                <a:tailEnd/>
+              </a14:hiddenLine>
+            </a:ext>
+          </a:extLst>
+        </p:spPr>
+      </p:pic>
+      <p:pic>
+        <p:nvPicPr>
+          <p:cNvPr id="1030" name="Picture 6"/>
+          <p:cNvPicPr>
+            <a:picLocks noChangeAspect="1" noChangeArrowheads="1"/>
+          </p:cNvPicPr>
+          <p:nvPr/>
+        </p:nvPicPr>
+        <p:blipFill>
+          <a:blip r:embed="rId6">
+            <a:extLst>
+              <a:ext uri="{28A0092B-C50C-407E-A947-70E740481C1C}">
+                <a14:useLocalDpi xmlns:a14="http://schemas.microsoft.com/office/drawing/2010/main" val="0"/>
+              </a:ext>
+            </a:extLst>
+          </a:blip>
+          <a:srcRect/>
+          <a:stretch>
+            <a:fillRect/>
+          </a:stretch>
+        </p:blipFill>
+        <p:spPr bwMode="auto">
+          <a:xfrm>
+            <a:off x="469899" y="4316399"/>
+            <a:ext cx="2771775" cy="2038350"/>
+          </a:xfrm>
+          <a:prstGeom prst="rect">
+            <a:avLst/>
+          </a:prstGeom>
+          <a:noFill/>
+          <a:ln>
+            <a:noFill/>
+          </a:ln>
+          <a:extLst>
+            <a:ext uri="{909E8E84-426E-40DD-AFC4-6F175D3DCCD1}">
+              <a14:hiddenFill xmlns:a14="http://schemas.microsoft.com/office/drawing/2010/main">
+                <a:solidFill>
+                  <a:schemeClr val="accent1"/>
+                </a:solidFill>
+              </a14:hiddenFill>
+            </a:ext>
+            <a:ext uri="{91240B29-F687-4F45-9708-019B960494DF}">
+              <a14:hiddenLine xmlns:a14="http://schemas.microsoft.com/office/drawing/2010/main" w="9525">
+                <a:solidFill>
+                  <a:schemeClr val="tx1"/>
+                </a:solidFill>
+                <a:miter lim="800000"/>
+                <a:headEnd/>
+                <a:tailEnd/>
+              </a14:hiddenLine>
+            </a:ext>
+          </a:extLst>
+        </p:spPr>
+      </p:pic>
+      <p:pic>
+        <p:nvPicPr>
+          <p:cNvPr id="1031" name="Picture 7"/>
+          <p:cNvPicPr>
+            <a:picLocks noChangeAspect="1" noChangeArrowheads="1"/>
+          </p:cNvPicPr>
+          <p:nvPr/>
+        </p:nvPicPr>
+        <p:blipFill>
+          <a:blip r:embed="rId7">
+            <a:extLst>
+              <a:ext uri="{28A0092B-C50C-407E-A947-70E740481C1C}">
+                <a14:useLocalDpi xmlns:a14="http://schemas.microsoft.com/office/drawing/2010/main" val="0"/>
+              </a:ext>
+            </a:extLst>
+          </a:blip>
+          <a:srcRect/>
+          <a:stretch>
+            <a:fillRect/>
+          </a:stretch>
+        </p:blipFill>
+        <p:spPr bwMode="auto">
+          <a:xfrm>
+            <a:off x="3403600" y="4278299"/>
+            <a:ext cx="3200400" cy="2076450"/>
+          </a:xfrm>
+          <a:prstGeom prst="rect">
+            <a:avLst/>
+          </a:prstGeom>
+          <a:noFill/>
+          <a:ln>
+            <a:noFill/>
+          </a:ln>
+          <a:extLst>
+            <a:ext uri="{909E8E84-426E-40DD-AFC4-6F175D3DCCD1}">
+              <a14:hiddenFill xmlns:a14="http://schemas.microsoft.com/office/drawing/2010/main">
+                <a:solidFill>
+                  <a:schemeClr val="accent1"/>
+                </a:solidFill>
+              </a14:hiddenFill>
+            </a:ext>
+            <a:ext uri="{91240B29-F687-4F45-9708-019B960494DF}">
+              <a14:hiddenLine xmlns:a14="http://schemas.microsoft.com/office/drawing/2010/main" w="9525">
+                <a:solidFill>
+                  <a:schemeClr val="tx1"/>
+                </a:solidFill>
+                <a:miter lim="800000"/>
+                <a:headEnd/>
+                <a:tailEnd/>
+              </a14:hiddenLine>
+            </a:ext>
+          </a:extLst>
+        </p:spPr>
+      </p:pic>
+    </p:spTree>
+    <p:extLst>
+      <p:ext uri="{BB962C8B-B14F-4D97-AF65-F5344CB8AC3E}">
+        <p14:creationId xmlns:p14="http://schemas.microsoft.com/office/powerpoint/2010/main" val="1357212011"/>
+      </p:ext>
+    </p:extLst>
+  </p:cSld>
+  <p:clrMapOvr>
+    <a:masterClrMapping/>
+  </p:clrMapOvr>
+</p:sld>
+</file>
+
 <file path=ppt/slides/slide16.xml><?xml version="1.0" encoding="utf-8"?>
 <p:sld xmlns:a="http://schemas.openxmlformats.org/drawingml/2006/main" xmlns:r="http://schemas.openxmlformats.org/officeDocument/2006/relationships" xmlns:p="http://schemas.openxmlformats.org/presentationml/2006/main">
   <p:cSld>
@@ -10546,10 +11138,25 @@
         </p:nvSpPr>
         <p:spPr/>
         <p:txBody>
-          <a:bodyPr/>
+          <a:bodyPr>
+            <a:normAutofit/>
+          </a:bodyPr>
           <a:lstStyle/>
           <a:p>
-            <a:endParaRPr lang="pl-PL"/>
+            <a:pPr algn="r"/>
+            <a:r>
+              <a:rPr lang="en-US" sz="3600" dirty="0" smtClean="0"/>
+              <a:t>	</a:t>
+            </a:r>
+            <a:r>
+              <a:rPr lang="en-US" sz="4000" dirty="0" smtClean="0"/>
+              <a:t>Database </a:t>
+            </a:r>
+            <a:r>
+              <a:rPr lang="en-US" sz="4000" dirty="0"/>
+              <a:t>model in views</a:t>
+            </a:r>
+            <a:endParaRPr lang="pl-PL" sz="4000" dirty="0"/>
           </a:p>
         </p:txBody>
       </p:sp>
@@ -10568,67 +11175,17 @@
           <a:bodyPr/>
           <a:lstStyle/>
           <a:p>
-            <a:endParaRPr lang="pl-PL"/>
+            <a:r>
+              <a:rPr lang="en-IE" dirty="0" smtClean="0"/>
+              <a:t>Finder class</a:t>
+            </a:r>
+            <a:endParaRPr lang="pl-PL" dirty="0"/>
           </a:p>
         </p:txBody>
       </p:sp>
       <p:pic>
         <p:nvPicPr>
-          <p:cNvPr id="2050" name="Picture 2"/>
-          <p:cNvPicPr>
-            <a:picLocks noChangeAspect="1" noChangeArrowheads="1"/>
-          </p:cNvPicPr>
-          <p:nvPr/>
-        </p:nvPicPr>
-        <p:blipFill>
-          <a:blip r:embed="rId2">
-            <a:extLst>
-              <a:ext uri="{28A0092B-C50C-407E-A947-70E740481C1C}">
-                <a14:useLocalDpi xmlns:a14="http://schemas.microsoft.com/office/drawing/2010/main" val="0"/>
-              </a:ext>
-            </a:extLst>
-          </a:blip>
-          <a:srcRect/>
-          <a:stretch>
-            <a:fillRect/>
-          </a:stretch>
-        </p:blipFill>
-        <p:spPr bwMode="auto">
-          <a:xfrm>
-            <a:off x="1962150" y="2867025"/>
-            <a:ext cx="5219700" cy="1123950"/>
-          </a:xfrm>
-          <a:prstGeom prst="rect">
-            <a:avLst/>
-          </a:prstGeom>
-          <a:noFill/>
-          <a:ln>
-            <a:noFill/>
-          </a:ln>
-          <a:extLst>
-            <a:ext uri="{909E8E84-426E-40DD-AFC4-6F175D3DCCD1}">
-              <a14:hiddenFill xmlns:a14="http://schemas.microsoft.com/office/drawing/2010/main">
-                <a:solidFill>
-                  <a:schemeClr val="accent1"/>
-                </a:solidFill>
-              </a14:hiddenFill>
-            </a:ext>
-            <a:ext uri="{91240B29-F687-4F45-9708-019B960494DF}">
-              <a14:hiddenLine xmlns:a14="http://schemas.microsoft.com/office/drawing/2010/main" w="9525">
-                <a:solidFill>
-                  <a:schemeClr val="tx1"/>
-                </a:solidFill>
-                <a:miter lim="800000"/>
-                <a:headEnd/>
-                <a:tailEnd/>
-              </a14:hiddenLine>
-            </a:ext>
-          </a:extLst>
-        </p:spPr>
-      </p:pic>
-      <p:pic>
-        <p:nvPicPr>
-          <p:cNvPr id="5" name="Picture 2"/>
+          <p:cNvPr id="4" name="Picture 2"/>
           <p:cNvPicPr>
             <a:picLocks noChangeAspect="1" noChangeArrowheads="1"/>
           </p:cNvPicPr>
@@ -10683,7 +11240,7 @@
     </p:spTree>
     <p:extLst>
       <p:ext uri="{BB962C8B-B14F-4D97-AF65-F5344CB8AC3E}">
-        <p14:creationId xmlns:p14="http://schemas.microsoft.com/office/powerpoint/2010/main" val="1357212011"/>
+        <p14:creationId xmlns:p14="http://schemas.microsoft.com/office/powerpoint/2010/main" val="81513976"/>
       </p:ext>
     </p:extLst>
   </p:cSld>
@@ -10744,36 +11301,20 @@
           <a:bodyPr/>
           <a:lstStyle/>
           <a:p>
-            <a:r>
-              <a:rPr lang="en-IE" dirty="0" smtClean="0"/>
-              <a:t>Based on </a:t>
-            </a:r>
-            <a:r>
-              <a:rPr lang="en-IE" dirty="0" err="1" smtClean="0"/>
-              <a:t>Pluralsight</a:t>
-            </a:r>
-            <a:r>
-              <a:rPr lang="en-IE" dirty="0" smtClean="0"/>
-              <a:t> course by James Hughes</a:t>
-            </a:r>
-          </a:p>
-          <a:p>
-            <a:r>
-              <a:rPr lang="en-IE" dirty="0" smtClean="0"/>
-              <a:t>Other sources:</a:t>
-            </a:r>
-          </a:p>
-          <a:p>
             <a:pPr marL="0" indent="0">
               <a:buNone/>
             </a:pPr>
             <a:r>
               <a:rPr lang="en-IE" dirty="0" smtClean="0"/>
-              <a:t>	</a:t>
-            </a:r>
-            <a:r>
-              <a:rPr lang="en-IE" dirty="0" err="1" smtClean="0"/>
-              <a:t>stackoverflow</a:t>
+              <a:t>Based on </a:t>
+            </a:r>
+            <a:r>
+              <a:rPr lang="en-IE" dirty="0" smtClean="0"/>
+              <a:t>				course </a:t>
+            </a:r>
+            <a:r>
+              <a:rPr lang="en-IE" dirty="0" smtClean="0"/>
+              <a:t>by James </a:t>
             </a:r>
             <a:endParaRPr lang="en-IE" dirty="0" smtClean="0"/>
           </a:p>
@@ -10781,6 +11322,18 @@
             <a:pPr marL="0" indent="0">
               <a:buNone/>
             </a:pPr>
+            <a:r>
+              <a:rPr lang="en-IE" dirty="0"/>
+              <a:t>	</a:t>
+            </a:r>
+            <a:r>
+              <a:rPr lang="en-IE" dirty="0" smtClean="0"/>
+              <a:t>					</a:t>
+            </a:r>
+            <a:r>
+              <a:rPr lang="en-IE" dirty="0" smtClean="0"/>
+              <a:t>Hughes</a:t>
+            </a:r>
             <a:endParaRPr lang="en-IE" dirty="0" smtClean="0"/>
           </a:p>
           <a:p>
@@ -10789,8 +11342,9 @@
             </a:pPr>
             <a:r>
               <a:rPr lang="en-IE" dirty="0" smtClean="0"/>
-              <a:t>Coming soon…</a:t>
-            </a:r>
+              <a:t>and </a:t>
+            </a:r>
+            <a:endParaRPr lang="en-IE" dirty="0" smtClean="0"/>
           </a:p>
           <a:p>
             <a:pPr marL="0" indent="0">
@@ -10798,9 +11352,19 @@
             </a:pPr>
             <a:r>
               <a:rPr lang="en-IE" dirty="0" smtClean="0"/>
-              <a:t>	How to write high quality code (Python)?</a:t>
-            </a:r>
-            <a:endParaRPr lang="pl-PL" dirty="0"/>
+              <a:t>	</a:t>
+            </a:r>
+            <a:endParaRPr lang="en-IE" dirty="0" smtClean="0"/>
+          </a:p>
+          <a:p>
+            <a:pPr marL="0" indent="0">
+              <a:buNone/>
+            </a:pPr>
+            <a:r>
+              <a:rPr lang="en-IE" dirty="0" smtClean="0"/>
+              <a:t>and </a:t>
+            </a:r>
+            <a:endParaRPr lang="en-IE" dirty="0"/>
           </a:p>
         </p:txBody>
       </p:sp>
@@ -10829,6 +11393,168 @@
           <a:xfrm>
             <a:off x="755576" y="532862"/>
             <a:ext cx="2016224" cy="688262"/>
+          </a:xfrm>
+          <a:prstGeom prst="rect">
+            <a:avLst/>
+          </a:prstGeom>
+          <a:noFill/>
+          <a:ln>
+            <a:noFill/>
+          </a:ln>
+          <a:extLst>
+            <a:ext uri="{909E8E84-426E-40DD-AFC4-6F175D3DCCD1}">
+              <a14:hiddenFill xmlns:a14="http://schemas.microsoft.com/office/drawing/2010/main">
+                <a:solidFill>
+                  <a:schemeClr val="accent1"/>
+                </a:solidFill>
+              </a14:hiddenFill>
+            </a:ext>
+            <a:ext uri="{91240B29-F687-4F45-9708-019B960494DF}">
+              <a14:hiddenLine xmlns:a14="http://schemas.microsoft.com/office/drawing/2010/main" w="9525">
+                <a:solidFill>
+                  <a:schemeClr val="tx1"/>
+                </a:solidFill>
+                <a:miter lim="800000"/>
+                <a:headEnd/>
+                <a:tailEnd/>
+              </a14:hiddenLine>
+            </a:ext>
+          </a:extLst>
+        </p:spPr>
+      </p:pic>
+      <p:pic>
+        <p:nvPicPr>
+          <p:cNvPr id="1026" name="Picture 2"/>
+          <p:cNvPicPr>
+            <a:picLocks noChangeAspect="1" noChangeArrowheads="1"/>
+          </p:cNvPicPr>
+          <p:nvPr/>
+        </p:nvPicPr>
+        <p:blipFill>
+          <a:blip r:embed="rId3">
+            <a:extLst>
+              <a:ext uri="{28A0092B-C50C-407E-A947-70E740481C1C}">
+                <a14:useLocalDpi xmlns:a14="http://schemas.microsoft.com/office/drawing/2010/main" val="0"/>
+              </a:ext>
+            </a:extLst>
+          </a:blip>
+          <a:srcRect/>
+          <a:stretch>
+            <a:fillRect/>
+          </a:stretch>
+        </p:blipFill>
+        <p:spPr bwMode="auto">
+          <a:xfrm>
+            <a:off x="2483768" y="1657276"/>
+            <a:ext cx="2381248" cy="519112"/>
+          </a:xfrm>
+          <a:prstGeom prst="rect">
+            <a:avLst/>
+          </a:prstGeom>
+          <a:noFill/>
+          <a:ln>
+            <a:noFill/>
+          </a:ln>
+          <a:extLst>
+            <a:ext uri="{909E8E84-426E-40DD-AFC4-6F175D3DCCD1}">
+              <a14:hiddenFill xmlns:a14="http://schemas.microsoft.com/office/drawing/2010/main">
+                <a:solidFill>
+                  <a:schemeClr val="accent1"/>
+                </a:solidFill>
+              </a14:hiddenFill>
+            </a:ext>
+            <a:ext uri="{91240B29-F687-4F45-9708-019B960494DF}">
+              <a14:hiddenLine xmlns:a14="http://schemas.microsoft.com/office/drawing/2010/main" w="9525">
+                <a:solidFill>
+                  <a:schemeClr val="tx1"/>
+                </a:solidFill>
+                <a:miter lim="800000"/>
+                <a:headEnd/>
+                <a:tailEnd/>
+              </a14:hiddenLine>
+            </a:ext>
+          </a:extLst>
+        </p:spPr>
+      </p:pic>
+      <p:pic>
+        <p:nvPicPr>
+          <p:cNvPr id="1027" name="Picture 3"/>
+          <p:cNvPicPr>
+            <a:picLocks noChangeAspect="1" noChangeArrowheads="1"/>
+          </p:cNvPicPr>
+          <p:nvPr/>
+        </p:nvPicPr>
+        <p:blipFill>
+          <a:blip r:embed="rId4" cstate="print">
+            <a:extLst>
+              <a:ext uri="{28A0092B-C50C-407E-A947-70E740481C1C}">
+                <a14:useLocalDpi xmlns:a14="http://schemas.microsoft.com/office/drawing/2010/main" val="0"/>
+              </a:ext>
+            </a:extLst>
+          </a:blip>
+          <a:srcRect/>
+          <a:stretch>
+            <a:fillRect/>
+          </a:stretch>
+        </p:blipFill>
+        <p:spPr bwMode="auto">
+          <a:xfrm>
+            <a:off x="1357100" y="3933056"/>
+            <a:ext cx="2829399" cy="843161"/>
+          </a:xfrm>
+          <a:prstGeom prst="rect">
+            <a:avLst/>
+          </a:prstGeom>
+          <a:noFill/>
+          <a:ln>
+            <a:noFill/>
+          </a:ln>
+          <a:extLst>
+            <a:ext uri="{909E8E84-426E-40DD-AFC4-6F175D3DCCD1}">
+              <a14:hiddenFill xmlns:a14="http://schemas.microsoft.com/office/drawing/2010/main">
+                <a:solidFill>
+                  <a:schemeClr val="accent1"/>
+                </a:solidFill>
+              </a14:hiddenFill>
+            </a:ext>
+            <a:ext uri="{91240B29-F687-4F45-9708-019B960494DF}">
+              <a14:hiddenLine xmlns:a14="http://schemas.microsoft.com/office/drawing/2010/main" w="9525">
+                <a:solidFill>
+                  <a:schemeClr val="tx1"/>
+                </a:solidFill>
+                <a:miter lim="800000"/>
+                <a:headEnd/>
+                <a:tailEnd/>
+              </a14:hiddenLine>
+            </a:ext>
+          </a:extLst>
+        </p:spPr>
+      </p:pic>
+      <p:pic>
+        <p:nvPicPr>
+          <p:cNvPr id="1028" name="Picture 4"/>
+          <p:cNvPicPr>
+            <a:picLocks noChangeAspect="1" noChangeArrowheads="1"/>
+          </p:cNvPicPr>
+          <p:nvPr/>
+        </p:nvPicPr>
+        <p:blipFill>
+          <a:blip r:embed="rId5">
+            <a:extLst>
+              <a:ext uri="{28A0092B-C50C-407E-A947-70E740481C1C}">
+                <a14:useLocalDpi xmlns:a14="http://schemas.microsoft.com/office/drawing/2010/main" val="0"/>
+              </a:ext>
+            </a:extLst>
+          </a:blip>
+          <a:srcRect/>
+          <a:stretch>
+            <a:fillRect/>
+          </a:stretch>
+        </p:blipFill>
+        <p:spPr bwMode="auto">
+          <a:xfrm>
+            <a:off x="1424249" y="2791385"/>
+            <a:ext cx="2762250" cy="704850"/>
           </a:xfrm>
           <a:prstGeom prst="rect">
             <a:avLst/>
@@ -10931,7 +11657,7 @@
         <p:spPr/>
         <p:txBody>
           <a:bodyPr>
-            <a:normAutofit/>
+            <a:normAutofit fontScale="85000" lnSpcReduction="20000"/>
           </a:bodyPr>
           <a:lstStyle/>
           <a:p>
@@ -11012,34 +11738,106 @@
           <a:p>
             <a:r>
               <a:rPr lang="en-IE" sz="2800" dirty="0" smtClean="0"/>
-              <a:t>Other releases added support for:</a:t>
+              <a:t>Other releases added support </a:t>
+            </a:r>
+            <a:r>
+              <a:rPr lang="en-IE" sz="2800" dirty="0" smtClean="0"/>
+              <a:t>for </a:t>
+            </a:r>
+            <a:r>
+              <a:rPr lang="en-IE" sz="2400" dirty="0" err="1" smtClean="0"/>
+              <a:t>Oauth</a:t>
+            </a:r>
+            <a:r>
+              <a:rPr lang="en-IE" sz="2400" dirty="0" smtClean="0"/>
+              <a:t>, HTTPS, Scala</a:t>
+            </a:r>
+          </a:p>
+          <a:p>
+            <a:r>
+              <a:rPr lang="en-IE" dirty="0">
+                <a:solidFill>
+                  <a:srgbClr val="FF0000"/>
+                </a:solidFill>
+              </a:rPr>
+              <a:t>Play! 2 </a:t>
+            </a:r>
+            <a:r>
+              <a:rPr lang="en-IE" dirty="0"/>
+              <a:t>released in March 2012</a:t>
+            </a:r>
+          </a:p>
+          <a:p>
+            <a:r>
+              <a:rPr lang="en-IE" dirty="0"/>
+              <a:t>part of 			 	stack</a:t>
+            </a:r>
+          </a:p>
+          <a:p>
+            <a:endParaRPr lang="en-IE" dirty="0"/>
+          </a:p>
+          <a:p>
+            <a:r>
+              <a:rPr lang="en-IE" dirty="0"/>
+              <a:t>completely </a:t>
+            </a:r>
+            <a:r>
+              <a:rPr lang="en-IE" b="1" dirty="0"/>
+              <a:t>different</a:t>
+            </a:r>
+            <a:r>
+              <a:rPr lang="en-IE" dirty="0"/>
+              <a:t> framework</a:t>
             </a:r>
           </a:p>
           <a:p>
             <a:pPr lvl="1"/>
             <a:r>
-              <a:rPr lang="en-IE" sz="2400" dirty="0" err="1" smtClean="0"/>
-              <a:t>OAuth</a:t>
-            </a:r>
+              <a:rPr lang="en-IE" dirty="0"/>
+              <a:t>core written in Scala with Java API (not the other way around)</a:t>
+            </a:r>
+          </a:p>
+          <a:p>
+            <a:pPr lvl="1"/>
+            <a:r>
+              <a:rPr lang="en-IE" dirty="0" err="1">
+                <a:sym typeface="Wingdings" panose="05000000000000000000" pitchFamily="2" charset="2"/>
+              </a:rPr>
+              <a:t>Ebean</a:t>
+            </a:r>
+            <a:r>
+              <a:rPr lang="en-IE" dirty="0">
+                <a:sym typeface="Wingdings" panose="05000000000000000000" pitchFamily="2" charset="2"/>
+              </a:rPr>
+              <a:t> for </a:t>
+            </a:r>
+            <a:r>
+              <a:rPr lang="en-IE" dirty="0" err="1">
+                <a:sym typeface="Wingdings" panose="05000000000000000000" pitchFamily="2" charset="2"/>
+              </a:rPr>
+              <a:t>persistance</a:t>
+            </a:r>
+            <a:r>
+              <a:rPr lang="en-IE" dirty="0">
+                <a:sym typeface="Wingdings" panose="05000000000000000000" pitchFamily="2" charset="2"/>
+              </a:rPr>
+              <a:t> (not Hibernate)</a:t>
+            </a:r>
+          </a:p>
+          <a:p>
+            <a:pPr lvl="1"/>
+            <a:r>
+              <a:rPr lang="en-IE" dirty="0">
+                <a:sym typeface="Wingdings" panose="05000000000000000000" pitchFamily="2" charset="2"/>
+              </a:rPr>
+              <a:t>Scala for templates (not Groovy)</a:t>
+            </a:r>
+          </a:p>
+          <a:p>
             <a:endParaRPr lang="en-IE" sz="2400" dirty="0" smtClean="0"/>
           </a:p>
           <a:p>
-            <a:pPr lvl="1"/>
-            <a:r>
-              <a:rPr lang="en-IE" sz="2400" dirty="0" smtClean="0"/>
-              <a:t>HTTPS</a:t>
-            </a:r>
-          </a:p>
-          <a:p>
-            <a:pPr lvl="1"/>
-            <a:r>
-              <a:rPr lang="en-IE" sz="2400" dirty="0" smtClean="0"/>
-              <a:t> Scala</a:t>
-            </a:r>
-            <a:endParaRPr lang="pl-PL" sz="2800" dirty="0" smtClean="0"/>
-          </a:p>
-          <a:p>
-            <a:endParaRPr lang="pl-PL" sz="2800" dirty="0"/>
+            <a:endParaRPr lang="en-IE" sz="2400" dirty="0" smtClean="0"/>
           </a:p>
         </p:txBody>
       </p:sp>
@@ -11122,6 +11920,60 @@
           <a:xfrm>
             <a:off x="6407993" y="764704"/>
             <a:ext cx="2161113" cy="1136327"/>
+          </a:xfrm>
+          <a:prstGeom prst="rect">
+            <a:avLst/>
+          </a:prstGeom>
+          <a:noFill/>
+          <a:ln>
+            <a:noFill/>
+          </a:ln>
+          <a:extLst>
+            <a:ext uri="{909E8E84-426E-40DD-AFC4-6F175D3DCCD1}">
+              <a14:hiddenFill xmlns:a14="http://schemas.microsoft.com/office/drawing/2010/main">
+                <a:solidFill>
+                  <a:schemeClr val="accent1"/>
+                </a:solidFill>
+              </a14:hiddenFill>
+            </a:ext>
+            <a:ext uri="{91240B29-F687-4F45-9708-019B960494DF}">
+              <a14:hiddenLine xmlns:a14="http://schemas.microsoft.com/office/drawing/2010/main" w="9525">
+                <a:solidFill>
+                  <a:schemeClr val="tx1"/>
+                </a:solidFill>
+                <a:miter lim="800000"/>
+                <a:headEnd/>
+                <a:tailEnd/>
+              </a14:hiddenLine>
+            </a:ext>
+          </a:extLst>
+        </p:spPr>
+      </p:pic>
+      <p:pic>
+        <p:nvPicPr>
+          <p:cNvPr id="6" name="Picture 2"/>
+          <p:cNvPicPr>
+            <a:picLocks noChangeAspect="1" noChangeArrowheads="1"/>
+          </p:cNvPicPr>
+          <p:nvPr/>
+        </p:nvPicPr>
+        <p:blipFill>
+          <a:blip r:embed="rId5">
+            <a:extLst>
+              <a:ext uri="{28A0092B-C50C-407E-A947-70E740481C1C}">
+                <a14:useLocalDpi xmlns:a14="http://schemas.microsoft.com/office/drawing/2010/main" val="0"/>
+              </a:ext>
+            </a:extLst>
+          </a:blip>
+          <a:srcRect/>
+          <a:stretch>
+            <a:fillRect/>
+          </a:stretch>
+        </p:blipFill>
+        <p:spPr bwMode="auto">
+          <a:xfrm>
+            <a:off x="2307632" y="3501008"/>
+            <a:ext cx="2200275" cy="733425"/>
           </a:xfrm>
           <a:prstGeom prst="rect">
             <a:avLst/>
@@ -11204,347 +12056,6 @@
           <a:lstStyle/>
           <a:p>
             <a:r>
-              <a:rPr lang="pl-PL" dirty="0" err="1"/>
-              <a:t>History</a:t>
-            </a:r>
-            <a:endParaRPr lang="pl-PL" dirty="0"/>
-          </a:p>
-        </p:txBody>
-      </p:sp>
-      <p:sp>
-        <p:nvSpPr>
-          <p:cNvPr id="3" name="Symbol zastępczy zawartości 2"/>
-          <p:cNvSpPr>
-            <a:spLocks noGrp="1"/>
-          </p:cNvSpPr>
-          <p:nvPr>
-            <p:ph idx="1"/>
-          </p:nvPr>
-        </p:nvSpPr>
-        <p:spPr/>
-        <p:txBody>
-          <a:bodyPr/>
-          <a:lstStyle/>
-          <a:p>
-            <a:r>
-              <a:rPr lang="en-IE" dirty="0" smtClean="0">
-                <a:solidFill>
-                  <a:srgbClr val="FF0000"/>
-                </a:solidFill>
-              </a:rPr>
-              <a:t>Play! 2 </a:t>
-            </a:r>
-            <a:r>
-              <a:rPr lang="en-IE" dirty="0" smtClean="0"/>
-              <a:t>released in March 2012</a:t>
-            </a:r>
-          </a:p>
-          <a:p>
-            <a:r>
-              <a:rPr lang="en-IE" dirty="0" smtClean="0"/>
-              <a:t>part of 			 	stack</a:t>
-            </a:r>
-          </a:p>
-          <a:p>
-            <a:endParaRPr lang="en-IE" dirty="0"/>
-          </a:p>
-          <a:p>
-            <a:r>
-              <a:rPr lang="en-IE" dirty="0"/>
-              <a:t>c</a:t>
-            </a:r>
-            <a:r>
-              <a:rPr lang="en-IE" dirty="0" smtClean="0"/>
-              <a:t>ompletely </a:t>
-            </a:r>
-            <a:r>
-              <a:rPr lang="en-IE" b="1" dirty="0" smtClean="0"/>
-              <a:t>different</a:t>
-            </a:r>
-            <a:r>
-              <a:rPr lang="en-IE" dirty="0" smtClean="0"/>
-              <a:t> framework</a:t>
-            </a:r>
-          </a:p>
-          <a:p>
-            <a:pPr lvl="1"/>
-            <a:r>
-              <a:rPr lang="en-IE" dirty="0" smtClean="0"/>
-              <a:t>core written in Scala with Java API (not the other way around)</a:t>
-            </a:r>
-          </a:p>
-          <a:p>
-            <a:pPr lvl="1"/>
-            <a:r>
-              <a:rPr lang="en-IE" dirty="0" err="1" smtClean="0">
-                <a:sym typeface="Wingdings" panose="05000000000000000000" pitchFamily="2" charset="2"/>
-              </a:rPr>
-              <a:t>Ebean</a:t>
-            </a:r>
-            <a:r>
-              <a:rPr lang="en-IE" dirty="0" smtClean="0">
-                <a:sym typeface="Wingdings" panose="05000000000000000000" pitchFamily="2" charset="2"/>
-              </a:rPr>
-              <a:t> for </a:t>
-            </a:r>
-            <a:r>
-              <a:rPr lang="en-IE" dirty="0" err="1" smtClean="0">
-                <a:sym typeface="Wingdings" panose="05000000000000000000" pitchFamily="2" charset="2"/>
-              </a:rPr>
-              <a:t>persistance</a:t>
-            </a:r>
-            <a:r>
-              <a:rPr lang="en-IE" dirty="0" smtClean="0">
-                <a:sym typeface="Wingdings" panose="05000000000000000000" pitchFamily="2" charset="2"/>
-              </a:rPr>
-              <a:t> (not Hibernate)</a:t>
-            </a:r>
-          </a:p>
-          <a:p>
-            <a:pPr lvl="1"/>
-            <a:r>
-              <a:rPr lang="en-IE" dirty="0" smtClean="0">
-                <a:sym typeface="Wingdings" panose="05000000000000000000" pitchFamily="2" charset="2"/>
-              </a:rPr>
-              <a:t>Scala for templates (not Groovy)</a:t>
-            </a:r>
-          </a:p>
-          <a:p>
-            <a:pPr lvl="1"/>
-            <a:endParaRPr lang="en-IE" dirty="0" smtClean="0"/>
-          </a:p>
-          <a:p>
-            <a:endParaRPr lang="en-IE" dirty="0"/>
-          </a:p>
-          <a:p>
-            <a:endParaRPr lang="en-IE" dirty="0" smtClean="0"/>
-          </a:p>
-          <a:p>
-            <a:endParaRPr lang="en-IE" dirty="0"/>
-          </a:p>
-          <a:p>
-            <a:endParaRPr lang="en-IE" dirty="0" smtClean="0"/>
-          </a:p>
-          <a:p>
-            <a:endParaRPr lang="pl-PL" dirty="0"/>
-          </a:p>
-        </p:txBody>
-      </p:sp>
-      <p:pic>
-        <p:nvPicPr>
-          <p:cNvPr id="4" name="Picture 2"/>
-          <p:cNvPicPr>
-            <a:picLocks noChangeAspect="1" noChangeArrowheads="1"/>
-          </p:cNvPicPr>
-          <p:nvPr/>
-        </p:nvPicPr>
-        <p:blipFill>
-          <a:blip r:embed="rId3" cstate="print">
-            <a:extLst>
-              <a:ext uri="{28A0092B-C50C-407E-A947-70E740481C1C}">
-                <a14:useLocalDpi xmlns:a14="http://schemas.microsoft.com/office/drawing/2010/main" val="0"/>
-              </a:ext>
-            </a:extLst>
-          </a:blip>
-          <a:srcRect/>
-          <a:stretch>
-            <a:fillRect/>
-          </a:stretch>
-        </p:blipFill>
-        <p:spPr bwMode="auto">
-          <a:xfrm>
-            <a:off x="1115616" y="580498"/>
-            <a:ext cx="2016224" cy="688262"/>
-          </a:xfrm>
-          <a:prstGeom prst="rect">
-            <a:avLst/>
-          </a:prstGeom>
-          <a:noFill/>
-          <a:ln>
-            <a:noFill/>
-          </a:ln>
-          <a:extLst>
-            <a:ext uri="{909E8E84-426E-40DD-AFC4-6F175D3DCCD1}">
-              <a14:hiddenFill xmlns:a14="http://schemas.microsoft.com/office/drawing/2010/main">
-                <a:solidFill>
-                  <a:schemeClr val="accent1"/>
-                </a:solidFill>
-              </a14:hiddenFill>
-            </a:ext>
-            <a:ext uri="{91240B29-F687-4F45-9708-019B960494DF}">
-              <a14:hiddenLine xmlns:a14="http://schemas.microsoft.com/office/drawing/2010/main" w="9525">
-                <a:solidFill>
-                  <a:schemeClr val="tx1"/>
-                </a:solidFill>
-                <a:miter lim="800000"/>
-                <a:headEnd/>
-                <a:tailEnd/>
-              </a14:hiddenLine>
-            </a:ext>
-          </a:extLst>
-        </p:spPr>
-      </p:pic>
-      <p:pic>
-        <p:nvPicPr>
-          <p:cNvPr id="5" name="Picture 2"/>
-          <p:cNvPicPr>
-            <a:picLocks noChangeAspect="1" noChangeArrowheads="1"/>
-          </p:cNvPicPr>
-          <p:nvPr/>
-        </p:nvPicPr>
-        <p:blipFill>
-          <a:blip r:embed="rId4">
-            <a:extLst>
-              <a:ext uri="{28A0092B-C50C-407E-A947-70E740481C1C}">
-                <a14:useLocalDpi xmlns:a14="http://schemas.microsoft.com/office/drawing/2010/main" val="0"/>
-              </a:ext>
-            </a:extLst>
-          </a:blip>
-          <a:srcRect/>
-          <a:stretch>
-            <a:fillRect/>
-          </a:stretch>
-        </p:blipFill>
-        <p:spPr bwMode="auto">
-          <a:xfrm>
-            <a:off x="6407993" y="764704"/>
-            <a:ext cx="2161113" cy="1136327"/>
-          </a:xfrm>
-          <a:prstGeom prst="rect">
-            <a:avLst/>
-          </a:prstGeom>
-          <a:noFill/>
-          <a:ln>
-            <a:noFill/>
-          </a:ln>
-          <a:extLst>
-            <a:ext uri="{909E8E84-426E-40DD-AFC4-6F175D3DCCD1}">
-              <a14:hiddenFill xmlns:a14="http://schemas.microsoft.com/office/drawing/2010/main">
-                <a:solidFill>
-                  <a:schemeClr val="accent1"/>
-                </a:solidFill>
-              </a14:hiddenFill>
-            </a:ext>
-            <a:ext uri="{91240B29-F687-4F45-9708-019B960494DF}">
-              <a14:hiddenLine xmlns:a14="http://schemas.microsoft.com/office/drawing/2010/main" w="9525">
-                <a:solidFill>
-                  <a:schemeClr val="tx1"/>
-                </a:solidFill>
-                <a:miter lim="800000"/>
-                <a:headEnd/>
-                <a:tailEnd/>
-              </a14:hiddenLine>
-            </a:ext>
-          </a:extLst>
-        </p:spPr>
-      </p:pic>
-      <p:pic>
-        <p:nvPicPr>
-          <p:cNvPr id="1026" name="Picture 2"/>
-          <p:cNvPicPr>
-            <a:picLocks noChangeAspect="1" noChangeArrowheads="1"/>
-          </p:cNvPicPr>
-          <p:nvPr/>
-        </p:nvPicPr>
-        <p:blipFill>
-          <a:blip r:embed="rId5">
-            <a:extLst>
-              <a:ext uri="{28A0092B-C50C-407E-A947-70E740481C1C}">
-                <a14:useLocalDpi xmlns:a14="http://schemas.microsoft.com/office/drawing/2010/main" val="0"/>
-              </a:ext>
-            </a:extLst>
-          </a:blip>
-          <a:srcRect/>
-          <a:stretch>
-            <a:fillRect/>
-          </a:stretch>
-        </p:blipFill>
-        <p:spPr bwMode="auto">
-          <a:xfrm>
-            <a:off x="2483768" y="2204864"/>
-            <a:ext cx="2200275" cy="733425"/>
-          </a:xfrm>
-          <a:prstGeom prst="rect">
-            <a:avLst/>
-          </a:prstGeom>
-          <a:noFill/>
-          <a:ln>
-            <a:noFill/>
-          </a:ln>
-          <a:extLst>
-            <a:ext uri="{909E8E84-426E-40DD-AFC4-6F175D3DCCD1}">
-              <a14:hiddenFill xmlns:a14="http://schemas.microsoft.com/office/drawing/2010/main">
-                <a:solidFill>
-                  <a:schemeClr val="accent1"/>
-                </a:solidFill>
-              </a14:hiddenFill>
-            </a:ext>
-            <a:ext uri="{91240B29-F687-4F45-9708-019B960494DF}">
-              <a14:hiddenLine xmlns:a14="http://schemas.microsoft.com/office/drawing/2010/main" w="9525">
-                <a:solidFill>
-                  <a:schemeClr val="tx1"/>
-                </a:solidFill>
-                <a:miter lim="800000"/>
-                <a:headEnd/>
-                <a:tailEnd/>
-              </a14:hiddenLine>
-            </a:ext>
-          </a:extLst>
-        </p:spPr>
-      </p:pic>
-    </p:spTree>
-    <p:extLst>
-      <p:ext uri="{BB962C8B-B14F-4D97-AF65-F5344CB8AC3E}">
-        <p14:creationId xmlns:p14="http://schemas.microsoft.com/office/powerpoint/2010/main" val="1456945032"/>
-      </p:ext>
-    </p:extLst>
-  </p:cSld>
-  <p:clrMapOvr>
-    <a:masterClrMapping/>
-  </p:clrMapOvr>
-  <p:timing>
-    <p:tnLst>
-      <p:par>
-        <p:cTn id="1" dur="indefinite" restart="never" nodeType="tmRoot"/>
-      </p:par>
-    </p:tnLst>
-  </p:timing>
-</p:sld>
-</file>
-
-<file path=ppt/slides/slide4.xml><?xml version="1.0" encoding="utf-8"?>
-<p:sld xmlns:a="http://schemas.openxmlformats.org/drawingml/2006/main" xmlns:r="http://schemas.openxmlformats.org/officeDocument/2006/relationships" xmlns:p="http://schemas.openxmlformats.org/presentationml/2006/main">
-  <p:cSld>
-    <p:spTree>
-      <p:nvGrpSpPr>
-        <p:cNvPr id="1" name=""/>
-        <p:cNvGrpSpPr/>
-        <p:nvPr/>
-      </p:nvGrpSpPr>
-      <p:grpSpPr>
-        <a:xfrm>
-          <a:off x="0" y="0"/>
-          <a:ext cx="0" cy="0"/>
-          <a:chOff x="0" y="0"/>
-          <a:chExt cx="0" cy="0"/>
-        </a:xfrm>
-      </p:grpSpPr>
-      <p:sp>
-        <p:nvSpPr>
-          <p:cNvPr id="2" name="Tytuł 1"/>
-          <p:cNvSpPr>
-            <a:spLocks noGrp="1"/>
-          </p:cNvSpPr>
-          <p:nvPr>
-            <p:ph type="title"/>
-          </p:nvPr>
-        </p:nvSpPr>
-        <p:spPr/>
-        <p:txBody>
-          <a:bodyPr/>
-          <a:lstStyle/>
-          <a:p>
-            <a:r>
               <a:rPr lang="en-IE" dirty="0" smtClean="0"/>
               <a:t>Philosophy</a:t>
             </a:r>
@@ -11785,7 +12296,7 @@
 </p:sld>
 </file>
 
-<file path=ppt/slides/slide5.xml><?xml version="1.0" encoding="utf-8"?>
+<file path=ppt/slides/slide4.xml><?xml version="1.0" encoding="utf-8"?>
 <p:sld xmlns:a="http://schemas.openxmlformats.org/drawingml/2006/main" xmlns:r="http://schemas.openxmlformats.org/officeDocument/2006/relationships" xmlns:p="http://schemas.openxmlformats.org/presentationml/2006/main">
   <p:cSld>
     <p:spTree>
@@ -12103,7 +12614,7 @@
 </p:sld>
 </file>
 
-<file path=ppt/slides/slide6.xml><?xml version="1.0" encoding="utf-8"?>
+<file path=ppt/slides/slide5.xml><?xml version="1.0" encoding="utf-8"?>
 <p:sld xmlns:a="http://schemas.openxmlformats.org/drawingml/2006/main" xmlns:r="http://schemas.openxmlformats.org/officeDocument/2006/relationships" xmlns:p="http://schemas.openxmlformats.org/presentationml/2006/main">
   <p:cSld>
     <p:spTree>
@@ -12489,7 +13000,7 @@
 </p:sld>
 </file>
 
-<file path=ppt/slides/slide7.xml><?xml version="1.0" encoding="utf-8"?>
+<file path=ppt/slides/slide6.xml><?xml version="1.0" encoding="utf-8"?>
 <p:sld xmlns:a="http://schemas.openxmlformats.org/drawingml/2006/main" xmlns:r="http://schemas.openxmlformats.org/officeDocument/2006/relationships" xmlns:p="http://schemas.openxmlformats.org/presentationml/2006/main">
   <p:cSld>
     <p:spTree>
@@ -12841,7 +13352,7 @@
 </p:sld>
 </file>
 
-<file path=ppt/slides/slide8.xml><?xml version="1.0" encoding="utf-8"?>
+<file path=ppt/slides/slide7.xml><?xml version="1.0" encoding="utf-8"?>
 <p:sld xmlns:a="http://schemas.openxmlformats.org/drawingml/2006/main" xmlns:r="http://schemas.openxmlformats.org/officeDocument/2006/relationships" xmlns:p="http://schemas.openxmlformats.org/presentationml/2006/main">
   <p:cSld>
     <p:spTree>
@@ -13011,7 +13522,7 @@
 </p:sld>
 </file>
 
-<file path=ppt/slides/slide9.xml><?xml version="1.0" encoding="utf-8"?>
+<file path=ppt/slides/slide8.xml><?xml version="1.0" encoding="utf-8"?>
 <p:sld xmlns:a="http://schemas.openxmlformats.org/drawingml/2006/main" xmlns:r="http://schemas.openxmlformats.org/officeDocument/2006/relationships" xmlns:p="http://schemas.openxmlformats.org/presentationml/2006/main">
   <p:cSld>
     <p:spTree>
@@ -13485,6 +13996,332 @@
     <p:extLst>
       <p:ext uri="{BB962C8B-B14F-4D97-AF65-F5344CB8AC3E}">
         <p14:creationId xmlns:p14="http://schemas.microsoft.com/office/powerpoint/2010/main" val="2074943417"/>
+      </p:ext>
+    </p:extLst>
+  </p:cSld>
+  <p:clrMapOvr>
+    <a:masterClrMapping/>
+  </p:clrMapOvr>
+  <p:timing>
+    <p:tnLst>
+      <p:par>
+        <p:cTn id="1" dur="indefinite" restart="never" nodeType="tmRoot"/>
+      </p:par>
+    </p:tnLst>
+  </p:timing>
+</p:sld>
+</file>
+
+<file path=ppt/slides/slide9.xml><?xml version="1.0" encoding="utf-8"?>
+<p:sld xmlns:a="http://schemas.openxmlformats.org/drawingml/2006/main" xmlns:r="http://schemas.openxmlformats.org/officeDocument/2006/relationships" xmlns:p="http://schemas.openxmlformats.org/presentationml/2006/main">
+  <p:cSld>
+    <p:spTree>
+      <p:nvGrpSpPr>
+        <p:cNvPr id="1" name=""/>
+        <p:cNvGrpSpPr/>
+        <p:nvPr/>
+      </p:nvGrpSpPr>
+      <p:grpSpPr>
+        <a:xfrm>
+          <a:off x="0" y="0"/>
+          <a:ext cx="0" cy="0"/>
+          <a:chOff x="0" y="0"/>
+          <a:chExt cx="0" cy="0"/>
+        </a:xfrm>
+      </p:grpSpPr>
+      <p:sp>
+        <p:nvSpPr>
+          <p:cNvPr id="2" name="Tytuł 1"/>
+          <p:cNvSpPr>
+            <a:spLocks noGrp="1"/>
+          </p:cNvSpPr>
+          <p:nvPr>
+            <p:ph type="title"/>
+          </p:nvPr>
+        </p:nvSpPr>
+        <p:spPr/>
+        <p:txBody>
+          <a:bodyPr>
+            <a:normAutofit/>
+          </a:bodyPr>
+          <a:lstStyle/>
+          <a:p>
+            <a:r>
+              <a:rPr lang="en-IE" dirty="0" smtClean="0"/>
+              <a:t>		Project structure</a:t>
+            </a:r>
+            <a:endParaRPr lang="pl-PL" dirty="0"/>
+          </a:p>
+        </p:txBody>
+      </p:sp>
+      <p:sp>
+        <p:nvSpPr>
+          <p:cNvPr id="3" name="Symbol zastępczy zawartości 2"/>
+          <p:cNvSpPr>
+            <a:spLocks noGrp="1"/>
+          </p:cNvSpPr>
+          <p:nvPr>
+            <p:ph idx="1"/>
+          </p:nvPr>
+        </p:nvSpPr>
+        <p:spPr>
+          <a:xfrm>
+            <a:off x="539552" y="1619318"/>
+            <a:ext cx="8229600" cy="4525963"/>
+          </a:xfrm>
+        </p:spPr>
+        <p:txBody>
+          <a:bodyPr>
+            <a:normAutofit fontScale="92500" lnSpcReduction="10000"/>
+          </a:bodyPr>
+          <a:lstStyle/>
+          <a:p>
+            <a:pPr>
+              <a:buFontTx/>
+              <a:buChar char="-"/>
+            </a:pPr>
+            <a:r>
+              <a:rPr lang="en-IE" b="1" dirty="0" smtClean="0"/>
+              <a:t>app</a:t>
+            </a:r>
+          </a:p>
+          <a:p>
+            <a:pPr lvl="1">
+              <a:buFontTx/>
+              <a:buChar char="-"/>
+            </a:pPr>
+            <a:r>
+              <a:rPr lang="en-IE" dirty="0"/>
+              <a:t>c</a:t>
+            </a:r>
+            <a:r>
+              <a:rPr lang="en-IE" dirty="0" smtClean="0"/>
+              <a:t>ontrollers</a:t>
+            </a:r>
+          </a:p>
+          <a:p>
+            <a:pPr lvl="1">
+              <a:buFontTx/>
+              <a:buChar char="-"/>
+            </a:pPr>
+            <a:r>
+              <a:rPr lang="en-IE" dirty="0" smtClean="0"/>
+              <a:t>views</a:t>
+            </a:r>
+          </a:p>
+          <a:p>
+            <a:pPr>
+              <a:buFontTx/>
+              <a:buChar char="-"/>
+            </a:pPr>
+            <a:r>
+              <a:rPr lang="en-IE" b="1" dirty="0" err="1" smtClean="0"/>
+              <a:t>conf</a:t>
+            </a:r>
+            <a:endParaRPr lang="en-IE" b="1" dirty="0" smtClean="0"/>
+          </a:p>
+          <a:p>
+            <a:pPr lvl="1">
+              <a:buFontTx/>
+              <a:buChar char="-"/>
+            </a:pPr>
+            <a:r>
+              <a:rPr lang="en-IE" dirty="0" err="1"/>
+              <a:t>application.conf</a:t>
+            </a:r>
+            <a:endParaRPr lang="en-IE" dirty="0"/>
+          </a:p>
+          <a:p>
+            <a:pPr lvl="1">
+              <a:buFontTx/>
+              <a:buChar char="-"/>
+            </a:pPr>
+            <a:r>
+              <a:rPr lang="en-IE" dirty="0"/>
+              <a:t>routes</a:t>
+            </a:r>
+          </a:p>
+          <a:p>
+            <a:pPr>
+              <a:buFontTx/>
+              <a:buChar char="-"/>
+            </a:pPr>
+            <a:r>
+              <a:rPr lang="en-IE" b="1" dirty="0"/>
+              <a:t>p</a:t>
+            </a:r>
+            <a:r>
+              <a:rPr lang="en-IE" b="1" dirty="0" smtClean="0"/>
+              <a:t>roject</a:t>
+            </a:r>
+          </a:p>
+          <a:p>
+            <a:pPr>
+              <a:buFontTx/>
+              <a:buChar char="-"/>
+            </a:pPr>
+            <a:r>
+              <a:rPr lang="en-IE" b="1" dirty="0" smtClean="0"/>
+              <a:t>public</a:t>
+            </a:r>
+          </a:p>
+          <a:p>
+            <a:pPr>
+              <a:buFontTx/>
+              <a:buChar char="-"/>
+            </a:pPr>
+            <a:r>
+              <a:rPr lang="en-IE" b="1" dirty="0" smtClean="0"/>
+              <a:t>test</a:t>
+            </a:r>
+          </a:p>
+          <a:p>
+            <a:pPr lvl="1">
+              <a:buFontTx/>
+              <a:buChar char="-"/>
+            </a:pPr>
+            <a:endParaRPr lang="en-IE" dirty="0" smtClean="0"/>
+          </a:p>
+          <a:p>
+            <a:pPr>
+              <a:buFontTx/>
+              <a:buChar char="-"/>
+            </a:pPr>
+            <a:endParaRPr lang="en-IE" dirty="0" smtClean="0"/>
+          </a:p>
+          <a:p>
+            <a:pPr>
+              <a:buFontTx/>
+              <a:buChar char="-"/>
+            </a:pPr>
+            <a:endParaRPr lang="en-IE" dirty="0" smtClean="0"/>
+          </a:p>
+          <a:p>
+            <a:pPr marL="0" indent="0">
+              <a:buNone/>
+            </a:pPr>
+            <a:endParaRPr lang="en-IE" dirty="0"/>
+          </a:p>
+          <a:p>
+            <a:pPr marL="0" indent="0">
+              <a:buNone/>
+            </a:pPr>
+            <a:endParaRPr lang="pl-PL" dirty="0"/>
+          </a:p>
+        </p:txBody>
+      </p:sp>
+      <p:pic>
+        <p:nvPicPr>
+          <p:cNvPr id="4" name="Picture 2"/>
+          <p:cNvPicPr>
+            <a:picLocks noChangeAspect="1" noChangeArrowheads="1"/>
+          </p:cNvPicPr>
+          <p:nvPr/>
+        </p:nvPicPr>
+        <p:blipFill>
+          <a:blip r:embed="rId3" cstate="print">
+            <a:extLst>
+              <a:ext uri="{28A0092B-C50C-407E-A947-70E740481C1C}">
+                <a14:useLocalDpi xmlns:a14="http://schemas.microsoft.com/office/drawing/2010/main" val="0"/>
+              </a:ext>
+            </a:extLst>
+          </a:blip>
+          <a:srcRect/>
+          <a:stretch>
+            <a:fillRect/>
+          </a:stretch>
+        </p:blipFill>
+        <p:spPr bwMode="auto">
+          <a:xfrm>
+            <a:off x="755576" y="532862"/>
+            <a:ext cx="2016224" cy="688262"/>
+          </a:xfrm>
+          <a:prstGeom prst="rect">
+            <a:avLst/>
+          </a:prstGeom>
+          <a:noFill/>
+          <a:ln>
+            <a:noFill/>
+          </a:ln>
+          <a:extLst>
+            <a:ext uri="{909E8E84-426E-40DD-AFC4-6F175D3DCCD1}">
+              <a14:hiddenFill xmlns:a14="http://schemas.microsoft.com/office/drawing/2010/main">
+                <a:solidFill>
+                  <a:schemeClr val="accent1"/>
+                </a:solidFill>
+              </a14:hiddenFill>
+            </a:ext>
+            <a:ext uri="{91240B29-F687-4F45-9708-019B960494DF}">
+              <a14:hiddenLine xmlns:a14="http://schemas.microsoft.com/office/drawing/2010/main" w="9525">
+                <a:solidFill>
+                  <a:schemeClr val="tx1"/>
+                </a:solidFill>
+                <a:miter lim="800000"/>
+                <a:headEnd/>
+                <a:tailEnd/>
+              </a14:hiddenLine>
+            </a:ext>
+          </a:extLst>
+        </p:spPr>
+      </p:pic>
+      <p:pic>
+        <p:nvPicPr>
+          <p:cNvPr id="3078" name="Picture 6"/>
+          <p:cNvPicPr>
+            <a:picLocks noChangeAspect="1" noChangeArrowheads="1"/>
+          </p:cNvPicPr>
+          <p:nvPr/>
+        </p:nvPicPr>
+        <p:blipFill>
+          <a:blip r:embed="rId4">
+            <a:extLst>
+              <a:ext uri="{28A0092B-C50C-407E-A947-70E740481C1C}">
+                <a14:useLocalDpi xmlns:a14="http://schemas.microsoft.com/office/drawing/2010/main" val="0"/>
+              </a:ext>
+            </a:extLst>
+          </a:blip>
+          <a:srcRect/>
+          <a:stretch>
+            <a:fillRect/>
+          </a:stretch>
+        </p:blipFill>
+        <p:spPr bwMode="auto">
+          <a:xfrm>
+            <a:off x="5220072" y="1391369"/>
+            <a:ext cx="3267075" cy="5133975"/>
+          </a:xfrm>
+          <a:prstGeom prst="rect">
+            <a:avLst/>
+          </a:prstGeom>
+          <a:noFill/>
+          <a:ln>
+            <a:noFill/>
+          </a:ln>
+          <a:extLst>
+            <a:ext uri="{909E8E84-426E-40DD-AFC4-6F175D3DCCD1}">
+              <a14:hiddenFill xmlns:a14="http://schemas.microsoft.com/office/drawing/2010/main">
+                <a:solidFill>
+                  <a:schemeClr val="accent1"/>
+                </a:solidFill>
+              </a14:hiddenFill>
+            </a:ext>
+            <a:ext uri="{91240B29-F687-4F45-9708-019B960494DF}">
+              <a14:hiddenLine xmlns:a14="http://schemas.microsoft.com/office/drawing/2010/main" w="9525">
+                <a:solidFill>
+                  <a:schemeClr val="tx1"/>
+                </a:solidFill>
+                <a:miter lim="800000"/>
+                <a:headEnd/>
+                <a:tailEnd/>
+              </a14:hiddenLine>
+            </a:ext>
+          </a:extLst>
+        </p:spPr>
+      </p:pic>
+    </p:spTree>
+    <p:extLst>
+      <p:ext uri="{BB962C8B-B14F-4D97-AF65-F5344CB8AC3E}">
+        <p14:creationId xmlns:p14="http://schemas.microsoft.com/office/powerpoint/2010/main" val="781172312"/>
       </p:ext>
     </p:extLst>
   </p:cSld>
